--- a/展示报告.pptx
+++ b/展示报告.pptx
@@ -5,7 +5,7 @@
     <p:sldMasterId id="2147483678" r:id="rId1"/>
   </p:sldMasterIdLst>
   <p:notesMasterIdLst>
-    <p:notesMasterId r:id="rId24"/>
+    <p:notesMasterId r:id="rId28"/>
   </p:notesMasterIdLst>
   <p:sldIdLst>
     <p:sldId id="256" r:id="rId2"/>
@@ -25,11 +25,15 @@
     <p:sldId id="264" r:id="rId16"/>
     <p:sldId id="265" r:id="rId17"/>
     <p:sldId id="273" r:id="rId18"/>
-    <p:sldId id="271" r:id="rId19"/>
-    <p:sldId id="274" r:id="rId20"/>
-    <p:sldId id="272" r:id="rId21"/>
-    <p:sldId id="277" r:id="rId22"/>
-    <p:sldId id="276" r:id="rId23"/>
+    <p:sldId id="281" r:id="rId19"/>
+    <p:sldId id="271" r:id="rId20"/>
+    <p:sldId id="278" r:id="rId21"/>
+    <p:sldId id="280" r:id="rId22"/>
+    <p:sldId id="279" r:id="rId23"/>
+    <p:sldId id="274" r:id="rId24"/>
+    <p:sldId id="272" r:id="rId25"/>
+    <p:sldId id="277" r:id="rId26"/>
+    <p:sldId id="276" r:id="rId27"/>
   </p:sldIdLst>
   <p:sldSz cx="12192000" cy="6858000"/>
   <p:notesSz cx="6858000" cy="9144000"/>
@@ -1147,6 +1151,13 @@
         </dgm:presLayoutVars>
       </dgm:prSet>
       <dgm:spPr/>
+      <dgm:t>
+        <a:bodyPr/>
+        <a:lstStyle/>
+        <a:p>
+          <a:endParaRPr lang="zh-CN" altLang="en-US"/>
+        </a:p>
+      </dgm:t>
     </dgm:pt>
     <dgm:pt modelId="{03B61ECC-EEB9-4DE9-8C25-D0D15FE845F9}" type="pres">
       <dgm:prSet presAssocID="{C8B99F0F-43BE-487F-B4DF-1008F3E735DD}" presName="Name1" presStyleCnt="0"/>
@@ -1163,6 +1174,13 @@
     <dgm:pt modelId="{1F04467C-D110-4262-AC39-036DF920FCA3}" type="pres">
       <dgm:prSet presAssocID="{C8B99F0F-43BE-487F-B4DF-1008F3E735DD}" presName="conn" presStyleLbl="parChTrans1D2" presStyleIdx="0" presStyleCnt="1"/>
       <dgm:spPr/>
+      <dgm:t>
+        <a:bodyPr/>
+        <a:lstStyle/>
+        <a:p>
+          <a:endParaRPr lang="zh-CN" altLang="en-US"/>
+        </a:p>
+      </dgm:t>
     </dgm:pt>
     <dgm:pt modelId="{35A57891-67B1-40A1-9B96-DBC5B615563B}" type="pres">
       <dgm:prSet presAssocID="{C8B99F0F-43BE-487F-B4DF-1008F3E735DD}" presName="extraNode" presStyleLbl="node1" presStyleIdx="0" presStyleCnt="5"/>
@@ -1179,6 +1197,13 @@
         </dgm:presLayoutVars>
       </dgm:prSet>
       <dgm:spPr/>
+      <dgm:t>
+        <a:bodyPr/>
+        <a:lstStyle/>
+        <a:p>
+          <a:endParaRPr lang="zh-CN" altLang="en-US"/>
+        </a:p>
+      </dgm:t>
     </dgm:pt>
     <dgm:pt modelId="{FA58CFF6-F379-429E-B806-B4EAFD5C0E06}" type="pres">
       <dgm:prSet presAssocID="{2F2B02B7-B9A4-4F04-970B-301FA3F6057C}" presName="accent_1" presStyleCnt="0"/>
@@ -1195,6 +1220,13 @@
         </dgm:presLayoutVars>
       </dgm:prSet>
       <dgm:spPr/>
+      <dgm:t>
+        <a:bodyPr/>
+        <a:lstStyle/>
+        <a:p>
+          <a:endParaRPr lang="zh-CN" altLang="en-US"/>
+        </a:p>
+      </dgm:t>
     </dgm:pt>
     <dgm:pt modelId="{3116A14A-6A9D-41A4-B6C7-02A53874BA3F}" type="pres">
       <dgm:prSet presAssocID="{E7670E26-F6EE-458D-B466-52C8E5E81CDA}" presName="accent_2" presStyleCnt="0"/>
@@ -1211,6 +1243,13 @@
         </dgm:presLayoutVars>
       </dgm:prSet>
       <dgm:spPr/>
+      <dgm:t>
+        <a:bodyPr/>
+        <a:lstStyle/>
+        <a:p>
+          <a:endParaRPr lang="zh-CN" altLang="en-US"/>
+        </a:p>
+      </dgm:t>
     </dgm:pt>
     <dgm:pt modelId="{BAAD6B85-A8CB-4968-9BEA-12D4E82C7C3C}" type="pres">
       <dgm:prSet presAssocID="{7CA92D09-4451-43C0-8475-700FFB6173BA}" presName="accent_3" presStyleCnt="0"/>
@@ -1227,6 +1266,13 @@
         </dgm:presLayoutVars>
       </dgm:prSet>
       <dgm:spPr/>
+      <dgm:t>
+        <a:bodyPr/>
+        <a:lstStyle/>
+        <a:p>
+          <a:endParaRPr lang="zh-CN" altLang="en-US"/>
+        </a:p>
+      </dgm:t>
     </dgm:pt>
     <dgm:pt modelId="{E61E9F88-823A-4CBF-857E-C73E7E7CA901}" type="pres">
       <dgm:prSet presAssocID="{77438846-E362-4A72-A2C7-7890F6543E07}" presName="accent_4" presStyleCnt="0"/>
@@ -1243,6 +1289,13 @@
         </dgm:presLayoutVars>
       </dgm:prSet>
       <dgm:spPr/>
+      <dgm:t>
+        <a:bodyPr/>
+        <a:lstStyle/>
+        <a:p>
+          <a:endParaRPr lang="zh-CN" altLang="en-US"/>
+        </a:p>
+      </dgm:t>
     </dgm:pt>
     <dgm:pt modelId="{B36F189B-00EA-4044-BFB2-89ADA9B7D924}" type="pres">
       <dgm:prSet presAssocID="{1E3CBFC1-3A25-476B-AD87-6E7F270D9974}" presName="accent_5" presStyleCnt="0"/>
@@ -1258,8 +1311,8 @@
     <dgm:cxn modelId="{D7126358-19DD-467C-84A8-0E248EEB18A6}" type="presOf" srcId="{77438846-E362-4A72-A2C7-7890F6543E07}" destId="{868027F8-B51E-4892-AC75-6102288B82B4}" srcOrd="0" destOrd="0" presId="urn:microsoft.com/office/officeart/2008/layout/VerticalCurvedList"/>
     <dgm:cxn modelId="{AA637021-4880-45D9-81D3-E6B651CC1F67}" type="presOf" srcId="{7CA92D09-4451-43C0-8475-700FFB6173BA}" destId="{196E261F-2B92-45C3-A8A5-30A8650670E5}" srcOrd="0" destOrd="0" presId="urn:microsoft.com/office/officeart/2008/layout/VerticalCurvedList"/>
     <dgm:cxn modelId="{4563D2A0-92FD-40E5-93C9-26B621D53341}" srcId="{C8B99F0F-43BE-487F-B4DF-1008F3E735DD}" destId="{2F2B02B7-B9A4-4F04-970B-301FA3F6057C}" srcOrd="0" destOrd="0" parTransId="{35B80775-01CF-48B6-9E51-5587605E307D}" sibTransId="{7A17C8DB-F5C2-47B8-BFF5-2BF70AA7C56A}"/>
+    <dgm:cxn modelId="{D656433E-2867-46AF-892E-98DC90A91B2E}" type="presOf" srcId="{C8B99F0F-43BE-487F-B4DF-1008F3E735DD}" destId="{3811FFE3-64FF-46FA-A511-34E2044D7180}" srcOrd="0" destOrd="0" presId="urn:microsoft.com/office/officeart/2008/layout/VerticalCurvedList"/>
     <dgm:cxn modelId="{872AA007-59A7-4338-BD2C-D2EB253CBB50}" type="presOf" srcId="{2F2B02B7-B9A4-4F04-970B-301FA3F6057C}" destId="{05B12D7E-7EFF-4528-A1A4-1AE748BE3A83}" srcOrd="0" destOrd="0" presId="urn:microsoft.com/office/officeart/2008/layout/VerticalCurvedList"/>
-    <dgm:cxn modelId="{D656433E-2867-46AF-892E-98DC90A91B2E}" type="presOf" srcId="{C8B99F0F-43BE-487F-B4DF-1008F3E735DD}" destId="{3811FFE3-64FF-46FA-A511-34E2044D7180}" srcOrd="0" destOrd="0" presId="urn:microsoft.com/office/officeart/2008/layout/VerticalCurvedList"/>
     <dgm:cxn modelId="{5401F3E7-DE89-4FDB-A697-C5E01C17794F}" srcId="{C8B99F0F-43BE-487F-B4DF-1008F3E735DD}" destId="{7CA92D09-4451-43C0-8475-700FFB6173BA}" srcOrd="2" destOrd="0" parTransId="{AFFE7DB2-79B3-4F9F-9CEC-6C8EC38CAF90}" sibTransId="{CBF4276D-C359-476D-9C7D-3E165C962881}"/>
     <dgm:cxn modelId="{D7B02E0F-0C23-48EF-BC03-06736B9C046E}" type="presOf" srcId="{E7670E26-F6EE-458D-B466-52C8E5E81CDA}" destId="{0376AE73-522B-4590-BF99-814B98A789BC}" srcOrd="0" destOrd="0" presId="urn:microsoft.com/office/officeart/2008/layout/VerticalCurvedList"/>
     <dgm:cxn modelId="{B1CD0F5E-EDC7-494E-BB43-A46A39986968}" type="presOf" srcId="{7A17C8DB-F5C2-47B8-BFF5-2BF70AA7C56A}" destId="{1F04467C-D110-4262-AC39-036DF920FCA3}" srcOrd="0" destOrd="0" presId="urn:microsoft.com/office/officeart/2008/layout/VerticalCurvedList"/>
@@ -4425,7 +4478,7 @@
           <a:p>
             <a:fld id="{EB4C4659-B966-4F45-8722-BE2A40971674}" type="datetimeFigureOut">
               <a:rPr lang="zh-CN" altLang="en-US" smtClean="0"/>
-              <a:t>2019/11/20</a:t>
+              <a:t>2019/11/27</a:t>
             </a:fld>
             <a:endParaRPr lang="zh-CN" altLang="en-US"/>
           </a:p>
@@ -5415,7 +5468,7 @@
           <a:p>
             <a:fld id="{0B5262A1-BBB0-4C1D-B24B-A17475E309D3}" type="datetime1">
               <a:rPr lang="zh-CN" altLang="en-US" smtClean="0"/>
-              <a:t>2019/11/20</a:t>
+              <a:t>2019/11/27</a:t>
             </a:fld>
             <a:endParaRPr lang="zh-CN" altLang="en-US"/>
           </a:p>
@@ -5678,7 +5731,7 @@
           <a:p>
             <a:fld id="{F300D25C-9E56-4815-B126-F477E348A84B}" type="datetime1">
               <a:rPr lang="zh-CN" altLang="en-US" smtClean="0"/>
-              <a:t>2019/11/20</a:t>
+              <a:t>2019/11/27</a:t>
             </a:fld>
             <a:endParaRPr lang="zh-CN" altLang="en-US"/>
           </a:p>
@@ -5992,7 +6045,7 @@
           <a:p>
             <a:fld id="{E9808EBE-6BC3-4175-B4A0-4F64C25A476C}" type="datetime1">
               <a:rPr lang="zh-CN" altLang="en-US" smtClean="0"/>
-              <a:t>2019/11/20</a:t>
+              <a:t>2019/11/27</a:t>
             </a:fld>
             <a:endParaRPr lang="zh-CN" altLang="en-US"/>
           </a:p>
@@ -6333,7 +6386,7 @@
           <a:p>
             <a:fld id="{781EF140-0B3F-4DC7-A9A3-B2C679E00E0F}" type="datetime1">
               <a:rPr lang="zh-CN" altLang="en-US" smtClean="0"/>
-              <a:t>2019/11/20</a:t>
+              <a:t>2019/11/27</a:t>
             </a:fld>
             <a:endParaRPr lang="zh-CN" altLang="en-US"/>
           </a:p>
@@ -6647,7 +6700,7 @@
           <a:p>
             <a:fld id="{6981BB5D-EA9A-4860-8DD5-58A6633404BC}" type="datetime1">
               <a:rPr lang="zh-CN" altLang="en-US" smtClean="0"/>
-              <a:t>2019/11/20</a:t>
+              <a:t>2019/11/27</a:t>
             </a:fld>
             <a:endParaRPr lang="zh-CN" altLang="en-US"/>
           </a:p>
@@ -7040,7 +7093,7 @@
           <a:p>
             <a:fld id="{E0FF85C0-1095-4FFB-94C1-70CB4D918814}" type="datetime1">
               <a:rPr lang="zh-CN" altLang="en-US" smtClean="0"/>
-              <a:t>2019/11/20</a:t>
+              <a:t>2019/11/27</a:t>
             </a:fld>
             <a:endParaRPr lang="zh-CN" altLang="en-US"/>
           </a:p>
@@ -7210,7 +7263,7 @@
           <a:p>
             <a:fld id="{C173D7E1-5BB8-483A-B4B0-7EAE6B224F58}" type="datetime1">
               <a:rPr lang="zh-CN" altLang="en-US" smtClean="0"/>
-              <a:t>2019/11/20</a:t>
+              <a:t>2019/11/27</a:t>
             </a:fld>
             <a:endParaRPr lang="zh-CN" altLang="en-US"/>
           </a:p>
@@ -7390,7 +7443,7 @@
           <a:p>
             <a:fld id="{0B590B97-A056-4C81-A650-204F13DD8936}" type="datetime1">
               <a:rPr lang="zh-CN" altLang="en-US" smtClean="0"/>
-              <a:t>2019/11/20</a:t>
+              <a:t>2019/11/27</a:t>
             </a:fld>
             <a:endParaRPr lang="zh-CN" altLang="en-US"/>
           </a:p>
@@ -7566,7 +7619,7 @@
           <a:p>
             <a:fld id="{1F54B4F3-0B95-4222-9471-0346F240745B}" type="datetime1">
               <a:rPr lang="zh-CN" altLang="en-US" smtClean="0"/>
-              <a:t>2019/11/20</a:t>
+              <a:t>2019/11/27</a:t>
             </a:fld>
             <a:endParaRPr lang="zh-CN" altLang="en-US"/>
           </a:p>
@@ -7820,7 +7873,7 @@
           <a:p>
             <a:fld id="{8E6BFC4D-5D8D-4D3A-B941-C3E03EA0944D}" type="datetime1">
               <a:rPr lang="zh-CN" altLang="en-US" smtClean="0"/>
-              <a:t>2019/11/20</a:t>
+              <a:t>2019/11/27</a:t>
             </a:fld>
             <a:endParaRPr lang="zh-CN" altLang="en-US"/>
           </a:p>
@@ -8052,7 +8105,7 @@
           <a:p>
             <a:fld id="{BE5FBBB9-FE26-42A6-AE19-2140D520C355}" type="datetime1">
               <a:rPr lang="zh-CN" altLang="en-US" smtClean="0"/>
-              <a:t>2019/11/20</a:t>
+              <a:t>2019/11/27</a:t>
             </a:fld>
             <a:endParaRPr lang="zh-CN" altLang="en-US"/>
           </a:p>
@@ -8426,7 +8479,7 @@
           <a:p>
             <a:fld id="{9BC04FB6-A8B7-4B0B-AF43-DD1F5B5A0DF8}" type="datetime1">
               <a:rPr lang="zh-CN" altLang="en-US" smtClean="0"/>
-              <a:t>2019/11/20</a:t>
+              <a:t>2019/11/27</a:t>
             </a:fld>
             <a:endParaRPr lang="zh-CN" altLang="en-US"/>
           </a:p>
@@ -8549,7 +8602,7 @@
           <a:p>
             <a:fld id="{68D44B26-A9FC-4B6E-8859-401E2686118C}" type="datetime1">
               <a:rPr lang="zh-CN" altLang="en-US" smtClean="0"/>
-              <a:t>2019/11/20</a:t>
+              <a:t>2019/11/27</a:t>
             </a:fld>
             <a:endParaRPr lang="zh-CN" altLang="en-US"/>
           </a:p>
@@ -8644,7 +8697,7 @@
           <a:p>
             <a:fld id="{71FA1586-AFD4-4E60-811A-0CD4D64DFA4D}" type="datetime1">
               <a:rPr lang="zh-CN" altLang="en-US" smtClean="0"/>
-              <a:t>2019/11/20</a:t>
+              <a:t>2019/11/27</a:t>
             </a:fld>
             <a:endParaRPr lang="zh-CN" altLang="en-US"/>
           </a:p>
@@ -8906,7 +8959,7 @@
           <a:p>
             <a:fld id="{887C002E-9D7B-4926-843A-570DF38F1B50}" type="datetime1">
               <a:rPr lang="zh-CN" altLang="en-US" smtClean="0"/>
-              <a:t>2019/11/20</a:t>
+              <a:t>2019/11/27</a:t>
             </a:fld>
             <a:endParaRPr lang="zh-CN" altLang="en-US"/>
           </a:p>
@@ -9169,7 +9222,7 @@
           <a:p>
             <a:fld id="{1BD3EA07-5512-4129-815F-E1C87F26EDA3}" type="datetime1">
               <a:rPr lang="zh-CN" altLang="en-US" smtClean="0"/>
-              <a:t>2019/11/20</a:t>
+              <a:t>2019/11/27</a:t>
             </a:fld>
             <a:endParaRPr lang="zh-CN" altLang="en-US"/>
           </a:p>
@@ -9912,7 +9965,7 @@
           <a:p>
             <a:fld id="{B5E79416-FAB2-4A2D-9FE1-1756C2E7CD30}" type="datetime1">
               <a:rPr lang="zh-CN" altLang="en-US" smtClean="0"/>
-              <a:t>2019/11/20</a:t>
+              <a:t>2019/11/27</a:t>
             </a:fld>
             <a:endParaRPr lang="zh-CN" altLang="en-US"/>
           </a:p>
@@ -10513,11 +10566,7 @@
             </a:r>
             <a:r>
               <a:rPr lang="en-US" altLang="zh-CN" dirty="0" smtClean="0"/>
-              <a:t>	</a:t>
-            </a:r>
-            <a:r>
-              <a:rPr lang="en-US" altLang="zh-CN" dirty="0" smtClean="0"/>
-              <a:t>      </a:t>
+              <a:t>	      </a:t>
             </a:r>
             <a:r>
               <a:rPr lang="zh-CN" altLang="en-US" dirty="0" smtClean="0"/>
@@ -12847,11 +12896,7 @@
             </a:r>
             <a:r>
               <a:rPr lang="zh-CN" altLang="en-US" dirty="0" smtClean="0"/>
-              <a:t>，</a:t>
-            </a:r>
-            <a:r>
-              <a:rPr lang="zh-CN" altLang="en-US" dirty="0" smtClean="0"/>
-              <a:t>除法的复杂度</a:t>
+              <a:t>，除法的复杂度</a:t>
             </a:r>
             <a:r>
               <a:rPr lang="en-US" altLang="zh-CN" dirty="0" smtClean="0"/>
@@ -12859,11 +12904,7 @@
             </a:r>
             <a:r>
               <a:rPr lang="zh-CN" altLang="en-US" dirty="0" smtClean="0"/>
-              <a:t>，取</a:t>
-            </a:r>
-            <a:r>
-              <a:rPr lang="zh-CN" altLang="en-US" dirty="0" smtClean="0"/>
-              <a:t>模运算的复杂度超过了</a:t>
+              <a:t>，取模运算的复杂度超过了</a:t>
             </a:r>
             <a:r>
               <a:rPr lang="en-US" altLang="zh-CN" dirty="0" smtClean="0"/>
@@ -12879,11 +12920,7 @@
             </a:r>
             <a:r>
               <a:rPr lang="zh-CN" altLang="en-US" dirty="0" smtClean="0"/>
-              <a:t>为数的位数。因此，对于较大位数的秘钥的快速幂所消耗的时间是极大地，例如秘钥</a:t>
-            </a:r>
-            <a:r>
-              <a:rPr lang="zh-CN" altLang="en-US" dirty="0" smtClean="0"/>
-              <a:t>为</a:t>
+              <a:t>为数的位数。因此，对于较大位数的秘钥的快速幂所消耗的时间是极大地，例如秘钥为</a:t>
             </a:r>
             <a:r>
               <a:rPr lang="en-US" altLang="zh-CN" dirty="0" smtClean="0"/>
@@ -12899,11 +12936,7 @@
             </a:r>
             <a:r>
               <a:rPr lang="zh-CN" altLang="en-US" dirty="0" smtClean="0"/>
-              <a:t>。在已经使用了快速幂、拓展欧几里得等算法的基础上，如何再进行优化，是目前遇到的最大难题。测试时，在设定参数“秘钥</a:t>
-            </a:r>
-            <a:r>
-              <a:rPr lang="zh-CN" altLang="en-US" dirty="0" smtClean="0"/>
-              <a:t>长度</a:t>
+              <a:t>。在已经使用了快速幂、拓展欧几里得等算法的基础上，如何再进行优化，是目前遇到的最大难题。测试时，在设定参数“秘钥长度</a:t>
             </a:r>
             <a:r>
               <a:rPr lang="en-US" altLang="zh-CN" dirty="0" smtClean="0"/>
@@ -12923,19 +12956,11 @@
             </a:r>
             <a:r>
               <a:rPr lang="en-US" altLang="zh-CN" dirty="0" smtClean="0"/>
-              <a:t>256</a:t>
-            </a:r>
-            <a:r>
-              <a:rPr lang="en-US" altLang="zh-CN" dirty="0" smtClean="0"/>
-              <a:t>bit</a:t>
-            </a:r>
-            <a:r>
-              <a:rPr lang="zh-CN" altLang="en-US" dirty="0" smtClean="0"/>
-              <a:t>、</a:t>
-            </a:r>
-            <a:r>
-              <a:rPr lang="zh-CN" altLang="en-US" dirty="0" smtClean="0"/>
-              <a:t>分组长度</a:t>
+              <a:t>256bit</a:t>
+            </a:r>
+            <a:r>
+              <a:rPr lang="zh-CN" altLang="en-US" dirty="0" smtClean="0"/>
+              <a:t>、分组长度</a:t>
             </a:r>
             <a:r>
               <a:rPr lang="en-US" altLang="zh-CN" dirty="0"/>
@@ -12943,11 +12968,7 @@
             </a:r>
             <a:r>
               <a:rPr lang="en-US" altLang="zh-CN" dirty="0" smtClean="0"/>
-              <a:t>0</a:t>
-            </a:r>
-            <a:r>
-              <a:rPr lang="en-US" altLang="zh-CN" dirty="0" smtClean="0"/>
-              <a:t>(</a:t>
+              <a:t>0(</a:t>
             </a:r>
             <a:r>
               <a:rPr lang="zh-CN" altLang="en-US" dirty="0" smtClean="0"/>
@@ -12959,11 +12980,7 @@
             </a:r>
             <a:r>
               <a:rPr lang="zh-CN" altLang="en-US" dirty="0" smtClean="0"/>
-              <a:t>位，所以每组实际上</a:t>
-            </a:r>
-            <a:r>
-              <a:rPr lang="zh-CN" altLang="en-US" dirty="0" smtClean="0"/>
-              <a:t>是</a:t>
+              <a:t>位，所以每组实际上是</a:t>
             </a:r>
             <a:r>
               <a:rPr lang="en-US" altLang="zh-CN" dirty="0" smtClean="0"/>
@@ -12987,11 +13004,7 @@
             </a:r>
             <a:r>
               <a:rPr lang="zh-CN" altLang="en-US" dirty="0" smtClean="0"/>
-              <a:t>”的情况下，加密</a:t>
-            </a:r>
-            <a:r>
-              <a:rPr lang="zh-CN" altLang="en-US" dirty="0" smtClean="0"/>
-              <a:t>需要</a:t>
+              <a:t>”的情况下，加密需要</a:t>
             </a:r>
             <a:r>
               <a:rPr lang="en-US" altLang="zh-CN" dirty="0" smtClean="0"/>
@@ -13017,11 +13030,7 @@
           <a:p>
             <a:r>
               <a:rPr lang="zh-CN" altLang="en-US" dirty="0" smtClean="0"/>
-              <a:t>所以</a:t>
-            </a:r>
-            <a:r>
-              <a:rPr lang="zh-CN" altLang="en-US" dirty="0" smtClean="0"/>
-              <a:t>，我们认为，采用</a:t>
+              <a:t>所以，我们认为，采用</a:t>
             </a:r>
             <a:r>
               <a:rPr lang="en-US" altLang="zh-CN" dirty="0" smtClean="0"/>
@@ -13029,15 +13038,7 @@
             </a:r>
             <a:r>
               <a:rPr lang="zh-CN" altLang="en-US" dirty="0" smtClean="0"/>
-              <a:t>对</a:t>
-            </a:r>
-            <a:r>
-              <a:rPr lang="zh-CN" altLang="en-US" dirty="0" smtClean="0"/>
-              <a:t>“</a:t>
-            </a:r>
-            <a:r>
-              <a:rPr lang="zh-CN" altLang="en-US" dirty="0" smtClean="0"/>
-              <a:t>对称加密算法</a:t>
+              <a:t>对“对称加密算法</a:t>
             </a:r>
             <a:r>
               <a:rPr lang="en-US" altLang="zh-CN" dirty="0" smtClean="0"/>
@@ -13045,11 +13046,7 @@
             </a:r>
             <a:r>
               <a:rPr lang="zh-CN" altLang="en-US" dirty="0" smtClean="0"/>
-              <a:t>的“秘钥”进行</a:t>
-            </a:r>
-            <a:r>
-              <a:rPr lang="zh-CN" altLang="en-US" dirty="0" smtClean="0"/>
-              <a:t>加密才是合理的方式。</a:t>
+              <a:t>的“秘钥”进行加密才是合理的方式。</a:t>
             </a:r>
             <a:endParaRPr lang="zh-CN" altLang="en-US" dirty="0"/>
           </a:p>
@@ -13148,11 +13145,7 @@
             </a:r>
             <a:r>
               <a:rPr lang="zh-CN" altLang="en-US" sz="6000" dirty="0" smtClean="0"/>
-              <a:t>算法</a:t>
-            </a:r>
-            <a:r>
-              <a:rPr lang="zh-CN" altLang="en-US" sz="6000" dirty="0" smtClean="0"/>
-              <a:t>实现</a:t>
+              <a:t>算法实现</a:t>
             </a:r>
             <a:endParaRPr lang="zh-CN" altLang="en-US" sz="6000" dirty="0"/>
           </a:p>
@@ -13239,25 +13232,6 @@
       </p:grpSpPr>
       <p:sp>
         <p:nvSpPr>
-          <p:cNvPr id="2" name="标题 1"/>
-          <p:cNvSpPr>
-            <a:spLocks noGrp="1"/>
-          </p:cNvSpPr>
-          <p:nvPr>
-            <p:ph type="title"/>
-          </p:nvPr>
-        </p:nvSpPr>
-        <p:spPr/>
-        <p:txBody>
-          <a:bodyPr/>
-          <a:lstStyle/>
-          <a:p>
-            <a:endParaRPr lang="zh-CN" altLang="en-US"/>
-          </a:p>
-        </p:txBody>
-      </p:sp>
-      <p:sp>
-        <p:nvSpPr>
           <p:cNvPr id="3" name="内容占位符 2"/>
           <p:cNvSpPr>
             <a:spLocks noGrp="1"/>
@@ -13266,12 +13240,183 @@
             <p:ph idx="1"/>
           </p:nvPr>
         </p:nvSpPr>
-        <p:spPr/>
-        <p:txBody>
-          <a:bodyPr/>
+        <p:spPr>
+          <a:xfrm>
+            <a:off x="677334" y="449179"/>
+            <a:ext cx="8596668" cy="6030862"/>
+          </a:xfrm>
+        </p:spPr>
+        <p:txBody>
+          <a:bodyPr>
+            <a:normAutofit/>
+          </a:bodyPr>
           <a:lstStyle/>
           <a:p>
-            <a:endParaRPr lang="zh-CN" altLang="en-US"/>
+            <a:r>
+              <a:rPr lang="en-US" altLang="zh-CN" sz="3200" b="1" dirty="0" smtClean="0"/>
+              <a:t>Data Encryption Standard (DES):</a:t>
+            </a:r>
+            <a:endParaRPr lang="en-US" altLang="zh-CN" sz="3200" b="1" dirty="0"/>
+          </a:p>
+          <a:p>
+            <a:r>
+              <a:rPr lang="zh-CN" altLang="en-US" sz="2400" dirty="0" smtClean="0"/>
+              <a:t>作为一种算法公开的对称加密算法，其安全性仅以加密密钥的保密为基础，由于其复杂度高，易扩散，密钥种类丰富等优点，目前已被广泛应用于</a:t>
+            </a:r>
+            <a:r>
+              <a:rPr lang="en-US" altLang="zh-CN" sz="2400" dirty="0" smtClean="0"/>
+              <a:t>POS</a:t>
+            </a:r>
+            <a:r>
+              <a:rPr lang="zh-CN" altLang="en-US" sz="2400" dirty="0" smtClean="0"/>
+              <a:t>，</a:t>
+            </a:r>
+            <a:r>
+              <a:rPr lang="en-US" altLang="zh-CN" sz="2400" dirty="0" smtClean="0"/>
+              <a:t>ATM</a:t>
+            </a:r>
+            <a:r>
+              <a:rPr lang="zh-CN" altLang="en-US" sz="2400" dirty="0" smtClean="0"/>
+              <a:t>，</a:t>
+            </a:r>
+            <a:r>
+              <a:rPr lang="en-US" altLang="zh-CN" sz="2400" dirty="0" smtClean="0"/>
+              <a:t>IC</a:t>
+            </a:r>
+            <a:r>
+              <a:rPr lang="zh-CN" altLang="en-US" sz="2400" dirty="0" smtClean="0"/>
+              <a:t>卡等加密传输中；</a:t>
+            </a:r>
+            <a:endParaRPr lang="en-US" altLang="zh-CN" sz="2400" dirty="0" smtClean="0"/>
+          </a:p>
+          <a:p>
+            <a:endParaRPr lang="en-US" altLang="zh-CN" sz="2400" dirty="0" smtClean="0"/>
+          </a:p>
+          <a:p>
+            <a:r>
+              <a:rPr lang="zh-CN" altLang="en-US" sz="2400" dirty="0" smtClean="0"/>
+              <a:t>密钥结构：</a:t>
+            </a:r>
+            <a:r>
+              <a:rPr lang="en-US" altLang="zh-CN" sz="2400" dirty="0" smtClean="0"/>
+              <a:t>64</a:t>
+            </a:r>
+            <a:r>
+              <a:rPr lang="zh-CN" altLang="en-US" sz="2400" dirty="0" smtClean="0"/>
+              <a:t>位数据（其中</a:t>
+            </a:r>
+            <a:r>
+              <a:rPr lang="en-US" altLang="zh-CN" sz="2400" dirty="0" smtClean="0"/>
+              <a:t>56</a:t>
+            </a:r>
+            <a:r>
+              <a:rPr lang="zh-CN" altLang="en-US" sz="2400" dirty="0" smtClean="0"/>
+              <a:t>位为有效位，第</a:t>
+            </a:r>
+            <a:r>
+              <a:rPr lang="en-US" altLang="zh-CN" sz="2400" dirty="0" smtClean="0"/>
+              <a:t>8,16,24</a:t>
+            </a:r>
+            <a:r>
+              <a:rPr lang="zh-CN" altLang="en-US" sz="2400" dirty="0" smtClean="0"/>
+              <a:t>，</a:t>
+            </a:r>
+            <a:r>
+              <a:rPr lang="en-US" altLang="zh-CN" sz="2400" dirty="0" smtClean="0"/>
+              <a:t>…</a:t>
+            </a:r>
+            <a:r>
+              <a:rPr lang="zh-CN" altLang="en-US" sz="2400" dirty="0" smtClean="0"/>
+              <a:t>，</a:t>
+            </a:r>
+            <a:r>
+              <a:rPr lang="en-US" altLang="zh-CN" sz="2400" dirty="0" smtClean="0"/>
+              <a:t>64</a:t>
+            </a:r>
+            <a:r>
+              <a:rPr lang="zh-CN" altLang="en-US" sz="2400" dirty="0" smtClean="0"/>
+              <a:t>位为奇偶校验位，用于密钥传输校验）</a:t>
+            </a:r>
+            <a:endParaRPr lang="en-US" altLang="zh-CN" sz="2400" dirty="0" smtClean="0"/>
+          </a:p>
+          <a:p>
+            <a:endParaRPr lang="en-US" altLang="zh-CN" sz="2400" dirty="0"/>
+          </a:p>
+          <a:p>
+            <a:r>
+              <a:rPr lang="zh-CN" altLang="en-US" sz="2400" dirty="0" smtClean="0"/>
+              <a:t>在</a:t>
+            </a:r>
+            <a:r>
+              <a:rPr lang="en-US" altLang="zh-CN" sz="2400" dirty="0" smtClean="0"/>
+              <a:t>20</a:t>
+            </a:r>
+            <a:r>
+              <a:rPr lang="zh-CN" altLang="en-US" sz="2400" dirty="0" smtClean="0"/>
+              <a:t>世纪末，美国</a:t>
+            </a:r>
+            <a:r>
+              <a:rPr lang="en-US" altLang="zh-CN" sz="2400" dirty="0" smtClean="0"/>
+              <a:t>RSA</a:t>
+            </a:r>
+            <a:r>
+              <a:rPr lang="zh-CN" altLang="en-US" sz="2400" dirty="0" smtClean="0"/>
+              <a:t>数据安全公司发布“密钥挑战”，悬赏攻破</a:t>
+            </a:r>
+            <a:r>
+              <a:rPr lang="en-US" altLang="zh-CN" sz="2400" dirty="0" smtClean="0"/>
+              <a:t>56bits</a:t>
+            </a:r>
+            <a:r>
+              <a:rPr lang="zh-CN" altLang="en-US" sz="2400" dirty="0" smtClean="0"/>
+              <a:t>的</a:t>
+            </a:r>
+            <a:r>
+              <a:rPr lang="en-US" altLang="zh-CN" sz="2400" dirty="0" smtClean="0"/>
+              <a:t>DES</a:t>
+            </a:r>
+            <a:r>
+              <a:rPr lang="zh-CN" altLang="en-US" sz="2400" dirty="0" smtClean="0"/>
+              <a:t>算法；由于</a:t>
+            </a:r>
+            <a:r>
+              <a:rPr lang="en-US" altLang="zh-CN" sz="2400" dirty="0" smtClean="0"/>
+              <a:t>DES</a:t>
+            </a:r>
+            <a:r>
+              <a:rPr lang="zh-CN" altLang="en-US" sz="2400" dirty="0" smtClean="0"/>
+              <a:t>的密钥空间包含</a:t>
+            </a:r>
+            <a:r>
+              <a:rPr lang="en-US" altLang="zh-CN" sz="2400" dirty="0" smtClean="0"/>
+              <a:t>7.2e16</a:t>
+            </a:r>
+            <a:r>
+              <a:rPr lang="zh-CN" altLang="en-US" sz="2400" dirty="0" smtClean="0"/>
+              <a:t>的可能解，最后历时</a:t>
+            </a:r>
+            <a:r>
+              <a:rPr lang="en-US" altLang="zh-CN" sz="2400" dirty="0" smtClean="0"/>
+              <a:t>140</a:t>
+            </a:r>
+            <a:r>
+              <a:rPr lang="zh-CN" altLang="en-US" sz="2400" dirty="0" smtClean="0"/>
+              <a:t>天攻破；</a:t>
+            </a:r>
+            <a:endParaRPr lang="en-US" altLang="zh-CN" sz="2400" dirty="0" smtClean="0"/>
+          </a:p>
+          <a:p>
+            <a:endParaRPr lang="en-US" altLang="zh-CN" sz="2400" dirty="0"/>
+          </a:p>
+          <a:p>
+            <a:r>
+              <a:rPr lang="zh-CN" altLang="en-US" sz="2400" dirty="0" smtClean="0"/>
+              <a:t>但还可以通过进一步增长密钥来提高保密性；</a:t>
+            </a:r>
+            <a:endParaRPr lang="en-US" altLang="zh-CN" sz="2400" dirty="0" smtClean="0"/>
+          </a:p>
+          <a:p>
+            <a:endParaRPr lang="en-US" altLang="zh-CN" sz="2400" dirty="0" smtClean="0"/>
           </a:p>
         </p:txBody>
       </p:sp>
@@ -13301,7 +13446,7 @@
     </p:spTree>
     <p:extLst>
       <p:ext uri="{BB962C8B-B14F-4D97-AF65-F5344CB8AC3E}">
-        <p14:creationId xmlns:p14="http://schemas.microsoft.com/office/powerpoint/2010/main" val="583179425"/>
+        <p14:creationId xmlns:p14="http://schemas.microsoft.com/office/powerpoint/2010/main" val="3782807049"/>
       </p:ext>
     </p:extLst>
   </p:cSld>
@@ -13337,18 +13482,18 @@
       </p:grpSpPr>
       <p:sp>
         <p:nvSpPr>
-          <p:cNvPr id="4" name="标题 3"/>
+          <p:cNvPr id="3" name="内容占位符 2"/>
           <p:cNvSpPr>
             <a:spLocks noGrp="1"/>
           </p:cNvSpPr>
           <p:nvPr>
-            <p:ph type="title"/>
+            <p:ph idx="1"/>
           </p:nvPr>
         </p:nvSpPr>
         <p:spPr>
           <a:xfrm>
-            <a:off x="677335" y="1960203"/>
-            <a:ext cx="8596668" cy="1826581"/>
+            <a:off x="677334" y="1090863"/>
+            <a:ext cx="6152090" cy="5389178"/>
           </a:xfrm>
         </p:spPr>
         <p:txBody>
@@ -13357,49 +13502,179 @@
           </a:bodyPr>
           <a:lstStyle/>
           <a:p>
-            <a:pPr algn="ctr"/>
-            <a:r>
-              <a:rPr lang="zh-CN" altLang="en-US" sz="6000" dirty="0" smtClean="0"/>
-              <a:t>四、</a:t>
-            </a:r>
-            <a:r>
-              <a:rPr lang="en-US" altLang="zh-CN" sz="6000" dirty="0" smtClean="0"/>
-              <a:t>AES</a:t>
-            </a:r>
-            <a:r>
-              <a:rPr lang="zh-CN" altLang="en-US" sz="6000" dirty="0" smtClean="0"/>
-              <a:t>算法</a:t>
-            </a:r>
-            <a:r>
-              <a:rPr lang="zh-CN" altLang="en-US" sz="6000" dirty="0" smtClean="0"/>
-              <a:t>实现</a:t>
-            </a:r>
-            <a:endParaRPr lang="zh-CN" altLang="en-US" sz="6000" dirty="0"/>
-          </a:p>
-        </p:txBody>
-      </p:sp>
-      <p:sp>
-        <p:nvSpPr>
-          <p:cNvPr id="5" name="文本占位符 4"/>
-          <p:cNvSpPr>
-            <a:spLocks noGrp="1"/>
-          </p:cNvSpPr>
-          <p:nvPr>
-            <p:ph type="body" idx="1"/>
-          </p:nvPr>
-        </p:nvSpPr>
-        <p:spPr/>
-        <p:txBody>
-          <a:bodyPr/>
-          <a:lstStyle/>
-          <a:p>
-            <a:endParaRPr lang="zh-CN" altLang="en-US"/>
-          </a:p>
-        </p:txBody>
-      </p:sp>
-      <p:sp>
-        <p:nvSpPr>
-          <p:cNvPr id="2" name="灯片编号占位符 1"/>
+            <a:pPr marL="0" indent="0">
+              <a:buNone/>
+            </a:pPr>
+            <a:endParaRPr lang="en-US" altLang="zh-CN" sz="2400" dirty="0" smtClean="0"/>
+          </a:p>
+          <a:p>
+            <a:r>
+              <a:rPr lang="en-US" altLang="zh-CN" sz="2400" dirty="0" smtClean="0"/>
+              <a:t>16</a:t>
+            </a:r>
+            <a:r>
+              <a:rPr lang="zh-CN" altLang="en-US" sz="2400" dirty="0" smtClean="0"/>
+              <a:t>个子密钥的产生：（详见</a:t>
+            </a:r>
+            <a:r>
+              <a:rPr lang="en-US" altLang="zh-CN" sz="2400" dirty="0" err="1" smtClean="0"/>
+              <a:t>DESEncode.m</a:t>
+            </a:r>
+            <a:r>
+              <a:rPr lang="zh-CN" altLang="en-US" sz="2400" dirty="0" smtClean="0"/>
+              <a:t>）</a:t>
+            </a:r>
+            <a:endParaRPr lang="en-US" altLang="zh-CN" sz="2400" dirty="0" smtClean="0"/>
+          </a:p>
+          <a:p>
+            <a:pPr lvl="1"/>
+            <a:r>
+              <a:rPr lang="zh-CN" altLang="en-US" sz="2200" dirty="0" smtClean="0"/>
+              <a:t>初始置换：经过</a:t>
+            </a:r>
+            <a:r>
+              <a:rPr lang="en-US" altLang="zh-CN" sz="2200" dirty="0" smtClean="0"/>
+              <a:t>PC1</a:t>
+            </a:r>
+            <a:r>
+              <a:rPr lang="zh-CN" altLang="en-US" sz="2200" dirty="0" smtClean="0"/>
+              <a:t>得到两部分</a:t>
+            </a:r>
+            <a:r>
+              <a:rPr lang="en-US" altLang="zh-CN" sz="2200" dirty="0" smtClean="0"/>
+              <a:t>C0</a:t>
+            </a:r>
+            <a:r>
+              <a:rPr lang="zh-CN" altLang="en-US" sz="2200" dirty="0" smtClean="0"/>
+              <a:t>（前</a:t>
+            </a:r>
+            <a:r>
+              <a:rPr lang="en-US" altLang="zh-CN" sz="2200" dirty="0" smtClean="0"/>
+              <a:t>28</a:t>
+            </a:r>
+            <a:r>
+              <a:rPr lang="zh-CN" altLang="en-US" sz="2200" dirty="0" smtClean="0"/>
+              <a:t>位）和</a:t>
+            </a:r>
+            <a:r>
+              <a:rPr lang="en-US" altLang="zh-CN" sz="2200" dirty="0" smtClean="0"/>
+              <a:t>D0</a:t>
+            </a:r>
+            <a:r>
+              <a:rPr lang="zh-CN" altLang="en-US" sz="2200" dirty="0" smtClean="0"/>
+              <a:t>（后</a:t>
+            </a:r>
+            <a:r>
+              <a:rPr lang="en-US" altLang="zh-CN" sz="2200" dirty="0" smtClean="0"/>
+              <a:t>28</a:t>
+            </a:r>
+            <a:r>
+              <a:rPr lang="zh-CN" altLang="en-US" sz="2200" dirty="0" smtClean="0"/>
+              <a:t>位）；</a:t>
+            </a:r>
+            <a:endParaRPr lang="en-US" altLang="zh-CN" sz="2200" dirty="0" smtClean="0"/>
+          </a:p>
+          <a:p>
+            <a:pPr lvl="1"/>
+            <a:endParaRPr lang="en-US" altLang="zh-CN" sz="2200" dirty="0" smtClean="0"/>
+          </a:p>
+          <a:p>
+            <a:pPr lvl="1"/>
+            <a:r>
+              <a:rPr lang="zh-CN" altLang="en-US" sz="2200" dirty="0" smtClean="0"/>
+              <a:t>循环移位：按照某个固定位数循环左移得到</a:t>
+            </a:r>
+            <a:r>
+              <a:rPr lang="en-US" altLang="zh-CN" sz="2200" dirty="0" smtClean="0"/>
+              <a:t>16</a:t>
+            </a:r>
+            <a:r>
+              <a:rPr lang="zh-CN" altLang="en-US" sz="2200" dirty="0" smtClean="0"/>
+              <a:t>组</a:t>
+            </a:r>
+            <a:r>
+              <a:rPr lang="en-US" altLang="zh-CN" sz="2200" dirty="0" smtClean="0"/>
+              <a:t>Cn</a:t>
+            </a:r>
+            <a:r>
+              <a:rPr lang="zh-CN" altLang="en-US" sz="2200" dirty="0" smtClean="0"/>
+              <a:t>，</a:t>
+            </a:r>
+            <a:r>
+              <a:rPr lang="en-US" altLang="zh-CN" sz="2200" dirty="0" err="1" smtClean="0"/>
+              <a:t>Dn</a:t>
+            </a:r>
+            <a:r>
+              <a:rPr lang="zh-CN" altLang="en-US" sz="2200" dirty="0" smtClean="0"/>
+              <a:t>；</a:t>
+            </a:r>
+            <a:endParaRPr lang="en-US" altLang="zh-CN" sz="2200" dirty="0" smtClean="0"/>
+          </a:p>
+          <a:p>
+            <a:pPr lvl="1"/>
+            <a:endParaRPr lang="en-US" altLang="zh-CN" sz="2200" dirty="0" smtClean="0"/>
+          </a:p>
+          <a:p>
+            <a:pPr lvl="1"/>
+            <a:r>
+              <a:rPr lang="zh-CN" altLang="en-US" sz="2200" dirty="0" smtClean="0"/>
+              <a:t>置换选择：经过</a:t>
+            </a:r>
+            <a:r>
+              <a:rPr lang="en-US" altLang="zh-CN" sz="2200" dirty="0" smtClean="0"/>
+              <a:t>PC2</a:t>
+            </a:r>
+            <a:r>
+              <a:rPr lang="zh-CN" altLang="en-US" sz="2200" dirty="0" smtClean="0"/>
+              <a:t>将拼接起来的</a:t>
+            </a:r>
+            <a:r>
+              <a:rPr lang="en-US" altLang="zh-CN" sz="2200" dirty="0" smtClean="0"/>
+              <a:t>Cn</a:t>
+            </a:r>
+            <a:r>
+              <a:rPr lang="zh-CN" altLang="en-US" sz="2200" dirty="0" smtClean="0"/>
+              <a:t>，</a:t>
+            </a:r>
+            <a:r>
+              <a:rPr lang="en-US" altLang="zh-CN" sz="2200" dirty="0" err="1" smtClean="0"/>
+              <a:t>Dn</a:t>
+            </a:r>
+            <a:r>
+              <a:rPr lang="zh-CN" altLang="en-US" sz="2200" dirty="0" smtClean="0"/>
+              <a:t>压缩，得到</a:t>
+            </a:r>
+            <a:r>
+              <a:rPr lang="en-US" altLang="zh-CN" sz="2200" dirty="0" smtClean="0"/>
+              <a:t>16</a:t>
+            </a:r>
+            <a:r>
+              <a:rPr lang="zh-CN" altLang="en-US" sz="2200" dirty="0" smtClean="0"/>
+              <a:t>组</a:t>
+            </a:r>
+            <a:r>
+              <a:rPr lang="en-US" altLang="zh-CN" sz="2200" dirty="0" smtClean="0"/>
+              <a:t>48</a:t>
+            </a:r>
+            <a:r>
+              <a:rPr lang="zh-CN" altLang="en-US" sz="2200" dirty="0" smtClean="0"/>
+              <a:t>位的子密钥</a:t>
+            </a:r>
+            <a:r>
+              <a:rPr lang="en-US" altLang="zh-CN" sz="2200" dirty="0" err="1" smtClean="0"/>
+              <a:t>KeyN</a:t>
+            </a:r>
+            <a:r>
+              <a:rPr lang="zh-CN" altLang="en-US" sz="2200" dirty="0" smtClean="0"/>
+              <a:t>；</a:t>
+            </a:r>
+            <a:endParaRPr lang="zh-CN" altLang="en-US" dirty="0"/>
+          </a:p>
+        </p:txBody>
+      </p:sp>
+      <p:sp>
+        <p:nvSpPr>
+          <p:cNvPr id="4" name="灯片编号占位符 3"/>
           <p:cNvSpPr>
             <a:spLocks noGrp="1"/>
           </p:cNvSpPr>
@@ -13420,10 +13695,34 @@
           </a:p>
         </p:txBody>
       </p:sp>
+      <p:pic>
+        <p:nvPicPr>
+          <p:cNvPr id="5" name="图片 4"/>
+          <p:cNvPicPr>
+            <a:picLocks noChangeAspect="1"/>
+          </p:cNvPicPr>
+          <p:nvPr/>
+        </p:nvPicPr>
+        <p:blipFill>
+          <a:blip r:embed="rId2"/>
+          <a:stretch>
+            <a:fillRect/>
+          </a:stretch>
+        </p:blipFill>
+        <p:spPr>
+          <a:xfrm>
+            <a:off x="6829424" y="92760"/>
+            <a:ext cx="4019550" cy="6743700"/>
+          </a:xfrm>
+          <a:prstGeom prst="rect">
+            <a:avLst/>
+          </a:prstGeom>
+        </p:spPr>
+      </p:pic>
     </p:spTree>
     <p:extLst>
       <p:ext uri="{BB962C8B-B14F-4D97-AF65-F5344CB8AC3E}">
-        <p14:creationId xmlns:p14="http://schemas.microsoft.com/office/powerpoint/2010/main" val="1193826542"/>
+        <p14:creationId xmlns:p14="http://schemas.microsoft.com/office/powerpoint/2010/main" val="583179425"/>
       </p:ext>
     </p:extLst>
   </p:cSld>
@@ -13628,25 +13927,6 @@
       </p:grpSpPr>
       <p:sp>
         <p:nvSpPr>
-          <p:cNvPr id="2" name="标题 1"/>
-          <p:cNvSpPr>
-            <a:spLocks noGrp="1"/>
-          </p:cNvSpPr>
-          <p:nvPr>
-            <p:ph type="title"/>
-          </p:nvPr>
-        </p:nvSpPr>
-        <p:spPr/>
-        <p:txBody>
-          <a:bodyPr/>
-          <a:lstStyle/>
-          <a:p>
-            <a:endParaRPr lang="zh-CN" altLang="en-US"/>
-          </a:p>
-        </p:txBody>
-      </p:sp>
-      <p:sp>
-        <p:nvSpPr>
           <p:cNvPr id="3" name="内容占位符 2"/>
           <p:cNvSpPr>
             <a:spLocks noGrp="1"/>
@@ -13655,12 +13935,158 @@
             <p:ph idx="1"/>
           </p:nvPr>
         </p:nvSpPr>
-        <p:spPr/>
-        <p:txBody>
-          <a:bodyPr/>
+        <p:spPr>
+          <a:xfrm>
+            <a:off x="709418" y="1033713"/>
+            <a:ext cx="5113866" cy="5190623"/>
+          </a:xfrm>
+        </p:spPr>
+        <p:txBody>
+          <a:bodyPr>
+            <a:normAutofit/>
+          </a:bodyPr>
           <a:lstStyle/>
           <a:p>
-            <a:endParaRPr lang="zh-CN" altLang="en-US"/>
+            <a:r>
+              <a:rPr lang="zh-CN" altLang="en-US" sz="2400" dirty="0"/>
+              <a:t>详</a:t>
+            </a:r>
+            <a:r>
+              <a:rPr lang="zh-CN" altLang="en-US" sz="2400" dirty="0" smtClean="0"/>
+              <a:t>见</a:t>
+            </a:r>
+            <a:r>
+              <a:rPr lang="en-US" altLang="zh-CN" sz="2400" dirty="0" err="1" smtClean="0"/>
+              <a:t>DESCoding.m</a:t>
+            </a:r>
+            <a:endParaRPr lang="en-US" altLang="zh-CN" sz="2400" dirty="0" smtClean="0"/>
+          </a:p>
+          <a:p>
+            <a:r>
+              <a:rPr lang="zh-CN" altLang="en-US" sz="2400" dirty="0" smtClean="0"/>
+              <a:t>数据块初始置换：利用</a:t>
+            </a:r>
+            <a:r>
+              <a:rPr lang="en-US" altLang="zh-CN" sz="2400" dirty="0" smtClean="0"/>
+              <a:t>IP</a:t>
+            </a:r>
+            <a:r>
+              <a:rPr lang="zh-CN" altLang="en-US" sz="2400" dirty="0" smtClean="0"/>
+              <a:t>置换得到</a:t>
+            </a:r>
+            <a:r>
+              <a:rPr lang="en-US" altLang="zh-CN" sz="2400" dirty="0" smtClean="0"/>
+              <a:t>L0</a:t>
+            </a:r>
+            <a:r>
+              <a:rPr lang="zh-CN" altLang="en-US" sz="2400" dirty="0" smtClean="0"/>
+              <a:t>（前</a:t>
+            </a:r>
+            <a:r>
+              <a:rPr lang="en-US" altLang="zh-CN" sz="2400" dirty="0" smtClean="0"/>
+              <a:t>32</a:t>
+            </a:r>
+            <a:r>
+              <a:rPr lang="zh-CN" altLang="en-US" sz="2400" dirty="0" smtClean="0"/>
+              <a:t>位）和</a:t>
+            </a:r>
+            <a:r>
+              <a:rPr lang="en-US" altLang="zh-CN" sz="2400" dirty="0" smtClean="0"/>
+              <a:t>R0</a:t>
+            </a:r>
+            <a:r>
+              <a:rPr lang="zh-CN" altLang="en-US" sz="2400" dirty="0" smtClean="0"/>
+              <a:t>（后</a:t>
+            </a:r>
+            <a:r>
+              <a:rPr lang="en-US" altLang="zh-CN" sz="2400" dirty="0" smtClean="0"/>
+              <a:t>32</a:t>
+            </a:r>
+            <a:r>
+              <a:rPr lang="zh-CN" altLang="en-US" sz="2400" dirty="0" smtClean="0"/>
+              <a:t>位）；</a:t>
+            </a:r>
+            <a:endParaRPr lang="en-US" altLang="zh-CN" sz="2400" dirty="0" smtClean="0"/>
+          </a:p>
+          <a:p>
+            <a:endParaRPr lang="en-US" altLang="zh-CN" sz="2400" dirty="0" smtClean="0"/>
+          </a:p>
+          <a:p>
+            <a:r>
+              <a:rPr lang="en-US" altLang="zh-CN" sz="2400" dirty="0" smtClean="0"/>
+              <a:t>E</a:t>
+            </a:r>
+            <a:r>
+              <a:rPr lang="zh-CN" altLang="en-US" sz="2400" dirty="0" smtClean="0"/>
+              <a:t>盒拓展：利用某些位置重复出现（扩展置换</a:t>
+            </a:r>
+            <a:r>
+              <a:rPr lang="en-US" altLang="zh-CN" sz="2400" dirty="0" err="1" smtClean="0"/>
+              <a:t>rept</a:t>
+            </a:r>
+            <a:r>
+              <a:rPr lang="zh-CN" altLang="en-US" sz="2400" dirty="0" smtClean="0"/>
+              <a:t>），将</a:t>
+            </a:r>
+            <a:r>
+              <a:rPr lang="en-US" altLang="zh-CN" sz="2400" dirty="0" err="1" smtClean="0"/>
+              <a:t>Ri</a:t>
+            </a:r>
+            <a:r>
+              <a:rPr lang="zh-CN" altLang="en-US" sz="2400" dirty="0" smtClean="0"/>
+              <a:t>拓展为</a:t>
+            </a:r>
+            <a:r>
+              <a:rPr lang="en-US" altLang="zh-CN" sz="2400" dirty="0" smtClean="0"/>
+              <a:t>48</a:t>
+            </a:r>
+            <a:r>
+              <a:rPr lang="zh-CN" altLang="en-US" sz="2400" dirty="0" smtClean="0"/>
+              <a:t>位的数据，这一步骤加强了扩散效果；</a:t>
+            </a:r>
+            <a:endParaRPr lang="en-US" altLang="zh-CN" sz="2400" dirty="0" smtClean="0"/>
+          </a:p>
+          <a:p>
+            <a:endParaRPr lang="en-US" altLang="zh-CN" sz="2400" dirty="0" smtClean="0"/>
+          </a:p>
+          <a:p>
+            <a:r>
+              <a:rPr lang="zh-CN" altLang="en-US" sz="2400" dirty="0" smtClean="0"/>
+              <a:t>异或运算：将</a:t>
+            </a:r>
+            <a:r>
+              <a:rPr lang="en-US" altLang="zh-CN" sz="2400" dirty="0" smtClean="0"/>
+              <a:t>E</a:t>
+            </a:r>
+            <a:r>
+              <a:rPr lang="zh-CN" altLang="en-US" sz="2400" dirty="0" smtClean="0"/>
+              <a:t>盒拓展后的</a:t>
+            </a:r>
+            <a:r>
+              <a:rPr lang="en-US" altLang="zh-CN" sz="2400" dirty="0" smtClean="0"/>
+              <a:t>R_E</a:t>
+            </a:r>
+            <a:r>
+              <a:rPr lang="zh-CN" altLang="en-US" sz="2400" dirty="0" smtClean="0"/>
+              <a:t>与某个密钥</a:t>
+            </a:r>
+            <a:r>
+              <a:rPr lang="en-US" altLang="zh-CN" sz="2400" dirty="0" smtClean="0"/>
+              <a:t>Key</a:t>
+            </a:r>
+            <a:r>
+              <a:rPr lang="zh-CN" altLang="en-US" sz="2400" dirty="0" smtClean="0"/>
+              <a:t>进行异或运算，得到临时结果</a:t>
+            </a:r>
+            <a:r>
+              <a:rPr lang="en-US" altLang="zh-CN" sz="2400" dirty="0" smtClean="0"/>
+              <a:t>RE_XOR</a:t>
+            </a:r>
+            <a:r>
+              <a:rPr lang="zh-CN" altLang="en-US" sz="2400" dirty="0" smtClean="0"/>
+              <a:t>；</a:t>
+            </a:r>
+            <a:endParaRPr lang="en-US" altLang="zh-CN" sz="2400" dirty="0" smtClean="0"/>
           </a:p>
         </p:txBody>
       </p:sp>
@@ -13687,10 +14113,34 @@
           </a:p>
         </p:txBody>
       </p:sp>
+      <p:pic>
+        <p:nvPicPr>
+          <p:cNvPr id="2" name="图片 1"/>
+          <p:cNvPicPr>
+            <a:picLocks noChangeAspect="1"/>
+          </p:cNvPicPr>
+          <p:nvPr/>
+        </p:nvPicPr>
+        <p:blipFill>
+          <a:blip r:embed="rId2"/>
+          <a:stretch>
+            <a:fillRect/>
+          </a:stretch>
+        </p:blipFill>
+        <p:spPr>
+          <a:xfrm>
+            <a:off x="6653447" y="240632"/>
+            <a:ext cx="3724275" cy="6286500"/>
+          </a:xfrm>
+          <a:prstGeom prst="rect">
+            <a:avLst/>
+          </a:prstGeom>
+        </p:spPr>
+      </p:pic>
     </p:spTree>
     <p:extLst>
       <p:ext uri="{BB962C8B-B14F-4D97-AF65-F5344CB8AC3E}">
-        <p14:creationId xmlns:p14="http://schemas.microsoft.com/office/powerpoint/2010/main" val="2047542299"/>
+        <p14:creationId xmlns:p14="http://schemas.microsoft.com/office/powerpoint/2010/main" val="1852180414"/>
       </p:ext>
     </p:extLst>
   </p:cSld>
@@ -13726,18 +14176,18 @@
       </p:grpSpPr>
       <p:sp>
         <p:nvSpPr>
-          <p:cNvPr id="4" name="标题 3"/>
+          <p:cNvPr id="3" name="内容占位符 2"/>
           <p:cNvSpPr>
             <a:spLocks noGrp="1"/>
           </p:cNvSpPr>
           <p:nvPr>
-            <p:ph type="title"/>
+            <p:ph idx="1"/>
           </p:nvPr>
         </p:nvSpPr>
         <p:spPr>
           <a:xfrm>
-            <a:off x="677335" y="1960203"/>
-            <a:ext cx="8596668" cy="1826581"/>
+            <a:off x="677334" y="449178"/>
+            <a:ext cx="8596668" cy="6408821"/>
           </a:xfrm>
         </p:spPr>
         <p:txBody>
@@ -13746,37 +14196,284 @@
           </a:bodyPr>
           <a:lstStyle/>
           <a:p>
-            <a:pPr algn="ctr"/>
-            <a:r>
-              <a:rPr lang="zh-CN" altLang="en-US" sz="6000" dirty="0" smtClean="0"/>
-              <a:t>五、联调与分析</a:t>
-            </a:r>
-            <a:endParaRPr lang="zh-CN" altLang="en-US" sz="6000" dirty="0"/>
-          </a:p>
-        </p:txBody>
-      </p:sp>
-      <p:sp>
-        <p:nvSpPr>
-          <p:cNvPr id="5" name="文本占位符 4"/>
-          <p:cNvSpPr>
-            <a:spLocks noGrp="1"/>
-          </p:cNvSpPr>
-          <p:nvPr>
-            <p:ph type="body" idx="1"/>
-          </p:nvPr>
-        </p:nvSpPr>
-        <p:spPr/>
-        <p:txBody>
-          <a:bodyPr/>
-          <a:lstStyle/>
-          <a:p>
-            <a:endParaRPr lang="zh-CN" altLang="en-US"/>
-          </a:p>
-        </p:txBody>
-      </p:sp>
-      <p:sp>
-        <p:nvSpPr>
-          <p:cNvPr id="2" name="灯片编号占位符 1"/>
+            <a:r>
+              <a:rPr lang="en-US" altLang="zh-CN" sz="2400" dirty="0"/>
+              <a:t>S</a:t>
+            </a:r>
+            <a:r>
+              <a:rPr lang="zh-CN" altLang="en-US" sz="2400" dirty="0"/>
+              <a:t>盒压缩：将</a:t>
+            </a:r>
+            <a:r>
+              <a:rPr lang="en-US" altLang="zh-CN" sz="2400" dirty="0"/>
+              <a:t>48</a:t>
+            </a:r>
+            <a:r>
+              <a:rPr lang="zh-CN" altLang="en-US" sz="2400" dirty="0"/>
+              <a:t>位的</a:t>
+            </a:r>
+            <a:r>
+              <a:rPr lang="en-US" altLang="zh-CN" sz="2400" dirty="0"/>
+              <a:t>RE_XOR</a:t>
+            </a:r>
+            <a:r>
+              <a:rPr lang="zh-CN" altLang="en-US" sz="2400" dirty="0"/>
+              <a:t>拆分为</a:t>
+            </a:r>
+            <a:r>
+              <a:rPr lang="en-US" altLang="zh-CN" sz="2400" dirty="0"/>
+              <a:t>6*8</a:t>
+            </a:r>
+            <a:r>
+              <a:rPr lang="zh-CN" altLang="en-US" sz="2400" dirty="0"/>
+              <a:t>组，分别输入至</a:t>
+            </a:r>
+            <a:r>
+              <a:rPr lang="en-US" altLang="zh-CN" sz="2400" dirty="0"/>
+              <a:t>8</a:t>
+            </a:r>
+            <a:r>
+              <a:rPr lang="zh-CN" altLang="en-US" sz="2400" dirty="0"/>
+              <a:t>个</a:t>
+            </a:r>
+            <a:r>
+              <a:rPr lang="en-US" altLang="zh-CN" sz="2400" dirty="0"/>
+              <a:t>P</a:t>
+            </a:r>
+            <a:r>
+              <a:rPr lang="zh-CN" altLang="en-US" sz="2400" dirty="0"/>
+              <a:t>盒中；记</a:t>
+            </a:r>
+            <a:r>
+              <a:rPr lang="en-US" altLang="zh-CN" sz="2400" dirty="0"/>
+              <a:t>6</a:t>
+            </a:r>
+            <a:r>
+              <a:rPr lang="zh-CN" altLang="en-US" sz="2400" dirty="0"/>
+              <a:t>位数据为</a:t>
+            </a:r>
+            <a:r>
+              <a:rPr lang="en-US" altLang="zh-CN" sz="2400" dirty="0" err="1"/>
+              <a:t>tmpR</a:t>
+            </a:r>
+            <a:r>
+              <a:rPr lang="zh-CN" altLang="en-US" sz="2400" dirty="0"/>
+              <a:t>，取</a:t>
+            </a:r>
+            <a:r>
+              <a:rPr lang="en-US" altLang="zh-CN" sz="2400" dirty="0"/>
+              <a:t>[</a:t>
+            </a:r>
+            <a:r>
+              <a:rPr lang="en-US" altLang="zh-CN" sz="2400" dirty="0" err="1"/>
+              <a:t>tmpR</a:t>
+            </a:r>
+            <a:r>
+              <a:rPr lang="en-US" altLang="zh-CN" sz="2400" dirty="0"/>
+              <a:t>(1, :); </a:t>
+            </a:r>
+            <a:r>
+              <a:rPr lang="en-US" altLang="zh-CN" sz="2400" dirty="0" err="1"/>
+              <a:t>tmpR</a:t>
+            </a:r>
+            <a:r>
+              <a:rPr lang="en-US" altLang="zh-CN" sz="2400" dirty="0"/>
+              <a:t>(6, :)]</a:t>
+            </a:r>
+            <a:r>
+              <a:rPr lang="zh-CN" altLang="en-US" sz="2400" dirty="0"/>
+              <a:t>作为访问的行下标，</a:t>
+            </a:r>
+            <a:r>
+              <a:rPr lang="en-US" altLang="zh-CN" sz="2400" dirty="0" err="1"/>
+              <a:t>tmpR</a:t>
+            </a:r>
+            <a:r>
+              <a:rPr lang="en-US" altLang="zh-CN" sz="2400" dirty="0"/>
+              <a:t>(2: 5, :)</a:t>
+            </a:r>
+            <a:r>
+              <a:rPr lang="zh-CN" altLang="en-US" sz="2400" dirty="0"/>
+              <a:t>作为列下标进行查表，得到对应的十进制数，再利用</a:t>
+            </a:r>
+            <a:r>
+              <a:rPr lang="en-US" altLang="zh-CN" sz="2400" dirty="0"/>
+              <a:t>de2bi</a:t>
+            </a:r>
+            <a:r>
+              <a:rPr lang="zh-CN" altLang="en-US" sz="2400" dirty="0"/>
+              <a:t>转化为</a:t>
+            </a:r>
+            <a:r>
+              <a:rPr lang="en-US" altLang="zh-CN" sz="2400" dirty="0"/>
+              <a:t>4</a:t>
+            </a:r>
+            <a:r>
+              <a:rPr lang="zh-CN" altLang="en-US" sz="2400" dirty="0"/>
+              <a:t>位二进制数，最终得到了</a:t>
+            </a:r>
+            <a:r>
+              <a:rPr lang="en-US" altLang="zh-CN" sz="2400" dirty="0"/>
+              <a:t>4*8</a:t>
+            </a:r>
+            <a:r>
+              <a:rPr lang="zh-CN" altLang="en-US" sz="2400" dirty="0"/>
+              <a:t>组数据</a:t>
+            </a:r>
+            <a:r>
+              <a:rPr lang="en-US" altLang="zh-CN" sz="2400" dirty="0"/>
+              <a:t>R_S</a:t>
+            </a:r>
+            <a:r>
+              <a:rPr lang="zh-CN" altLang="en-US" sz="2400" dirty="0" smtClean="0"/>
+              <a:t>；</a:t>
+            </a:r>
+            <a:endParaRPr lang="en-US" altLang="zh-CN" sz="2400" dirty="0" smtClean="0"/>
+          </a:p>
+          <a:p>
+            <a:endParaRPr lang="en-US" altLang="zh-CN" sz="2400" dirty="0"/>
+          </a:p>
+          <a:p>
+            <a:r>
+              <a:rPr lang="en-US" altLang="zh-CN" sz="2400" dirty="0" smtClean="0"/>
+              <a:t>P</a:t>
+            </a:r>
+            <a:r>
+              <a:rPr lang="zh-CN" altLang="en-US" sz="2400" dirty="0"/>
+              <a:t>盒置换：将</a:t>
+            </a:r>
+            <a:r>
+              <a:rPr lang="en-US" altLang="zh-CN" sz="2400" dirty="0"/>
+              <a:t>R_S</a:t>
+            </a:r>
+            <a:r>
+              <a:rPr lang="zh-CN" altLang="en-US" sz="2400" dirty="0"/>
+              <a:t>的结果经过一个置换矩阵</a:t>
+            </a:r>
+            <a:r>
+              <a:rPr lang="en-US" altLang="zh-CN" sz="2400" dirty="0"/>
+              <a:t>P</a:t>
+            </a:r>
+            <a:r>
+              <a:rPr lang="zh-CN" altLang="en-US" sz="2400" dirty="0"/>
+              <a:t>，得到</a:t>
+            </a:r>
+            <a:r>
+              <a:rPr lang="en-US" altLang="zh-CN" sz="2400" dirty="0"/>
+              <a:t>32</a:t>
+            </a:r>
+            <a:r>
+              <a:rPr lang="zh-CN" altLang="en-US" sz="2400" dirty="0"/>
+              <a:t>位</a:t>
+            </a:r>
+            <a:r>
+              <a:rPr lang="en-US" altLang="zh-CN" sz="2400" dirty="0"/>
+              <a:t>R_P</a:t>
+            </a:r>
+          </a:p>
+          <a:p>
+            <a:endParaRPr lang="en-US" altLang="zh-CN" sz="2400" dirty="0" smtClean="0"/>
+          </a:p>
+          <a:p>
+            <a:r>
+              <a:rPr lang="zh-CN" altLang="en-US" sz="2400" dirty="0" smtClean="0"/>
+              <a:t>异或运算</a:t>
+            </a:r>
+            <a:r>
+              <a:rPr lang="zh-CN" altLang="en-US" sz="2400" dirty="0"/>
+              <a:t>：即</a:t>
+            </a:r>
+            <a:r>
+              <a:rPr lang="en-US" altLang="zh-CN" sz="2400" dirty="0"/>
+              <a:t>L=R0</a:t>
+            </a:r>
+            <a:r>
+              <a:rPr lang="zh-CN" altLang="en-US" sz="2400" dirty="0"/>
+              <a:t>，</a:t>
+            </a:r>
+            <a:r>
+              <a:rPr lang="en-US" altLang="zh-CN" sz="2400" dirty="0"/>
+              <a:t>R=</a:t>
+            </a:r>
+            <a:r>
+              <a:rPr lang="en-US" altLang="zh-CN" sz="2400" dirty="0" err="1"/>
+              <a:t>xor</a:t>
+            </a:r>
+            <a:r>
+              <a:rPr lang="en-US" altLang="zh-CN" sz="2400" dirty="0"/>
+              <a:t>(L0, R_P)</a:t>
+            </a:r>
+            <a:r>
+              <a:rPr lang="zh-CN" altLang="en-US" sz="2400" dirty="0" smtClean="0"/>
+              <a:t>；</a:t>
+            </a:r>
+            <a:endParaRPr lang="en-US" altLang="zh-CN" sz="2400" dirty="0" smtClean="0"/>
+          </a:p>
+          <a:p>
+            <a:endParaRPr lang="en-US" altLang="zh-CN" sz="2400" dirty="0"/>
+          </a:p>
+          <a:p>
+            <a:r>
+              <a:rPr lang="zh-CN" altLang="en-US" sz="2400" dirty="0" smtClean="0"/>
+              <a:t>至此相当于完成了一次临时加密，总共循环</a:t>
+            </a:r>
+            <a:r>
+              <a:rPr lang="en-US" altLang="zh-CN" sz="2400" dirty="0" smtClean="0"/>
+              <a:t>16</a:t>
+            </a:r>
+            <a:r>
+              <a:rPr lang="zh-CN" altLang="en-US" sz="2400" dirty="0" smtClean="0"/>
+              <a:t>次即可得到</a:t>
+            </a:r>
+            <a:r>
+              <a:rPr lang="en-US" altLang="zh-CN" sz="2400" dirty="0" smtClean="0"/>
+              <a:t>L16</a:t>
+            </a:r>
+            <a:r>
+              <a:rPr lang="zh-CN" altLang="en-US" sz="2400" dirty="0" smtClean="0"/>
+              <a:t>和</a:t>
+            </a:r>
+            <a:r>
+              <a:rPr lang="en-US" altLang="zh-CN" sz="2400" dirty="0" smtClean="0"/>
+              <a:t>R16</a:t>
+            </a:r>
+            <a:r>
+              <a:rPr lang="zh-CN" altLang="en-US" sz="2400" dirty="0" smtClean="0"/>
+              <a:t>；</a:t>
+            </a:r>
+            <a:endParaRPr lang="en-US" altLang="zh-CN" sz="2400" dirty="0" smtClean="0"/>
+          </a:p>
+          <a:p>
+            <a:endParaRPr lang="en-US" altLang="zh-CN" sz="2400" dirty="0"/>
+          </a:p>
+          <a:p>
+            <a:r>
+              <a:rPr lang="zh-CN" altLang="en-US" sz="2400" dirty="0" smtClean="0"/>
+              <a:t>最终置换：</a:t>
+            </a:r>
+            <a:r>
+              <a:rPr lang="en-US" altLang="zh-CN" sz="2400" dirty="0" smtClean="0"/>
+              <a:t>[L16;R16]</a:t>
+            </a:r>
+            <a:r>
+              <a:rPr lang="zh-CN" altLang="en-US" sz="2400" dirty="0" smtClean="0"/>
+              <a:t>经过</a:t>
+            </a:r>
+            <a:r>
+              <a:rPr lang="en-US" altLang="zh-CN" sz="2400" dirty="0" err="1" smtClean="0"/>
+              <a:t>IPEnd</a:t>
+            </a:r>
+            <a:r>
+              <a:rPr lang="zh-CN" altLang="en-US" sz="2400" dirty="0" smtClean="0"/>
+              <a:t>置换即可得到最终加密结果</a:t>
+            </a:r>
+            <a:endParaRPr lang="zh-CN" altLang="en-US" sz="2400" dirty="0"/>
+          </a:p>
+        </p:txBody>
+      </p:sp>
+      <p:sp>
+        <p:nvSpPr>
+          <p:cNvPr id="4" name="灯片编号占位符 3"/>
           <p:cNvSpPr>
             <a:spLocks noGrp="1"/>
           </p:cNvSpPr>
@@ -13800,7 +14497,7 @@
     </p:spTree>
     <p:extLst>
       <p:ext uri="{BB962C8B-B14F-4D97-AF65-F5344CB8AC3E}">
-        <p14:creationId xmlns:p14="http://schemas.microsoft.com/office/powerpoint/2010/main" val="3932603939"/>
+        <p14:creationId xmlns:p14="http://schemas.microsoft.com/office/powerpoint/2010/main" val="482446015"/>
       </p:ext>
     </p:extLst>
   </p:cSld>
@@ -13836,6 +14533,326 @@
       </p:grpSpPr>
       <p:sp>
         <p:nvSpPr>
+          <p:cNvPr id="3" name="内容占位符 2"/>
+          <p:cNvSpPr>
+            <a:spLocks noGrp="1"/>
+          </p:cNvSpPr>
+          <p:nvPr>
+            <p:ph idx="1"/>
+          </p:nvPr>
+        </p:nvSpPr>
+        <p:spPr>
+          <a:xfrm>
+            <a:off x="677334" y="449179"/>
+            <a:ext cx="8596668" cy="6030862"/>
+          </a:xfrm>
+        </p:spPr>
+        <p:txBody>
+          <a:bodyPr>
+            <a:normAutofit/>
+          </a:bodyPr>
+          <a:lstStyle/>
+          <a:p>
+            <a:r>
+              <a:rPr lang="en-US" altLang="zh-CN" sz="3200" b="1" dirty="0" smtClean="0"/>
+              <a:t>Data Encryption Standard (DES):</a:t>
+            </a:r>
+            <a:endParaRPr lang="en-US" altLang="zh-CN" sz="3200" b="1" dirty="0"/>
+          </a:p>
+          <a:p>
+            <a:r>
+              <a:rPr lang="zh-CN" altLang="en-US" sz="2400" dirty="0" smtClean="0"/>
+              <a:t>解密算法（详见</a:t>
+            </a:r>
+            <a:r>
+              <a:rPr lang="en-US" altLang="zh-CN" sz="2400" dirty="0" err="1" smtClean="0"/>
+              <a:t>DESDecode.m</a:t>
+            </a:r>
+            <a:r>
+              <a:rPr lang="zh-CN" altLang="en-US" sz="2400" dirty="0" smtClean="0"/>
+              <a:t>）：由于加密过程都是可逆线性运算（异或），只需要将子密钥的顺序调换，在进行一次“加密”算法即可解密；</a:t>
+            </a:r>
+            <a:endParaRPr lang="en-US" altLang="zh-CN" sz="2400" dirty="0" smtClean="0"/>
+          </a:p>
+          <a:p>
+            <a:endParaRPr lang="en-US" altLang="zh-CN" sz="2400" dirty="0"/>
+          </a:p>
+          <a:p>
+            <a:r>
+              <a:rPr lang="zh-CN" altLang="en-US" sz="2400" dirty="0" smtClean="0"/>
+              <a:t>加密效果分析：（详见</a:t>
+            </a:r>
+            <a:r>
+              <a:rPr lang="en-US" altLang="zh-CN" sz="2400" dirty="0" err="1" smtClean="0"/>
+              <a:t>DESTest.m</a:t>
+            </a:r>
+            <a:r>
+              <a:rPr lang="zh-CN" altLang="en-US" sz="2400" dirty="0" smtClean="0"/>
+              <a:t>）</a:t>
+            </a:r>
+            <a:endParaRPr lang="en-US" altLang="zh-CN" sz="2400" dirty="0" smtClean="0"/>
+          </a:p>
+          <a:p>
+            <a:r>
+              <a:rPr lang="zh-CN" altLang="en-US" sz="2400" dirty="0" smtClean="0"/>
+              <a:t>从</a:t>
+            </a:r>
+            <a:r>
+              <a:rPr lang="en-US" altLang="zh-CN" sz="2400" dirty="0" smtClean="0"/>
+              <a:t>56</a:t>
+            </a:r>
+            <a:r>
+              <a:rPr lang="zh-CN" altLang="en-US" sz="2400" dirty="0" smtClean="0"/>
+              <a:t>位密钥中任取一位反转（不包含奇偶校验位），其结果会使得最终结果产生接近</a:t>
+            </a:r>
+            <a:r>
+              <a:rPr lang="en-US" altLang="zh-CN" sz="2400" dirty="0" smtClean="0"/>
+              <a:t>50%</a:t>
+            </a:r>
+            <a:r>
+              <a:rPr lang="zh-CN" altLang="en-US" sz="2400" dirty="0" smtClean="0"/>
+              <a:t>的误差，说明</a:t>
+            </a:r>
+            <a:r>
+              <a:rPr lang="en-US" altLang="zh-CN" sz="2400" dirty="0" smtClean="0"/>
+              <a:t>DES</a:t>
+            </a:r>
+            <a:r>
+              <a:rPr lang="zh-CN" altLang="en-US" sz="2400" dirty="0" smtClean="0"/>
+              <a:t>算法的保密效果较好；</a:t>
+            </a:r>
+            <a:endParaRPr lang="en-US" altLang="zh-CN" sz="2400" dirty="0" smtClean="0"/>
+          </a:p>
+          <a:p>
+            <a:endParaRPr lang="en-US" altLang="zh-CN" sz="2400" dirty="0" smtClean="0"/>
+          </a:p>
+          <a:p>
+            <a:r>
+              <a:rPr lang="zh-CN" altLang="en-US" sz="2400" dirty="0" smtClean="0"/>
+              <a:t>如果对</a:t>
+            </a:r>
+            <a:r>
+              <a:rPr lang="en-US" altLang="zh-CN" sz="2400" dirty="0" smtClean="0"/>
+              <a:t>1kb</a:t>
+            </a:r>
+            <a:r>
+              <a:rPr lang="zh-CN" altLang="en-US" sz="2400" dirty="0" smtClean="0"/>
+              <a:t>数据（</a:t>
+            </a:r>
+            <a:r>
+              <a:rPr lang="en-US" altLang="zh-CN" sz="2400" dirty="0" smtClean="0"/>
+              <a:t>8192bit</a:t>
+            </a:r>
+            <a:r>
+              <a:rPr lang="zh-CN" altLang="en-US" sz="2400" dirty="0" smtClean="0"/>
+              <a:t>）进行加解密，其运行时间能稳定在</a:t>
+            </a:r>
+            <a:r>
+              <a:rPr lang="en-US" altLang="zh-CN" sz="2400" dirty="0" smtClean="0"/>
+              <a:t>2s</a:t>
+            </a:r>
+            <a:r>
+              <a:rPr lang="zh-CN" altLang="en-US" sz="2400" dirty="0" smtClean="0"/>
+              <a:t>以内，说明</a:t>
+            </a:r>
+            <a:r>
+              <a:rPr lang="en-US" altLang="zh-CN" sz="2400" dirty="0" smtClean="0"/>
+              <a:t>DES</a:t>
+            </a:r>
+            <a:r>
+              <a:rPr lang="zh-CN" altLang="en-US" sz="2400" dirty="0" smtClean="0"/>
+              <a:t>算法的运行效率也较高；</a:t>
+            </a:r>
+            <a:endParaRPr lang="en-US" altLang="zh-CN" sz="2400" dirty="0" smtClean="0"/>
+          </a:p>
+          <a:p>
+            <a:endParaRPr lang="en-US" altLang="zh-CN" sz="2400" dirty="0"/>
+          </a:p>
+          <a:p>
+            <a:endParaRPr lang="zh-CN" altLang="en-US" dirty="0"/>
+          </a:p>
+        </p:txBody>
+      </p:sp>
+      <p:sp>
+        <p:nvSpPr>
+          <p:cNvPr id="4" name="灯片编号占位符 3"/>
+          <p:cNvSpPr>
+            <a:spLocks noGrp="1"/>
+          </p:cNvSpPr>
+          <p:nvPr>
+            <p:ph type="sldNum" sz="quarter" idx="12"/>
+          </p:nvPr>
+        </p:nvSpPr>
+        <p:spPr/>
+        <p:txBody>
+          <a:bodyPr/>
+          <a:lstStyle/>
+          <a:p>
+            <a:fld id="{61CF7123-22A5-4567-A5E1-BBA0CB862768}" type="slidenum">
+              <a:rPr lang="zh-CN" altLang="en-US" smtClean="0"/>
+              <a:t>22</a:t>
+            </a:fld>
+            <a:endParaRPr lang="zh-CN" altLang="en-US"/>
+          </a:p>
+        </p:txBody>
+      </p:sp>
+    </p:spTree>
+    <p:extLst>
+      <p:ext uri="{BB962C8B-B14F-4D97-AF65-F5344CB8AC3E}">
+        <p14:creationId xmlns:p14="http://schemas.microsoft.com/office/powerpoint/2010/main" val="97859495"/>
+      </p:ext>
+    </p:extLst>
+  </p:cSld>
+  <p:clrMapOvr>
+    <a:masterClrMapping/>
+  </p:clrMapOvr>
+  <p:timing>
+    <p:tnLst>
+      <p:par>
+        <p:cTn id="1" dur="indefinite" restart="never" nodeType="tmRoot"/>
+      </p:par>
+    </p:tnLst>
+  </p:timing>
+</p:sld>
+</file>
+
+<file path=ppt/slides/slide23.xml><?xml version="1.0" encoding="utf-8"?>
+<p:sld xmlns:a="http://schemas.openxmlformats.org/drawingml/2006/main" xmlns:r="http://schemas.openxmlformats.org/officeDocument/2006/relationships" xmlns:p="http://schemas.openxmlformats.org/presentationml/2006/main">
+  <p:cSld>
+    <p:spTree>
+      <p:nvGrpSpPr>
+        <p:cNvPr id="1" name=""/>
+        <p:cNvGrpSpPr/>
+        <p:nvPr/>
+      </p:nvGrpSpPr>
+      <p:grpSpPr>
+        <a:xfrm>
+          <a:off x="0" y="0"/>
+          <a:ext cx="0" cy="0"/>
+          <a:chOff x="0" y="0"/>
+          <a:chExt cx="0" cy="0"/>
+        </a:xfrm>
+      </p:grpSpPr>
+      <p:sp>
+        <p:nvSpPr>
+          <p:cNvPr id="4" name="标题 3"/>
+          <p:cNvSpPr>
+            <a:spLocks noGrp="1"/>
+          </p:cNvSpPr>
+          <p:nvPr>
+            <p:ph type="title"/>
+          </p:nvPr>
+        </p:nvSpPr>
+        <p:spPr>
+          <a:xfrm>
+            <a:off x="677335" y="1960203"/>
+            <a:ext cx="8596668" cy="1826581"/>
+          </a:xfrm>
+        </p:spPr>
+        <p:txBody>
+          <a:bodyPr>
+            <a:normAutofit/>
+          </a:bodyPr>
+          <a:lstStyle/>
+          <a:p>
+            <a:pPr algn="ctr"/>
+            <a:r>
+              <a:rPr lang="zh-CN" altLang="en-US" sz="6000" dirty="0" smtClean="0"/>
+              <a:t>四、</a:t>
+            </a:r>
+            <a:r>
+              <a:rPr lang="en-US" altLang="zh-CN" sz="6000" dirty="0" smtClean="0"/>
+              <a:t>AES</a:t>
+            </a:r>
+            <a:r>
+              <a:rPr lang="zh-CN" altLang="en-US" sz="6000" dirty="0" smtClean="0"/>
+              <a:t>算法实现</a:t>
+            </a:r>
+            <a:endParaRPr lang="zh-CN" altLang="en-US" sz="6000" dirty="0"/>
+          </a:p>
+        </p:txBody>
+      </p:sp>
+      <p:sp>
+        <p:nvSpPr>
+          <p:cNvPr id="5" name="文本占位符 4"/>
+          <p:cNvSpPr>
+            <a:spLocks noGrp="1"/>
+          </p:cNvSpPr>
+          <p:nvPr>
+            <p:ph type="body" idx="1"/>
+          </p:nvPr>
+        </p:nvSpPr>
+        <p:spPr/>
+        <p:txBody>
+          <a:bodyPr/>
+          <a:lstStyle/>
+          <a:p>
+            <a:endParaRPr lang="zh-CN" altLang="en-US"/>
+          </a:p>
+        </p:txBody>
+      </p:sp>
+      <p:sp>
+        <p:nvSpPr>
+          <p:cNvPr id="2" name="灯片编号占位符 1"/>
+          <p:cNvSpPr>
+            <a:spLocks noGrp="1"/>
+          </p:cNvSpPr>
+          <p:nvPr>
+            <p:ph type="sldNum" sz="quarter" idx="12"/>
+          </p:nvPr>
+        </p:nvSpPr>
+        <p:spPr/>
+        <p:txBody>
+          <a:bodyPr/>
+          <a:lstStyle/>
+          <a:p>
+            <a:fld id="{61CF7123-22A5-4567-A5E1-BBA0CB862768}" type="slidenum">
+              <a:rPr lang="zh-CN" altLang="en-US" smtClean="0"/>
+              <a:t>23</a:t>
+            </a:fld>
+            <a:endParaRPr lang="zh-CN" altLang="en-US"/>
+          </a:p>
+        </p:txBody>
+      </p:sp>
+    </p:spTree>
+    <p:extLst>
+      <p:ext uri="{BB962C8B-B14F-4D97-AF65-F5344CB8AC3E}">
+        <p14:creationId xmlns:p14="http://schemas.microsoft.com/office/powerpoint/2010/main" val="1193826542"/>
+      </p:ext>
+    </p:extLst>
+  </p:cSld>
+  <p:clrMapOvr>
+    <a:masterClrMapping/>
+  </p:clrMapOvr>
+  <p:timing>
+    <p:tnLst>
+      <p:par>
+        <p:cTn id="1" dur="indefinite" restart="never" nodeType="tmRoot"/>
+      </p:par>
+    </p:tnLst>
+  </p:timing>
+</p:sld>
+</file>
+
+<file path=ppt/slides/slide24.xml><?xml version="1.0" encoding="utf-8"?>
+<p:sld xmlns:a="http://schemas.openxmlformats.org/drawingml/2006/main" xmlns:r="http://schemas.openxmlformats.org/officeDocument/2006/relationships" xmlns:p="http://schemas.openxmlformats.org/presentationml/2006/main">
+  <p:cSld>
+    <p:spTree>
+      <p:nvGrpSpPr>
+        <p:cNvPr id="1" name=""/>
+        <p:cNvGrpSpPr/>
+        <p:nvPr/>
+      </p:nvGrpSpPr>
+      <p:grpSpPr>
+        <a:xfrm>
+          <a:off x="0" y="0"/>
+          <a:ext cx="0" cy="0"/>
+          <a:chOff x="0" y="0"/>
+          <a:chExt cx="0" cy="0"/>
+        </a:xfrm>
+      </p:grpSpPr>
+      <p:sp>
+        <p:nvSpPr>
           <p:cNvPr id="2" name="标题 1"/>
           <p:cNvSpPr>
             <a:spLocks noGrp="1"/>
@@ -13849,7 +14866,7 @@
           <a:bodyPr/>
           <a:lstStyle/>
           <a:p>
-            <a:endParaRPr lang="zh-CN" altLang="en-US" dirty="0"/>
+            <a:endParaRPr lang="zh-CN" altLang="en-US"/>
           </a:p>
         </p:txBody>
       </p:sp>
@@ -13889,7 +14906,215 @@
           <a:p>
             <a:fld id="{61CF7123-22A5-4567-A5E1-BBA0CB862768}" type="slidenum">
               <a:rPr lang="zh-CN" altLang="en-US" smtClean="0"/>
-              <a:t>22</a:t>
+              <a:t>24</a:t>
+            </a:fld>
+            <a:endParaRPr lang="zh-CN" altLang="en-US"/>
+          </a:p>
+        </p:txBody>
+      </p:sp>
+    </p:spTree>
+    <p:extLst>
+      <p:ext uri="{BB962C8B-B14F-4D97-AF65-F5344CB8AC3E}">
+        <p14:creationId xmlns:p14="http://schemas.microsoft.com/office/powerpoint/2010/main" val="2047542299"/>
+      </p:ext>
+    </p:extLst>
+  </p:cSld>
+  <p:clrMapOvr>
+    <a:masterClrMapping/>
+  </p:clrMapOvr>
+  <p:timing>
+    <p:tnLst>
+      <p:par>
+        <p:cTn id="1" dur="indefinite" restart="never" nodeType="tmRoot"/>
+      </p:par>
+    </p:tnLst>
+  </p:timing>
+</p:sld>
+</file>
+
+<file path=ppt/slides/slide25.xml><?xml version="1.0" encoding="utf-8"?>
+<p:sld xmlns:a="http://schemas.openxmlformats.org/drawingml/2006/main" xmlns:r="http://schemas.openxmlformats.org/officeDocument/2006/relationships" xmlns:p="http://schemas.openxmlformats.org/presentationml/2006/main">
+  <p:cSld>
+    <p:spTree>
+      <p:nvGrpSpPr>
+        <p:cNvPr id="1" name=""/>
+        <p:cNvGrpSpPr/>
+        <p:nvPr/>
+      </p:nvGrpSpPr>
+      <p:grpSpPr>
+        <a:xfrm>
+          <a:off x="0" y="0"/>
+          <a:ext cx="0" cy="0"/>
+          <a:chOff x="0" y="0"/>
+          <a:chExt cx="0" cy="0"/>
+        </a:xfrm>
+      </p:grpSpPr>
+      <p:sp>
+        <p:nvSpPr>
+          <p:cNvPr id="4" name="标题 3"/>
+          <p:cNvSpPr>
+            <a:spLocks noGrp="1"/>
+          </p:cNvSpPr>
+          <p:nvPr>
+            <p:ph type="title"/>
+          </p:nvPr>
+        </p:nvSpPr>
+        <p:spPr>
+          <a:xfrm>
+            <a:off x="677335" y="1960203"/>
+            <a:ext cx="8596668" cy="1826581"/>
+          </a:xfrm>
+        </p:spPr>
+        <p:txBody>
+          <a:bodyPr>
+            <a:normAutofit/>
+          </a:bodyPr>
+          <a:lstStyle/>
+          <a:p>
+            <a:pPr algn="ctr"/>
+            <a:r>
+              <a:rPr lang="zh-CN" altLang="en-US" sz="6000" dirty="0" smtClean="0"/>
+              <a:t>五、联调与分析</a:t>
+            </a:r>
+            <a:endParaRPr lang="zh-CN" altLang="en-US" sz="6000" dirty="0"/>
+          </a:p>
+        </p:txBody>
+      </p:sp>
+      <p:sp>
+        <p:nvSpPr>
+          <p:cNvPr id="5" name="文本占位符 4"/>
+          <p:cNvSpPr>
+            <a:spLocks noGrp="1"/>
+          </p:cNvSpPr>
+          <p:nvPr>
+            <p:ph type="body" idx="1"/>
+          </p:nvPr>
+        </p:nvSpPr>
+        <p:spPr/>
+        <p:txBody>
+          <a:bodyPr/>
+          <a:lstStyle/>
+          <a:p>
+            <a:endParaRPr lang="zh-CN" altLang="en-US"/>
+          </a:p>
+        </p:txBody>
+      </p:sp>
+      <p:sp>
+        <p:nvSpPr>
+          <p:cNvPr id="2" name="灯片编号占位符 1"/>
+          <p:cNvSpPr>
+            <a:spLocks noGrp="1"/>
+          </p:cNvSpPr>
+          <p:nvPr>
+            <p:ph type="sldNum" sz="quarter" idx="12"/>
+          </p:nvPr>
+        </p:nvSpPr>
+        <p:spPr/>
+        <p:txBody>
+          <a:bodyPr/>
+          <a:lstStyle/>
+          <a:p>
+            <a:fld id="{61CF7123-22A5-4567-A5E1-BBA0CB862768}" type="slidenum">
+              <a:rPr lang="zh-CN" altLang="en-US" smtClean="0"/>
+              <a:t>25</a:t>
+            </a:fld>
+            <a:endParaRPr lang="zh-CN" altLang="en-US"/>
+          </a:p>
+        </p:txBody>
+      </p:sp>
+    </p:spTree>
+    <p:extLst>
+      <p:ext uri="{BB962C8B-B14F-4D97-AF65-F5344CB8AC3E}">
+        <p14:creationId xmlns:p14="http://schemas.microsoft.com/office/powerpoint/2010/main" val="3932603939"/>
+      </p:ext>
+    </p:extLst>
+  </p:cSld>
+  <p:clrMapOvr>
+    <a:masterClrMapping/>
+  </p:clrMapOvr>
+  <p:timing>
+    <p:tnLst>
+      <p:par>
+        <p:cTn id="1" dur="indefinite" restart="never" nodeType="tmRoot"/>
+      </p:par>
+    </p:tnLst>
+  </p:timing>
+</p:sld>
+</file>
+
+<file path=ppt/slides/slide26.xml><?xml version="1.0" encoding="utf-8"?>
+<p:sld xmlns:a="http://schemas.openxmlformats.org/drawingml/2006/main" xmlns:r="http://schemas.openxmlformats.org/officeDocument/2006/relationships" xmlns:p="http://schemas.openxmlformats.org/presentationml/2006/main">
+  <p:cSld>
+    <p:spTree>
+      <p:nvGrpSpPr>
+        <p:cNvPr id="1" name=""/>
+        <p:cNvGrpSpPr/>
+        <p:nvPr/>
+      </p:nvGrpSpPr>
+      <p:grpSpPr>
+        <a:xfrm>
+          <a:off x="0" y="0"/>
+          <a:ext cx="0" cy="0"/>
+          <a:chOff x="0" y="0"/>
+          <a:chExt cx="0" cy="0"/>
+        </a:xfrm>
+      </p:grpSpPr>
+      <p:sp>
+        <p:nvSpPr>
+          <p:cNvPr id="2" name="标题 1"/>
+          <p:cNvSpPr>
+            <a:spLocks noGrp="1"/>
+          </p:cNvSpPr>
+          <p:nvPr>
+            <p:ph type="title"/>
+          </p:nvPr>
+        </p:nvSpPr>
+        <p:spPr/>
+        <p:txBody>
+          <a:bodyPr/>
+          <a:lstStyle/>
+          <a:p>
+            <a:endParaRPr lang="zh-CN" altLang="en-US" dirty="0"/>
+          </a:p>
+        </p:txBody>
+      </p:sp>
+      <p:sp>
+        <p:nvSpPr>
+          <p:cNvPr id="3" name="内容占位符 2"/>
+          <p:cNvSpPr>
+            <a:spLocks noGrp="1"/>
+          </p:cNvSpPr>
+          <p:nvPr>
+            <p:ph idx="1"/>
+          </p:nvPr>
+        </p:nvSpPr>
+        <p:spPr/>
+        <p:txBody>
+          <a:bodyPr/>
+          <a:lstStyle/>
+          <a:p>
+            <a:endParaRPr lang="zh-CN" altLang="en-US"/>
+          </a:p>
+        </p:txBody>
+      </p:sp>
+      <p:sp>
+        <p:nvSpPr>
+          <p:cNvPr id="4" name="灯片编号占位符 3"/>
+          <p:cNvSpPr>
+            <a:spLocks noGrp="1"/>
+          </p:cNvSpPr>
+          <p:nvPr>
+            <p:ph type="sldNum" sz="quarter" idx="12"/>
+          </p:nvPr>
+        </p:nvSpPr>
+        <p:spPr/>
+        <p:txBody>
+          <a:bodyPr/>
+          <a:lstStyle/>
+          <a:p>
+            <a:fld id="{61CF7123-22A5-4567-A5E1-BBA0CB862768}" type="slidenum">
+              <a:rPr lang="zh-CN" altLang="en-US" smtClean="0"/>
+              <a:t>26</a:t>
             </a:fld>
             <a:endParaRPr lang="zh-CN" altLang="en-US"/>
           </a:p>
@@ -15498,7 +16723,6 @@
               <a:rPr lang="en-US" altLang="zh-CN" sz="2600" dirty="0" smtClean="0"/>
               <a:t>Java</a:t>
             </a:r>
-            <a:endParaRPr lang="en-US" altLang="zh-CN" sz="2600" dirty="0" smtClean="0"/>
           </a:p>
           <a:p>
             <a:pPr lvl="1"/>

--- a/展示报告.pptx
+++ b/展示报告.pptx
@@ -4478,7 +4478,7 @@
           <a:p>
             <a:fld id="{EB4C4659-B966-4F45-8722-BE2A40971674}" type="datetimeFigureOut">
               <a:rPr lang="zh-CN" altLang="en-US" smtClean="0"/>
-              <a:t>2019/11/27</a:t>
+              <a:t>2019/11/28</a:t>
             </a:fld>
             <a:endParaRPr lang="zh-CN" altLang="en-US"/>
           </a:p>
@@ -5468,7 +5468,7 @@
           <a:p>
             <a:fld id="{0B5262A1-BBB0-4C1D-B24B-A17475E309D3}" type="datetime1">
               <a:rPr lang="zh-CN" altLang="en-US" smtClean="0"/>
-              <a:t>2019/11/27</a:t>
+              <a:t>2019/11/28</a:t>
             </a:fld>
             <a:endParaRPr lang="zh-CN" altLang="en-US"/>
           </a:p>
@@ -5731,7 +5731,7 @@
           <a:p>
             <a:fld id="{F300D25C-9E56-4815-B126-F477E348A84B}" type="datetime1">
               <a:rPr lang="zh-CN" altLang="en-US" smtClean="0"/>
-              <a:t>2019/11/27</a:t>
+              <a:t>2019/11/28</a:t>
             </a:fld>
             <a:endParaRPr lang="zh-CN" altLang="en-US"/>
           </a:p>
@@ -6045,7 +6045,7 @@
           <a:p>
             <a:fld id="{E9808EBE-6BC3-4175-B4A0-4F64C25A476C}" type="datetime1">
               <a:rPr lang="zh-CN" altLang="en-US" smtClean="0"/>
-              <a:t>2019/11/27</a:t>
+              <a:t>2019/11/28</a:t>
             </a:fld>
             <a:endParaRPr lang="zh-CN" altLang="en-US"/>
           </a:p>
@@ -6386,7 +6386,7 @@
           <a:p>
             <a:fld id="{781EF140-0B3F-4DC7-A9A3-B2C679E00E0F}" type="datetime1">
               <a:rPr lang="zh-CN" altLang="en-US" smtClean="0"/>
-              <a:t>2019/11/27</a:t>
+              <a:t>2019/11/28</a:t>
             </a:fld>
             <a:endParaRPr lang="zh-CN" altLang="en-US"/>
           </a:p>
@@ -6700,7 +6700,7 @@
           <a:p>
             <a:fld id="{6981BB5D-EA9A-4860-8DD5-58A6633404BC}" type="datetime1">
               <a:rPr lang="zh-CN" altLang="en-US" smtClean="0"/>
-              <a:t>2019/11/27</a:t>
+              <a:t>2019/11/28</a:t>
             </a:fld>
             <a:endParaRPr lang="zh-CN" altLang="en-US"/>
           </a:p>
@@ -7093,7 +7093,7 @@
           <a:p>
             <a:fld id="{E0FF85C0-1095-4FFB-94C1-70CB4D918814}" type="datetime1">
               <a:rPr lang="zh-CN" altLang="en-US" smtClean="0"/>
-              <a:t>2019/11/27</a:t>
+              <a:t>2019/11/28</a:t>
             </a:fld>
             <a:endParaRPr lang="zh-CN" altLang="en-US"/>
           </a:p>
@@ -7263,7 +7263,7 @@
           <a:p>
             <a:fld id="{C173D7E1-5BB8-483A-B4B0-7EAE6B224F58}" type="datetime1">
               <a:rPr lang="zh-CN" altLang="en-US" smtClean="0"/>
-              <a:t>2019/11/27</a:t>
+              <a:t>2019/11/28</a:t>
             </a:fld>
             <a:endParaRPr lang="zh-CN" altLang="en-US"/>
           </a:p>
@@ -7443,7 +7443,7 @@
           <a:p>
             <a:fld id="{0B590B97-A056-4C81-A650-204F13DD8936}" type="datetime1">
               <a:rPr lang="zh-CN" altLang="en-US" smtClean="0"/>
-              <a:t>2019/11/27</a:t>
+              <a:t>2019/11/28</a:t>
             </a:fld>
             <a:endParaRPr lang="zh-CN" altLang="en-US"/>
           </a:p>
@@ -7619,7 +7619,7 @@
           <a:p>
             <a:fld id="{1F54B4F3-0B95-4222-9471-0346F240745B}" type="datetime1">
               <a:rPr lang="zh-CN" altLang="en-US" smtClean="0"/>
-              <a:t>2019/11/27</a:t>
+              <a:t>2019/11/28</a:t>
             </a:fld>
             <a:endParaRPr lang="zh-CN" altLang="en-US"/>
           </a:p>
@@ -7873,7 +7873,7 @@
           <a:p>
             <a:fld id="{8E6BFC4D-5D8D-4D3A-B941-C3E03EA0944D}" type="datetime1">
               <a:rPr lang="zh-CN" altLang="en-US" smtClean="0"/>
-              <a:t>2019/11/27</a:t>
+              <a:t>2019/11/28</a:t>
             </a:fld>
             <a:endParaRPr lang="zh-CN" altLang="en-US"/>
           </a:p>
@@ -8105,7 +8105,7 @@
           <a:p>
             <a:fld id="{BE5FBBB9-FE26-42A6-AE19-2140D520C355}" type="datetime1">
               <a:rPr lang="zh-CN" altLang="en-US" smtClean="0"/>
-              <a:t>2019/11/27</a:t>
+              <a:t>2019/11/28</a:t>
             </a:fld>
             <a:endParaRPr lang="zh-CN" altLang="en-US"/>
           </a:p>
@@ -8479,7 +8479,7 @@
           <a:p>
             <a:fld id="{9BC04FB6-A8B7-4B0B-AF43-DD1F5B5A0DF8}" type="datetime1">
               <a:rPr lang="zh-CN" altLang="en-US" smtClean="0"/>
-              <a:t>2019/11/27</a:t>
+              <a:t>2019/11/28</a:t>
             </a:fld>
             <a:endParaRPr lang="zh-CN" altLang="en-US"/>
           </a:p>
@@ -8602,7 +8602,7 @@
           <a:p>
             <a:fld id="{68D44B26-A9FC-4B6E-8859-401E2686118C}" type="datetime1">
               <a:rPr lang="zh-CN" altLang="en-US" smtClean="0"/>
-              <a:t>2019/11/27</a:t>
+              <a:t>2019/11/28</a:t>
             </a:fld>
             <a:endParaRPr lang="zh-CN" altLang="en-US"/>
           </a:p>
@@ -8697,7 +8697,7 @@
           <a:p>
             <a:fld id="{71FA1586-AFD4-4E60-811A-0CD4D64DFA4D}" type="datetime1">
               <a:rPr lang="zh-CN" altLang="en-US" smtClean="0"/>
-              <a:t>2019/11/27</a:t>
+              <a:t>2019/11/28</a:t>
             </a:fld>
             <a:endParaRPr lang="zh-CN" altLang="en-US"/>
           </a:p>
@@ -8959,7 +8959,7 @@
           <a:p>
             <a:fld id="{887C002E-9D7B-4926-843A-570DF38F1B50}" type="datetime1">
               <a:rPr lang="zh-CN" altLang="en-US" smtClean="0"/>
-              <a:t>2019/11/27</a:t>
+              <a:t>2019/11/28</a:t>
             </a:fld>
             <a:endParaRPr lang="zh-CN" altLang="en-US"/>
           </a:p>
@@ -9222,7 +9222,7 @@
           <a:p>
             <a:fld id="{1BD3EA07-5512-4129-815F-E1C87F26EDA3}" type="datetime1">
               <a:rPr lang="zh-CN" altLang="en-US" smtClean="0"/>
-              <a:t>2019/11/27</a:t>
+              <a:t>2019/11/28</a:t>
             </a:fld>
             <a:endParaRPr lang="zh-CN" altLang="en-US"/>
           </a:p>
@@ -9965,7 +9965,7 @@
           <a:p>
             <a:fld id="{B5E79416-FAB2-4A2D-9FE1-1756C2E7CD30}" type="datetime1">
               <a:rPr lang="zh-CN" altLang="en-US" smtClean="0"/>
-              <a:t>2019/11/27</a:t>
+              <a:t>2019/11/28</a:t>
             </a:fld>
             <a:endParaRPr lang="zh-CN" altLang="en-US"/>
           </a:p>
@@ -15180,848 +15180,863 @@
           </a:p>
         </p:txBody>
       </p:sp>
-      <p:sp>
-        <p:nvSpPr>
-          <p:cNvPr id="8" name="矩形 7"/>
-          <p:cNvSpPr/>
+      <p:grpSp>
+        <p:nvGrpSpPr>
+          <p:cNvPr id="2" name="组合 1"/>
+          <p:cNvGrpSpPr/>
           <p:nvPr/>
-        </p:nvSpPr>
-        <p:spPr>
+        </p:nvGrpSpPr>
+        <p:grpSpPr>
           <a:xfrm>
-            <a:off x="1421376" y="2168704"/>
-            <a:ext cx="925158" cy="496298"/>
+            <a:off x="615488" y="2168704"/>
+            <a:ext cx="8816747" cy="3299042"/>
+            <a:chOff x="615488" y="2168704"/>
+            <a:chExt cx="8816747" cy="3299042"/>
           </a:xfrm>
-          <a:prstGeom prst="rect">
-            <a:avLst/>
-          </a:prstGeom>
-          <a:ln w="76200"/>
-        </p:spPr>
-        <p:style>
-          <a:lnRef idx="2">
-            <a:schemeClr val="accent1"/>
-          </a:lnRef>
-          <a:fillRef idx="1">
-            <a:schemeClr val="lt1"/>
-          </a:fillRef>
-          <a:effectRef idx="0">
-            <a:schemeClr val="accent1"/>
-          </a:effectRef>
-          <a:fontRef idx="minor">
-            <a:schemeClr val="dk1"/>
-          </a:fontRef>
-        </p:style>
-        <p:txBody>
-          <a:bodyPr rtlCol="0" anchor="ctr"/>
-          <a:lstStyle/>
-          <a:p>
-            <a:pPr algn="ctr"/>
-            <a:r>
-              <a:rPr lang="zh-CN" altLang="en-US" dirty="0" smtClean="0"/>
-              <a:t>加密</a:t>
-            </a:r>
-            <a:endParaRPr lang="zh-CN" altLang="en-US" dirty="0"/>
-          </a:p>
-        </p:txBody>
-      </p:sp>
-      <p:sp>
-        <p:nvSpPr>
-          <p:cNvPr id="10" name="矩形 9"/>
-          <p:cNvSpPr/>
-          <p:nvPr/>
-        </p:nvSpPr>
-        <p:spPr>
-          <a:xfrm>
-            <a:off x="2934868" y="2168704"/>
-            <a:ext cx="1149277" cy="496298"/>
-          </a:xfrm>
-          <a:prstGeom prst="rect">
-            <a:avLst/>
-          </a:prstGeom>
-          <a:ln w="76200"/>
-        </p:spPr>
-        <p:style>
-          <a:lnRef idx="2">
-            <a:schemeClr val="accent1"/>
-          </a:lnRef>
-          <a:fillRef idx="1">
-            <a:schemeClr val="lt1"/>
-          </a:fillRef>
-          <a:effectRef idx="0">
-            <a:schemeClr val="accent1"/>
-          </a:effectRef>
-          <a:fontRef idx="minor">
-            <a:schemeClr val="dk1"/>
-          </a:fontRef>
-        </p:style>
-        <p:txBody>
-          <a:bodyPr rtlCol="0" anchor="ctr"/>
-          <a:lstStyle/>
-          <a:p>
-            <a:pPr algn="ctr"/>
-            <a:r>
-              <a:rPr lang="zh-CN" altLang="en-US" dirty="0" smtClean="0"/>
-              <a:t>卷积编码</a:t>
-            </a:r>
-            <a:endParaRPr lang="zh-CN" altLang="en-US" dirty="0"/>
-          </a:p>
-        </p:txBody>
-      </p:sp>
-      <p:sp>
-        <p:nvSpPr>
-          <p:cNvPr id="11" name="矩形 10"/>
-          <p:cNvSpPr/>
-          <p:nvPr/>
-        </p:nvSpPr>
-        <p:spPr>
-          <a:xfrm>
-            <a:off x="6448385" y="2168704"/>
-            <a:ext cx="1127761" cy="496298"/>
-          </a:xfrm>
-          <a:prstGeom prst="rect">
-            <a:avLst/>
-          </a:prstGeom>
-          <a:ln w="76200"/>
-        </p:spPr>
-        <p:style>
-          <a:lnRef idx="2">
-            <a:schemeClr val="accent1"/>
-          </a:lnRef>
-          <a:fillRef idx="1">
-            <a:schemeClr val="lt1"/>
-          </a:fillRef>
-          <a:effectRef idx="0">
-            <a:schemeClr val="accent1"/>
-          </a:effectRef>
-          <a:fontRef idx="minor">
-            <a:schemeClr val="dk1"/>
-          </a:fontRef>
-        </p:style>
-        <p:txBody>
-          <a:bodyPr rtlCol="0" anchor="ctr"/>
-          <a:lstStyle/>
-          <a:p>
-            <a:pPr algn="ctr"/>
-            <a:r>
-              <a:rPr lang="zh-CN" altLang="en-US" dirty="0" smtClean="0"/>
-              <a:t>基带成型</a:t>
-            </a:r>
-            <a:endParaRPr lang="zh-CN" altLang="en-US" dirty="0"/>
-          </a:p>
-        </p:txBody>
-      </p:sp>
-      <p:sp>
-        <p:nvSpPr>
-          <p:cNvPr id="12" name="矩形 11"/>
-          <p:cNvSpPr/>
-          <p:nvPr/>
-        </p:nvSpPr>
-        <p:spPr>
-          <a:xfrm>
-            <a:off x="8304474" y="2170874"/>
-            <a:ext cx="1127761" cy="496298"/>
-          </a:xfrm>
-          <a:prstGeom prst="rect">
-            <a:avLst/>
-          </a:prstGeom>
-          <a:ln w="76200"/>
-        </p:spPr>
-        <p:style>
-          <a:lnRef idx="2">
-            <a:schemeClr val="accent1"/>
-          </a:lnRef>
-          <a:fillRef idx="1">
-            <a:schemeClr val="lt1"/>
-          </a:fillRef>
-          <a:effectRef idx="0">
-            <a:schemeClr val="accent1"/>
-          </a:effectRef>
-          <a:fontRef idx="minor">
-            <a:schemeClr val="dk1"/>
-          </a:fontRef>
-        </p:style>
-        <p:txBody>
-          <a:bodyPr rtlCol="0" anchor="ctr"/>
-          <a:lstStyle/>
-          <a:p>
-            <a:pPr algn="ctr"/>
-            <a:r>
-              <a:rPr lang="zh-CN" altLang="en-US" dirty="0" smtClean="0"/>
-              <a:t>载波调制</a:t>
-            </a:r>
-            <a:endParaRPr lang="zh-CN" altLang="en-US" dirty="0"/>
-          </a:p>
-        </p:txBody>
-      </p:sp>
-      <p:sp>
-        <p:nvSpPr>
-          <p:cNvPr id="13" name="矩形 12"/>
-          <p:cNvSpPr/>
-          <p:nvPr/>
-        </p:nvSpPr>
-        <p:spPr>
-          <a:xfrm>
-            <a:off x="8304473" y="3491674"/>
-            <a:ext cx="1127761" cy="496298"/>
-          </a:xfrm>
-          <a:prstGeom prst="rect">
-            <a:avLst/>
-          </a:prstGeom>
-          <a:ln w="76200"/>
-        </p:spPr>
-        <p:style>
-          <a:lnRef idx="2">
-            <a:schemeClr val="accent1"/>
-          </a:lnRef>
-          <a:fillRef idx="1">
-            <a:schemeClr val="lt1"/>
-          </a:fillRef>
-          <a:effectRef idx="0">
-            <a:schemeClr val="accent1"/>
-          </a:effectRef>
-          <a:fontRef idx="minor">
-            <a:schemeClr val="dk1"/>
-          </a:fontRef>
-        </p:style>
-        <p:txBody>
-          <a:bodyPr rtlCol="0" anchor="ctr"/>
-          <a:lstStyle/>
-          <a:p>
-            <a:pPr algn="ctr"/>
-            <a:r>
-              <a:rPr lang="zh-CN" altLang="en-US" dirty="0" smtClean="0"/>
-              <a:t>信道</a:t>
-            </a:r>
-            <a:endParaRPr lang="zh-CN" altLang="en-US" dirty="0"/>
-          </a:p>
-        </p:txBody>
-      </p:sp>
-      <p:sp>
-        <p:nvSpPr>
-          <p:cNvPr id="14" name="矩形 13"/>
-          <p:cNvSpPr/>
-          <p:nvPr/>
-        </p:nvSpPr>
-        <p:spPr>
-          <a:xfrm>
-            <a:off x="8304473" y="4722544"/>
-            <a:ext cx="1127761" cy="496298"/>
-          </a:xfrm>
-          <a:prstGeom prst="rect">
-            <a:avLst/>
-          </a:prstGeom>
-          <a:ln w="76200"/>
-        </p:spPr>
-        <p:style>
-          <a:lnRef idx="2">
-            <a:schemeClr val="accent1"/>
-          </a:lnRef>
-          <a:fillRef idx="1">
-            <a:schemeClr val="lt1"/>
-          </a:fillRef>
-          <a:effectRef idx="0">
-            <a:schemeClr val="accent1"/>
-          </a:effectRef>
-          <a:fontRef idx="minor">
-            <a:schemeClr val="dk1"/>
-          </a:fontRef>
-        </p:style>
-        <p:txBody>
-          <a:bodyPr rtlCol="0" anchor="ctr"/>
-          <a:lstStyle/>
-          <a:p>
-            <a:pPr algn="ctr"/>
-            <a:r>
-              <a:rPr lang="zh-CN" altLang="en-US" dirty="0" smtClean="0"/>
-              <a:t>载波解调</a:t>
-            </a:r>
-            <a:endParaRPr lang="zh-CN" altLang="en-US" dirty="0"/>
-          </a:p>
-        </p:txBody>
-      </p:sp>
-      <p:sp>
-        <p:nvSpPr>
-          <p:cNvPr id="15" name="矩形 14"/>
-          <p:cNvSpPr/>
-          <p:nvPr/>
-        </p:nvSpPr>
-        <p:spPr>
-          <a:xfrm>
-            <a:off x="4637268" y="2168704"/>
-            <a:ext cx="1127761" cy="496298"/>
-          </a:xfrm>
-          <a:prstGeom prst="rect">
-            <a:avLst/>
-          </a:prstGeom>
-          <a:ln w="76200"/>
-        </p:spPr>
-        <p:style>
-          <a:lnRef idx="2">
-            <a:schemeClr val="accent1"/>
-          </a:lnRef>
-          <a:fillRef idx="1">
-            <a:schemeClr val="lt1"/>
-          </a:fillRef>
-          <a:effectRef idx="0">
-            <a:schemeClr val="accent1"/>
-          </a:effectRef>
-          <a:fontRef idx="minor">
-            <a:schemeClr val="dk1"/>
-          </a:fontRef>
-        </p:style>
-        <p:txBody>
-          <a:bodyPr rtlCol="0" anchor="ctr"/>
-          <a:lstStyle/>
-          <a:p>
-            <a:pPr algn="ctr"/>
-            <a:r>
-              <a:rPr lang="zh-CN" altLang="en-US" dirty="0" smtClean="0"/>
-              <a:t>电平映射</a:t>
-            </a:r>
-            <a:endParaRPr lang="zh-CN" altLang="en-US" dirty="0"/>
-          </a:p>
-        </p:txBody>
-      </p:sp>
-      <p:sp>
-        <p:nvSpPr>
-          <p:cNvPr id="16" name="矩形 15"/>
-          <p:cNvSpPr/>
-          <p:nvPr/>
-        </p:nvSpPr>
-        <p:spPr>
-          <a:xfrm>
-            <a:off x="6337669" y="4722544"/>
-            <a:ext cx="1127761" cy="496298"/>
-          </a:xfrm>
-          <a:prstGeom prst="rect">
-            <a:avLst/>
-          </a:prstGeom>
-          <a:ln w="76200"/>
-        </p:spPr>
-        <p:style>
-          <a:lnRef idx="2">
-            <a:schemeClr val="accent1"/>
-          </a:lnRef>
-          <a:fillRef idx="1">
-            <a:schemeClr val="lt1"/>
-          </a:fillRef>
-          <a:effectRef idx="0">
-            <a:schemeClr val="accent1"/>
-          </a:effectRef>
-          <a:fontRef idx="minor">
-            <a:schemeClr val="dk1"/>
-          </a:fontRef>
-        </p:style>
-        <p:txBody>
-          <a:bodyPr rtlCol="0" anchor="ctr"/>
-          <a:lstStyle/>
-          <a:p>
-            <a:pPr algn="ctr"/>
-            <a:r>
-              <a:rPr lang="zh-CN" altLang="en-US" dirty="0" smtClean="0"/>
-              <a:t>采样判决</a:t>
-            </a:r>
-            <a:endParaRPr lang="zh-CN" altLang="en-US" dirty="0"/>
-          </a:p>
-        </p:txBody>
-      </p:sp>
-      <p:sp>
-        <p:nvSpPr>
-          <p:cNvPr id="17" name="矩形 16"/>
-          <p:cNvSpPr/>
-          <p:nvPr/>
-        </p:nvSpPr>
-        <p:spPr>
-          <a:xfrm>
-            <a:off x="3473416" y="4473640"/>
-            <a:ext cx="1748971" cy="994106"/>
-          </a:xfrm>
-          <a:prstGeom prst="rect">
-            <a:avLst/>
-          </a:prstGeom>
-          <a:ln w="76200"/>
-        </p:spPr>
-        <p:style>
-          <a:lnRef idx="2">
-            <a:schemeClr val="accent1"/>
-          </a:lnRef>
-          <a:fillRef idx="1">
-            <a:schemeClr val="lt1"/>
-          </a:fillRef>
-          <a:effectRef idx="0">
-            <a:schemeClr val="accent1"/>
-          </a:effectRef>
-          <a:fontRef idx="minor">
-            <a:schemeClr val="dk1"/>
-          </a:fontRef>
-        </p:style>
-        <p:txBody>
-          <a:bodyPr rtlCol="0" anchor="ctr"/>
-          <a:lstStyle/>
-          <a:p>
-            <a:pPr algn="ctr"/>
-            <a:r>
-              <a:rPr lang="en-US" altLang="zh-CN" dirty="0" smtClean="0"/>
-              <a:t>Viterbi</a:t>
-            </a:r>
-            <a:r>
-              <a:rPr lang="zh-CN" altLang="en-US" dirty="0" smtClean="0"/>
-              <a:t>译码</a:t>
-            </a:r>
-            <a:endParaRPr lang="en-US" altLang="zh-CN" dirty="0" smtClean="0"/>
-          </a:p>
-          <a:p>
-            <a:pPr algn="ctr"/>
-            <a:r>
-              <a:rPr lang="zh-CN" altLang="en-US" dirty="0"/>
-              <a:t>硬</a:t>
-            </a:r>
-            <a:r>
-              <a:rPr lang="zh-CN" altLang="en-US" dirty="0" smtClean="0"/>
-              <a:t>判决</a:t>
-            </a:r>
-            <a:r>
-              <a:rPr lang="en-US" altLang="zh-CN" dirty="0" smtClean="0"/>
-              <a:t>/</a:t>
-            </a:r>
-            <a:r>
-              <a:rPr lang="zh-CN" altLang="en-US" dirty="0" smtClean="0"/>
-              <a:t>软判决</a:t>
-            </a:r>
-            <a:endParaRPr lang="zh-CN" altLang="en-US" dirty="0"/>
-          </a:p>
-        </p:txBody>
-      </p:sp>
-      <p:sp>
-        <p:nvSpPr>
-          <p:cNvPr id="18" name="矩形 17"/>
-          <p:cNvSpPr/>
-          <p:nvPr/>
-        </p:nvSpPr>
-        <p:spPr>
-          <a:xfrm>
-            <a:off x="1421376" y="4722544"/>
-            <a:ext cx="924279" cy="496298"/>
-          </a:xfrm>
-          <a:prstGeom prst="rect">
-            <a:avLst/>
-          </a:prstGeom>
-          <a:ln w="76200"/>
-        </p:spPr>
-        <p:style>
-          <a:lnRef idx="2">
-            <a:schemeClr val="accent1"/>
-          </a:lnRef>
-          <a:fillRef idx="1">
-            <a:schemeClr val="lt1"/>
-          </a:fillRef>
-          <a:effectRef idx="0">
-            <a:schemeClr val="accent1"/>
-          </a:effectRef>
-          <a:fontRef idx="minor">
-            <a:schemeClr val="dk1"/>
-          </a:fontRef>
-        </p:style>
-        <p:txBody>
-          <a:bodyPr rtlCol="0" anchor="ctr"/>
-          <a:lstStyle/>
-          <a:p>
-            <a:pPr algn="ctr"/>
-            <a:r>
-              <a:rPr lang="zh-CN" altLang="en-US" dirty="0" smtClean="0"/>
-              <a:t>解密</a:t>
-            </a:r>
-            <a:endParaRPr lang="zh-CN" altLang="en-US" dirty="0"/>
-          </a:p>
-        </p:txBody>
-      </p:sp>
-      <p:cxnSp>
-        <p:nvCxnSpPr>
-          <p:cNvPr id="20" name="直接箭头连接符 19"/>
-          <p:cNvCxnSpPr>
-            <a:stCxn id="8" idx="3"/>
-            <a:endCxn id="10" idx="1"/>
-          </p:cNvCxnSpPr>
-          <p:nvPr/>
-        </p:nvCxnSpPr>
-        <p:spPr>
-          <a:xfrm>
-            <a:off x="2346534" y="2416853"/>
-            <a:ext cx="588334" cy="0"/>
-          </a:xfrm>
-          <a:prstGeom prst="straightConnector1">
-            <a:avLst/>
-          </a:prstGeom>
-          <a:ln w="76200">
-            <a:tailEnd type="triangle"/>
-          </a:ln>
-        </p:spPr>
-        <p:style>
-          <a:lnRef idx="1">
-            <a:schemeClr val="accent1"/>
-          </a:lnRef>
-          <a:fillRef idx="0">
-            <a:schemeClr val="accent1"/>
-          </a:fillRef>
-          <a:effectRef idx="0">
-            <a:schemeClr val="accent1"/>
-          </a:effectRef>
-          <a:fontRef idx="minor">
-            <a:schemeClr val="tx1"/>
-          </a:fontRef>
-        </p:style>
-      </p:cxnSp>
-      <p:cxnSp>
-        <p:nvCxnSpPr>
-          <p:cNvPr id="22" name="直接箭头连接符 21"/>
-          <p:cNvCxnSpPr>
-            <a:stCxn id="10" idx="3"/>
-            <a:endCxn id="15" idx="1"/>
-          </p:cNvCxnSpPr>
-          <p:nvPr/>
-        </p:nvCxnSpPr>
-        <p:spPr>
-          <a:xfrm>
-            <a:off x="4084145" y="2416853"/>
-            <a:ext cx="553123" cy="0"/>
-          </a:xfrm>
-          <a:prstGeom prst="straightConnector1">
-            <a:avLst/>
-          </a:prstGeom>
-          <a:ln w="76200">
-            <a:tailEnd type="triangle"/>
-          </a:ln>
-        </p:spPr>
-        <p:style>
-          <a:lnRef idx="1">
-            <a:schemeClr val="accent1"/>
-          </a:lnRef>
-          <a:fillRef idx="0">
-            <a:schemeClr val="accent1"/>
-          </a:fillRef>
-          <a:effectRef idx="0">
-            <a:schemeClr val="accent1"/>
-          </a:effectRef>
-          <a:fontRef idx="minor">
-            <a:schemeClr val="tx1"/>
-          </a:fontRef>
-        </p:style>
-      </p:cxnSp>
-      <p:cxnSp>
-        <p:nvCxnSpPr>
-          <p:cNvPr id="23" name="直接箭头连接符 22"/>
-          <p:cNvCxnSpPr/>
-          <p:nvPr/>
-        </p:nvCxnSpPr>
-        <p:spPr>
-          <a:xfrm>
-            <a:off x="5789307" y="2416853"/>
-            <a:ext cx="659078" cy="0"/>
-          </a:xfrm>
-          <a:prstGeom prst="straightConnector1">
-            <a:avLst/>
-          </a:prstGeom>
-          <a:ln w="76200">
-            <a:tailEnd type="triangle"/>
-          </a:ln>
-        </p:spPr>
-        <p:style>
-          <a:lnRef idx="1">
-            <a:schemeClr val="accent1"/>
-          </a:lnRef>
-          <a:fillRef idx="0">
-            <a:schemeClr val="accent1"/>
-          </a:fillRef>
-          <a:effectRef idx="0">
-            <a:schemeClr val="accent1"/>
-          </a:effectRef>
-          <a:fontRef idx="minor">
-            <a:schemeClr val="tx1"/>
-          </a:fontRef>
-        </p:style>
-      </p:cxnSp>
-      <p:cxnSp>
-        <p:nvCxnSpPr>
-          <p:cNvPr id="24" name="直接箭头连接符 23"/>
-          <p:cNvCxnSpPr/>
-          <p:nvPr/>
-        </p:nvCxnSpPr>
-        <p:spPr>
-          <a:xfrm>
-            <a:off x="7645395" y="2416853"/>
-            <a:ext cx="659078" cy="0"/>
-          </a:xfrm>
-          <a:prstGeom prst="straightConnector1">
-            <a:avLst/>
-          </a:prstGeom>
-          <a:ln w="76200">
-            <a:tailEnd type="triangle"/>
-          </a:ln>
-        </p:spPr>
-        <p:style>
-          <a:lnRef idx="1">
-            <a:schemeClr val="accent1"/>
-          </a:lnRef>
-          <a:fillRef idx="0">
-            <a:schemeClr val="accent1"/>
-          </a:fillRef>
-          <a:effectRef idx="0">
-            <a:schemeClr val="accent1"/>
-          </a:effectRef>
-          <a:fontRef idx="minor">
-            <a:schemeClr val="tx1"/>
-          </a:fontRef>
-        </p:style>
-      </p:cxnSp>
-      <p:cxnSp>
-        <p:nvCxnSpPr>
-          <p:cNvPr id="27" name="直接箭头连接符 26"/>
-          <p:cNvCxnSpPr>
-            <a:stCxn id="12" idx="2"/>
-            <a:endCxn id="13" idx="0"/>
-          </p:cNvCxnSpPr>
-          <p:nvPr/>
-        </p:nvCxnSpPr>
-        <p:spPr>
-          <a:xfrm flipH="1">
-            <a:off x="8868354" y="2667172"/>
-            <a:ext cx="1" cy="824502"/>
-          </a:xfrm>
-          <a:prstGeom prst="straightConnector1">
-            <a:avLst/>
-          </a:prstGeom>
-          <a:ln w="76200">
-            <a:tailEnd type="triangle"/>
-          </a:ln>
-        </p:spPr>
-        <p:style>
-          <a:lnRef idx="1">
-            <a:schemeClr val="accent1"/>
-          </a:lnRef>
-          <a:fillRef idx="0">
-            <a:schemeClr val="accent1"/>
-          </a:fillRef>
-          <a:effectRef idx="0">
-            <a:schemeClr val="accent1"/>
-          </a:effectRef>
-          <a:fontRef idx="minor">
-            <a:schemeClr val="tx1"/>
-          </a:fontRef>
-        </p:style>
-      </p:cxnSp>
-      <p:cxnSp>
-        <p:nvCxnSpPr>
-          <p:cNvPr id="29" name="直接箭头连接符 28"/>
-          <p:cNvCxnSpPr>
-            <a:stCxn id="13" idx="2"/>
-            <a:endCxn id="14" idx="0"/>
-          </p:cNvCxnSpPr>
-          <p:nvPr/>
-        </p:nvCxnSpPr>
-        <p:spPr>
-          <a:xfrm>
-            <a:off x="8868354" y="3987972"/>
-            <a:ext cx="0" cy="734572"/>
-          </a:xfrm>
-          <a:prstGeom prst="straightConnector1">
-            <a:avLst/>
-          </a:prstGeom>
-          <a:ln w="76200">
-            <a:tailEnd type="triangle"/>
-          </a:ln>
-        </p:spPr>
-        <p:style>
-          <a:lnRef idx="1">
-            <a:schemeClr val="accent1"/>
-          </a:lnRef>
-          <a:fillRef idx="0">
-            <a:schemeClr val="accent1"/>
-          </a:fillRef>
-          <a:effectRef idx="0">
-            <a:schemeClr val="accent1"/>
-          </a:effectRef>
-          <a:fontRef idx="minor">
-            <a:schemeClr val="tx1"/>
-          </a:fontRef>
-        </p:style>
-      </p:cxnSp>
-      <p:cxnSp>
-        <p:nvCxnSpPr>
-          <p:cNvPr id="33" name="直接箭头连接符 32"/>
-          <p:cNvCxnSpPr>
-            <a:stCxn id="14" idx="1"/>
-            <a:endCxn id="16" idx="3"/>
-          </p:cNvCxnSpPr>
-          <p:nvPr/>
-        </p:nvCxnSpPr>
-        <p:spPr>
-          <a:xfrm flipH="1">
-            <a:off x="7465430" y="4970693"/>
-            <a:ext cx="839043" cy="0"/>
-          </a:xfrm>
-          <a:prstGeom prst="straightConnector1">
-            <a:avLst/>
-          </a:prstGeom>
-          <a:ln w="76200">
-            <a:tailEnd type="triangle"/>
-          </a:ln>
-        </p:spPr>
-        <p:style>
-          <a:lnRef idx="1">
-            <a:schemeClr val="accent1"/>
-          </a:lnRef>
-          <a:fillRef idx="0">
-            <a:schemeClr val="accent1"/>
-          </a:fillRef>
-          <a:effectRef idx="0">
-            <a:schemeClr val="accent1"/>
-          </a:effectRef>
-          <a:fontRef idx="minor">
-            <a:schemeClr val="tx1"/>
-          </a:fontRef>
-        </p:style>
-      </p:cxnSp>
-      <p:cxnSp>
-        <p:nvCxnSpPr>
-          <p:cNvPr id="35" name="直接箭头连接符 34"/>
-          <p:cNvCxnSpPr>
-            <a:stCxn id="16" idx="1"/>
-            <a:endCxn id="17" idx="3"/>
-          </p:cNvCxnSpPr>
-          <p:nvPr/>
-        </p:nvCxnSpPr>
-        <p:spPr>
-          <a:xfrm flipH="1">
-            <a:off x="5222387" y="4970693"/>
-            <a:ext cx="1115282" cy="0"/>
-          </a:xfrm>
-          <a:prstGeom prst="straightConnector1">
-            <a:avLst/>
-          </a:prstGeom>
-          <a:ln w="76200">
-            <a:tailEnd type="triangle"/>
-          </a:ln>
-        </p:spPr>
-        <p:style>
-          <a:lnRef idx="1">
-            <a:schemeClr val="accent1"/>
-          </a:lnRef>
-          <a:fillRef idx="0">
-            <a:schemeClr val="accent1"/>
-          </a:fillRef>
-          <a:effectRef idx="0">
-            <a:schemeClr val="accent1"/>
-          </a:effectRef>
-          <a:fontRef idx="minor">
-            <a:schemeClr val="tx1"/>
-          </a:fontRef>
-        </p:style>
-      </p:cxnSp>
-      <p:cxnSp>
-        <p:nvCxnSpPr>
-          <p:cNvPr id="37" name="直接箭头连接符 36"/>
-          <p:cNvCxnSpPr>
-            <a:stCxn id="17" idx="1"/>
-            <a:endCxn id="18" idx="3"/>
-          </p:cNvCxnSpPr>
-          <p:nvPr/>
-        </p:nvCxnSpPr>
-        <p:spPr>
-          <a:xfrm flipH="1">
-            <a:off x="2345655" y="4970693"/>
-            <a:ext cx="1127761" cy="0"/>
-          </a:xfrm>
-          <a:prstGeom prst="straightConnector1">
-            <a:avLst/>
-          </a:prstGeom>
-          <a:ln w="76200">
-            <a:tailEnd type="triangle"/>
-          </a:ln>
-        </p:spPr>
-        <p:style>
-          <a:lnRef idx="1">
-            <a:schemeClr val="accent1"/>
-          </a:lnRef>
-          <a:fillRef idx="0">
-            <a:schemeClr val="accent1"/>
-          </a:fillRef>
-          <a:effectRef idx="0">
-            <a:schemeClr val="accent1"/>
-          </a:effectRef>
-          <a:fontRef idx="minor">
-            <a:schemeClr val="tx1"/>
-          </a:fontRef>
-        </p:style>
-      </p:cxnSp>
-      <p:cxnSp>
-        <p:nvCxnSpPr>
-          <p:cNvPr id="42" name="直接箭头连接符 41"/>
-          <p:cNvCxnSpPr>
-            <a:endCxn id="8" idx="1"/>
-          </p:cNvCxnSpPr>
-          <p:nvPr/>
-        </p:nvCxnSpPr>
-        <p:spPr>
-          <a:xfrm>
-            <a:off x="677334" y="2416853"/>
-            <a:ext cx="744042" cy="0"/>
-          </a:xfrm>
-          <a:prstGeom prst="straightConnector1">
-            <a:avLst/>
-          </a:prstGeom>
-          <a:ln w="76200">
-            <a:tailEnd type="triangle"/>
-          </a:ln>
-        </p:spPr>
-        <p:style>
-          <a:lnRef idx="1">
-            <a:schemeClr val="accent1"/>
-          </a:lnRef>
-          <a:fillRef idx="0">
-            <a:schemeClr val="accent1"/>
-          </a:fillRef>
-          <a:effectRef idx="0">
-            <a:schemeClr val="accent1"/>
-          </a:effectRef>
-          <a:fontRef idx="minor">
-            <a:schemeClr val="tx1"/>
-          </a:fontRef>
-        </p:style>
-      </p:cxnSp>
-      <p:cxnSp>
-        <p:nvCxnSpPr>
-          <p:cNvPr id="44" name="直接箭头连接符 43"/>
-          <p:cNvCxnSpPr>
-            <a:stCxn id="18" idx="1"/>
-          </p:cNvCxnSpPr>
-          <p:nvPr/>
-        </p:nvCxnSpPr>
-        <p:spPr>
-          <a:xfrm flipH="1">
-            <a:off x="615488" y="4970693"/>
-            <a:ext cx="805888" cy="0"/>
-          </a:xfrm>
-          <a:prstGeom prst="straightConnector1">
-            <a:avLst/>
-          </a:prstGeom>
-          <a:ln w="76200">
-            <a:tailEnd type="triangle"/>
-          </a:ln>
-        </p:spPr>
-        <p:style>
-          <a:lnRef idx="1">
-            <a:schemeClr val="accent1"/>
-          </a:lnRef>
-          <a:fillRef idx="0">
-            <a:schemeClr val="accent1"/>
-          </a:fillRef>
-          <a:effectRef idx="0">
-            <a:schemeClr val="accent1"/>
-          </a:effectRef>
-          <a:fontRef idx="minor">
-            <a:schemeClr val="tx1"/>
-          </a:fontRef>
-        </p:style>
-      </p:cxnSp>
+        </p:grpSpPr>
+        <p:sp>
+          <p:nvSpPr>
+            <p:cNvPr id="8" name="矩形 7"/>
+            <p:cNvSpPr/>
+            <p:nvPr/>
+          </p:nvSpPr>
+          <p:spPr>
+            <a:xfrm>
+              <a:off x="1421376" y="2168704"/>
+              <a:ext cx="925158" cy="496298"/>
+            </a:xfrm>
+            <a:prstGeom prst="rect">
+              <a:avLst/>
+            </a:prstGeom>
+            <a:ln w="76200"/>
+          </p:spPr>
+          <p:style>
+            <a:lnRef idx="2">
+              <a:schemeClr val="accent1"/>
+            </a:lnRef>
+            <a:fillRef idx="1">
+              <a:schemeClr val="lt1"/>
+            </a:fillRef>
+            <a:effectRef idx="0">
+              <a:schemeClr val="accent1"/>
+            </a:effectRef>
+            <a:fontRef idx="minor">
+              <a:schemeClr val="dk1"/>
+            </a:fontRef>
+          </p:style>
+          <p:txBody>
+            <a:bodyPr rtlCol="0" anchor="ctr"/>
+            <a:lstStyle/>
+            <a:p>
+              <a:pPr algn="ctr"/>
+              <a:r>
+                <a:rPr lang="zh-CN" altLang="en-US" dirty="0" smtClean="0"/>
+                <a:t>加密</a:t>
+              </a:r>
+              <a:endParaRPr lang="zh-CN" altLang="en-US" dirty="0"/>
+            </a:p>
+          </p:txBody>
+        </p:sp>
+        <p:sp>
+          <p:nvSpPr>
+            <p:cNvPr id="10" name="矩形 9"/>
+            <p:cNvSpPr/>
+            <p:nvPr/>
+          </p:nvSpPr>
+          <p:spPr>
+            <a:xfrm>
+              <a:off x="2934868" y="2168704"/>
+              <a:ext cx="1149277" cy="496298"/>
+            </a:xfrm>
+            <a:prstGeom prst="rect">
+              <a:avLst/>
+            </a:prstGeom>
+            <a:ln w="76200"/>
+          </p:spPr>
+          <p:style>
+            <a:lnRef idx="2">
+              <a:schemeClr val="accent1"/>
+            </a:lnRef>
+            <a:fillRef idx="1">
+              <a:schemeClr val="lt1"/>
+            </a:fillRef>
+            <a:effectRef idx="0">
+              <a:schemeClr val="accent1"/>
+            </a:effectRef>
+            <a:fontRef idx="minor">
+              <a:schemeClr val="dk1"/>
+            </a:fontRef>
+          </p:style>
+          <p:txBody>
+            <a:bodyPr rtlCol="0" anchor="ctr"/>
+            <a:lstStyle/>
+            <a:p>
+              <a:pPr algn="ctr"/>
+              <a:r>
+                <a:rPr lang="zh-CN" altLang="en-US" dirty="0" smtClean="0"/>
+                <a:t>卷积编码</a:t>
+              </a:r>
+              <a:endParaRPr lang="zh-CN" altLang="en-US" dirty="0"/>
+            </a:p>
+          </p:txBody>
+        </p:sp>
+        <p:sp>
+          <p:nvSpPr>
+            <p:cNvPr id="11" name="矩形 10"/>
+            <p:cNvSpPr/>
+            <p:nvPr/>
+          </p:nvSpPr>
+          <p:spPr>
+            <a:xfrm>
+              <a:off x="6448385" y="2168704"/>
+              <a:ext cx="1127761" cy="496298"/>
+            </a:xfrm>
+            <a:prstGeom prst="rect">
+              <a:avLst/>
+            </a:prstGeom>
+            <a:ln w="76200"/>
+          </p:spPr>
+          <p:style>
+            <a:lnRef idx="2">
+              <a:schemeClr val="accent1"/>
+            </a:lnRef>
+            <a:fillRef idx="1">
+              <a:schemeClr val="lt1"/>
+            </a:fillRef>
+            <a:effectRef idx="0">
+              <a:schemeClr val="accent1"/>
+            </a:effectRef>
+            <a:fontRef idx="minor">
+              <a:schemeClr val="dk1"/>
+            </a:fontRef>
+          </p:style>
+          <p:txBody>
+            <a:bodyPr rtlCol="0" anchor="ctr"/>
+            <a:lstStyle/>
+            <a:p>
+              <a:pPr algn="ctr"/>
+              <a:r>
+                <a:rPr lang="zh-CN" altLang="en-US" dirty="0" smtClean="0"/>
+                <a:t>基带成型</a:t>
+              </a:r>
+              <a:endParaRPr lang="zh-CN" altLang="en-US" dirty="0"/>
+            </a:p>
+          </p:txBody>
+        </p:sp>
+        <p:sp>
+          <p:nvSpPr>
+            <p:cNvPr id="12" name="矩形 11"/>
+            <p:cNvSpPr/>
+            <p:nvPr/>
+          </p:nvSpPr>
+          <p:spPr>
+            <a:xfrm>
+              <a:off x="8304474" y="2170874"/>
+              <a:ext cx="1127761" cy="496298"/>
+            </a:xfrm>
+            <a:prstGeom prst="rect">
+              <a:avLst/>
+            </a:prstGeom>
+            <a:ln w="76200"/>
+          </p:spPr>
+          <p:style>
+            <a:lnRef idx="2">
+              <a:schemeClr val="accent1"/>
+            </a:lnRef>
+            <a:fillRef idx="1">
+              <a:schemeClr val="lt1"/>
+            </a:fillRef>
+            <a:effectRef idx="0">
+              <a:schemeClr val="accent1"/>
+            </a:effectRef>
+            <a:fontRef idx="minor">
+              <a:schemeClr val="dk1"/>
+            </a:fontRef>
+          </p:style>
+          <p:txBody>
+            <a:bodyPr rtlCol="0" anchor="ctr"/>
+            <a:lstStyle/>
+            <a:p>
+              <a:pPr algn="ctr"/>
+              <a:r>
+                <a:rPr lang="zh-CN" altLang="en-US" dirty="0" smtClean="0"/>
+                <a:t>载波调制</a:t>
+              </a:r>
+              <a:endParaRPr lang="zh-CN" altLang="en-US" dirty="0"/>
+            </a:p>
+          </p:txBody>
+        </p:sp>
+        <p:sp>
+          <p:nvSpPr>
+            <p:cNvPr id="13" name="矩形 12"/>
+            <p:cNvSpPr/>
+            <p:nvPr/>
+          </p:nvSpPr>
+          <p:spPr>
+            <a:xfrm>
+              <a:off x="8304473" y="3491674"/>
+              <a:ext cx="1127761" cy="496298"/>
+            </a:xfrm>
+            <a:prstGeom prst="rect">
+              <a:avLst/>
+            </a:prstGeom>
+            <a:ln w="76200"/>
+          </p:spPr>
+          <p:style>
+            <a:lnRef idx="2">
+              <a:schemeClr val="accent1"/>
+            </a:lnRef>
+            <a:fillRef idx="1">
+              <a:schemeClr val="lt1"/>
+            </a:fillRef>
+            <a:effectRef idx="0">
+              <a:schemeClr val="accent1"/>
+            </a:effectRef>
+            <a:fontRef idx="minor">
+              <a:schemeClr val="dk1"/>
+            </a:fontRef>
+          </p:style>
+          <p:txBody>
+            <a:bodyPr rtlCol="0" anchor="ctr"/>
+            <a:lstStyle/>
+            <a:p>
+              <a:pPr algn="ctr"/>
+              <a:r>
+                <a:rPr lang="zh-CN" altLang="en-US" dirty="0" smtClean="0"/>
+                <a:t>信道</a:t>
+              </a:r>
+              <a:endParaRPr lang="zh-CN" altLang="en-US" dirty="0"/>
+            </a:p>
+          </p:txBody>
+        </p:sp>
+        <p:sp>
+          <p:nvSpPr>
+            <p:cNvPr id="14" name="矩形 13"/>
+            <p:cNvSpPr/>
+            <p:nvPr/>
+          </p:nvSpPr>
+          <p:spPr>
+            <a:xfrm>
+              <a:off x="8304473" y="4722544"/>
+              <a:ext cx="1127761" cy="496298"/>
+            </a:xfrm>
+            <a:prstGeom prst="rect">
+              <a:avLst/>
+            </a:prstGeom>
+            <a:ln w="76200"/>
+          </p:spPr>
+          <p:style>
+            <a:lnRef idx="2">
+              <a:schemeClr val="accent1"/>
+            </a:lnRef>
+            <a:fillRef idx="1">
+              <a:schemeClr val="lt1"/>
+            </a:fillRef>
+            <a:effectRef idx="0">
+              <a:schemeClr val="accent1"/>
+            </a:effectRef>
+            <a:fontRef idx="minor">
+              <a:schemeClr val="dk1"/>
+            </a:fontRef>
+          </p:style>
+          <p:txBody>
+            <a:bodyPr rtlCol="0" anchor="ctr"/>
+            <a:lstStyle/>
+            <a:p>
+              <a:pPr algn="ctr"/>
+              <a:r>
+                <a:rPr lang="zh-CN" altLang="en-US" dirty="0" smtClean="0"/>
+                <a:t>载波解调</a:t>
+              </a:r>
+              <a:endParaRPr lang="zh-CN" altLang="en-US" dirty="0"/>
+            </a:p>
+          </p:txBody>
+        </p:sp>
+        <p:sp>
+          <p:nvSpPr>
+            <p:cNvPr id="15" name="矩形 14"/>
+            <p:cNvSpPr/>
+            <p:nvPr/>
+          </p:nvSpPr>
+          <p:spPr>
+            <a:xfrm>
+              <a:off x="4637268" y="2168704"/>
+              <a:ext cx="1127761" cy="496298"/>
+            </a:xfrm>
+            <a:prstGeom prst="rect">
+              <a:avLst/>
+            </a:prstGeom>
+            <a:ln w="76200"/>
+          </p:spPr>
+          <p:style>
+            <a:lnRef idx="2">
+              <a:schemeClr val="accent1"/>
+            </a:lnRef>
+            <a:fillRef idx="1">
+              <a:schemeClr val="lt1"/>
+            </a:fillRef>
+            <a:effectRef idx="0">
+              <a:schemeClr val="accent1"/>
+            </a:effectRef>
+            <a:fontRef idx="minor">
+              <a:schemeClr val="dk1"/>
+            </a:fontRef>
+          </p:style>
+          <p:txBody>
+            <a:bodyPr rtlCol="0" anchor="ctr"/>
+            <a:lstStyle/>
+            <a:p>
+              <a:pPr algn="ctr"/>
+              <a:r>
+                <a:rPr lang="zh-CN" altLang="en-US" dirty="0" smtClean="0"/>
+                <a:t>电平映射</a:t>
+              </a:r>
+              <a:endParaRPr lang="zh-CN" altLang="en-US" dirty="0"/>
+            </a:p>
+          </p:txBody>
+        </p:sp>
+        <p:sp>
+          <p:nvSpPr>
+            <p:cNvPr id="16" name="矩形 15"/>
+            <p:cNvSpPr/>
+            <p:nvPr/>
+          </p:nvSpPr>
+          <p:spPr>
+            <a:xfrm>
+              <a:off x="6337669" y="4722544"/>
+              <a:ext cx="1127761" cy="496298"/>
+            </a:xfrm>
+            <a:prstGeom prst="rect">
+              <a:avLst/>
+            </a:prstGeom>
+            <a:ln w="76200"/>
+          </p:spPr>
+          <p:style>
+            <a:lnRef idx="2">
+              <a:schemeClr val="accent1"/>
+            </a:lnRef>
+            <a:fillRef idx="1">
+              <a:schemeClr val="lt1"/>
+            </a:fillRef>
+            <a:effectRef idx="0">
+              <a:schemeClr val="accent1"/>
+            </a:effectRef>
+            <a:fontRef idx="minor">
+              <a:schemeClr val="dk1"/>
+            </a:fontRef>
+          </p:style>
+          <p:txBody>
+            <a:bodyPr rtlCol="0" anchor="ctr"/>
+            <a:lstStyle/>
+            <a:p>
+              <a:pPr algn="ctr"/>
+              <a:r>
+                <a:rPr lang="zh-CN" altLang="en-US" dirty="0" smtClean="0"/>
+                <a:t>采样判决</a:t>
+              </a:r>
+              <a:endParaRPr lang="zh-CN" altLang="en-US" dirty="0"/>
+            </a:p>
+          </p:txBody>
+        </p:sp>
+        <p:sp>
+          <p:nvSpPr>
+            <p:cNvPr id="17" name="矩形 16"/>
+            <p:cNvSpPr/>
+            <p:nvPr/>
+          </p:nvSpPr>
+          <p:spPr>
+            <a:xfrm>
+              <a:off x="3473416" y="4473640"/>
+              <a:ext cx="1748971" cy="994106"/>
+            </a:xfrm>
+            <a:prstGeom prst="rect">
+              <a:avLst/>
+            </a:prstGeom>
+            <a:ln w="76200"/>
+          </p:spPr>
+          <p:style>
+            <a:lnRef idx="2">
+              <a:schemeClr val="accent1"/>
+            </a:lnRef>
+            <a:fillRef idx="1">
+              <a:schemeClr val="lt1"/>
+            </a:fillRef>
+            <a:effectRef idx="0">
+              <a:schemeClr val="accent1"/>
+            </a:effectRef>
+            <a:fontRef idx="minor">
+              <a:schemeClr val="dk1"/>
+            </a:fontRef>
+          </p:style>
+          <p:txBody>
+            <a:bodyPr rtlCol="0" anchor="ctr"/>
+            <a:lstStyle/>
+            <a:p>
+              <a:pPr algn="ctr"/>
+              <a:r>
+                <a:rPr lang="en-US" altLang="zh-CN" dirty="0" smtClean="0"/>
+                <a:t>Viterbi</a:t>
+              </a:r>
+              <a:r>
+                <a:rPr lang="zh-CN" altLang="en-US" dirty="0" smtClean="0"/>
+                <a:t>译码</a:t>
+              </a:r>
+              <a:endParaRPr lang="en-US" altLang="zh-CN" dirty="0" smtClean="0"/>
+            </a:p>
+            <a:p>
+              <a:pPr algn="ctr"/>
+              <a:r>
+                <a:rPr lang="zh-CN" altLang="en-US" dirty="0"/>
+                <a:t>硬</a:t>
+              </a:r>
+              <a:r>
+                <a:rPr lang="zh-CN" altLang="en-US" dirty="0" smtClean="0"/>
+                <a:t>判决</a:t>
+              </a:r>
+              <a:r>
+                <a:rPr lang="en-US" altLang="zh-CN" dirty="0" smtClean="0"/>
+                <a:t>/</a:t>
+              </a:r>
+              <a:r>
+                <a:rPr lang="zh-CN" altLang="en-US" dirty="0" smtClean="0"/>
+                <a:t>软判决</a:t>
+              </a:r>
+              <a:endParaRPr lang="zh-CN" altLang="en-US" dirty="0"/>
+            </a:p>
+          </p:txBody>
+        </p:sp>
+        <p:sp>
+          <p:nvSpPr>
+            <p:cNvPr id="18" name="矩形 17"/>
+            <p:cNvSpPr/>
+            <p:nvPr/>
+          </p:nvSpPr>
+          <p:spPr>
+            <a:xfrm>
+              <a:off x="1421376" y="4722544"/>
+              <a:ext cx="924279" cy="496298"/>
+            </a:xfrm>
+            <a:prstGeom prst="rect">
+              <a:avLst/>
+            </a:prstGeom>
+            <a:ln w="76200"/>
+          </p:spPr>
+          <p:style>
+            <a:lnRef idx="2">
+              <a:schemeClr val="accent1"/>
+            </a:lnRef>
+            <a:fillRef idx="1">
+              <a:schemeClr val="lt1"/>
+            </a:fillRef>
+            <a:effectRef idx="0">
+              <a:schemeClr val="accent1"/>
+            </a:effectRef>
+            <a:fontRef idx="minor">
+              <a:schemeClr val="dk1"/>
+            </a:fontRef>
+          </p:style>
+          <p:txBody>
+            <a:bodyPr rtlCol="0" anchor="ctr"/>
+            <a:lstStyle/>
+            <a:p>
+              <a:pPr algn="ctr"/>
+              <a:r>
+                <a:rPr lang="zh-CN" altLang="en-US" dirty="0" smtClean="0"/>
+                <a:t>解密</a:t>
+              </a:r>
+              <a:endParaRPr lang="zh-CN" altLang="en-US" dirty="0"/>
+            </a:p>
+          </p:txBody>
+        </p:sp>
+        <p:cxnSp>
+          <p:nvCxnSpPr>
+            <p:cNvPr id="20" name="直接箭头连接符 19"/>
+            <p:cNvCxnSpPr>
+              <a:stCxn id="8" idx="3"/>
+              <a:endCxn id="10" idx="1"/>
+            </p:cNvCxnSpPr>
+            <p:nvPr/>
+          </p:nvCxnSpPr>
+          <p:spPr>
+            <a:xfrm>
+              <a:off x="2346534" y="2416853"/>
+              <a:ext cx="588334" cy="0"/>
+            </a:xfrm>
+            <a:prstGeom prst="straightConnector1">
+              <a:avLst/>
+            </a:prstGeom>
+            <a:ln w="76200">
+              <a:tailEnd type="triangle"/>
+            </a:ln>
+          </p:spPr>
+          <p:style>
+            <a:lnRef idx="1">
+              <a:schemeClr val="accent1"/>
+            </a:lnRef>
+            <a:fillRef idx="0">
+              <a:schemeClr val="accent1"/>
+            </a:fillRef>
+            <a:effectRef idx="0">
+              <a:schemeClr val="accent1"/>
+            </a:effectRef>
+            <a:fontRef idx="minor">
+              <a:schemeClr val="tx1"/>
+            </a:fontRef>
+          </p:style>
+        </p:cxnSp>
+        <p:cxnSp>
+          <p:nvCxnSpPr>
+            <p:cNvPr id="22" name="直接箭头连接符 21"/>
+            <p:cNvCxnSpPr>
+              <a:stCxn id="10" idx="3"/>
+              <a:endCxn id="15" idx="1"/>
+            </p:cNvCxnSpPr>
+            <p:nvPr/>
+          </p:nvCxnSpPr>
+          <p:spPr>
+            <a:xfrm>
+              <a:off x="4084145" y="2416853"/>
+              <a:ext cx="553123" cy="0"/>
+            </a:xfrm>
+            <a:prstGeom prst="straightConnector1">
+              <a:avLst/>
+            </a:prstGeom>
+            <a:ln w="76200">
+              <a:tailEnd type="triangle"/>
+            </a:ln>
+          </p:spPr>
+          <p:style>
+            <a:lnRef idx="1">
+              <a:schemeClr val="accent1"/>
+            </a:lnRef>
+            <a:fillRef idx="0">
+              <a:schemeClr val="accent1"/>
+            </a:fillRef>
+            <a:effectRef idx="0">
+              <a:schemeClr val="accent1"/>
+            </a:effectRef>
+            <a:fontRef idx="minor">
+              <a:schemeClr val="tx1"/>
+            </a:fontRef>
+          </p:style>
+        </p:cxnSp>
+        <p:cxnSp>
+          <p:nvCxnSpPr>
+            <p:cNvPr id="23" name="直接箭头连接符 22"/>
+            <p:cNvCxnSpPr/>
+            <p:nvPr/>
+          </p:nvCxnSpPr>
+          <p:spPr>
+            <a:xfrm>
+              <a:off x="5789307" y="2416853"/>
+              <a:ext cx="659078" cy="0"/>
+            </a:xfrm>
+            <a:prstGeom prst="straightConnector1">
+              <a:avLst/>
+            </a:prstGeom>
+            <a:ln w="76200">
+              <a:tailEnd type="triangle"/>
+            </a:ln>
+          </p:spPr>
+          <p:style>
+            <a:lnRef idx="1">
+              <a:schemeClr val="accent1"/>
+            </a:lnRef>
+            <a:fillRef idx="0">
+              <a:schemeClr val="accent1"/>
+            </a:fillRef>
+            <a:effectRef idx="0">
+              <a:schemeClr val="accent1"/>
+            </a:effectRef>
+            <a:fontRef idx="minor">
+              <a:schemeClr val="tx1"/>
+            </a:fontRef>
+          </p:style>
+        </p:cxnSp>
+        <p:cxnSp>
+          <p:nvCxnSpPr>
+            <p:cNvPr id="24" name="直接箭头连接符 23"/>
+            <p:cNvCxnSpPr/>
+            <p:nvPr/>
+          </p:nvCxnSpPr>
+          <p:spPr>
+            <a:xfrm>
+              <a:off x="7645395" y="2416853"/>
+              <a:ext cx="659078" cy="0"/>
+            </a:xfrm>
+            <a:prstGeom prst="straightConnector1">
+              <a:avLst/>
+            </a:prstGeom>
+            <a:ln w="76200">
+              <a:tailEnd type="triangle"/>
+            </a:ln>
+          </p:spPr>
+          <p:style>
+            <a:lnRef idx="1">
+              <a:schemeClr val="accent1"/>
+            </a:lnRef>
+            <a:fillRef idx="0">
+              <a:schemeClr val="accent1"/>
+            </a:fillRef>
+            <a:effectRef idx="0">
+              <a:schemeClr val="accent1"/>
+            </a:effectRef>
+            <a:fontRef idx="minor">
+              <a:schemeClr val="tx1"/>
+            </a:fontRef>
+          </p:style>
+        </p:cxnSp>
+        <p:cxnSp>
+          <p:nvCxnSpPr>
+            <p:cNvPr id="27" name="直接箭头连接符 26"/>
+            <p:cNvCxnSpPr>
+              <a:stCxn id="12" idx="2"/>
+              <a:endCxn id="13" idx="0"/>
+            </p:cNvCxnSpPr>
+            <p:nvPr/>
+          </p:nvCxnSpPr>
+          <p:spPr>
+            <a:xfrm flipH="1">
+              <a:off x="8868354" y="2667172"/>
+              <a:ext cx="1" cy="824502"/>
+            </a:xfrm>
+            <a:prstGeom prst="straightConnector1">
+              <a:avLst/>
+            </a:prstGeom>
+            <a:ln w="76200">
+              <a:tailEnd type="triangle"/>
+            </a:ln>
+          </p:spPr>
+          <p:style>
+            <a:lnRef idx="1">
+              <a:schemeClr val="accent1"/>
+            </a:lnRef>
+            <a:fillRef idx="0">
+              <a:schemeClr val="accent1"/>
+            </a:fillRef>
+            <a:effectRef idx="0">
+              <a:schemeClr val="accent1"/>
+            </a:effectRef>
+            <a:fontRef idx="minor">
+              <a:schemeClr val="tx1"/>
+            </a:fontRef>
+          </p:style>
+        </p:cxnSp>
+        <p:cxnSp>
+          <p:nvCxnSpPr>
+            <p:cNvPr id="29" name="直接箭头连接符 28"/>
+            <p:cNvCxnSpPr>
+              <a:stCxn id="13" idx="2"/>
+              <a:endCxn id="14" idx="0"/>
+            </p:cNvCxnSpPr>
+            <p:nvPr/>
+          </p:nvCxnSpPr>
+          <p:spPr>
+            <a:xfrm>
+              <a:off x="8868354" y="3987972"/>
+              <a:ext cx="0" cy="734572"/>
+            </a:xfrm>
+            <a:prstGeom prst="straightConnector1">
+              <a:avLst/>
+            </a:prstGeom>
+            <a:ln w="76200">
+              <a:tailEnd type="triangle"/>
+            </a:ln>
+          </p:spPr>
+          <p:style>
+            <a:lnRef idx="1">
+              <a:schemeClr val="accent1"/>
+            </a:lnRef>
+            <a:fillRef idx="0">
+              <a:schemeClr val="accent1"/>
+            </a:fillRef>
+            <a:effectRef idx="0">
+              <a:schemeClr val="accent1"/>
+            </a:effectRef>
+            <a:fontRef idx="minor">
+              <a:schemeClr val="tx1"/>
+            </a:fontRef>
+          </p:style>
+        </p:cxnSp>
+        <p:cxnSp>
+          <p:nvCxnSpPr>
+            <p:cNvPr id="33" name="直接箭头连接符 32"/>
+            <p:cNvCxnSpPr>
+              <a:stCxn id="14" idx="1"/>
+              <a:endCxn id="16" idx="3"/>
+            </p:cNvCxnSpPr>
+            <p:nvPr/>
+          </p:nvCxnSpPr>
+          <p:spPr>
+            <a:xfrm flipH="1">
+              <a:off x="7465430" y="4970693"/>
+              <a:ext cx="839043" cy="0"/>
+            </a:xfrm>
+            <a:prstGeom prst="straightConnector1">
+              <a:avLst/>
+            </a:prstGeom>
+            <a:ln w="76200">
+              <a:tailEnd type="triangle"/>
+            </a:ln>
+          </p:spPr>
+          <p:style>
+            <a:lnRef idx="1">
+              <a:schemeClr val="accent1"/>
+            </a:lnRef>
+            <a:fillRef idx="0">
+              <a:schemeClr val="accent1"/>
+            </a:fillRef>
+            <a:effectRef idx="0">
+              <a:schemeClr val="accent1"/>
+            </a:effectRef>
+            <a:fontRef idx="minor">
+              <a:schemeClr val="tx1"/>
+            </a:fontRef>
+          </p:style>
+        </p:cxnSp>
+        <p:cxnSp>
+          <p:nvCxnSpPr>
+            <p:cNvPr id="35" name="直接箭头连接符 34"/>
+            <p:cNvCxnSpPr>
+              <a:stCxn id="16" idx="1"/>
+              <a:endCxn id="17" idx="3"/>
+            </p:cNvCxnSpPr>
+            <p:nvPr/>
+          </p:nvCxnSpPr>
+          <p:spPr>
+            <a:xfrm flipH="1">
+              <a:off x="5222387" y="4970693"/>
+              <a:ext cx="1115282" cy="0"/>
+            </a:xfrm>
+            <a:prstGeom prst="straightConnector1">
+              <a:avLst/>
+            </a:prstGeom>
+            <a:ln w="76200">
+              <a:tailEnd type="triangle"/>
+            </a:ln>
+          </p:spPr>
+          <p:style>
+            <a:lnRef idx="1">
+              <a:schemeClr val="accent1"/>
+            </a:lnRef>
+            <a:fillRef idx="0">
+              <a:schemeClr val="accent1"/>
+            </a:fillRef>
+            <a:effectRef idx="0">
+              <a:schemeClr val="accent1"/>
+            </a:effectRef>
+            <a:fontRef idx="minor">
+              <a:schemeClr val="tx1"/>
+            </a:fontRef>
+          </p:style>
+        </p:cxnSp>
+        <p:cxnSp>
+          <p:nvCxnSpPr>
+            <p:cNvPr id="37" name="直接箭头连接符 36"/>
+            <p:cNvCxnSpPr>
+              <a:stCxn id="17" idx="1"/>
+              <a:endCxn id="18" idx="3"/>
+            </p:cNvCxnSpPr>
+            <p:nvPr/>
+          </p:nvCxnSpPr>
+          <p:spPr>
+            <a:xfrm flipH="1">
+              <a:off x="2345655" y="4970693"/>
+              <a:ext cx="1127761" cy="0"/>
+            </a:xfrm>
+            <a:prstGeom prst="straightConnector1">
+              <a:avLst/>
+            </a:prstGeom>
+            <a:ln w="76200">
+              <a:tailEnd type="triangle"/>
+            </a:ln>
+          </p:spPr>
+          <p:style>
+            <a:lnRef idx="1">
+              <a:schemeClr val="accent1"/>
+            </a:lnRef>
+            <a:fillRef idx="0">
+              <a:schemeClr val="accent1"/>
+            </a:fillRef>
+            <a:effectRef idx="0">
+              <a:schemeClr val="accent1"/>
+            </a:effectRef>
+            <a:fontRef idx="minor">
+              <a:schemeClr val="tx1"/>
+            </a:fontRef>
+          </p:style>
+        </p:cxnSp>
+        <p:cxnSp>
+          <p:nvCxnSpPr>
+            <p:cNvPr id="42" name="直接箭头连接符 41"/>
+            <p:cNvCxnSpPr>
+              <a:endCxn id="8" idx="1"/>
+            </p:cNvCxnSpPr>
+            <p:nvPr/>
+          </p:nvCxnSpPr>
+          <p:spPr>
+            <a:xfrm>
+              <a:off x="677334" y="2416853"/>
+              <a:ext cx="744042" cy="0"/>
+            </a:xfrm>
+            <a:prstGeom prst="straightConnector1">
+              <a:avLst/>
+            </a:prstGeom>
+            <a:ln w="76200">
+              <a:tailEnd type="triangle"/>
+            </a:ln>
+          </p:spPr>
+          <p:style>
+            <a:lnRef idx="1">
+              <a:schemeClr val="accent1"/>
+            </a:lnRef>
+            <a:fillRef idx="0">
+              <a:schemeClr val="accent1"/>
+            </a:fillRef>
+            <a:effectRef idx="0">
+              <a:schemeClr val="accent1"/>
+            </a:effectRef>
+            <a:fontRef idx="minor">
+              <a:schemeClr val="tx1"/>
+            </a:fontRef>
+          </p:style>
+        </p:cxnSp>
+        <p:cxnSp>
+          <p:nvCxnSpPr>
+            <p:cNvPr id="44" name="直接箭头连接符 43"/>
+            <p:cNvCxnSpPr>
+              <a:stCxn id="18" idx="1"/>
+            </p:cNvCxnSpPr>
+            <p:nvPr/>
+          </p:nvCxnSpPr>
+          <p:spPr>
+            <a:xfrm flipH="1">
+              <a:off x="615488" y="4970693"/>
+              <a:ext cx="805888" cy="0"/>
+            </a:xfrm>
+            <a:prstGeom prst="straightConnector1">
+              <a:avLst/>
+            </a:prstGeom>
+            <a:ln w="76200">
+              <a:tailEnd type="triangle"/>
+            </a:ln>
+          </p:spPr>
+          <p:style>
+            <a:lnRef idx="1">
+              <a:schemeClr val="accent1"/>
+            </a:lnRef>
+            <a:fillRef idx="0">
+              <a:schemeClr val="accent1"/>
+            </a:fillRef>
+            <a:effectRef idx="0">
+              <a:schemeClr val="accent1"/>
+            </a:effectRef>
+            <a:fontRef idx="minor">
+              <a:schemeClr val="tx1"/>
+            </a:fontRef>
+          </p:style>
+        </p:cxnSp>
+      </p:grpSp>
       <p:sp>
         <p:nvSpPr>
           <p:cNvPr id="61" name="灯片编号占位符 60"/>

--- a/展示报告.pptx
+++ b/展示报告.pptx
@@ -5,7 +5,7 @@
     <p:sldMasterId id="2147483678" r:id="rId1"/>
   </p:sldMasterIdLst>
   <p:notesMasterIdLst>
-    <p:notesMasterId r:id="rId28"/>
+    <p:notesMasterId r:id="rId33"/>
   </p:notesMasterIdLst>
   <p:sldIdLst>
     <p:sldId id="256" r:id="rId2"/>
@@ -30,10 +30,15 @@
     <p:sldId id="278" r:id="rId21"/>
     <p:sldId id="280" r:id="rId22"/>
     <p:sldId id="279" r:id="rId23"/>
-    <p:sldId id="274" r:id="rId24"/>
-    <p:sldId id="272" r:id="rId25"/>
-    <p:sldId id="277" r:id="rId26"/>
-    <p:sldId id="276" r:id="rId27"/>
+    <p:sldId id="282" r:id="rId24"/>
+    <p:sldId id="283" r:id="rId25"/>
+    <p:sldId id="284" r:id="rId26"/>
+    <p:sldId id="285" r:id="rId27"/>
+    <p:sldId id="286" r:id="rId28"/>
+    <p:sldId id="287" r:id="rId29"/>
+    <p:sldId id="288" r:id="rId30"/>
+    <p:sldId id="277" r:id="rId31"/>
+    <p:sldId id="276" r:id="rId32"/>
   </p:sldIdLst>
   <p:sldSz cx="12192000" cy="6858000"/>
   <p:notesSz cx="6858000" cy="9144000"/>
@@ -909,18 +914,17 @@
         <a:lstStyle/>
         <a:p>
           <a:r>
-            <a:rPr lang="zh-CN" altLang="en-US" dirty="0" smtClean="0"/>
+            <a:rPr lang="zh-CN" altLang="en-US" dirty="0"/>
             <a:t>一、调制与信道传输</a:t>
           </a:r>
           <a:r>
-            <a:rPr lang="en-US" altLang="zh-CN" dirty="0" smtClean="0"/>
+            <a:rPr lang="en-US" altLang="zh-CN" dirty="0"/>
             <a:t>:</a:t>
           </a:r>
           <a:r>
-            <a:rPr lang="zh-CN" altLang="en-US" dirty="0" smtClean="0"/>
+            <a:rPr lang="zh-CN" altLang="en-US" dirty="0"/>
             <a:t>王传瑞</a:t>
           </a:r>
-          <a:endParaRPr lang="zh-CN" altLang="en-US" dirty="0"/>
         </a:p>
       </dgm:t>
     </dgm:pt>
@@ -954,26 +958,25 @@
         <a:lstStyle/>
         <a:p>
           <a:r>
-            <a:rPr lang="zh-CN" altLang="en-US" dirty="0" smtClean="0"/>
+            <a:rPr lang="zh-CN" altLang="en-US" dirty="0"/>
             <a:t>二、</a:t>
           </a:r>
           <a:r>
-            <a:rPr lang="en-US" altLang="zh-CN" dirty="0" smtClean="0"/>
+            <a:rPr lang="en-US" altLang="zh-CN" dirty="0"/>
             <a:t>RSA</a:t>
           </a:r>
           <a:r>
-            <a:rPr lang="zh-CN" altLang="en-US" dirty="0" smtClean="0"/>
+            <a:rPr lang="zh-CN" altLang="en-US" dirty="0"/>
             <a:t>加密算法</a:t>
           </a:r>
           <a:r>
-            <a:rPr lang="en-US" altLang="zh-CN" dirty="0" smtClean="0"/>
+            <a:rPr lang="en-US" altLang="zh-CN" dirty="0"/>
             <a:t>:</a:t>
           </a:r>
           <a:r>
-            <a:rPr lang="zh-CN" altLang="en-US" dirty="0" smtClean="0"/>
+            <a:rPr lang="zh-CN" altLang="en-US" dirty="0"/>
             <a:t>曾睿</a:t>
           </a:r>
-          <a:endParaRPr lang="zh-CN" altLang="en-US" dirty="0"/>
         </a:p>
       </dgm:t>
     </dgm:pt>
@@ -1007,26 +1010,25 @@
         <a:lstStyle/>
         <a:p>
           <a:r>
-            <a:rPr lang="zh-CN" altLang="en-US" dirty="0" smtClean="0"/>
+            <a:rPr lang="zh-CN" altLang="en-US" dirty="0"/>
             <a:t>四、</a:t>
           </a:r>
           <a:r>
-            <a:rPr lang="en-US" altLang="zh-CN" dirty="0" smtClean="0"/>
+            <a:rPr lang="en-US" altLang="zh-CN" dirty="0"/>
             <a:t>AES</a:t>
           </a:r>
           <a:r>
-            <a:rPr lang="zh-CN" altLang="en-US" dirty="0" smtClean="0"/>
+            <a:rPr lang="zh-CN" altLang="en-US" dirty="0"/>
             <a:t>加密算法</a:t>
           </a:r>
           <a:r>
-            <a:rPr lang="en-US" altLang="zh-CN" dirty="0" smtClean="0"/>
+            <a:rPr lang="en-US" altLang="zh-CN" dirty="0"/>
             <a:t>:</a:t>
           </a:r>
           <a:r>
-            <a:rPr lang="zh-CN" altLang="en-US" dirty="0" smtClean="0"/>
+            <a:rPr lang="zh-CN" altLang="en-US" dirty="0"/>
             <a:t>雷城乐阳</a:t>
           </a:r>
-          <a:endParaRPr lang="zh-CN" altLang="en-US" dirty="0"/>
         </a:p>
       </dgm:t>
     </dgm:pt>
@@ -1060,26 +1062,25 @@
         <a:lstStyle/>
         <a:p>
           <a:r>
-            <a:rPr lang="zh-CN" altLang="en-US" dirty="0" smtClean="0"/>
+            <a:rPr lang="zh-CN" altLang="en-US" dirty="0"/>
             <a:t>三、</a:t>
           </a:r>
           <a:r>
-            <a:rPr lang="en-US" altLang="zh-CN" dirty="0" smtClean="0"/>
+            <a:rPr lang="en-US" altLang="zh-CN" dirty="0"/>
             <a:t>DES</a:t>
           </a:r>
           <a:r>
-            <a:rPr lang="zh-CN" altLang="en-US" dirty="0" smtClean="0"/>
+            <a:rPr lang="zh-CN" altLang="en-US" dirty="0"/>
             <a:t>加密算法</a:t>
           </a:r>
           <a:r>
-            <a:rPr lang="en-US" altLang="zh-CN" dirty="0" smtClean="0"/>
+            <a:rPr lang="en-US" altLang="zh-CN" dirty="0"/>
             <a:t>:</a:t>
           </a:r>
           <a:r>
-            <a:rPr lang="zh-CN" altLang="en-US" dirty="0" smtClean="0"/>
+            <a:rPr lang="zh-CN" altLang="en-US" dirty="0"/>
             <a:t>辜俊皓</a:t>
           </a:r>
-          <a:endParaRPr lang="zh-CN" altLang="en-US" dirty="0"/>
         </a:p>
       </dgm:t>
     </dgm:pt>
@@ -1113,10 +1114,9 @@
         <a:lstStyle/>
         <a:p>
           <a:r>
-            <a:rPr lang="zh-CN" altLang="en-US" dirty="0" smtClean="0"/>
+            <a:rPr lang="zh-CN" altLang="en-US" dirty="0"/>
             <a:t>五、联调与分析</a:t>
           </a:r>
-          <a:endParaRPr lang="zh-CN" altLang="en-US" dirty="0"/>
         </a:p>
       </dgm:t>
     </dgm:pt>
@@ -1151,13 +1151,6 @@
         </dgm:presLayoutVars>
       </dgm:prSet>
       <dgm:spPr/>
-      <dgm:t>
-        <a:bodyPr/>
-        <a:lstStyle/>
-        <a:p>
-          <a:endParaRPr lang="zh-CN" altLang="en-US"/>
-        </a:p>
-      </dgm:t>
     </dgm:pt>
     <dgm:pt modelId="{03B61ECC-EEB9-4DE9-8C25-D0D15FE845F9}" type="pres">
       <dgm:prSet presAssocID="{C8B99F0F-43BE-487F-B4DF-1008F3E735DD}" presName="Name1" presStyleCnt="0"/>
@@ -1174,13 +1167,6 @@
     <dgm:pt modelId="{1F04467C-D110-4262-AC39-036DF920FCA3}" type="pres">
       <dgm:prSet presAssocID="{C8B99F0F-43BE-487F-B4DF-1008F3E735DD}" presName="conn" presStyleLbl="parChTrans1D2" presStyleIdx="0" presStyleCnt="1"/>
       <dgm:spPr/>
-      <dgm:t>
-        <a:bodyPr/>
-        <a:lstStyle/>
-        <a:p>
-          <a:endParaRPr lang="zh-CN" altLang="en-US"/>
-        </a:p>
-      </dgm:t>
     </dgm:pt>
     <dgm:pt modelId="{35A57891-67B1-40A1-9B96-DBC5B615563B}" type="pres">
       <dgm:prSet presAssocID="{C8B99F0F-43BE-487F-B4DF-1008F3E735DD}" presName="extraNode" presStyleLbl="node1" presStyleIdx="0" presStyleCnt="5"/>
@@ -1197,13 +1183,6 @@
         </dgm:presLayoutVars>
       </dgm:prSet>
       <dgm:spPr/>
-      <dgm:t>
-        <a:bodyPr/>
-        <a:lstStyle/>
-        <a:p>
-          <a:endParaRPr lang="zh-CN" altLang="en-US"/>
-        </a:p>
-      </dgm:t>
     </dgm:pt>
     <dgm:pt modelId="{FA58CFF6-F379-429E-B806-B4EAFD5C0E06}" type="pres">
       <dgm:prSet presAssocID="{2F2B02B7-B9A4-4F04-970B-301FA3F6057C}" presName="accent_1" presStyleCnt="0"/>
@@ -1220,13 +1199,6 @@
         </dgm:presLayoutVars>
       </dgm:prSet>
       <dgm:spPr/>
-      <dgm:t>
-        <a:bodyPr/>
-        <a:lstStyle/>
-        <a:p>
-          <a:endParaRPr lang="zh-CN" altLang="en-US"/>
-        </a:p>
-      </dgm:t>
     </dgm:pt>
     <dgm:pt modelId="{3116A14A-6A9D-41A4-B6C7-02A53874BA3F}" type="pres">
       <dgm:prSet presAssocID="{E7670E26-F6EE-458D-B466-52C8E5E81CDA}" presName="accent_2" presStyleCnt="0"/>
@@ -1243,13 +1215,6 @@
         </dgm:presLayoutVars>
       </dgm:prSet>
       <dgm:spPr/>
-      <dgm:t>
-        <a:bodyPr/>
-        <a:lstStyle/>
-        <a:p>
-          <a:endParaRPr lang="zh-CN" altLang="en-US"/>
-        </a:p>
-      </dgm:t>
     </dgm:pt>
     <dgm:pt modelId="{BAAD6B85-A8CB-4968-9BEA-12D4E82C7C3C}" type="pres">
       <dgm:prSet presAssocID="{7CA92D09-4451-43C0-8475-700FFB6173BA}" presName="accent_3" presStyleCnt="0"/>
@@ -1266,13 +1231,6 @@
         </dgm:presLayoutVars>
       </dgm:prSet>
       <dgm:spPr/>
-      <dgm:t>
-        <a:bodyPr/>
-        <a:lstStyle/>
-        <a:p>
-          <a:endParaRPr lang="zh-CN" altLang="en-US"/>
-        </a:p>
-      </dgm:t>
     </dgm:pt>
     <dgm:pt modelId="{E61E9F88-823A-4CBF-857E-C73E7E7CA901}" type="pres">
       <dgm:prSet presAssocID="{77438846-E362-4A72-A2C7-7890F6543E07}" presName="accent_4" presStyleCnt="0"/>
@@ -1289,13 +1247,6 @@
         </dgm:presLayoutVars>
       </dgm:prSet>
       <dgm:spPr/>
-      <dgm:t>
-        <a:bodyPr/>
-        <a:lstStyle/>
-        <a:p>
-          <a:endParaRPr lang="zh-CN" altLang="en-US"/>
-        </a:p>
-      </dgm:t>
     </dgm:pt>
     <dgm:pt modelId="{B36F189B-00EA-4044-BFB2-89ADA9B7D924}" type="pres">
       <dgm:prSet presAssocID="{1E3CBFC1-3A25-476B-AD87-6E7F270D9974}" presName="accent_5" presStyleCnt="0"/>
@@ -1307,18 +1258,18 @@
     </dgm:pt>
   </dgm:ptLst>
   <dgm:cxnLst>
-    <dgm:cxn modelId="{F3A6FC6E-4E7F-48B5-8FD0-024482D181F8}" srcId="{C8B99F0F-43BE-487F-B4DF-1008F3E735DD}" destId="{E7670E26-F6EE-458D-B466-52C8E5E81CDA}" srcOrd="1" destOrd="0" parTransId="{3703529C-F607-407E-9FCB-8900D331FF03}" sibTransId="{2F624BB6-8808-48E3-8B90-F263B4BE183C}"/>
-    <dgm:cxn modelId="{D7126358-19DD-467C-84A8-0E248EEB18A6}" type="presOf" srcId="{77438846-E362-4A72-A2C7-7890F6543E07}" destId="{868027F8-B51E-4892-AC75-6102288B82B4}" srcOrd="0" destOrd="0" presId="urn:microsoft.com/office/officeart/2008/layout/VerticalCurvedList"/>
+    <dgm:cxn modelId="{872AA007-59A7-4338-BD2C-D2EB253CBB50}" type="presOf" srcId="{2F2B02B7-B9A4-4F04-970B-301FA3F6057C}" destId="{05B12D7E-7EFF-4528-A1A4-1AE748BE3A83}" srcOrd="0" destOrd="0" presId="urn:microsoft.com/office/officeart/2008/layout/VerticalCurvedList"/>
+    <dgm:cxn modelId="{D7B02E0F-0C23-48EF-BC03-06736B9C046E}" type="presOf" srcId="{E7670E26-F6EE-458D-B466-52C8E5E81CDA}" destId="{0376AE73-522B-4590-BF99-814B98A789BC}" srcOrd="0" destOrd="0" presId="urn:microsoft.com/office/officeart/2008/layout/VerticalCurvedList"/>
     <dgm:cxn modelId="{AA637021-4880-45D9-81D3-E6B651CC1F67}" type="presOf" srcId="{7CA92D09-4451-43C0-8475-700FFB6173BA}" destId="{196E261F-2B92-45C3-A8A5-30A8650670E5}" srcOrd="0" destOrd="0" presId="urn:microsoft.com/office/officeart/2008/layout/VerticalCurvedList"/>
-    <dgm:cxn modelId="{4563D2A0-92FD-40E5-93C9-26B621D53341}" srcId="{C8B99F0F-43BE-487F-B4DF-1008F3E735DD}" destId="{2F2B02B7-B9A4-4F04-970B-301FA3F6057C}" srcOrd="0" destOrd="0" parTransId="{35B80775-01CF-48B6-9E51-5587605E307D}" sibTransId="{7A17C8DB-F5C2-47B8-BFF5-2BF70AA7C56A}"/>
     <dgm:cxn modelId="{D656433E-2867-46AF-892E-98DC90A91B2E}" type="presOf" srcId="{C8B99F0F-43BE-487F-B4DF-1008F3E735DD}" destId="{3811FFE3-64FF-46FA-A511-34E2044D7180}" srcOrd="0" destOrd="0" presId="urn:microsoft.com/office/officeart/2008/layout/VerticalCurvedList"/>
-    <dgm:cxn modelId="{872AA007-59A7-4338-BD2C-D2EB253CBB50}" type="presOf" srcId="{2F2B02B7-B9A4-4F04-970B-301FA3F6057C}" destId="{05B12D7E-7EFF-4528-A1A4-1AE748BE3A83}" srcOrd="0" destOrd="0" presId="urn:microsoft.com/office/officeart/2008/layout/VerticalCurvedList"/>
-    <dgm:cxn modelId="{5401F3E7-DE89-4FDB-A697-C5E01C17794F}" srcId="{C8B99F0F-43BE-487F-B4DF-1008F3E735DD}" destId="{7CA92D09-4451-43C0-8475-700FFB6173BA}" srcOrd="2" destOrd="0" parTransId="{AFFE7DB2-79B3-4F9F-9CEC-6C8EC38CAF90}" sibTransId="{CBF4276D-C359-476D-9C7D-3E165C962881}"/>
-    <dgm:cxn modelId="{D7B02E0F-0C23-48EF-BC03-06736B9C046E}" type="presOf" srcId="{E7670E26-F6EE-458D-B466-52C8E5E81CDA}" destId="{0376AE73-522B-4590-BF99-814B98A789BC}" srcOrd="0" destOrd="0" presId="urn:microsoft.com/office/officeart/2008/layout/VerticalCurvedList"/>
     <dgm:cxn modelId="{B1CD0F5E-EDC7-494E-BB43-A46A39986968}" type="presOf" srcId="{7A17C8DB-F5C2-47B8-BFF5-2BF70AA7C56A}" destId="{1F04467C-D110-4262-AC39-036DF920FCA3}" srcOrd="0" destOrd="0" presId="urn:microsoft.com/office/officeart/2008/layout/VerticalCurvedList"/>
     <dgm:cxn modelId="{7139AE6B-E757-4D4E-8D54-683E61C1B49F}" srcId="{C8B99F0F-43BE-487F-B4DF-1008F3E735DD}" destId="{77438846-E362-4A72-A2C7-7890F6543E07}" srcOrd="3" destOrd="0" parTransId="{1CEE980B-D5EB-42B9-9D31-B7A5F3D6E344}" sibTransId="{4A186ED8-C89D-439F-A79F-9A0C8E1A2736}"/>
+    <dgm:cxn modelId="{F3A6FC6E-4E7F-48B5-8FD0-024482D181F8}" srcId="{C8B99F0F-43BE-487F-B4DF-1008F3E735DD}" destId="{E7670E26-F6EE-458D-B466-52C8E5E81CDA}" srcOrd="1" destOrd="0" parTransId="{3703529C-F607-407E-9FCB-8900D331FF03}" sibTransId="{2F624BB6-8808-48E3-8B90-F263B4BE183C}"/>
+    <dgm:cxn modelId="{43A85851-630A-412D-9B38-A6252C8028FF}" type="presOf" srcId="{1E3CBFC1-3A25-476B-AD87-6E7F270D9974}" destId="{DB0D0782-48F0-42D7-B5DE-BA93639BCF5E}" srcOrd="0" destOrd="0" presId="urn:microsoft.com/office/officeart/2008/layout/VerticalCurvedList"/>
+    <dgm:cxn modelId="{D7126358-19DD-467C-84A8-0E248EEB18A6}" type="presOf" srcId="{77438846-E362-4A72-A2C7-7890F6543E07}" destId="{868027F8-B51E-4892-AC75-6102288B82B4}" srcOrd="0" destOrd="0" presId="urn:microsoft.com/office/officeart/2008/layout/VerticalCurvedList"/>
     <dgm:cxn modelId="{F168FD9E-9A57-4B17-86A9-87724125C8FC}" srcId="{C8B99F0F-43BE-487F-B4DF-1008F3E735DD}" destId="{1E3CBFC1-3A25-476B-AD87-6E7F270D9974}" srcOrd="4" destOrd="0" parTransId="{BBEA3F80-E8FB-468B-A623-4C89A6574F82}" sibTransId="{B77D9864-5538-4A72-BDE5-6542190AFD89}"/>
-    <dgm:cxn modelId="{43A85851-630A-412D-9B38-A6252C8028FF}" type="presOf" srcId="{1E3CBFC1-3A25-476B-AD87-6E7F270D9974}" destId="{DB0D0782-48F0-42D7-B5DE-BA93639BCF5E}" srcOrd="0" destOrd="0" presId="urn:microsoft.com/office/officeart/2008/layout/VerticalCurvedList"/>
+    <dgm:cxn modelId="{4563D2A0-92FD-40E5-93C9-26B621D53341}" srcId="{C8B99F0F-43BE-487F-B4DF-1008F3E735DD}" destId="{2F2B02B7-B9A4-4F04-970B-301FA3F6057C}" srcOrd="0" destOrd="0" parTransId="{35B80775-01CF-48B6-9E51-5587605E307D}" sibTransId="{7A17C8DB-F5C2-47B8-BFF5-2BF70AA7C56A}"/>
+    <dgm:cxn modelId="{5401F3E7-DE89-4FDB-A697-C5E01C17794F}" srcId="{C8B99F0F-43BE-487F-B4DF-1008F3E735DD}" destId="{7CA92D09-4451-43C0-8475-700FFB6173BA}" srcOrd="2" destOrd="0" parTransId="{AFFE7DB2-79B3-4F9F-9CEC-6C8EC38CAF90}" sibTransId="{CBF4276D-C359-476D-9C7D-3E165C962881}"/>
     <dgm:cxn modelId="{D1831AAC-50AF-4BF5-886E-E97A780787EC}" type="presParOf" srcId="{3811FFE3-64FF-46FA-A511-34E2044D7180}" destId="{03B61ECC-EEB9-4DE9-8C25-D0D15FE845F9}" srcOrd="0" destOrd="0" presId="urn:microsoft.com/office/officeart/2008/layout/VerticalCurvedList"/>
     <dgm:cxn modelId="{A467E3B8-2854-4BD5-BAC4-5062D85A162A}" type="presParOf" srcId="{03B61ECC-EEB9-4DE9-8C25-D0D15FE845F9}" destId="{530D58DF-084E-414A-AFAC-625DCD6C8BFA}" srcOrd="0" destOrd="0" presId="urn:microsoft.com/office/officeart/2008/layout/VerticalCurvedList"/>
     <dgm:cxn modelId="{2770EE98-926F-492F-B5A9-DD4E08A8E517}" type="presParOf" srcId="{530D58DF-084E-414A-AFAC-625DCD6C8BFA}" destId="{024569E8-C529-4215-97D5-951D64320356}" srcOrd="0" destOrd="0" presId="urn:microsoft.com/office/officeart/2008/layout/VerticalCurvedList"/>
@@ -1458,7 +1409,7 @@
         </a:bodyPr>
         <a:lstStyle/>
         <a:p>
-          <a:pPr lvl="0" algn="l" defTabSz="1200150">
+          <a:pPr marL="0" lvl="0" indent="0" algn="l" defTabSz="1200150">
             <a:lnSpc>
               <a:spcPct val="90000"/>
             </a:lnSpc>
@@ -1468,20 +1419,20 @@
             <a:spcAft>
               <a:spcPct val="35000"/>
             </a:spcAft>
+            <a:buNone/>
           </a:pPr>
           <a:r>
-            <a:rPr lang="zh-CN" altLang="en-US" sz="2700" kern="1200" dirty="0" smtClean="0"/>
+            <a:rPr lang="zh-CN" altLang="en-US" sz="2700" kern="1200" dirty="0"/>
             <a:t>一、调制与信道传输</a:t>
           </a:r>
           <a:r>
-            <a:rPr lang="en-US" altLang="zh-CN" sz="2700" kern="1200" dirty="0" smtClean="0"/>
+            <a:rPr lang="en-US" altLang="zh-CN" sz="2700" kern="1200" dirty="0"/>
             <a:t>:</a:t>
           </a:r>
           <a:r>
-            <a:rPr lang="zh-CN" altLang="en-US" sz="2700" kern="1200" dirty="0" smtClean="0"/>
+            <a:rPr lang="zh-CN" altLang="en-US" sz="2700" kern="1200" dirty="0"/>
             <a:t>王传瑞</a:t>
           </a:r>
-          <a:endParaRPr lang="zh-CN" altLang="en-US" sz="2700" kern="1200" dirty="0"/>
         </a:p>
       </dsp:txBody>
       <dsp:txXfrm>
@@ -1590,7 +1541,7 @@
         </a:bodyPr>
         <a:lstStyle/>
         <a:p>
-          <a:pPr lvl="0" algn="l" defTabSz="1200150">
+          <a:pPr marL="0" lvl="0" indent="0" algn="l" defTabSz="1200150">
             <a:lnSpc>
               <a:spcPct val="90000"/>
             </a:lnSpc>
@@ -1600,28 +1551,28 @@
             <a:spcAft>
               <a:spcPct val="35000"/>
             </a:spcAft>
+            <a:buNone/>
           </a:pPr>
           <a:r>
-            <a:rPr lang="zh-CN" altLang="en-US" sz="2700" kern="1200" dirty="0" smtClean="0"/>
+            <a:rPr lang="zh-CN" altLang="en-US" sz="2700" kern="1200" dirty="0"/>
             <a:t>二、</a:t>
           </a:r>
           <a:r>
-            <a:rPr lang="en-US" altLang="zh-CN" sz="2700" kern="1200" dirty="0" smtClean="0"/>
+            <a:rPr lang="en-US" altLang="zh-CN" sz="2700" kern="1200" dirty="0"/>
             <a:t>RSA</a:t>
           </a:r>
           <a:r>
-            <a:rPr lang="zh-CN" altLang="en-US" sz="2700" kern="1200" dirty="0" smtClean="0"/>
+            <a:rPr lang="zh-CN" altLang="en-US" sz="2700" kern="1200" dirty="0"/>
             <a:t>加密算法</a:t>
           </a:r>
           <a:r>
-            <a:rPr lang="en-US" altLang="zh-CN" sz="2700" kern="1200" dirty="0" smtClean="0"/>
+            <a:rPr lang="en-US" altLang="zh-CN" sz="2700" kern="1200" dirty="0"/>
             <a:t>:</a:t>
           </a:r>
           <a:r>
-            <a:rPr lang="zh-CN" altLang="en-US" sz="2700" kern="1200" dirty="0" smtClean="0"/>
+            <a:rPr lang="zh-CN" altLang="en-US" sz="2700" kern="1200" dirty="0"/>
             <a:t>曾睿</a:t>
           </a:r>
-          <a:endParaRPr lang="zh-CN" altLang="en-US" sz="2700" kern="1200" dirty="0"/>
         </a:p>
       </dsp:txBody>
       <dsp:txXfrm>
@@ -1730,7 +1681,7 @@
         </a:bodyPr>
         <a:lstStyle/>
         <a:p>
-          <a:pPr lvl="0" algn="l" defTabSz="1200150">
+          <a:pPr marL="0" lvl="0" indent="0" algn="l" defTabSz="1200150">
             <a:lnSpc>
               <a:spcPct val="90000"/>
             </a:lnSpc>
@@ -1740,28 +1691,28 @@
             <a:spcAft>
               <a:spcPct val="35000"/>
             </a:spcAft>
+            <a:buNone/>
           </a:pPr>
           <a:r>
-            <a:rPr lang="zh-CN" altLang="en-US" sz="2700" kern="1200" dirty="0" smtClean="0"/>
+            <a:rPr lang="zh-CN" altLang="en-US" sz="2700" kern="1200" dirty="0"/>
             <a:t>三、</a:t>
           </a:r>
           <a:r>
-            <a:rPr lang="en-US" altLang="zh-CN" sz="2700" kern="1200" dirty="0" smtClean="0"/>
+            <a:rPr lang="en-US" altLang="zh-CN" sz="2700" kern="1200" dirty="0"/>
             <a:t>DES</a:t>
           </a:r>
           <a:r>
-            <a:rPr lang="zh-CN" altLang="en-US" sz="2700" kern="1200" dirty="0" smtClean="0"/>
+            <a:rPr lang="zh-CN" altLang="en-US" sz="2700" kern="1200" dirty="0"/>
             <a:t>加密算法</a:t>
           </a:r>
           <a:r>
-            <a:rPr lang="en-US" altLang="zh-CN" sz="2700" kern="1200" dirty="0" smtClean="0"/>
+            <a:rPr lang="en-US" altLang="zh-CN" sz="2700" kern="1200" dirty="0"/>
             <a:t>:</a:t>
           </a:r>
           <a:r>
-            <a:rPr lang="zh-CN" altLang="en-US" sz="2700" kern="1200" dirty="0" smtClean="0"/>
+            <a:rPr lang="zh-CN" altLang="en-US" sz="2700" kern="1200" dirty="0"/>
             <a:t>辜俊皓</a:t>
           </a:r>
-          <a:endParaRPr lang="zh-CN" altLang="en-US" sz="2700" kern="1200" dirty="0"/>
         </a:p>
       </dsp:txBody>
       <dsp:txXfrm>
@@ -1870,7 +1821,7 @@
         </a:bodyPr>
         <a:lstStyle/>
         <a:p>
-          <a:pPr lvl="0" algn="l" defTabSz="1200150">
+          <a:pPr marL="0" lvl="0" indent="0" algn="l" defTabSz="1200150">
             <a:lnSpc>
               <a:spcPct val="90000"/>
             </a:lnSpc>
@@ -1880,28 +1831,28 @@
             <a:spcAft>
               <a:spcPct val="35000"/>
             </a:spcAft>
+            <a:buNone/>
           </a:pPr>
           <a:r>
-            <a:rPr lang="zh-CN" altLang="en-US" sz="2700" kern="1200" dirty="0" smtClean="0"/>
+            <a:rPr lang="zh-CN" altLang="en-US" sz="2700" kern="1200" dirty="0"/>
             <a:t>四、</a:t>
           </a:r>
           <a:r>
-            <a:rPr lang="en-US" altLang="zh-CN" sz="2700" kern="1200" dirty="0" smtClean="0"/>
+            <a:rPr lang="en-US" altLang="zh-CN" sz="2700" kern="1200" dirty="0"/>
             <a:t>AES</a:t>
           </a:r>
           <a:r>
-            <a:rPr lang="zh-CN" altLang="en-US" sz="2700" kern="1200" dirty="0" smtClean="0"/>
+            <a:rPr lang="zh-CN" altLang="en-US" sz="2700" kern="1200" dirty="0"/>
             <a:t>加密算法</a:t>
           </a:r>
           <a:r>
-            <a:rPr lang="en-US" altLang="zh-CN" sz="2700" kern="1200" dirty="0" smtClean="0"/>
+            <a:rPr lang="en-US" altLang="zh-CN" sz="2700" kern="1200" dirty="0"/>
             <a:t>:</a:t>
           </a:r>
           <a:r>
-            <a:rPr lang="zh-CN" altLang="en-US" sz="2700" kern="1200" dirty="0" smtClean="0"/>
+            <a:rPr lang="zh-CN" altLang="en-US" sz="2700" kern="1200" dirty="0"/>
             <a:t>雷城乐阳</a:t>
           </a:r>
-          <a:endParaRPr lang="zh-CN" altLang="en-US" sz="2700" kern="1200" dirty="0"/>
         </a:p>
       </dsp:txBody>
       <dsp:txXfrm>
@@ -2010,7 +1961,7 @@
         </a:bodyPr>
         <a:lstStyle/>
         <a:p>
-          <a:pPr lvl="0" algn="l" defTabSz="1200150">
+          <a:pPr marL="0" lvl="0" indent="0" algn="l" defTabSz="1200150">
             <a:lnSpc>
               <a:spcPct val="90000"/>
             </a:lnSpc>
@@ -2020,12 +1971,12 @@
             <a:spcAft>
               <a:spcPct val="35000"/>
             </a:spcAft>
+            <a:buNone/>
           </a:pPr>
           <a:r>
-            <a:rPr lang="zh-CN" altLang="en-US" sz="2700" kern="1200" dirty="0" smtClean="0"/>
+            <a:rPr lang="zh-CN" altLang="en-US" sz="2700" kern="1200" dirty="0"/>
             <a:t>五、联调与分析</a:t>
           </a:r>
-          <a:endParaRPr lang="zh-CN" altLang="en-US" sz="2700" kern="1200" dirty="0"/>
         </a:p>
       </dsp:txBody>
       <dsp:txXfrm>
@@ -4478,7 +4429,7 @@
           <a:p>
             <a:fld id="{EB4C4659-B966-4F45-8722-BE2A40971674}" type="datetimeFigureOut">
               <a:rPr lang="zh-CN" altLang="en-US" smtClean="0"/>
-              <a:t>2019/11/28</a:t>
+              <a:t>2019/12/1</a:t>
             </a:fld>
             <a:endParaRPr lang="zh-CN" altLang="en-US"/>
           </a:p>
@@ -4542,38 +4493,37 @@
           <a:p>
             <a:pPr lvl="0"/>
             <a:r>
-              <a:rPr lang="zh-CN" altLang="en-US" smtClean="0"/>
+              <a:rPr lang="zh-CN" altLang="en-US"/>
               <a:t>编辑母版文本样式</a:t>
             </a:r>
           </a:p>
           <a:p>
             <a:pPr lvl="1"/>
             <a:r>
-              <a:rPr lang="zh-CN" altLang="en-US" smtClean="0"/>
+              <a:rPr lang="zh-CN" altLang="en-US"/>
               <a:t>第二级</a:t>
             </a:r>
           </a:p>
           <a:p>
             <a:pPr lvl="2"/>
             <a:r>
-              <a:rPr lang="zh-CN" altLang="en-US" smtClean="0"/>
+              <a:rPr lang="zh-CN" altLang="en-US"/>
               <a:t>第三级</a:t>
             </a:r>
           </a:p>
           <a:p>
             <a:pPr lvl="3"/>
             <a:r>
-              <a:rPr lang="zh-CN" altLang="en-US" smtClean="0"/>
+              <a:rPr lang="zh-CN" altLang="en-US"/>
               <a:t>第四级</a:t>
             </a:r>
           </a:p>
           <a:p>
             <a:pPr lvl="4"/>
             <a:r>
-              <a:rPr lang="zh-CN" altLang="en-US" smtClean="0"/>
+              <a:rPr lang="zh-CN" altLang="en-US"/>
               <a:t>第五级</a:t>
             </a:r>
-            <a:endParaRPr lang="zh-CN" altLang="en-US"/>
           </a:p>
         </p:txBody>
       </p:sp>
@@ -5324,7 +5274,7 @@
           </a:lstStyle>
           <a:p>
             <a:r>
-              <a:rPr lang="zh-CN" altLang="en-US" smtClean="0"/>
+              <a:rPr lang="zh-CN" altLang="en-US"/>
               <a:t>单击此处编辑母版标题样式</a:t>
             </a:r>
             <a:endParaRPr lang="en-US" dirty="0"/>
@@ -5444,7 +5394,7 @@
           </a:lstStyle>
           <a:p>
             <a:r>
-              <a:rPr lang="zh-CN" altLang="en-US" smtClean="0"/>
+              <a:rPr lang="zh-CN" altLang="en-US"/>
               <a:t>单击以编辑母版副标题样式</a:t>
             </a:r>
             <a:endParaRPr lang="en-US" dirty="0"/>
@@ -5468,7 +5418,7 @@
           <a:p>
             <a:fld id="{0B5262A1-BBB0-4C1D-B24B-A17475E309D3}" type="datetime1">
               <a:rPr lang="zh-CN" altLang="en-US" smtClean="0"/>
-              <a:t>2019/11/28</a:t>
+              <a:t>2019/12/1</a:t>
             </a:fld>
             <a:endParaRPr lang="zh-CN" altLang="en-US"/>
           </a:p>
@@ -5531,13 +5481,6 @@
   <p:clrMapOvr>
     <a:masterClrMapping/>
   </p:clrMapOvr>
-  <p:timing>
-    <p:tnLst>
-      <p:par>
-        <p:cTn id="1" dur="indefinite" restart="never" nodeType="tmRoot"/>
-      </p:par>
-    </p:tnLst>
-  </p:timing>
 </p:sldLayout>
 </file>
 
@@ -5585,7 +5528,7 @@
           </a:lstStyle>
           <a:p>
             <a:r>
-              <a:rPr lang="zh-CN" altLang="en-US" smtClean="0"/>
+              <a:rPr lang="zh-CN" altLang="en-US"/>
               <a:t>单击此处编辑母版标题样式</a:t>
             </a:r>
             <a:endParaRPr lang="en-US" dirty="0"/>
@@ -5708,7 +5651,7 @@
           <a:p>
             <a:pPr lvl="0"/>
             <a:r>
-              <a:rPr lang="zh-CN" altLang="en-US" smtClean="0"/>
+              <a:rPr lang="zh-CN" altLang="en-US"/>
               <a:t>编辑母版文本样式</a:t>
             </a:r>
           </a:p>
@@ -5731,7 +5674,7 @@
           <a:p>
             <a:fld id="{F300D25C-9E56-4815-B126-F477E348A84B}" type="datetime1">
               <a:rPr lang="zh-CN" altLang="en-US" smtClean="0"/>
-              <a:t>2019/11/28</a:t>
+              <a:t>2019/12/1</a:t>
             </a:fld>
             <a:endParaRPr lang="zh-CN" altLang="en-US"/>
           </a:p>
@@ -5836,7 +5779,7 @@
           </a:lstStyle>
           <a:p>
             <a:r>
-              <a:rPr lang="zh-CN" altLang="en-US" smtClean="0"/>
+              <a:rPr lang="zh-CN" altLang="en-US"/>
               <a:t>单击此处编辑母版标题样式</a:t>
             </a:r>
             <a:endParaRPr lang="en-US" dirty="0"/>
@@ -5900,7 +5843,7 @@
           <a:p>
             <a:pPr lvl="0"/>
             <a:r>
-              <a:rPr lang="zh-CN" altLang="en-US" smtClean="0"/>
+              <a:rPr lang="zh-CN" altLang="en-US"/>
               <a:t>编辑母版文本样式</a:t>
             </a:r>
           </a:p>
@@ -6022,7 +5965,7 @@
           <a:p>
             <a:pPr lvl="0"/>
             <a:r>
-              <a:rPr lang="zh-CN" altLang="en-US" smtClean="0"/>
+              <a:rPr lang="zh-CN" altLang="en-US"/>
               <a:t>编辑母版文本样式</a:t>
             </a:r>
           </a:p>
@@ -6045,7 +5988,7 @@
           <a:p>
             <a:fld id="{E9808EBE-6BC3-4175-B4A0-4F64C25A476C}" type="datetime1">
               <a:rPr lang="zh-CN" altLang="en-US" smtClean="0"/>
-              <a:t>2019/11/28</a:t>
+              <a:t>2019/12/1</a:t>
             </a:fld>
             <a:endParaRPr lang="zh-CN" altLang="en-US"/>
           </a:p>
@@ -6240,7 +6183,7 @@
           </a:lstStyle>
           <a:p>
             <a:r>
-              <a:rPr lang="zh-CN" altLang="en-US" smtClean="0"/>
+              <a:rPr lang="zh-CN" altLang="en-US"/>
               <a:t>单击此处编辑母版标题样式</a:t>
             </a:r>
             <a:endParaRPr lang="en-US" dirty="0"/>
@@ -6363,7 +6306,7 @@
           <a:p>
             <a:pPr lvl="0"/>
             <a:r>
-              <a:rPr lang="zh-CN" altLang="en-US" smtClean="0"/>
+              <a:rPr lang="zh-CN" altLang="en-US"/>
               <a:t>编辑母版文本样式</a:t>
             </a:r>
           </a:p>
@@ -6386,7 +6329,7 @@
           <a:p>
             <a:fld id="{781EF140-0B3F-4DC7-A9A3-B2C679E00E0F}" type="datetime1">
               <a:rPr lang="zh-CN" altLang="en-US" smtClean="0"/>
-              <a:t>2019/11/28</a:t>
+              <a:t>2019/12/1</a:t>
             </a:fld>
             <a:endParaRPr lang="zh-CN" altLang="en-US"/>
           </a:p>
@@ -6491,7 +6434,7 @@
           </a:lstStyle>
           <a:p>
             <a:r>
-              <a:rPr lang="zh-CN" altLang="en-US" smtClean="0"/>
+              <a:rPr lang="zh-CN" altLang="en-US"/>
               <a:t>单击此处编辑母版标题样式</a:t>
             </a:r>
             <a:endParaRPr lang="en-US" dirty="0"/>
@@ -6555,7 +6498,7 @@
           <a:p>
             <a:pPr lvl="0"/>
             <a:r>
-              <a:rPr lang="zh-CN" altLang="en-US" smtClean="0"/>
+              <a:rPr lang="zh-CN" altLang="en-US"/>
               <a:t>编辑母版文本样式</a:t>
             </a:r>
           </a:p>
@@ -6677,7 +6620,7 @@
           <a:p>
             <a:pPr lvl="0"/>
             <a:r>
-              <a:rPr lang="zh-CN" altLang="en-US" smtClean="0"/>
+              <a:rPr lang="zh-CN" altLang="en-US"/>
               <a:t>编辑母版文本样式</a:t>
             </a:r>
           </a:p>
@@ -6700,7 +6643,7 @@
           <a:p>
             <a:fld id="{6981BB5D-EA9A-4860-8DD5-58A6633404BC}" type="datetime1">
               <a:rPr lang="zh-CN" altLang="en-US" smtClean="0"/>
-              <a:t>2019/11/28</a:t>
+              <a:t>2019/12/1</a:t>
             </a:fld>
             <a:endParaRPr lang="zh-CN" altLang="en-US"/>
           </a:p>
@@ -6887,7 +6830,7 @@
           </a:lstStyle>
           <a:p>
             <a:r>
-              <a:rPr lang="zh-CN" altLang="en-US" smtClean="0"/>
+              <a:rPr lang="zh-CN" altLang="en-US"/>
               <a:t>单击此处编辑母版标题样式</a:t>
             </a:r>
             <a:endParaRPr lang="en-US" dirty="0"/>
@@ -6948,7 +6891,7 @@
           <a:p>
             <a:pPr lvl="0"/>
             <a:r>
-              <a:rPr lang="zh-CN" altLang="en-US" smtClean="0"/>
+              <a:rPr lang="zh-CN" altLang="en-US"/>
               <a:t>编辑母版文本样式</a:t>
             </a:r>
           </a:p>
@@ -7070,7 +7013,7 @@
           <a:p>
             <a:pPr lvl="0"/>
             <a:r>
-              <a:rPr lang="zh-CN" altLang="en-US" smtClean="0"/>
+              <a:rPr lang="zh-CN" altLang="en-US"/>
               <a:t>编辑母版文本样式</a:t>
             </a:r>
           </a:p>
@@ -7093,7 +7036,7 @@
           <a:p>
             <a:fld id="{E0FF85C0-1095-4FFB-94C1-70CB4D918814}" type="datetime1">
               <a:rPr lang="zh-CN" altLang="en-US" smtClean="0"/>
-              <a:t>2019/11/28</a:t>
+              <a:t>2019/12/1</a:t>
             </a:fld>
             <a:endParaRPr lang="zh-CN" altLang="en-US"/>
           </a:p>
@@ -7187,7 +7130,7 @@
           <a:lstStyle/>
           <a:p>
             <a:r>
-              <a:rPr lang="zh-CN" altLang="en-US" smtClean="0"/>
+              <a:rPr lang="zh-CN" altLang="en-US"/>
               <a:t>单击此处编辑母版标题样式</a:t>
             </a:r>
             <a:endParaRPr lang="en-US" dirty="0"/>
@@ -7211,35 +7154,35 @@
           <a:p>
             <a:pPr lvl="0"/>
             <a:r>
-              <a:rPr lang="zh-CN" altLang="en-US" smtClean="0"/>
+              <a:rPr lang="zh-CN" altLang="en-US"/>
               <a:t>编辑母版文本样式</a:t>
             </a:r>
           </a:p>
           <a:p>
             <a:pPr lvl="1"/>
             <a:r>
-              <a:rPr lang="zh-CN" altLang="en-US" smtClean="0"/>
+              <a:rPr lang="zh-CN" altLang="en-US"/>
               <a:t>第二级</a:t>
             </a:r>
           </a:p>
           <a:p>
             <a:pPr lvl="2"/>
             <a:r>
-              <a:rPr lang="zh-CN" altLang="en-US" smtClean="0"/>
+              <a:rPr lang="zh-CN" altLang="en-US"/>
               <a:t>第三级</a:t>
             </a:r>
           </a:p>
           <a:p>
             <a:pPr lvl="3"/>
             <a:r>
-              <a:rPr lang="zh-CN" altLang="en-US" smtClean="0"/>
+              <a:rPr lang="zh-CN" altLang="en-US"/>
               <a:t>第四级</a:t>
             </a:r>
           </a:p>
           <a:p>
             <a:pPr lvl="4"/>
             <a:r>
-              <a:rPr lang="zh-CN" altLang="en-US" smtClean="0"/>
+              <a:rPr lang="zh-CN" altLang="en-US"/>
               <a:t>第五级</a:t>
             </a:r>
             <a:endParaRPr lang="en-US" dirty="0"/>
@@ -7263,7 +7206,7 @@
           <a:p>
             <a:fld id="{C173D7E1-5BB8-483A-B4B0-7EAE6B224F58}" type="datetime1">
               <a:rPr lang="zh-CN" altLang="en-US" smtClean="0"/>
-              <a:t>2019/11/28</a:t>
+              <a:t>2019/12/1</a:t>
             </a:fld>
             <a:endParaRPr lang="zh-CN" altLang="en-US"/>
           </a:p>
@@ -7362,7 +7305,7 @@
           <a:lstStyle/>
           <a:p>
             <a:r>
-              <a:rPr lang="zh-CN" altLang="en-US" smtClean="0"/>
+              <a:rPr lang="zh-CN" altLang="en-US"/>
               <a:t>单击此处编辑母版标题样式</a:t>
             </a:r>
             <a:endParaRPr lang="en-US" dirty="0"/>
@@ -7391,35 +7334,35 @@
           <a:p>
             <a:pPr lvl="0"/>
             <a:r>
-              <a:rPr lang="zh-CN" altLang="en-US" smtClean="0"/>
+              <a:rPr lang="zh-CN" altLang="en-US"/>
               <a:t>编辑母版文本样式</a:t>
             </a:r>
           </a:p>
           <a:p>
             <a:pPr lvl="1"/>
             <a:r>
-              <a:rPr lang="zh-CN" altLang="en-US" smtClean="0"/>
+              <a:rPr lang="zh-CN" altLang="en-US"/>
               <a:t>第二级</a:t>
             </a:r>
           </a:p>
           <a:p>
             <a:pPr lvl="2"/>
             <a:r>
-              <a:rPr lang="zh-CN" altLang="en-US" smtClean="0"/>
+              <a:rPr lang="zh-CN" altLang="en-US"/>
               <a:t>第三级</a:t>
             </a:r>
           </a:p>
           <a:p>
             <a:pPr lvl="3"/>
             <a:r>
-              <a:rPr lang="zh-CN" altLang="en-US" smtClean="0"/>
+              <a:rPr lang="zh-CN" altLang="en-US"/>
               <a:t>第四级</a:t>
             </a:r>
           </a:p>
           <a:p>
             <a:pPr lvl="4"/>
             <a:r>
-              <a:rPr lang="zh-CN" altLang="en-US" smtClean="0"/>
+              <a:rPr lang="zh-CN" altLang="en-US"/>
               <a:t>第五级</a:t>
             </a:r>
             <a:endParaRPr lang="en-US" dirty="0"/>
@@ -7443,7 +7386,7 @@
           <a:p>
             <a:fld id="{0B590B97-A056-4C81-A650-204F13DD8936}" type="datetime1">
               <a:rPr lang="zh-CN" altLang="en-US" smtClean="0"/>
-              <a:t>2019/11/28</a:t>
+              <a:t>2019/12/1</a:t>
             </a:fld>
             <a:endParaRPr lang="zh-CN" altLang="en-US"/>
           </a:p>
@@ -7543,7 +7486,7 @@
           </a:lstStyle>
           <a:p>
             <a:r>
-              <a:rPr lang="zh-CN" altLang="en-US" smtClean="0"/>
+              <a:rPr lang="zh-CN" altLang="en-US"/>
               <a:t>单击此处编辑母版标题样式</a:t>
             </a:r>
             <a:endParaRPr lang="en-US" dirty="0"/>
@@ -7567,35 +7510,35 @@
           <a:p>
             <a:pPr lvl="0"/>
             <a:r>
-              <a:rPr lang="zh-CN" altLang="en-US" smtClean="0"/>
+              <a:rPr lang="zh-CN" altLang="en-US"/>
               <a:t>编辑母版文本样式</a:t>
             </a:r>
           </a:p>
           <a:p>
             <a:pPr lvl="1"/>
             <a:r>
-              <a:rPr lang="zh-CN" altLang="en-US" smtClean="0"/>
+              <a:rPr lang="zh-CN" altLang="en-US"/>
               <a:t>第二级</a:t>
             </a:r>
           </a:p>
           <a:p>
             <a:pPr lvl="2"/>
             <a:r>
-              <a:rPr lang="zh-CN" altLang="en-US" smtClean="0"/>
+              <a:rPr lang="zh-CN" altLang="en-US"/>
               <a:t>第三级</a:t>
             </a:r>
           </a:p>
           <a:p>
             <a:pPr lvl="3"/>
             <a:r>
-              <a:rPr lang="zh-CN" altLang="en-US" smtClean="0"/>
+              <a:rPr lang="zh-CN" altLang="en-US"/>
               <a:t>第四级</a:t>
             </a:r>
           </a:p>
           <a:p>
             <a:pPr lvl="4"/>
             <a:r>
-              <a:rPr lang="zh-CN" altLang="en-US" smtClean="0"/>
+              <a:rPr lang="zh-CN" altLang="en-US"/>
               <a:t>第五级</a:t>
             </a:r>
             <a:endParaRPr lang="en-US" dirty="0"/>
@@ -7619,7 +7562,7 @@
           <a:p>
             <a:fld id="{1F54B4F3-0B95-4222-9471-0346F240745B}" type="datetime1">
               <a:rPr lang="zh-CN" altLang="en-US" smtClean="0"/>
-              <a:t>2019/11/28</a:t>
+              <a:t>2019/12/1</a:t>
             </a:fld>
             <a:endParaRPr lang="zh-CN" altLang="en-US"/>
           </a:p>
@@ -7677,13 +7620,6 @@
   <p:clrMapOvr>
     <a:masterClrMapping/>
   </p:clrMapOvr>
-  <p:timing>
-    <p:tnLst>
-      <p:par>
-        <p:cTn id="1" dur="indefinite" restart="never" nodeType="tmRoot"/>
-      </p:par>
-    </p:tnLst>
-  </p:timing>
 </p:sldLayout>
 </file>
 
@@ -7729,7 +7665,7 @@
           </a:lstStyle>
           <a:p>
             <a:r>
-              <a:rPr lang="zh-CN" altLang="en-US" smtClean="0"/>
+              <a:rPr lang="zh-CN" altLang="en-US"/>
               <a:t>单击此处编辑母版标题样式</a:t>
             </a:r>
             <a:endParaRPr lang="en-US" dirty="0"/>
@@ -7850,7 +7786,7 @@
           <a:p>
             <a:pPr lvl="0"/>
             <a:r>
-              <a:rPr lang="zh-CN" altLang="en-US" smtClean="0"/>
+              <a:rPr lang="zh-CN" altLang="en-US"/>
               <a:t>编辑母版文本样式</a:t>
             </a:r>
           </a:p>
@@ -7873,7 +7809,7 @@
           <a:p>
             <a:fld id="{8E6BFC4D-5D8D-4D3A-B941-C3E03EA0944D}" type="datetime1">
               <a:rPr lang="zh-CN" altLang="en-US" smtClean="0"/>
-              <a:t>2019/11/28</a:t>
+              <a:t>2019/12/1</a:t>
             </a:fld>
             <a:endParaRPr lang="zh-CN" altLang="en-US"/>
           </a:p>
@@ -7967,7 +7903,7 @@
           <a:lstStyle/>
           <a:p>
             <a:r>
-              <a:rPr lang="zh-CN" altLang="en-US" smtClean="0"/>
+              <a:rPr lang="zh-CN" altLang="en-US"/>
               <a:t>单击此处编辑母版标题样式</a:t>
             </a:r>
             <a:endParaRPr lang="en-US" dirty="0"/>
@@ -7996,35 +7932,35 @@
           <a:p>
             <a:pPr lvl="0"/>
             <a:r>
-              <a:rPr lang="zh-CN" altLang="en-US" smtClean="0"/>
+              <a:rPr lang="zh-CN" altLang="en-US"/>
               <a:t>编辑母版文本样式</a:t>
             </a:r>
           </a:p>
           <a:p>
             <a:pPr lvl="1"/>
             <a:r>
-              <a:rPr lang="zh-CN" altLang="en-US" smtClean="0"/>
+              <a:rPr lang="zh-CN" altLang="en-US"/>
               <a:t>第二级</a:t>
             </a:r>
           </a:p>
           <a:p>
             <a:pPr lvl="2"/>
             <a:r>
-              <a:rPr lang="zh-CN" altLang="en-US" smtClean="0"/>
+              <a:rPr lang="zh-CN" altLang="en-US"/>
               <a:t>第三级</a:t>
             </a:r>
           </a:p>
           <a:p>
             <a:pPr lvl="3"/>
             <a:r>
-              <a:rPr lang="zh-CN" altLang="en-US" smtClean="0"/>
+              <a:rPr lang="zh-CN" altLang="en-US"/>
               <a:t>第四级</a:t>
             </a:r>
           </a:p>
           <a:p>
             <a:pPr lvl="4"/>
             <a:r>
-              <a:rPr lang="zh-CN" altLang="en-US" smtClean="0"/>
+              <a:rPr lang="zh-CN" altLang="en-US"/>
               <a:t>第五级</a:t>
             </a:r>
             <a:endParaRPr lang="en-US" dirty="0"/>
@@ -8053,35 +7989,35 @@
           <a:p>
             <a:pPr lvl="0"/>
             <a:r>
-              <a:rPr lang="zh-CN" altLang="en-US" smtClean="0"/>
+              <a:rPr lang="zh-CN" altLang="en-US"/>
               <a:t>编辑母版文本样式</a:t>
             </a:r>
           </a:p>
           <a:p>
             <a:pPr lvl="1"/>
             <a:r>
-              <a:rPr lang="zh-CN" altLang="en-US" smtClean="0"/>
+              <a:rPr lang="zh-CN" altLang="en-US"/>
               <a:t>第二级</a:t>
             </a:r>
           </a:p>
           <a:p>
             <a:pPr lvl="2"/>
             <a:r>
-              <a:rPr lang="zh-CN" altLang="en-US" smtClean="0"/>
+              <a:rPr lang="zh-CN" altLang="en-US"/>
               <a:t>第三级</a:t>
             </a:r>
           </a:p>
           <a:p>
             <a:pPr lvl="3"/>
             <a:r>
-              <a:rPr lang="zh-CN" altLang="en-US" smtClean="0"/>
+              <a:rPr lang="zh-CN" altLang="en-US"/>
               <a:t>第四级</a:t>
             </a:r>
           </a:p>
           <a:p>
             <a:pPr lvl="4"/>
             <a:r>
-              <a:rPr lang="zh-CN" altLang="en-US" smtClean="0"/>
+              <a:rPr lang="zh-CN" altLang="en-US"/>
               <a:t>第五级</a:t>
             </a:r>
             <a:endParaRPr lang="en-US" dirty="0"/>
@@ -8105,7 +8041,7 @@
           <a:p>
             <a:fld id="{BE5FBBB9-FE26-42A6-AE19-2140D520C355}" type="datetime1">
               <a:rPr lang="zh-CN" altLang="en-US" smtClean="0"/>
-              <a:t>2019/11/28</a:t>
+              <a:t>2019/12/1</a:t>
             </a:fld>
             <a:endParaRPr lang="zh-CN" altLang="en-US"/>
           </a:p>
@@ -8203,7 +8139,7 @@
           </a:lstStyle>
           <a:p>
             <a:r>
-              <a:rPr lang="zh-CN" altLang="en-US" smtClean="0"/>
+              <a:rPr lang="zh-CN" altLang="en-US"/>
               <a:t>单击此处编辑母版标题样式</a:t>
             </a:r>
             <a:endParaRPr lang="en-US" dirty="0"/>
@@ -8271,7 +8207,7 @@
           <a:p>
             <a:pPr lvl="0"/>
             <a:r>
-              <a:rPr lang="zh-CN" altLang="en-US" smtClean="0"/>
+              <a:rPr lang="zh-CN" altLang="en-US"/>
               <a:t>编辑母版文本样式</a:t>
             </a:r>
           </a:p>
@@ -8301,35 +8237,35 @@
           <a:p>
             <a:pPr lvl="0"/>
             <a:r>
-              <a:rPr lang="zh-CN" altLang="en-US" smtClean="0"/>
+              <a:rPr lang="zh-CN" altLang="en-US"/>
               <a:t>编辑母版文本样式</a:t>
             </a:r>
           </a:p>
           <a:p>
             <a:pPr lvl="1"/>
             <a:r>
-              <a:rPr lang="zh-CN" altLang="en-US" smtClean="0"/>
+              <a:rPr lang="zh-CN" altLang="en-US"/>
               <a:t>第二级</a:t>
             </a:r>
           </a:p>
           <a:p>
             <a:pPr lvl="2"/>
             <a:r>
-              <a:rPr lang="zh-CN" altLang="en-US" smtClean="0"/>
+              <a:rPr lang="zh-CN" altLang="en-US"/>
               <a:t>第三级</a:t>
             </a:r>
           </a:p>
           <a:p>
             <a:pPr lvl="3"/>
             <a:r>
-              <a:rPr lang="zh-CN" altLang="en-US" smtClean="0"/>
+              <a:rPr lang="zh-CN" altLang="en-US"/>
               <a:t>第四级</a:t>
             </a:r>
           </a:p>
           <a:p>
             <a:pPr lvl="4"/>
             <a:r>
-              <a:rPr lang="zh-CN" altLang="en-US" smtClean="0"/>
+              <a:rPr lang="zh-CN" altLang="en-US"/>
               <a:t>第五级</a:t>
             </a:r>
             <a:endParaRPr lang="en-US" dirty="0"/>
@@ -8397,7 +8333,7 @@
           <a:p>
             <a:pPr lvl="0"/>
             <a:r>
-              <a:rPr lang="zh-CN" altLang="en-US" smtClean="0"/>
+              <a:rPr lang="zh-CN" altLang="en-US"/>
               <a:t>编辑母版文本样式</a:t>
             </a:r>
           </a:p>
@@ -8427,35 +8363,35 @@
           <a:p>
             <a:pPr lvl="0"/>
             <a:r>
-              <a:rPr lang="zh-CN" altLang="en-US" smtClean="0"/>
+              <a:rPr lang="zh-CN" altLang="en-US"/>
               <a:t>编辑母版文本样式</a:t>
             </a:r>
           </a:p>
           <a:p>
             <a:pPr lvl="1"/>
             <a:r>
-              <a:rPr lang="zh-CN" altLang="en-US" smtClean="0"/>
+              <a:rPr lang="zh-CN" altLang="en-US"/>
               <a:t>第二级</a:t>
             </a:r>
           </a:p>
           <a:p>
             <a:pPr lvl="2"/>
             <a:r>
-              <a:rPr lang="zh-CN" altLang="en-US" smtClean="0"/>
+              <a:rPr lang="zh-CN" altLang="en-US"/>
               <a:t>第三级</a:t>
             </a:r>
           </a:p>
           <a:p>
             <a:pPr lvl="3"/>
             <a:r>
-              <a:rPr lang="zh-CN" altLang="en-US" smtClean="0"/>
+              <a:rPr lang="zh-CN" altLang="en-US"/>
               <a:t>第四级</a:t>
             </a:r>
           </a:p>
           <a:p>
             <a:pPr lvl="4"/>
             <a:r>
-              <a:rPr lang="zh-CN" altLang="en-US" smtClean="0"/>
+              <a:rPr lang="zh-CN" altLang="en-US"/>
               <a:t>第五级</a:t>
             </a:r>
             <a:endParaRPr lang="en-US" dirty="0"/>
@@ -8479,7 +8415,7 @@
           <a:p>
             <a:fld id="{9BC04FB6-A8B7-4B0B-AF43-DD1F5B5A0DF8}" type="datetime1">
               <a:rPr lang="zh-CN" altLang="en-US" smtClean="0"/>
-              <a:t>2019/11/28</a:t>
+              <a:t>2019/12/1</a:t>
             </a:fld>
             <a:endParaRPr lang="zh-CN" altLang="en-US"/>
           </a:p>
@@ -8578,7 +8514,7 @@
           <a:lstStyle/>
           <a:p>
             <a:r>
-              <a:rPr lang="zh-CN" altLang="en-US" smtClean="0"/>
+              <a:rPr lang="zh-CN" altLang="en-US"/>
               <a:t>单击此处编辑母版标题样式</a:t>
             </a:r>
             <a:endParaRPr lang="en-US" dirty="0"/>
@@ -8602,7 +8538,7 @@
           <a:p>
             <a:fld id="{68D44B26-A9FC-4B6E-8859-401E2686118C}" type="datetime1">
               <a:rPr lang="zh-CN" altLang="en-US" smtClean="0"/>
-              <a:t>2019/11/28</a:t>
+              <a:t>2019/12/1</a:t>
             </a:fld>
             <a:endParaRPr lang="zh-CN" altLang="en-US"/>
           </a:p>
@@ -8697,7 +8633,7 @@
           <a:p>
             <a:fld id="{71FA1586-AFD4-4E60-811A-0CD4D64DFA4D}" type="datetime1">
               <a:rPr lang="zh-CN" altLang="en-US" smtClean="0"/>
-              <a:t>2019/11/28</a:t>
+              <a:t>2019/12/1</a:t>
             </a:fld>
             <a:endParaRPr lang="zh-CN" altLang="en-US"/>
           </a:p>
@@ -8755,13 +8691,6 @@
   <p:clrMapOvr>
     <a:masterClrMapping/>
   </p:clrMapOvr>
-  <p:timing>
-    <p:tnLst>
-      <p:par>
-        <p:cTn id="1" dur="indefinite" restart="never" nodeType="tmRoot"/>
-      </p:par>
-    </p:tnLst>
-  </p:timing>
 </p:sldLayout>
 </file>
 
@@ -8809,7 +8738,7 @@
           </a:lstStyle>
           <a:p>
             <a:r>
-              <a:rPr lang="zh-CN" altLang="en-US" smtClean="0"/>
+              <a:rPr lang="zh-CN" altLang="en-US"/>
               <a:t>单击此处编辑母版标题样式</a:t>
             </a:r>
             <a:endParaRPr lang="en-US" dirty="0"/>
@@ -8840,35 +8769,35 @@
           <a:p>
             <a:pPr lvl="0"/>
             <a:r>
-              <a:rPr lang="zh-CN" altLang="en-US" smtClean="0"/>
+              <a:rPr lang="zh-CN" altLang="en-US"/>
               <a:t>编辑母版文本样式</a:t>
             </a:r>
           </a:p>
           <a:p>
             <a:pPr lvl="1"/>
             <a:r>
-              <a:rPr lang="zh-CN" altLang="en-US" smtClean="0"/>
+              <a:rPr lang="zh-CN" altLang="en-US"/>
               <a:t>第二级</a:t>
             </a:r>
           </a:p>
           <a:p>
             <a:pPr lvl="2"/>
             <a:r>
-              <a:rPr lang="zh-CN" altLang="en-US" smtClean="0"/>
+              <a:rPr lang="zh-CN" altLang="en-US"/>
               <a:t>第三级</a:t>
             </a:r>
           </a:p>
           <a:p>
             <a:pPr lvl="3"/>
             <a:r>
-              <a:rPr lang="zh-CN" altLang="en-US" smtClean="0"/>
+              <a:rPr lang="zh-CN" altLang="en-US"/>
               <a:t>第四级</a:t>
             </a:r>
           </a:p>
           <a:p>
             <a:pPr lvl="4"/>
             <a:r>
-              <a:rPr lang="zh-CN" altLang="en-US" smtClean="0"/>
+              <a:rPr lang="zh-CN" altLang="en-US"/>
               <a:t>第五级</a:t>
             </a:r>
             <a:endParaRPr lang="en-US" dirty="0"/>
@@ -8936,7 +8865,7 @@
           <a:p>
             <a:pPr lvl="0"/>
             <a:r>
-              <a:rPr lang="zh-CN" altLang="en-US" smtClean="0"/>
+              <a:rPr lang="zh-CN" altLang="en-US"/>
               <a:t>编辑母版文本样式</a:t>
             </a:r>
           </a:p>
@@ -8959,7 +8888,7 @@
           <a:p>
             <a:fld id="{887C002E-9D7B-4926-843A-570DF38F1B50}" type="datetime1">
               <a:rPr lang="zh-CN" altLang="en-US" smtClean="0"/>
-              <a:t>2019/11/28</a:t>
+              <a:t>2019/12/1</a:t>
             </a:fld>
             <a:endParaRPr lang="zh-CN" altLang="en-US"/>
           </a:p>
@@ -9064,7 +8993,7 @@
           </a:lstStyle>
           <a:p>
             <a:r>
-              <a:rPr lang="zh-CN" altLang="en-US" smtClean="0"/>
+              <a:rPr lang="zh-CN" altLang="en-US"/>
               <a:t>单击此处编辑母版标题样式</a:t>
             </a:r>
             <a:endParaRPr lang="en-US" dirty="0"/>
@@ -9131,7 +9060,7 @@
           </a:lstStyle>
           <a:p>
             <a:r>
-              <a:rPr lang="zh-CN" altLang="en-US" smtClean="0"/>
+              <a:rPr lang="zh-CN" altLang="en-US"/>
               <a:t>单击图标添加图片</a:t>
             </a:r>
             <a:endParaRPr lang="en-US" dirty="0"/>
@@ -9199,7 +9128,7 @@
           <a:p>
             <a:pPr lvl="0"/>
             <a:r>
-              <a:rPr lang="zh-CN" altLang="en-US" smtClean="0"/>
+              <a:rPr lang="zh-CN" altLang="en-US"/>
               <a:t>编辑母版文本样式</a:t>
             </a:r>
           </a:p>
@@ -9222,7 +9151,7 @@
           <a:p>
             <a:fld id="{1BD3EA07-5512-4129-815F-E1C87F26EDA3}" type="datetime1">
               <a:rPr lang="zh-CN" altLang="en-US" smtClean="0"/>
-              <a:t>2019/11/28</a:t>
+              <a:t>2019/12/1</a:t>
             </a:fld>
             <a:endParaRPr lang="zh-CN" altLang="en-US"/>
           </a:p>
@@ -9861,7 +9790,7 @@
           <a:lstStyle/>
           <a:p>
             <a:r>
-              <a:rPr lang="zh-CN" altLang="en-US" smtClean="0"/>
+              <a:rPr lang="zh-CN" altLang="en-US"/>
               <a:t>单击此处编辑母版标题样式</a:t>
             </a:r>
             <a:endParaRPr lang="en-US" dirty="0"/>
@@ -9895,35 +9824,35 @@
           <a:p>
             <a:pPr lvl="0"/>
             <a:r>
-              <a:rPr lang="zh-CN" altLang="en-US" smtClean="0"/>
+              <a:rPr lang="zh-CN" altLang="en-US"/>
               <a:t>编辑母版文本样式</a:t>
             </a:r>
           </a:p>
           <a:p>
             <a:pPr lvl="1"/>
             <a:r>
-              <a:rPr lang="zh-CN" altLang="en-US" smtClean="0"/>
+              <a:rPr lang="zh-CN" altLang="en-US"/>
               <a:t>第二级</a:t>
             </a:r>
           </a:p>
           <a:p>
             <a:pPr lvl="2"/>
             <a:r>
-              <a:rPr lang="zh-CN" altLang="en-US" smtClean="0"/>
+              <a:rPr lang="zh-CN" altLang="en-US"/>
               <a:t>第三级</a:t>
             </a:r>
           </a:p>
           <a:p>
             <a:pPr lvl="3"/>
             <a:r>
-              <a:rPr lang="zh-CN" altLang="en-US" smtClean="0"/>
+              <a:rPr lang="zh-CN" altLang="en-US"/>
               <a:t>第四级</a:t>
             </a:r>
           </a:p>
           <a:p>
             <a:pPr lvl="4"/>
             <a:r>
-              <a:rPr lang="zh-CN" altLang="en-US" smtClean="0"/>
+              <a:rPr lang="zh-CN" altLang="en-US"/>
               <a:t>第五级</a:t>
             </a:r>
             <a:endParaRPr lang="en-US" dirty="0"/>
@@ -9965,7 +9894,7 @@
           <a:p>
             <a:fld id="{B5E79416-FAB2-4A2D-9FE1-1756C2E7CD30}" type="datetime1">
               <a:rPr lang="zh-CN" altLang="en-US" smtClean="0"/>
-              <a:t>2019/11/28</a:t>
+              <a:t>2019/12/1</a:t>
             </a:fld>
             <a:endParaRPr lang="zh-CN" altLang="en-US"/>
           </a:p>
@@ -10045,11 +9974,11 @@
               <a:t>‹#›</a:t>
             </a:fld>
             <a:r>
-              <a:rPr lang="zh-CN" altLang="en-US" dirty="0" smtClean="0"/>
+              <a:rPr lang="zh-CN" altLang="en-US" dirty="0"/>
               <a:t> </a:t>
             </a:r>
             <a:r>
-              <a:rPr lang="en-US" altLang="zh-CN" dirty="0" smtClean="0"/>
+              <a:rPr lang="en-US" altLang="zh-CN" dirty="0"/>
               <a:t>| 20</a:t>
             </a:r>
             <a:endParaRPr lang="zh-CN" altLang="en-US" dirty="0"/>
@@ -10082,13 +10011,6 @@
     <p:sldLayoutId id="2147483693" r:id="rId15"/>
     <p:sldLayoutId id="2147483694" r:id="rId16"/>
   </p:sldLayoutIdLst>
-  <p:timing>
-    <p:tnLst>
-      <p:par>
-        <p:cTn id="1" dur="indefinite" restart="never" nodeType="tmRoot"/>
-      </p:par>
-    </p:tnLst>
-  </p:timing>
   <p:hf hdr="0" ftr="0" dt="0"/>
   <p:txStyles>
     <p:titleStyle>
@@ -10522,18 +10444,9 @@
           <a:lstStyle/>
           <a:p>
             <a:r>
-              <a:rPr lang="zh-CN" altLang="en-US" dirty="0" smtClean="0"/>
-              <a:t>第</a:t>
-            </a:r>
-            <a:r>
-              <a:rPr lang="zh-CN" altLang="en-US" dirty="0"/>
-              <a:t>二</a:t>
-            </a:r>
-            <a:r>
-              <a:rPr lang="zh-CN" altLang="en-US" dirty="0" smtClean="0"/>
-              <a:t>次编程实验展示</a:t>
-            </a:r>
-            <a:endParaRPr lang="zh-CN" altLang="en-US" dirty="0"/>
+              <a:rPr lang="zh-CN" altLang="en-US" dirty="0"/>
+              <a:t>第二次编程实验展示</a:t>
+            </a:r>
           </a:p>
         </p:txBody>
       </p:sp>
@@ -10553,50 +10466,49 @@
           <a:lstStyle/>
           <a:p>
             <a:r>
-              <a:rPr lang="zh-CN" altLang="en-US" dirty="0" smtClean="0"/>
+              <a:rPr lang="zh-CN" altLang="en-US" dirty="0"/>
               <a:t>第</a:t>
             </a:r>
             <a:r>
-              <a:rPr lang="en-US" altLang="zh-CN" dirty="0" smtClean="0"/>
+              <a:rPr lang="en-US" altLang="zh-CN" dirty="0"/>
               <a:t>17</a:t>
             </a:r>
             <a:r>
-              <a:rPr lang="zh-CN" altLang="en-US" dirty="0" smtClean="0"/>
+              <a:rPr lang="zh-CN" altLang="en-US" dirty="0"/>
               <a:t>组</a:t>
             </a:r>
             <a:r>
-              <a:rPr lang="en-US" altLang="zh-CN" dirty="0" smtClean="0"/>
+              <a:rPr lang="en-US" altLang="zh-CN" dirty="0"/>
               <a:t>	      </a:t>
             </a:r>
             <a:r>
-              <a:rPr lang="zh-CN" altLang="en-US" dirty="0" smtClean="0"/>
+              <a:rPr lang="zh-CN" altLang="en-US" dirty="0"/>
               <a:t>无</a:t>
             </a:r>
             <a:r>
-              <a:rPr lang="en-US" altLang="zh-CN" dirty="0" smtClean="0"/>
+              <a:rPr lang="en-US" altLang="zh-CN" dirty="0"/>
               <a:t>73 </a:t>
             </a:r>
             <a:r>
-              <a:rPr lang="zh-CN" altLang="en-US" dirty="0" smtClean="0"/>
+              <a:rPr lang="zh-CN" altLang="en-US" dirty="0"/>
               <a:t>雷城乐阳，王传瑞，曾睿</a:t>
             </a:r>
             <a:r>
-              <a:rPr lang="en-US" altLang="zh-CN" dirty="0" smtClean="0"/>
+              <a:rPr lang="en-US" altLang="zh-CN" dirty="0"/>
               <a:t>	 </a:t>
             </a:r>
             <a:r>
-              <a:rPr lang="zh-CN" altLang="en-US" dirty="0" smtClean="0"/>
+              <a:rPr lang="zh-CN" altLang="en-US" dirty="0"/>
               <a:t>无</a:t>
             </a:r>
             <a:r>
-              <a:rPr lang="en-US" altLang="zh-CN" dirty="0" smtClean="0"/>
+              <a:rPr lang="en-US" altLang="zh-CN" dirty="0"/>
               <a:t>78 </a:t>
             </a:r>
             <a:r>
-              <a:rPr lang="zh-CN" altLang="en-US" dirty="0" smtClean="0"/>
+              <a:rPr lang="zh-CN" altLang="en-US" dirty="0"/>
               <a:t>辜俊皓</a:t>
             </a:r>
-            <a:endParaRPr lang="zh-CN" altLang="en-US" dirty="0"/>
           </a:p>
         </p:txBody>
       </p:sp>
@@ -10633,13 +10545,6 @@
   <p:clrMapOvr>
     <a:masterClrMapping/>
   </p:clrMapOvr>
-  <p:timing>
-    <p:tnLst>
-      <p:par>
-        <p:cTn id="1" dur="indefinite" restart="never" nodeType="tmRoot"/>
-      </p:par>
-    </p:tnLst>
-  </p:timing>
 </p:sld>
 </file>
 
@@ -10676,14 +10581,13 @@
           <a:lstStyle/>
           <a:p>
             <a:r>
-              <a:rPr lang="en-US" altLang="zh-CN" dirty="0" smtClean="0"/>
+              <a:rPr lang="en-US" altLang="zh-CN" dirty="0"/>
               <a:t>RSA</a:t>
             </a:r>
             <a:r>
-              <a:rPr lang="zh-CN" altLang="en-US" dirty="0" smtClean="0"/>
+              <a:rPr lang="zh-CN" altLang="en-US" dirty="0"/>
               <a:t>算法</a:t>
             </a:r>
-            <a:endParaRPr lang="zh-CN" altLang="en-US" dirty="0"/>
           </a:p>
         </p:txBody>
       </p:sp>
@@ -10710,11 +10614,11 @@
           <a:lstStyle/>
           <a:p>
             <a:r>
-              <a:rPr lang="zh-CN" altLang="en-US" sz="3200" b="1" dirty="0" smtClean="0"/>
+              <a:rPr lang="zh-CN" altLang="en-US" sz="3200" b="1" dirty="0"/>
               <a:t>大数运算</a:t>
             </a:r>
             <a:r>
-              <a:rPr lang="en-US" altLang="zh-CN" sz="3200" b="1" dirty="0" smtClean="0"/>
+              <a:rPr lang="en-US" altLang="zh-CN" sz="3200" b="1" dirty="0"/>
               <a:t>:</a:t>
             </a:r>
           </a:p>
@@ -10723,108 +10627,108 @@
           </a:p>
           <a:p>
             <a:r>
-              <a:rPr lang="zh-CN" altLang="en-US" dirty="0" smtClean="0"/>
+              <a:rPr lang="zh-CN" altLang="en-US" dirty="0"/>
               <a:t>用结构体封装一个高精度模板，实现了压位，重载</a:t>
             </a:r>
-            <a:endParaRPr lang="en-US" altLang="zh-CN" dirty="0" smtClean="0"/>
+            <a:endParaRPr lang="en-US" altLang="zh-CN" dirty="0"/>
           </a:p>
           <a:p>
             <a:pPr marL="0" indent="0">
               <a:buNone/>
             </a:pPr>
             <a:r>
-              <a:rPr lang="zh-CN" altLang="en-US" dirty="0" smtClean="0"/>
+              <a:rPr lang="zh-CN" altLang="en-US" dirty="0"/>
               <a:t>加、减、乘、除、取模、快速幂、</a:t>
             </a:r>
             <a:r>
-              <a:rPr lang="en-US" altLang="zh-CN" dirty="0" smtClean="0"/>
+              <a:rPr lang="en-US" altLang="zh-CN" dirty="0"/>
               <a:t>&gt;</a:t>
             </a:r>
             <a:r>
-              <a:rPr lang="zh-CN" altLang="en-US" dirty="0" smtClean="0"/>
+              <a:rPr lang="zh-CN" altLang="en-US" dirty="0"/>
               <a:t>、</a:t>
             </a:r>
             <a:r>
-              <a:rPr lang="en-US" altLang="zh-CN" dirty="0" smtClean="0"/>
+              <a:rPr lang="en-US" altLang="zh-CN" dirty="0"/>
               <a:t>&lt;</a:t>
             </a:r>
             <a:r>
-              <a:rPr lang="zh-CN" altLang="en-US" dirty="0" smtClean="0"/>
+              <a:rPr lang="zh-CN" altLang="en-US" dirty="0"/>
               <a:t>、</a:t>
             </a:r>
             <a:r>
-              <a:rPr lang="en-US" altLang="zh-CN" dirty="0" smtClean="0"/>
+              <a:rPr lang="en-US" altLang="zh-CN" dirty="0"/>
               <a:t>==</a:t>
             </a:r>
             <a:r>
-              <a:rPr lang="zh-CN" altLang="en-US" dirty="0" smtClean="0"/>
+              <a:rPr lang="zh-CN" altLang="en-US" dirty="0"/>
               <a:t>等运算符，</a:t>
             </a:r>
-            <a:endParaRPr lang="en-US" altLang="zh-CN" dirty="0" smtClean="0"/>
+            <a:endParaRPr lang="en-US" altLang="zh-CN" dirty="0"/>
           </a:p>
           <a:p>
             <a:pPr marL="0" indent="0">
               <a:buNone/>
             </a:pPr>
             <a:r>
-              <a:rPr lang="zh-CN" altLang="en-US" dirty="0" smtClean="0"/>
+              <a:rPr lang="zh-CN" altLang="en-US" dirty="0"/>
               <a:t>保存为头文件</a:t>
             </a:r>
             <a:r>
-              <a:rPr lang="en-US" altLang="zh-CN" dirty="0" err="1" smtClean="0"/>
+              <a:rPr lang="en-US" altLang="zh-CN" dirty="0" err="1"/>
               <a:t>bign.h</a:t>
             </a:r>
             <a:r>
-              <a:rPr lang="zh-CN" altLang="en-US" dirty="0" smtClean="0"/>
+              <a:rPr lang="zh-CN" altLang="en-US" dirty="0"/>
               <a:t>。</a:t>
             </a:r>
-            <a:endParaRPr lang="en-US" altLang="zh-CN" dirty="0" smtClean="0"/>
+            <a:endParaRPr lang="en-US" altLang="zh-CN" dirty="0"/>
           </a:p>
           <a:p>
             <a:pPr marL="0" indent="0">
               <a:buNone/>
             </a:pPr>
-            <a:endParaRPr lang="en-US" altLang="zh-CN" dirty="0" smtClean="0"/>
-          </a:p>
-          <a:p>
             <a:endParaRPr lang="en-US" altLang="zh-CN" dirty="0"/>
           </a:p>
           <a:p>
-            <a:r>
-              <a:rPr lang="zh-CN" altLang="en-US" dirty="0" smtClean="0"/>
+            <a:endParaRPr lang="en-US" altLang="zh-CN" dirty="0"/>
+          </a:p>
+          <a:p>
+            <a:r>
+              <a:rPr lang="zh-CN" altLang="en-US" dirty="0"/>
               <a:t>使用时，只需</a:t>
             </a:r>
             <a:r>
-              <a:rPr lang="en-US" altLang="zh-CN" dirty="0" smtClean="0"/>
+              <a:rPr lang="en-US" altLang="zh-CN" dirty="0"/>
               <a:t>#</a:t>
             </a:r>
             <a:r>
-              <a:rPr lang="en-US" altLang="zh-CN" dirty="0" err="1" smtClean="0"/>
+              <a:rPr lang="en-US" altLang="zh-CN" dirty="0" err="1"/>
               <a:t>include”bign.h</a:t>
             </a:r>
             <a:r>
-              <a:rPr lang="en-US" altLang="zh-CN" dirty="0" smtClean="0"/>
+              <a:rPr lang="en-US" altLang="zh-CN" dirty="0"/>
               <a:t>”</a:t>
             </a:r>
             <a:r>
-              <a:rPr lang="zh-CN" altLang="en-US" dirty="0" smtClean="0"/>
+              <a:rPr lang="zh-CN" altLang="en-US" dirty="0"/>
               <a:t>，就可以使用</a:t>
             </a:r>
             <a:r>
-              <a:rPr lang="en-US" altLang="zh-CN" dirty="0" err="1" smtClean="0"/>
+              <a:rPr lang="en-US" altLang="zh-CN" dirty="0" err="1"/>
               <a:t>bign</a:t>
             </a:r>
-            <a:endParaRPr lang="en-US" altLang="zh-CN" dirty="0" smtClean="0"/>
+            <a:endParaRPr lang="en-US" altLang="zh-CN" dirty="0"/>
           </a:p>
           <a:p>
             <a:pPr marL="0" indent="0">
               <a:buNone/>
             </a:pPr>
             <a:r>
-              <a:rPr lang="zh-CN" altLang="en-US" dirty="0" smtClean="0"/>
+              <a:rPr lang="zh-CN" altLang="en-US" dirty="0"/>
               <a:t>类型的结构体了。</a:t>
             </a:r>
-            <a:endParaRPr lang="en-US" altLang="zh-CN" dirty="0" smtClean="0"/>
+            <a:endParaRPr lang="en-US" altLang="zh-CN" dirty="0"/>
           </a:p>
           <a:p>
             <a:endParaRPr lang="zh-CN" altLang="en-US" dirty="0"/>
@@ -10888,13 +10792,6 @@
   <p:clrMapOvr>
     <a:masterClrMapping/>
   </p:clrMapOvr>
-  <p:timing>
-    <p:tnLst>
-      <p:par>
-        <p:cTn id="1" dur="indefinite" restart="never" nodeType="tmRoot"/>
-      </p:par>
-    </p:tnLst>
-  </p:timing>
 </p:sld>
 </file>
 
@@ -10931,14 +10828,13 @@
           <a:lstStyle/>
           <a:p>
             <a:r>
-              <a:rPr lang="en-US" altLang="zh-CN" dirty="0" smtClean="0"/>
+              <a:rPr lang="en-US" altLang="zh-CN" dirty="0"/>
               <a:t>RSA</a:t>
             </a:r>
             <a:r>
-              <a:rPr lang="zh-CN" altLang="en-US" dirty="0" smtClean="0"/>
+              <a:rPr lang="zh-CN" altLang="en-US" dirty="0"/>
               <a:t>算法</a:t>
             </a:r>
-            <a:endParaRPr lang="zh-CN" altLang="en-US" dirty="0"/>
           </a:p>
         </p:txBody>
       </p:sp>
@@ -10963,44 +10859,40 @@
           <a:lstStyle/>
           <a:p>
             <a:r>
-              <a:rPr lang="zh-CN" altLang="en-US" sz="3200" b="1" dirty="0" smtClean="0"/>
+              <a:rPr lang="zh-CN" altLang="en-US" sz="3200" b="1" dirty="0"/>
               <a:t>大数运算</a:t>
             </a:r>
             <a:r>
-              <a:rPr lang="en-US" altLang="zh-CN" sz="3200" b="1" dirty="0" smtClean="0"/>
+              <a:rPr lang="en-US" altLang="zh-CN" sz="3200" b="1" dirty="0"/>
               <a:t>:</a:t>
             </a:r>
           </a:p>
           <a:p>
             <a:r>
-              <a:rPr lang="zh-CN" altLang="en-US" dirty="0" smtClean="0"/>
+              <a:rPr lang="zh-CN" altLang="en-US" dirty="0"/>
               <a:t>加、减、乘运算的实现较为简单，基本思想是模拟手工计算的操作。但除法实现稍有不同。</a:t>
             </a:r>
             <a:endParaRPr lang="en-US" altLang="zh-CN" dirty="0"/>
           </a:p>
           <a:p>
             <a:r>
-              <a:rPr lang="zh-CN" altLang="en-US" dirty="0" smtClean="0"/>
+              <a:rPr lang="zh-CN" altLang="en-US" dirty="0"/>
               <a:t>如果我们用减法去模拟除法，那么商是多少就要做多少次减法，这样做的复杂度是难以接受的。</a:t>
             </a:r>
-            <a:endParaRPr lang="en-US" altLang="zh-CN" dirty="0" smtClean="0"/>
-          </a:p>
-          <a:p>
-            <a:r>
-              <a:rPr lang="zh-CN" altLang="en-US" dirty="0"/>
-              <a:t>所以我们采用</a:t>
-            </a:r>
-            <a:r>
-              <a:rPr lang="zh-CN" altLang="en-US" dirty="0" smtClean="0"/>
-              <a:t>了二分试商的算法</a:t>
-            </a:r>
-            <a:r>
-              <a:rPr lang="en-US" altLang="zh-CN" dirty="0" smtClean="0"/>
+            <a:endParaRPr lang="en-US" altLang="zh-CN" dirty="0"/>
+          </a:p>
+          <a:p>
+            <a:r>
+              <a:rPr lang="zh-CN" altLang="en-US" dirty="0"/>
+              <a:t>所以我们采用了二分试商的算法</a:t>
+            </a:r>
+            <a:r>
+              <a:rPr lang="en-US" altLang="zh-CN" dirty="0"/>
               <a:t>:</a:t>
             </a:r>
           </a:p>
           <a:p>
-            <a:endParaRPr lang="en-US" altLang="zh-CN" dirty="0" smtClean="0"/>
+            <a:endParaRPr lang="en-US" altLang="zh-CN" dirty="0"/>
           </a:p>
           <a:p>
             <a:endParaRPr lang="zh-CN" altLang="en-US" dirty="0"/>
@@ -11064,13 +10956,6 @@
   <p:clrMapOvr>
     <a:masterClrMapping/>
   </p:clrMapOvr>
-  <p:timing>
-    <p:tnLst>
-      <p:par>
-        <p:cTn id="1" dur="indefinite" restart="never" nodeType="tmRoot"/>
-      </p:par>
-    </p:tnLst>
-  </p:timing>
 </p:sld>
 </file>
 
@@ -11107,14 +10992,13 @@
           <a:lstStyle/>
           <a:p>
             <a:r>
-              <a:rPr lang="en-US" altLang="zh-CN" dirty="0" smtClean="0"/>
+              <a:rPr lang="en-US" altLang="zh-CN" dirty="0"/>
               <a:t>RSA</a:t>
             </a:r>
             <a:r>
-              <a:rPr lang="zh-CN" altLang="en-US" dirty="0" smtClean="0"/>
+              <a:rPr lang="zh-CN" altLang="en-US" dirty="0"/>
               <a:t>算法</a:t>
             </a:r>
-            <a:endParaRPr lang="zh-CN" altLang="en-US" dirty="0"/>
           </a:p>
         </p:txBody>
       </p:sp>
@@ -11139,70 +11023,66 @@
           <a:lstStyle/>
           <a:p>
             <a:r>
-              <a:rPr lang="zh-CN" altLang="en-US" sz="3200" b="1" dirty="0" smtClean="0"/>
+              <a:rPr lang="zh-CN" altLang="en-US" sz="3200" b="1" dirty="0"/>
               <a:t>大数运算</a:t>
             </a:r>
             <a:r>
-              <a:rPr lang="en-US" altLang="zh-CN" sz="3200" b="1" dirty="0" smtClean="0"/>
+              <a:rPr lang="en-US" altLang="zh-CN" sz="3200" b="1" dirty="0"/>
               <a:t>:</a:t>
             </a:r>
           </a:p>
           <a:p>
             <a:r>
               <a:rPr lang="zh-CN" altLang="en-US" dirty="0"/>
-              <a:t>在</a:t>
-            </a:r>
-            <a:r>
-              <a:rPr lang="zh-CN" altLang="en-US" dirty="0" smtClean="0"/>
-              <a:t>进行加密和解密的过程中，会涉及到求</a:t>
-            </a:r>
-            <a:r>
-              <a:rPr lang="en-US" altLang="zh-CN" dirty="0" err="1" smtClean="0"/>
+              <a:t>在进行加密和解密的过程中，会涉及到求</a:t>
+            </a:r>
+            <a:r>
+              <a:rPr lang="en-US" altLang="zh-CN" dirty="0" err="1"/>
               <a:t>a^b</a:t>
             </a:r>
             <a:r>
-              <a:rPr lang="en-US" altLang="zh-CN" dirty="0" smtClean="0"/>
+              <a:rPr lang="en-US" altLang="zh-CN" dirty="0"/>
               <a:t>(mod m)</a:t>
             </a:r>
             <a:r>
-              <a:rPr lang="zh-CN" altLang="en-US" dirty="0" smtClean="0"/>
+              <a:rPr lang="zh-CN" altLang="en-US" dirty="0"/>
               <a:t>的操作。直接计算</a:t>
             </a:r>
             <a:r>
-              <a:rPr lang="en-US" altLang="zh-CN" dirty="0" smtClean="0"/>
+              <a:rPr lang="en-US" altLang="zh-CN" dirty="0"/>
               <a:t>b</a:t>
             </a:r>
             <a:r>
-              <a:rPr lang="zh-CN" altLang="en-US" dirty="0" smtClean="0"/>
+              <a:rPr lang="zh-CN" altLang="en-US" dirty="0"/>
               <a:t>个</a:t>
             </a:r>
             <a:r>
-              <a:rPr lang="en-US" altLang="zh-CN" dirty="0" smtClean="0"/>
+              <a:rPr lang="en-US" altLang="zh-CN" dirty="0"/>
               <a:t>a</a:t>
             </a:r>
             <a:r>
-              <a:rPr lang="zh-CN" altLang="en-US" dirty="0" smtClean="0"/>
+              <a:rPr lang="zh-CN" altLang="en-US" dirty="0"/>
               <a:t>相乘，复杂度显然是难以接受的。</a:t>
             </a:r>
-            <a:endParaRPr lang="en-US" altLang="zh-CN" dirty="0" smtClean="0"/>
-          </a:p>
-          <a:p>
-            <a:r>
-              <a:rPr lang="zh-CN" altLang="en-US" dirty="0" smtClean="0"/>
+            <a:endParaRPr lang="en-US" altLang="zh-CN" dirty="0"/>
+          </a:p>
+          <a:p>
+            <a:r>
+              <a:rPr lang="zh-CN" altLang="en-US" dirty="0"/>
               <a:t>采用快速幂取模。在对</a:t>
             </a:r>
             <a:r>
-              <a:rPr lang="en-US" altLang="zh-CN" dirty="0" smtClean="0"/>
+              <a:rPr lang="en-US" altLang="zh-CN" dirty="0"/>
               <a:t>m</a:t>
             </a:r>
             <a:r>
-              <a:rPr lang="zh-CN" altLang="en-US" dirty="0" smtClean="0"/>
+              <a:rPr lang="zh-CN" altLang="en-US" dirty="0"/>
               <a:t>取模意义下，每次对指数减半，对底数平方。</a:t>
             </a:r>
-            <a:endParaRPr lang="en-US" altLang="zh-CN" dirty="0" smtClean="0"/>
-          </a:p>
-          <a:p>
-            <a:endParaRPr lang="en-US" altLang="zh-CN" dirty="0" smtClean="0"/>
+            <a:endParaRPr lang="en-US" altLang="zh-CN" dirty="0"/>
+          </a:p>
+          <a:p>
+            <a:endParaRPr lang="en-US" altLang="zh-CN" dirty="0"/>
           </a:p>
           <a:p>
             <a:endParaRPr lang="zh-CN" altLang="en-US" dirty="0"/>
@@ -11266,13 +11146,6 @@
   <p:clrMapOvr>
     <a:masterClrMapping/>
   </p:clrMapOvr>
-  <p:timing>
-    <p:tnLst>
-      <p:par>
-        <p:cTn id="1" dur="indefinite" restart="never" nodeType="tmRoot"/>
-      </p:par>
-    </p:tnLst>
-  </p:timing>
 </p:sld>
 </file>
 
@@ -11309,14 +11182,13 @@
           <a:lstStyle/>
           <a:p>
             <a:r>
-              <a:rPr lang="en-US" altLang="zh-CN" dirty="0" smtClean="0"/>
+              <a:rPr lang="en-US" altLang="zh-CN" dirty="0"/>
               <a:t>RSA</a:t>
             </a:r>
             <a:r>
-              <a:rPr lang="zh-CN" altLang="en-US" dirty="0" smtClean="0"/>
+              <a:rPr lang="zh-CN" altLang="en-US" dirty="0"/>
               <a:t>算法</a:t>
             </a:r>
-            <a:endParaRPr lang="zh-CN" altLang="en-US" dirty="0"/>
           </a:p>
         </p:txBody>
       </p:sp>
@@ -11371,66 +11243,61 @@
               <a:t>及其逆元</a:t>
             </a:r>
             <a:r>
-              <a:rPr lang="en-US" altLang="zh-CN" sz="3200" b="1" dirty="0" smtClean="0"/>
+              <a:rPr lang="en-US" altLang="zh-CN" sz="3200" b="1" dirty="0"/>
               <a:t>e:</a:t>
             </a:r>
           </a:p>
           <a:p>
-            <a:endParaRPr lang="en-US" altLang="zh-CN" dirty="0" smtClean="0"/>
-          </a:p>
-          <a:p>
-            <a:r>
-              <a:rPr lang="zh-CN" altLang="en-US" dirty="0"/>
-              <a:t>首先选取一</a:t>
-            </a:r>
-            <a:r>
-              <a:rPr lang="zh-CN" altLang="en-US" dirty="0" smtClean="0"/>
-              <a:t>个较大的与</a:t>
-            </a:r>
-            <a:r>
-              <a:rPr lang="en-US" altLang="zh-CN" dirty="0" smtClean="0"/>
+            <a:endParaRPr lang="en-US" altLang="zh-CN" dirty="0"/>
+          </a:p>
+          <a:p>
+            <a:r>
+              <a:rPr lang="zh-CN" altLang="en-US" dirty="0"/>
+              <a:t>首先选取一个较大的与</a:t>
+            </a:r>
+            <a:r>
+              <a:rPr lang="en-US" altLang="zh-CN" dirty="0"/>
               <a:t>φ</a:t>
             </a:r>
             <a:r>
-              <a:rPr lang="zh-CN" altLang="en-US" dirty="0" smtClean="0"/>
+              <a:rPr lang="zh-CN" altLang="en-US" dirty="0"/>
               <a:t>（</a:t>
             </a:r>
             <a:r>
-              <a:rPr lang="en-US" altLang="zh-CN" dirty="0" smtClean="0"/>
+              <a:rPr lang="en-US" altLang="zh-CN" dirty="0"/>
               <a:t>n</a:t>
             </a:r>
             <a:r>
-              <a:rPr lang="zh-CN" altLang="en-US" dirty="0" smtClean="0"/>
+              <a:rPr lang="zh-CN" altLang="en-US" dirty="0"/>
               <a:t>）互素的数</a:t>
             </a:r>
             <a:r>
-              <a:rPr lang="en-US" altLang="zh-CN" dirty="0" smtClean="0"/>
+              <a:rPr lang="en-US" altLang="zh-CN" dirty="0"/>
               <a:t>d</a:t>
             </a:r>
+          </a:p>
+          <a:p>
+            <a:r>
+              <a:rPr lang="zh-CN" altLang="en-US" dirty="0"/>
+              <a:t>寻找</a:t>
+            </a:r>
+            <a:r>
+              <a:rPr lang="en-US" altLang="zh-CN" dirty="0"/>
+              <a:t>d</a:t>
+            </a:r>
+            <a:r>
+              <a:rPr lang="zh-CN" altLang="en-US" dirty="0"/>
+              <a:t>的逆元</a:t>
+            </a:r>
+            <a:r>
+              <a:rPr lang="en-US" altLang="zh-CN" dirty="0"/>
+              <a:t>e</a:t>
+            </a:r>
+            <a:r>
+              <a:rPr lang="zh-CN" altLang="en-US" dirty="0"/>
+              <a:t>，拓展欧几里得算法。</a:t>
+            </a:r>
             <a:endParaRPr lang="en-US" altLang="zh-CN" dirty="0"/>
-          </a:p>
-          <a:p>
-            <a:r>
-              <a:rPr lang="zh-CN" altLang="en-US" dirty="0" smtClean="0"/>
-              <a:t>寻找</a:t>
-            </a:r>
-            <a:r>
-              <a:rPr lang="en-US" altLang="zh-CN" dirty="0"/>
-              <a:t>d</a:t>
-            </a:r>
-            <a:r>
-              <a:rPr lang="zh-CN" altLang="en-US" dirty="0" smtClean="0"/>
-              <a:t>的逆元</a:t>
-            </a:r>
-            <a:r>
-              <a:rPr lang="en-US" altLang="zh-CN" dirty="0" smtClean="0"/>
-              <a:t>e</a:t>
-            </a:r>
-            <a:r>
-              <a:rPr lang="zh-CN" altLang="en-US" dirty="0" smtClean="0"/>
-              <a:t>，拓展欧几里得算法。</a:t>
-            </a:r>
-            <a:endParaRPr lang="en-US" altLang="zh-CN" dirty="0" smtClean="0"/>
           </a:p>
           <a:p>
             <a:r>
@@ -11482,12 +11349,8 @@
               <a:t>)</a:t>
             </a:r>
             <a:r>
-              <a:rPr lang="zh-CN" altLang="en-US" dirty="0" smtClean="0"/>
+              <a:rPr lang="zh-CN" altLang="en-US" dirty="0"/>
               <a:t>）</a:t>
-            </a:r>
-            <a:r>
-              <a:rPr lang="zh-CN" altLang="en-US" dirty="0"/>
-              <a:t/>
             </a:r>
             <a:br>
               <a:rPr lang="zh-CN" altLang="en-US" dirty="0"/>
@@ -11552,23 +11415,7 @@
             </a:br>
             <a:r>
               <a:rPr lang="en-US" altLang="zh-CN" dirty="0"/>
-              <a:t>   if(b==</a:t>
-            </a:r>
-            <a:r>
-              <a:rPr lang="en-US" altLang="zh-CN" dirty="0" smtClean="0"/>
-              <a:t>0){x=1;y=0;return </a:t>
-            </a:r>
-            <a:r>
-              <a:rPr lang="en-US" altLang="zh-CN" dirty="0"/>
-              <a:t>a; </a:t>
-            </a:r>
-            <a:r>
-              <a:rPr lang="en-US" altLang="zh-CN" dirty="0" smtClean="0"/>
-              <a:t>}</a:t>
-            </a:r>
-            <a:r>
-              <a:rPr lang="en-US" altLang="zh-CN" dirty="0"/>
-              <a:t> </a:t>
+              <a:t>   if(b==0){x=1;y=0;return a; } </a:t>
             </a:r>
             <a:br>
               <a:rPr lang="en-US" altLang="zh-CN" dirty="0"/>
@@ -11618,45 +11465,21 @@
             </a:r>
             <a:r>
               <a:rPr lang="en-US" altLang="zh-CN" dirty="0"/>
-              <a:t> t=x</a:t>
-            </a:r>
-            <a:r>
-              <a:rPr lang="en-US" altLang="zh-CN" dirty="0" smtClean="0"/>
-              <a:t>;</a:t>
-            </a:r>
-            <a:r>
-              <a:rPr lang="en-US" altLang="zh-CN" dirty="0"/>
-              <a:t/>
+              <a:t> t=x;</a:t>
             </a:r>
             <a:br>
               <a:rPr lang="en-US" altLang="zh-CN" dirty="0"/>
             </a:br>
             <a:r>
               <a:rPr lang="en-US" altLang="zh-CN" dirty="0"/>
-              <a:t>   x=y</a:t>
-            </a:r>
-            <a:r>
-              <a:rPr lang="en-US" altLang="zh-CN" dirty="0" smtClean="0"/>
-              <a:t>;</a:t>
-            </a:r>
-            <a:r>
-              <a:rPr lang="en-US" altLang="zh-CN" dirty="0"/>
-              <a:t/>
+              <a:t>   x=y;</a:t>
             </a:r>
             <a:br>
               <a:rPr lang="en-US" altLang="zh-CN" dirty="0"/>
             </a:br>
             <a:r>
               <a:rPr lang="en-US" altLang="zh-CN" dirty="0"/>
-              <a:t>   y=t-a/b*y</a:t>
-            </a:r>
-            <a:r>
-              <a:rPr lang="en-US" altLang="zh-CN" dirty="0" smtClean="0"/>
-              <a:t>;</a:t>
-            </a:r>
-            <a:r>
-              <a:rPr lang="en-US" altLang="zh-CN" dirty="0"/>
-              <a:t/>
+              <a:t>   y=t-a/b*y;</a:t>
             </a:r>
             <a:br>
               <a:rPr lang="en-US" altLang="zh-CN" dirty="0"/>
@@ -11711,13 +11534,6 @@
   <p:clrMapOvr>
     <a:masterClrMapping/>
   </p:clrMapOvr>
-  <p:timing>
-    <p:tnLst>
-      <p:par>
-        <p:cTn id="1" dur="indefinite" restart="never" nodeType="tmRoot"/>
-      </p:par>
-    </p:tnLst>
-  </p:timing>
 </p:sld>
 </file>
 
@@ -11754,7 +11570,7 @@
           <a:lstStyle/>
           <a:p>
             <a:r>
-              <a:rPr lang="en-US" altLang="zh-CN" dirty="0" smtClean="0"/>
+              <a:rPr lang="en-US" altLang="zh-CN" dirty="0"/>
               <a:t>RSA</a:t>
             </a:r>
             <a:r>
@@ -11787,11 +11603,11 @@
           <a:lstStyle/>
           <a:p>
             <a:r>
-              <a:rPr lang="zh-CN" altLang="en-US" sz="2800" b="1" dirty="0" smtClean="0"/>
+              <a:rPr lang="zh-CN" altLang="en-US" sz="2800" b="1" dirty="0"/>
               <a:t>拓展欧几里得算法的推导</a:t>
             </a:r>
             <a:r>
-              <a:rPr lang="en-US" altLang="zh-CN" sz="2800" b="1" dirty="0" smtClean="0"/>
+              <a:rPr lang="en-US" altLang="zh-CN" sz="2800" b="1" dirty="0"/>
               <a:t>:</a:t>
             </a:r>
           </a:p>
@@ -11800,16 +11616,12 @@
               <a:buNone/>
             </a:pPr>
             <a:r>
-              <a:rPr lang="en-US" altLang="zh-CN" dirty="0" smtClean="0"/>
+              <a:rPr lang="en-US" altLang="zh-CN" dirty="0"/>
               <a:t>	</a:t>
             </a:r>
             <a:r>
-              <a:rPr lang="zh-CN" altLang="en-US" dirty="0" smtClean="0"/>
-              <a:t>当</a:t>
-            </a:r>
-            <a:r>
-              <a:rPr lang="zh-CN" altLang="en-US" dirty="0"/>
-              <a:t>前层方程 </a:t>
+              <a:rPr lang="zh-CN" altLang="en-US" dirty="0"/>
+              <a:t>当前层方程 </a:t>
             </a:r>
             <a:r>
               <a:rPr lang="en-US" altLang="zh-CN" dirty="0"/>
@@ -11829,11 +11641,7 @@
             </a:r>
             <a:r>
               <a:rPr lang="en-US" altLang="zh-CN" dirty="0"/>
-              <a:t>)  </a:t>
-            </a:r>
-            <a:r>
-              <a:rPr lang="en-US" altLang="zh-CN" dirty="0" smtClean="0"/>
-              <a:t>            </a:t>
+              <a:t>)              </a:t>
             </a:r>
           </a:p>
           <a:p>
@@ -11841,16 +11649,12 @@
               <a:buNone/>
             </a:pPr>
             <a:r>
-              <a:rPr lang="en-US" altLang="zh-CN" dirty="0" smtClean="0"/>
+              <a:rPr lang="en-US" altLang="zh-CN" dirty="0"/>
               <a:t>	</a:t>
             </a:r>
             <a:r>
-              <a:rPr lang="zh-CN" altLang="en-US" dirty="0" smtClean="0"/>
-              <a:t>下</a:t>
-            </a:r>
-            <a:r>
-              <a:rPr lang="zh-CN" altLang="en-US" dirty="0"/>
-              <a:t>一层</a:t>
+              <a:rPr lang="zh-CN" altLang="en-US" dirty="0"/>
+              <a:t>下一层</a:t>
             </a:r>
             <a:r>
               <a:rPr lang="en-US" altLang="zh-CN" dirty="0"/>
@@ -11876,36 +11680,12 @@
               <a:rPr lang="en-US" altLang="zh-CN" dirty="0"/>
             </a:br>
             <a:r>
-              <a:rPr lang="en-US" altLang="zh-CN" dirty="0" smtClean="0"/>
+              <a:rPr lang="en-US" altLang="zh-CN" dirty="0"/>
               <a:t>	</a:t>
             </a:r>
             <a:r>
-              <a:rPr lang="zh-CN" altLang="en-US" dirty="0" smtClean="0"/>
-              <a:t>由</a:t>
-            </a:r>
-            <a:r>
-              <a:rPr lang="zh-CN" altLang="en-US" dirty="0"/>
-              <a:t>欧几里得定理（辗转相除法</a:t>
-            </a:r>
-            <a:r>
-              <a:rPr lang="zh-CN" altLang="en-US" dirty="0" smtClean="0"/>
-              <a:t>）</a:t>
-            </a:r>
-            <a:r>
-              <a:rPr lang="en-US" altLang="zh-CN" dirty="0" err="1" smtClean="0"/>
-              <a:t>gcd</a:t>
-            </a:r>
-            <a:r>
-              <a:rPr lang="en-US" altLang="zh-CN" dirty="0" smtClean="0"/>
-              <a:t>(</a:t>
-            </a:r>
-            <a:r>
-              <a:rPr lang="en-US" altLang="zh-CN" dirty="0" err="1" smtClean="0"/>
-              <a:t>a,b</a:t>
-            </a:r>
-            <a:r>
-              <a:rPr lang="en-US" altLang="zh-CN" dirty="0"/>
-              <a:t>)=</a:t>
+              <a:rPr lang="zh-CN" altLang="en-US" dirty="0"/>
+              <a:t>由欧几里得定理（辗转相除法）</a:t>
             </a:r>
             <a:r>
               <a:rPr lang="en-US" altLang="zh-CN" dirty="0" err="1"/>
@@ -11917,6 +11697,22 @@
             </a:r>
             <a:r>
               <a:rPr lang="en-US" altLang="zh-CN" dirty="0" err="1"/>
+              <a:t>a,b</a:t>
+            </a:r>
+            <a:r>
+              <a:rPr lang="en-US" altLang="zh-CN" dirty="0"/>
+              <a:t>)=</a:t>
+            </a:r>
+            <a:r>
+              <a:rPr lang="en-US" altLang="zh-CN" dirty="0" err="1"/>
+              <a:t>gcd</a:t>
+            </a:r>
+            <a:r>
+              <a:rPr lang="en-US" altLang="zh-CN" dirty="0"/>
+              <a:t>(</a:t>
+            </a:r>
+            <a:r>
+              <a:rPr lang="en-US" altLang="zh-CN" dirty="0" err="1"/>
               <a:t>b,a%b</a:t>
             </a:r>
             <a:r>
@@ -11927,24 +11723,16 @@
               <a:rPr lang="en-US" altLang="zh-CN" dirty="0"/>
             </a:br>
             <a:r>
-              <a:rPr lang="en-US" altLang="zh-CN" dirty="0" smtClean="0"/>
+              <a:rPr lang="en-US" altLang="zh-CN" dirty="0"/>
               <a:t>	</a:t>
             </a:r>
             <a:r>
-              <a:rPr lang="zh-CN" altLang="en-US" dirty="0" smtClean="0"/>
-              <a:t>所以</a:t>
-            </a:r>
-            <a:r>
-              <a:rPr lang="zh-CN" altLang="en-US" dirty="0"/>
-              <a:t>两等式联立为   </a:t>
-            </a:r>
-            <a:r>
-              <a:rPr lang="en-US" altLang="zh-CN" dirty="0"/>
-              <a:t>a*x1+b*y1=b*x2+(a mod b)*y2</a:t>
-            </a:r>
-            <a:r>
-              <a:rPr lang="en-US" altLang="zh-CN" dirty="0" smtClean="0"/>
-              <a:t>;</a:t>
+              <a:rPr lang="zh-CN" altLang="en-US" dirty="0"/>
+              <a:t>所以两等式联立为   </a:t>
+            </a:r>
+            <a:r>
+              <a:rPr lang="en-US" altLang="zh-CN" dirty="0"/>
+              <a:t>a*x1+b*y1=b*x2+(a mod b)*y2;</a:t>
             </a:r>
           </a:p>
           <a:p>
@@ -11952,12 +11740,8 @@
               <a:buNone/>
             </a:pPr>
             <a:r>
-              <a:rPr lang="zh-CN" altLang="en-US" dirty="0" smtClean="0"/>
-              <a:t>当</a:t>
-            </a:r>
-            <a:r>
-              <a:rPr lang="zh-CN" altLang="en-US" dirty="0"/>
-              <a:t>前层先进行递归调用求特殊解，那么</a:t>
+              <a:rPr lang="zh-CN" altLang="en-US" dirty="0"/>
+              <a:t>当前层先进行递归调用求特殊解，那么</a:t>
             </a:r>
             <a:r>
               <a:rPr lang="en-US" altLang="zh-CN" dirty="0"/>
@@ -11968,111 +11752,82 @@
               <a:t>是已知的，现在只需要推，求解</a:t>
             </a:r>
             <a:r>
-              <a:rPr lang="en-US" altLang="zh-CN" dirty="0" smtClean="0"/>
+              <a:rPr lang="en-US" altLang="zh-CN" dirty="0"/>
               <a:t>x1,y1</a:t>
             </a:r>
             <a:r>
-              <a:rPr lang="zh-CN" altLang="en-US" dirty="0" smtClean="0"/>
+              <a:rPr lang="zh-CN" altLang="en-US" dirty="0"/>
               <a:t>。</a:t>
             </a:r>
-            <a:r>
-              <a:rPr lang="en-US" altLang="zh-CN" dirty="0"/>
-              <a:t/>
-            </a:r>
             <a:br>
               <a:rPr lang="en-US" altLang="zh-CN" dirty="0"/>
             </a:br>
             <a:r>
-              <a:rPr lang="zh-CN" altLang="en-US" dirty="0" smtClean="0"/>
+              <a:rPr lang="zh-CN" altLang="en-US" dirty="0"/>
               <a:t>因为实际上</a:t>
             </a:r>
             <a:r>
-              <a:rPr lang="en-US" altLang="zh-CN" dirty="0" err="1" smtClean="0"/>
+              <a:rPr lang="en-US" altLang="zh-CN" dirty="0" err="1"/>
               <a:t>a,b</a:t>
             </a:r>
             <a:r>
-              <a:rPr lang="zh-CN" altLang="en-US" dirty="0" smtClean="0"/>
+              <a:rPr lang="zh-CN" altLang="en-US" dirty="0"/>
               <a:t>相等，所以有</a:t>
             </a:r>
             <a:br>
-              <a:rPr lang="zh-CN" altLang="en-US" dirty="0" smtClean="0"/>
+              <a:rPr lang="zh-CN" altLang="en-US" dirty="0"/>
             </a:br>
             <a:r>
-              <a:rPr lang="en-US" altLang="zh-CN" dirty="0" smtClean="0"/>
+              <a:rPr lang="en-US" altLang="zh-CN" dirty="0"/>
               <a:t>		a*x1+b*y1=b*x2+(a-a/b*b)*y2;          </a:t>
             </a:r>
-            <a:r>
-              <a:rPr lang="zh-CN" altLang="en-US" dirty="0" smtClean="0"/>
-              <a:t/>
-            </a:r>
             <a:br>
-              <a:rPr lang="zh-CN" altLang="en-US" dirty="0" smtClean="0"/>
+              <a:rPr lang="zh-CN" altLang="en-US" dirty="0"/>
             </a:br>
             <a:r>
-              <a:rPr lang="en-US" altLang="zh-CN" dirty="0" smtClean="0"/>
+              <a:rPr lang="en-US" altLang="zh-CN" dirty="0"/>
               <a:t>		a*x1+b*y1=b*x2+a*y2-b*a/b*y2;</a:t>
             </a:r>
             <a:br>
-              <a:rPr lang="en-US" altLang="zh-CN" dirty="0" smtClean="0"/>
+              <a:rPr lang="en-US" altLang="zh-CN" dirty="0"/>
             </a:br>
             <a:r>
-              <a:rPr lang="en-US" altLang="zh-CN" dirty="0" smtClean="0"/>
+              <a:rPr lang="en-US" altLang="zh-CN" dirty="0"/>
               <a:t>		a*x1+b*y1=a*y2+b*(x2-a/b*y2);</a:t>
             </a:r>
             <a:br>
-              <a:rPr lang="en-US" altLang="zh-CN" dirty="0" smtClean="0"/>
+              <a:rPr lang="en-US" altLang="zh-CN" dirty="0"/>
             </a:br>
             <a:r>
-              <a:rPr lang="zh-CN" altLang="en-US" dirty="0" smtClean="0"/>
-              <a:t>这时</a:t>
-            </a:r>
-            <a:r>
-              <a:rPr lang="zh-CN" altLang="en-US" dirty="0"/>
-              <a:t>后可以</a:t>
-            </a:r>
-            <a:r>
-              <a:rPr lang="zh-CN" altLang="en-US" dirty="0" smtClean="0"/>
-              <a:t>看出</a:t>
-            </a:r>
-            <a:r>
-              <a:rPr lang="en-US" altLang="zh-CN" dirty="0" smtClean="0"/>
-              <a:t>x1=y2</a:t>
-            </a:r>
-            <a:r>
-              <a:rPr lang="en-US" altLang="zh-CN" dirty="0"/>
-              <a:t>;  y1=x2-a/b*y2; </a:t>
-            </a:r>
-            <a:endParaRPr lang="en-US" altLang="zh-CN" dirty="0" smtClean="0"/>
+              <a:rPr lang="zh-CN" altLang="en-US" dirty="0"/>
+              <a:t>这时后可以看出</a:t>
+            </a:r>
+            <a:r>
+              <a:rPr lang="en-US" altLang="zh-CN" dirty="0"/>
+              <a:t>x1=y2;  y1=x2-a/b*y2; </a:t>
+            </a:r>
           </a:p>
           <a:p>
             <a:pPr marL="0" indent="0">
               <a:buNone/>
             </a:pPr>
             <a:r>
-              <a:rPr lang="zh-CN" altLang="en-US" dirty="0" smtClean="0"/>
-              <a:t>这个</a:t>
-            </a:r>
-            <a:r>
-              <a:rPr lang="zh-CN" altLang="en-US" dirty="0"/>
-              <a:t>就是我们要求的更新了 </a:t>
-            </a:r>
-            <a:r>
-              <a:rPr lang="zh-CN" altLang="en-US" dirty="0" smtClean="0"/>
-              <a:t>！</a:t>
-            </a:r>
-            <a:endParaRPr lang="en-US" altLang="zh-CN" dirty="0" smtClean="0"/>
-          </a:p>
-          <a:p>
-            <a:r>
-              <a:rPr lang="zh-CN" altLang="en-US" sz="2000" b="1" dirty="0" smtClean="0"/>
+              <a:rPr lang="zh-CN" altLang="en-US" dirty="0"/>
+              <a:t>这个就是我们要求的更新了 ！</a:t>
+            </a:r>
+            <a:endParaRPr lang="en-US" altLang="zh-CN" dirty="0"/>
+          </a:p>
+          <a:p>
+            <a:r>
+              <a:rPr lang="zh-CN" altLang="en-US" sz="2000" b="1" dirty="0"/>
               <a:t>然而，递归求解的拓展欧几里得算法递归的层数较多，在</a:t>
             </a:r>
             <a:r>
-              <a:rPr lang="en-US" altLang="zh-CN" sz="2000" b="1" dirty="0" err="1" smtClean="0"/>
+              <a:rPr lang="en-US" altLang="zh-CN" sz="2000" b="1" dirty="0" err="1"/>
               <a:t>c++</a:t>
             </a:r>
             <a:r>
-              <a:rPr lang="zh-CN" altLang="en-US" sz="2000" b="1" dirty="0" smtClean="0"/>
+              <a:rPr lang="zh-CN" altLang="en-US" sz="2000" b="1" dirty="0"/>
               <a:t>中面临爆栈的风险，因此我改写为了递推的形式！</a:t>
             </a:r>
             <a:endParaRPr lang="en-US" altLang="zh-CN" sz="2000" b="1" dirty="0"/>
@@ -12115,13 +11870,6 @@
   <p:clrMapOvr>
     <a:masterClrMapping/>
   </p:clrMapOvr>
-  <p:timing>
-    <p:tnLst>
-      <p:par>
-        <p:cTn id="1" dur="indefinite" restart="never" nodeType="tmRoot"/>
-      </p:par>
-    </p:tnLst>
-  </p:timing>
 </p:sld>
 </file>
 
@@ -12158,7 +11906,7 @@
           <a:lstStyle/>
           <a:p>
             <a:r>
-              <a:rPr lang="en-US" altLang="zh-CN" dirty="0" smtClean="0"/>
+              <a:rPr lang="en-US" altLang="zh-CN" dirty="0"/>
               <a:t>RSA</a:t>
             </a:r>
             <a:r>
@@ -12191,540 +11939,523 @@
           <a:lstStyle/>
           <a:p>
             <a:r>
-              <a:rPr lang="zh-CN" altLang="en-US" sz="2400" b="1" dirty="0" smtClean="0"/>
+              <a:rPr lang="zh-CN" altLang="en-US" sz="2400" b="1" dirty="0"/>
               <a:t>具体代码工作流程</a:t>
             </a:r>
             <a:r>
-              <a:rPr lang="en-US" altLang="zh-CN" sz="2400" b="1" dirty="0" smtClean="0"/>
+              <a:rPr lang="en-US" altLang="zh-CN" sz="2400" b="1" dirty="0"/>
               <a:t>:</a:t>
             </a:r>
           </a:p>
           <a:p>
             <a:pPr lvl="1"/>
             <a:r>
-              <a:rPr lang="en-US" altLang="zh-CN" dirty="0" smtClean="0"/>
+              <a:rPr lang="en-US" altLang="zh-CN" dirty="0"/>
               <a:t>1.</a:t>
             </a:r>
             <a:r>
-              <a:rPr lang="zh-CN" altLang="en-US" dirty="0" smtClean="0"/>
+              <a:rPr lang="zh-CN" altLang="en-US" dirty="0"/>
               <a:t>使用</a:t>
             </a:r>
             <a:r>
-              <a:rPr lang="en-US" altLang="zh-CN" dirty="0" smtClean="0"/>
+              <a:rPr lang="en-US" altLang="zh-CN" dirty="0"/>
               <a:t>prime</a:t>
             </a:r>
             <a:r>
-              <a:rPr lang="zh-CN" altLang="en-US" dirty="0" smtClean="0"/>
+              <a:rPr lang="zh-CN" altLang="en-US" dirty="0"/>
               <a:t>文件夹下的</a:t>
             </a:r>
             <a:r>
-              <a:rPr lang="en-US" altLang="zh-CN" dirty="0" smtClean="0"/>
+              <a:rPr lang="en-US" altLang="zh-CN" dirty="0"/>
               <a:t>Java</a:t>
             </a:r>
             <a:r>
-              <a:rPr lang="zh-CN" altLang="en-US" dirty="0" smtClean="0"/>
+              <a:rPr lang="zh-CN" altLang="en-US" dirty="0"/>
               <a:t>程序生成给定</a:t>
             </a:r>
             <a:r>
-              <a:rPr lang="en-US" altLang="zh-CN" dirty="0" smtClean="0"/>
+              <a:rPr lang="en-US" altLang="zh-CN" dirty="0"/>
               <a:t>bit</a:t>
             </a:r>
             <a:r>
-              <a:rPr lang="zh-CN" altLang="en-US" dirty="0" smtClean="0"/>
+              <a:rPr lang="zh-CN" altLang="en-US" dirty="0"/>
               <a:t>位数长度</a:t>
             </a:r>
             <a:r>
-              <a:rPr lang="en-US" altLang="zh-CN" dirty="0" smtClean="0"/>
+              <a:rPr lang="en-US" altLang="zh-CN" dirty="0"/>
               <a:t>(128)</a:t>
             </a:r>
             <a:r>
-              <a:rPr lang="zh-CN" altLang="en-US" dirty="0" smtClean="0"/>
+              <a:rPr lang="zh-CN" altLang="en-US" dirty="0"/>
               <a:t>的质数</a:t>
             </a:r>
             <a:r>
-              <a:rPr lang="en-US" altLang="zh-CN" dirty="0" smtClean="0"/>
+              <a:rPr lang="en-US" altLang="zh-CN" dirty="0"/>
               <a:t>100</a:t>
             </a:r>
             <a:r>
-              <a:rPr lang="zh-CN" altLang="en-US" dirty="0" smtClean="0"/>
+              <a:rPr lang="zh-CN" altLang="en-US" dirty="0"/>
               <a:t>个，保存在与</a:t>
             </a:r>
             <a:r>
-              <a:rPr lang="en-US" altLang="zh-CN" dirty="0" smtClean="0"/>
+              <a:rPr lang="en-US" altLang="zh-CN" dirty="0"/>
               <a:t>prime</a:t>
             </a:r>
             <a:r>
-              <a:rPr lang="zh-CN" altLang="en-US" dirty="0" smtClean="0"/>
+              <a:rPr lang="zh-CN" altLang="en-US" dirty="0"/>
               <a:t>同目录的文件</a:t>
             </a:r>
             <a:r>
-              <a:rPr lang="en-US" altLang="zh-CN" dirty="0" smtClean="0"/>
+              <a:rPr lang="en-US" altLang="zh-CN" dirty="0"/>
               <a:t>prime.txt</a:t>
             </a:r>
             <a:r>
-              <a:rPr lang="zh-CN" altLang="en-US" dirty="0" smtClean="0"/>
+              <a:rPr lang="zh-CN" altLang="en-US" dirty="0"/>
               <a:t>中。</a:t>
             </a:r>
-            <a:endParaRPr lang="en-US" altLang="zh-CN" dirty="0" smtClean="0"/>
+            <a:endParaRPr lang="en-US" altLang="zh-CN" dirty="0"/>
           </a:p>
           <a:p>
             <a:pPr lvl="1"/>
             <a:r>
-              <a:rPr lang="en-US" altLang="zh-CN" dirty="0" smtClean="0"/>
+              <a:rPr lang="en-US" altLang="zh-CN" dirty="0"/>
               <a:t>2.</a:t>
             </a:r>
             <a:r>
-              <a:rPr lang="zh-CN" altLang="en-US" dirty="0" smtClean="0"/>
+              <a:rPr lang="zh-CN" altLang="en-US" dirty="0"/>
               <a:t>使用</a:t>
             </a:r>
             <a:r>
-              <a:rPr lang="en-US" altLang="zh-CN" dirty="0" smtClean="0"/>
+              <a:rPr lang="en-US" altLang="zh-CN" dirty="0"/>
               <a:t>RSA_creator.cpp</a:t>
             </a:r>
             <a:r>
-              <a:rPr lang="zh-CN" altLang="en-US" dirty="0" smtClean="0"/>
+              <a:rPr lang="zh-CN" altLang="en-US" dirty="0"/>
               <a:t>，选取两个质数</a:t>
             </a:r>
             <a:r>
-              <a:rPr lang="en-US" altLang="zh-CN" dirty="0" smtClean="0"/>
+              <a:rPr lang="en-US" altLang="zh-CN" dirty="0"/>
               <a:t>p</a:t>
             </a:r>
             <a:r>
-              <a:rPr lang="zh-CN" altLang="en-US" dirty="0" smtClean="0"/>
+              <a:rPr lang="zh-CN" altLang="en-US" dirty="0"/>
               <a:t>、</a:t>
             </a:r>
             <a:r>
-              <a:rPr lang="en-US" altLang="zh-CN" dirty="0" smtClean="0"/>
+              <a:rPr lang="en-US" altLang="zh-CN" dirty="0"/>
               <a:t>q</a:t>
             </a:r>
             <a:r>
-              <a:rPr lang="zh-CN" altLang="en-US" dirty="0" smtClean="0"/>
+              <a:rPr lang="zh-CN" altLang="en-US" dirty="0"/>
               <a:t>，计算</a:t>
             </a:r>
             <a:r>
-              <a:rPr lang="en-US" altLang="zh-CN" dirty="0" smtClean="0"/>
+              <a:rPr lang="en-US" altLang="zh-CN" dirty="0"/>
               <a:t>n</a:t>
             </a:r>
             <a:r>
-              <a:rPr lang="zh-CN" altLang="en-US" dirty="0" smtClean="0"/>
+              <a:rPr lang="zh-CN" altLang="en-US" dirty="0"/>
               <a:t>和</a:t>
             </a:r>
             <a:r>
-              <a:rPr lang="en-US" altLang="zh-CN" dirty="0" smtClean="0"/>
+              <a:rPr lang="en-US" altLang="zh-CN" dirty="0"/>
               <a:t>φ(n)</a:t>
             </a:r>
             <a:r>
-              <a:rPr lang="zh-CN" altLang="en-US" dirty="0" smtClean="0"/>
+              <a:rPr lang="zh-CN" altLang="en-US" dirty="0"/>
               <a:t>，选取另一个质数</a:t>
             </a:r>
             <a:r>
-              <a:rPr lang="en-US" altLang="zh-CN" dirty="0" smtClean="0"/>
+              <a:rPr lang="en-US" altLang="zh-CN" dirty="0"/>
               <a:t>d</a:t>
             </a:r>
             <a:r>
-              <a:rPr lang="zh-CN" altLang="en-US" dirty="0" smtClean="0"/>
+              <a:rPr lang="zh-CN" altLang="en-US" dirty="0"/>
               <a:t>，用扩展欧几里得算法求得</a:t>
             </a:r>
             <a:r>
-              <a:rPr lang="en-US" altLang="zh-CN" dirty="0" smtClean="0"/>
+              <a:rPr lang="en-US" altLang="zh-CN" dirty="0"/>
               <a:t>e</a:t>
             </a:r>
             <a:r>
-              <a:rPr lang="zh-CN" altLang="en-US" dirty="0" smtClean="0"/>
+              <a:rPr lang="zh-CN" altLang="en-US" dirty="0"/>
               <a:t>。将</a:t>
             </a:r>
             <a:r>
-              <a:rPr lang="en-US" altLang="zh-CN" dirty="0" smtClean="0"/>
+              <a:rPr lang="en-US" altLang="zh-CN" dirty="0"/>
               <a:t>n</a:t>
             </a:r>
             <a:r>
-              <a:rPr lang="zh-CN" altLang="en-US" dirty="0" smtClean="0"/>
+              <a:rPr lang="zh-CN" altLang="en-US" dirty="0"/>
               <a:t>、</a:t>
             </a:r>
             <a:r>
-              <a:rPr lang="en-US" altLang="zh-CN" dirty="0" smtClean="0"/>
+              <a:rPr lang="en-US" altLang="zh-CN" dirty="0"/>
               <a:t>d</a:t>
             </a:r>
             <a:r>
-              <a:rPr lang="zh-CN" altLang="en-US" dirty="0" smtClean="0"/>
+              <a:rPr lang="zh-CN" altLang="en-US" dirty="0"/>
               <a:t>、</a:t>
             </a:r>
             <a:r>
-              <a:rPr lang="en-US" altLang="zh-CN" dirty="0" smtClean="0"/>
+              <a:rPr lang="en-US" altLang="zh-CN" dirty="0"/>
               <a:t>e</a:t>
             </a:r>
             <a:r>
-              <a:rPr lang="zh-CN" altLang="en-US" dirty="0" smtClean="0"/>
+              <a:rPr lang="zh-CN" altLang="en-US" dirty="0"/>
               <a:t>分别保存在</a:t>
             </a:r>
             <a:r>
-              <a:rPr lang="en-US" altLang="zh-CN" dirty="0" smtClean="0"/>
+              <a:rPr lang="en-US" altLang="zh-CN" dirty="0"/>
               <a:t>key.txt</a:t>
             </a:r>
             <a:r>
-              <a:rPr lang="zh-CN" altLang="en-US" dirty="0" smtClean="0"/>
+              <a:rPr lang="zh-CN" altLang="en-US" dirty="0"/>
               <a:t>、</a:t>
             </a:r>
             <a:r>
-              <a:rPr lang="en-US" altLang="zh-CN" dirty="0" smtClean="0"/>
+              <a:rPr lang="en-US" altLang="zh-CN" dirty="0"/>
               <a:t>public_key.txt</a:t>
             </a:r>
             <a:r>
-              <a:rPr lang="zh-CN" altLang="en-US" dirty="0" smtClean="0"/>
+              <a:rPr lang="zh-CN" altLang="en-US" dirty="0"/>
               <a:t>和</a:t>
             </a:r>
             <a:r>
-              <a:rPr lang="en-US" altLang="zh-CN" dirty="0" smtClean="0"/>
+              <a:rPr lang="en-US" altLang="zh-CN" dirty="0"/>
               <a:t>private_key.txt</a:t>
             </a:r>
             <a:r>
-              <a:rPr lang="zh-CN" altLang="en-US" dirty="0" smtClean="0"/>
+              <a:rPr lang="zh-CN" altLang="en-US" dirty="0"/>
               <a:t>。</a:t>
             </a:r>
-            <a:endParaRPr lang="en-US" altLang="zh-CN" dirty="0" smtClean="0"/>
+            <a:endParaRPr lang="en-US" altLang="zh-CN" dirty="0"/>
           </a:p>
           <a:p>
             <a:pPr lvl="1"/>
             <a:r>
-              <a:rPr lang="en-US" altLang="zh-CN" dirty="0" smtClean="0"/>
+              <a:rPr lang="en-US" altLang="zh-CN" dirty="0"/>
               <a:t>3.</a:t>
             </a:r>
             <a:r>
-              <a:rPr lang="zh-CN" altLang="en-US" dirty="0" smtClean="0"/>
+              <a:rPr lang="zh-CN" altLang="en-US" dirty="0"/>
               <a:t>使用</a:t>
             </a:r>
             <a:r>
-              <a:rPr lang="en-US" altLang="zh-CN" dirty="0" smtClean="0"/>
+              <a:rPr lang="en-US" altLang="zh-CN" dirty="0"/>
               <a:t>RSA_code.cpp</a:t>
             </a:r>
             <a:r>
-              <a:rPr lang="zh-CN" altLang="en-US" dirty="0" smtClean="0"/>
+              <a:rPr lang="zh-CN" altLang="en-US" dirty="0"/>
               <a:t>，读取</a:t>
             </a:r>
             <a:r>
-              <a:rPr lang="en-US" altLang="zh-CN" dirty="0" smtClean="0"/>
+              <a:rPr lang="en-US" altLang="zh-CN" dirty="0"/>
               <a:t>public_key.txt</a:t>
             </a:r>
             <a:r>
-              <a:rPr lang="zh-CN" altLang="en-US" dirty="0" smtClean="0"/>
+              <a:rPr lang="zh-CN" altLang="en-US" dirty="0"/>
               <a:t>和</a:t>
             </a:r>
             <a:r>
-              <a:rPr lang="en-US" altLang="zh-CN" dirty="0" smtClean="0"/>
+              <a:rPr lang="en-US" altLang="zh-CN" dirty="0"/>
               <a:t>key.txt</a:t>
             </a:r>
             <a:r>
               <a:rPr lang="zh-CN" altLang="en-US" dirty="0"/>
+              <a:t>。对输入的</a:t>
+            </a:r>
+            <a:r>
+              <a:rPr lang="en-US" altLang="zh-CN" dirty="0"/>
+              <a:t>1kB</a:t>
+            </a:r>
+            <a:r>
+              <a:rPr lang="zh-CN" altLang="en-US" dirty="0"/>
+              <a:t>文件</a:t>
+            </a:r>
+            <a:r>
+              <a:rPr lang="en-US" altLang="zh-CN" dirty="0"/>
+              <a:t>data.txt</a:t>
+            </a:r>
+            <a:r>
+              <a:rPr lang="zh-CN" altLang="en-US" dirty="0"/>
+              <a:t>，每</a:t>
+            </a:r>
+            <a:r>
+              <a:rPr lang="en-US" altLang="zh-CN" dirty="0"/>
+              <a:t>3</a:t>
+            </a:r>
+            <a:r>
+              <a:rPr lang="zh-CN" altLang="en-US" dirty="0"/>
+              <a:t>个</a:t>
+            </a:r>
+            <a:r>
+              <a:rPr lang="en-US" altLang="zh-CN" dirty="0"/>
+              <a:t>bit</a:t>
+            </a:r>
+            <a:r>
+              <a:rPr lang="zh-CN" altLang="en-US" dirty="0"/>
+              <a:t>合在一起变为</a:t>
+            </a:r>
+            <a:r>
+              <a:rPr lang="en-US" altLang="zh-CN" dirty="0"/>
+              <a:t>8</a:t>
+            </a:r>
+            <a:r>
+              <a:rPr lang="zh-CN" altLang="en-US" dirty="0"/>
+              <a:t>进制数；将</a:t>
+            </a:r>
+            <a:r>
+              <a:rPr lang="en-US" altLang="zh-CN" dirty="0"/>
+              <a:t>8</a:t>
+            </a:r>
+            <a:r>
+              <a:rPr lang="zh-CN" altLang="en-US" dirty="0"/>
+              <a:t>进制数看做</a:t>
+            </a:r>
+            <a:r>
+              <a:rPr lang="en-US" altLang="zh-CN" dirty="0"/>
+              <a:t>10</a:t>
+            </a:r>
+            <a:r>
+              <a:rPr lang="zh-CN" altLang="en-US" dirty="0"/>
+              <a:t>进制数，分组，每组用公钥</a:t>
+            </a:r>
+            <a:r>
+              <a:rPr lang="en-US" altLang="zh-CN" dirty="0" err="1"/>
+              <a:t>public_key</a:t>
+            </a:r>
+            <a:r>
+              <a:rPr lang="zh-CN" altLang="en-US" dirty="0"/>
+              <a:t>加密</a:t>
+            </a:r>
+            <a:r>
+              <a:rPr lang="en-US" altLang="zh-CN" dirty="0"/>
+              <a:t>(</a:t>
+            </a:r>
+            <a:r>
+              <a:rPr lang="zh-CN" altLang="en-US" dirty="0"/>
+              <a:t>快速幂取模</a:t>
+            </a:r>
+            <a:r>
+              <a:rPr lang="en-US" altLang="zh-CN" dirty="0"/>
+              <a:t>)</a:t>
+            </a:r>
+            <a:r>
+              <a:rPr lang="zh-CN" altLang="en-US" dirty="0"/>
+              <a:t>；将结果当作</a:t>
+            </a:r>
+            <a:r>
+              <a:rPr lang="en-US" altLang="zh-CN" dirty="0"/>
+              <a:t>16</a:t>
+            </a:r>
+            <a:r>
+              <a:rPr lang="zh-CN" altLang="en-US" dirty="0"/>
+              <a:t>进制数，再转换为</a:t>
+            </a:r>
+            <a:r>
+              <a:rPr lang="en-US" altLang="zh-CN" dirty="0"/>
+              <a:t>2</a:t>
+            </a:r>
+            <a:r>
+              <a:rPr lang="zh-CN" altLang="en-US" dirty="0"/>
+              <a:t>进制数（即每个数变为</a:t>
+            </a:r>
+            <a:r>
+              <a:rPr lang="en-US" altLang="zh-CN" dirty="0"/>
+              <a:t>4bit</a:t>
+            </a:r>
+            <a:r>
+              <a:rPr lang="zh-CN" altLang="en-US" dirty="0"/>
+              <a:t>），输出到文件</a:t>
+            </a:r>
+            <a:r>
+              <a:rPr lang="en-US" altLang="zh-CN" dirty="0"/>
+              <a:t>ciphertext.txt</a:t>
+            </a:r>
+            <a:r>
+              <a:rPr lang="zh-CN" altLang="en-US" dirty="0"/>
+              <a:t>中。</a:t>
+            </a:r>
+            <a:endParaRPr lang="en-US" altLang="zh-CN" dirty="0"/>
+          </a:p>
+          <a:p>
+            <a:pPr lvl="1"/>
+            <a:r>
+              <a:rPr lang="en-US" altLang="zh-CN" dirty="0"/>
+              <a:t>4.</a:t>
+            </a:r>
+            <a:r>
+              <a:rPr lang="zh-CN" altLang="en-US" dirty="0"/>
+              <a:t>使用</a:t>
+            </a:r>
+            <a:r>
+              <a:rPr lang="en-US" altLang="zh-CN" dirty="0"/>
+              <a:t>RSA_decode.cpp</a:t>
+            </a:r>
+            <a:r>
+              <a:rPr lang="zh-CN" altLang="en-US" dirty="0"/>
+              <a:t>，读取</a:t>
+            </a:r>
+            <a:r>
+              <a:rPr lang="en-US" altLang="zh-CN" dirty="0"/>
+              <a:t>private_key.txt</a:t>
+            </a:r>
+            <a:r>
+              <a:rPr lang="zh-CN" altLang="en-US" dirty="0"/>
+              <a:t>和</a:t>
+            </a:r>
+            <a:r>
+              <a:rPr lang="en-US" altLang="zh-CN" dirty="0"/>
+              <a:t>key.txt</a:t>
+            </a:r>
+            <a:r>
+              <a:rPr lang="zh-CN" altLang="en-US" dirty="0"/>
+              <a:t>。对密文</a:t>
+            </a:r>
+            <a:r>
+              <a:rPr lang="en-US" altLang="zh-CN" dirty="0"/>
+              <a:t>ciphertext.txt</a:t>
+            </a:r>
+            <a:r>
+              <a:rPr lang="zh-CN" altLang="en-US" dirty="0"/>
+              <a:t>每</a:t>
+            </a:r>
+            <a:r>
+              <a:rPr lang="en-US" altLang="zh-CN" dirty="0"/>
+              <a:t>4bit</a:t>
+            </a:r>
+            <a:r>
+              <a:rPr lang="zh-CN" altLang="en-US" dirty="0"/>
+              <a:t>合在一起变为</a:t>
+            </a:r>
+            <a:r>
+              <a:rPr lang="en-US" altLang="zh-CN" dirty="0"/>
+              <a:t>16</a:t>
+            </a:r>
+            <a:r>
+              <a:rPr lang="zh-CN" altLang="en-US" dirty="0"/>
+              <a:t>进制数；将</a:t>
+            </a:r>
+            <a:r>
+              <a:rPr lang="en-US" altLang="zh-CN" dirty="0"/>
+              <a:t>16</a:t>
+            </a:r>
+            <a:r>
+              <a:rPr lang="zh-CN" altLang="en-US" dirty="0"/>
+              <a:t>进制数看做</a:t>
+            </a:r>
+            <a:r>
+              <a:rPr lang="en-US" altLang="zh-CN" dirty="0"/>
+              <a:t>10</a:t>
+            </a:r>
+            <a:r>
+              <a:rPr lang="zh-CN" altLang="en-US" dirty="0"/>
+              <a:t>进制数，分组，每组用私钥</a:t>
+            </a:r>
+            <a:r>
+              <a:rPr lang="en-US" altLang="zh-CN" dirty="0"/>
+              <a:t>private_key.txt</a:t>
+            </a:r>
+            <a:r>
+              <a:rPr lang="zh-CN" altLang="en-US" dirty="0"/>
+              <a:t>解密</a:t>
+            </a:r>
+            <a:r>
+              <a:rPr lang="en-US" altLang="zh-CN" dirty="0"/>
+              <a:t>(</a:t>
+            </a:r>
+            <a:r>
+              <a:rPr lang="zh-CN" altLang="en-US" dirty="0"/>
+              <a:t>快速幂取模</a:t>
+            </a:r>
+            <a:r>
+              <a:rPr lang="en-US" altLang="zh-CN" dirty="0"/>
+              <a:t>)</a:t>
+            </a:r>
+            <a:r>
+              <a:rPr lang="zh-CN" altLang="en-US" dirty="0"/>
+              <a:t>；将结果当作</a:t>
+            </a:r>
+            <a:r>
+              <a:rPr lang="en-US" altLang="zh-CN" dirty="0"/>
+              <a:t>8</a:t>
+            </a:r>
+            <a:r>
+              <a:rPr lang="zh-CN" altLang="en-US" dirty="0"/>
+              <a:t>进制数，再转换为</a:t>
+            </a:r>
+            <a:r>
+              <a:rPr lang="en-US" altLang="zh-CN" dirty="0"/>
+              <a:t>2</a:t>
+            </a:r>
+            <a:r>
+              <a:rPr lang="zh-CN" altLang="en-US" dirty="0"/>
+              <a:t>进制数（即每个数变为</a:t>
+            </a:r>
+            <a:r>
+              <a:rPr lang="en-US" altLang="zh-CN" dirty="0"/>
+              <a:t>3bit</a:t>
+            </a:r>
+            <a:r>
+              <a:rPr lang="zh-CN" altLang="en-US" dirty="0"/>
+              <a:t>），输出到文件</a:t>
+            </a:r>
+            <a:r>
+              <a:rPr lang="en-US" altLang="zh-CN" dirty="0"/>
+              <a:t>plaintext.txt</a:t>
+            </a:r>
+            <a:r>
+              <a:rPr lang="zh-CN" altLang="en-US" dirty="0"/>
+              <a:t>中。</a:t>
+            </a:r>
+            <a:endParaRPr lang="en-US" altLang="zh-CN" dirty="0"/>
+          </a:p>
+          <a:p>
+            <a:r>
+              <a:rPr lang="zh-CN" altLang="en-US" dirty="0"/>
+              <a:t>联调</a:t>
+            </a:r>
+            <a:r>
+              <a:rPr lang="en-US" altLang="zh-CN" dirty="0"/>
+              <a:t>:</a:t>
+            </a:r>
+            <a:r>
+              <a:rPr lang="zh-CN" altLang="en-US" dirty="0"/>
+              <a:t>待加密的数据送入</a:t>
+            </a:r>
+            <a:r>
+              <a:rPr lang="en-US" altLang="zh-CN" dirty="0"/>
+              <a:t>data.txt</a:t>
+            </a:r>
+            <a:r>
+              <a:rPr lang="zh-CN" altLang="en-US" dirty="0"/>
+              <a:t>，加密后的数据在</a:t>
+            </a:r>
+            <a:r>
+              <a:rPr lang="en-US" altLang="zh-CN" dirty="0"/>
+              <a:t>ciphertext.txt</a:t>
+            </a:r>
+            <a:r>
+              <a:rPr lang="zh-CN" altLang="en-US" dirty="0"/>
+              <a:t>中，将其经过整个通信系统（包括卷积编解码、调制、信道、解调等），再次写入</a:t>
+            </a:r>
+            <a:r>
+              <a:rPr lang="en-US" altLang="zh-CN" dirty="0"/>
+              <a:t>ciphertext.txt</a:t>
+            </a:r>
+            <a:r>
+              <a:rPr lang="zh-CN" altLang="en-US" dirty="0"/>
+              <a:t>，最后解密得到输出</a:t>
+            </a:r>
+            <a:r>
+              <a:rPr lang="en-US" altLang="zh-CN" dirty="0"/>
+              <a:t>plaintext.txt</a:t>
+            </a:r>
+            <a:r>
+              <a:rPr lang="zh-CN" altLang="en-US" dirty="0"/>
               <a:t>。</a:t>
             </a:r>
-            <a:r>
-              <a:rPr lang="zh-CN" altLang="en-US" dirty="0" smtClean="0"/>
-              <a:t>对输入的</a:t>
-            </a:r>
-            <a:r>
-              <a:rPr lang="en-US" altLang="zh-CN" dirty="0" smtClean="0"/>
-              <a:t>1kB</a:t>
-            </a:r>
-            <a:r>
-              <a:rPr lang="zh-CN" altLang="en-US" dirty="0" smtClean="0"/>
-              <a:t>文件</a:t>
-            </a:r>
-            <a:r>
-              <a:rPr lang="en-US" altLang="zh-CN" dirty="0" smtClean="0"/>
-              <a:t>data.txt</a:t>
-            </a:r>
-            <a:r>
-              <a:rPr lang="zh-CN" altLang="en-US" dirty="0" smtClean="0"/>
-              <a:t>，每</a:t>
-            </a:r>
-            <a:r>
-              <a:rPr lang="en-US" altLang="zh-CN" dirty="0" smtClean="0"/>
-              <a:t>3</a:t>
-            </a:r>
-            <a:r>
-              <a:rPr lang="zh-CN" altLang="en-US" dirty="0" smtClean="0"/>
-              <a:t>个</a:t>
-            </a:r>
-            <a:r>
-              <a:rPr lang="en-US" altLang="zh-CN" dirty="0" smtClean="0"/>
-              <a:t>bit</a:t>
-            </a:r>
-            <a:r>
-              <a:rPr lang="zh-CN" altLang="en-US" dirty="0"/>
-              <a:t>合在</a:t>
-            </a:r>
-            <a:r>
-              <a:rPr lang="zh-CN" altLang="en-US" dirty="0" smtClean="0"/>
-              <a:t>一起变为</a:t>
-            </a:r>
-            <a:r>
-              <a:rPr lang="en-US" altLang="zh-CN" dirty="0" smtClean="0"/>
-              <a:t>8</a:t>
-            </a:r>
-            <a:r>
-              <a:rPr lang="zh-CN" altLang="en-US" dirty="0" smtClean="0"/>
-              <a:t>进制数；将</a:t>
-            </a:r>
-            <a:r>
-              <a:rPr lang="en-US" altLang="zh-CN" dirty="0" smtClean="0"/>
-              <a:t>8</a:t>
-            </a:r>
-            <a:r>
-              <a:rPr lang="zh-CN" altLang="en-US" dirty="0" smtClean="0"/>
-              <a:t>进制数看做</a:t>
-            </a:r>
-            <a:r>
-              <a:rPr lang="en-US" altLang="zh-CN" dirty="0" smtClean="0"/>
-              <a:t>10</a:t>
-            </a:r>
-            <a:r>
-              <a:rPr lang="zh-CN" altLang="en-US" dirty="0" smtClean="0"/>
-              <a:t>进制数，分组，每组用公钥</a:t>
-            </a:r>
-            <a:r>
-              <a:rPr lang="en-US" altLang="zh-CN" dirty="0" err="1" smtClean="0"/>
-              <a:t>public_key</a:t>
-            </a:r>
-            <a:r>
-              <a:rPr lang="zh-CN" altLang="en-US" dirty="0" smtClean="0"/>
-              <a:t>加密</a:t>
-            </a:r>
-            <a:r>
-              <a:rPr lang="en-US" altLang="zh-CN" dirty="0" smtClean="0"/>
-              <a:t>(</a:t>
-            </a:r>
-            <a:r>
-              <a:rPr lang="zh-CN" altLang="en-US" dirty="0" smtClean="0"/>
-              <a:t>快速幂取模</a:t>
-            </a:r>
-            <a:r>
-              <a:rPr lang="en-US" altLang="zh-CN" dirty="0" smtClean="0"/>
-              <a:t>)</a:t>
-            </a:r>
-            <a:r>
-              <a:rPr lang="zh-CN" altLang="en-US" dirty="0" smtClean="0"/>
-              <a:t>；将结果当作</a:t>
-            </a:r>
-            <a:r>
-              <a:rPr lang="en-US" altLang="zh-CN" dirty="0" smtClean="0"/>
-              <a:t>16</a:t>
-            </a:r>
-            <a:r>
-              <a:rPr lang="zh-CN" altLang="en-US" dirty="0" smtClean="0"/>
-              <a:t>进制数，再转换为</a:t>
-            </a:r>
-            <a:r>
-              <a:rPr lang="en-US" altLang="zh-CN" dirty="0" smtClean="0"/>
-              <a:t>2</a:t>
-            </a:r>
-            <a:r>
-              <a:rPr lang="zh-CN" altLang="en-US" dirty="0" smtClean="0"/>
-              <a:t>进制数（即每个数变为</a:t>
-            </a:r>
-            <a:r>
-              <a:rPr lang="en-US" altLang="zh-CN" dirty="0" smtClean="0"/>
-              <a:t>4bit</a:t>
-            </a:r>
-            <a:r>
-              <a:rPr lang="zh-CN" altLang="en-US" dirty="0" smtClean="0"/>
-              <a:t>），输出到文件</a:t>
-            </a:r>
-            <a:r>
-              <a:rPr lang="en-US" altLang="zh-CN" dirty="0" smtClean="0"/>
-              <a:t>ciphertext.txt</a:t>
-            </a:r>
-            <a:r>
-              <a:rPr lang="zh-CN" altLang="en-US" dirty="0" smtClean="0"/>
-              <a:t>中。</a:t>
-            </a:r>
-            <a:endParaRPr lang="en-US" altLang="zh-CN" dirty="0" smtClean="0"/>
-          </a:p>
-          <a:p>
-            <a:pPr lvl="1"/>
-            <a:r>
-              <a:rPr lang="en-US" altLang="zh-CN" dirty="0" smtClean="0"/>
-              <a:t>4.</a:t>
-            </a:r>
-            <a:r>
-              <a:rPr lang="zh-CN" altLang="en-US" dirty="0" smtClean="0"/>
-              <a:t>使用</a:t>
-            </a:r>
-            <a:r>
-              <a:rPr lang="en-US" altLang="zh-CN" dirty="0" smtClean="0"/>
-              <a:t>RSA_decode.cpp</a:t>
-            </a:r>
-            <a:r>
-              <a:rPr lang="zh-CN" altLang="en-US" dirty="0" smtClean="0"/>
-              <a:t>，读取</a:t>
-            </a:r>
-            <a:r>
-              <a:rPr lang="en-US" altLang="zh-CN" dirty="0" smtClean="0"/>
-              <a:t>private_key.txt</a:t>
-            </a:r>
-            <a:r>
-              <a:rPr lang="zh-CN" altLang="en-US" dirty="0" smtClean="0"/>
-              <a:t>和</a:t>
-            </a:r>
-            <a:r>
-              <a:rPr lang="en-US" altLang="zh-CN" dirty="0" smtClean="0"/>
-              <a:t>key.txt</a:t>
-            </a:r>
-            <a:r>
-              <a:rPr lang="zh-CN" altLang="en-US" dirty="0" smtClean="0"/>
-              <a:t>。对密文</a:t>
-            </a:r>
-            <a:r>
-              <a:rPr lang="en-US" altLang="zh-CN" dirty="0" smtClean="0"/>
-              <a:t>ciphertext.txt</a:t>
-            </a:r>
-            <a:r>
-              <a:rPr lang="zh-CN" altLang="en-US" dirty="0" smtClean="0"/>
-              <a:t>每</a:t>
-            </a:r>
-            <a:r>
-              <a:rPr lang="en-US" altLang="zh-CN" dirty="0" smtClean="0"/>
-              <a:t>4bit</a:t>
-            </a:r>
-            <a:r>
-              <a:rPr lang="zh-CN" altLang="en-US" dirty="0" smtClean="0"/>
-              <a:t>合在一起变为</a:t>
-            </a:r>
-            <a:r>
-              <a:rPr lang="en-US" altLang="zh-CN" dirty="0" smtClean="0"/>
-              <a:t>16</a:t>
-            </a:r>
-            <a:r>
-              <a:rPr lang="zh-CN" altLang="en-US" dirty="0" smtClean="0"/>
-              <a:t>进制数；将</a:t>
-            </a:r>
-            <a:r>
-              <a:rPr lang="en-US" altLang="zh-CN" dirty="0" smtClean="0"/>
-              <a:t>16</a:t>
-            </a:r>
-            <a:r>
-              <a:rPr lang="zh-CN" altLang="en-US" dirty="0" smtClean="0"/>
-              <a:t>进制数看做</a:t>
-            </a:r>
-            <a:r>
-              <a:rPr lang="en-US" altLang="zh-CN" dirty="0" smtClean="0"/>
-              <a:t>10</a:t>
-            </a:r>
-            <a:r>
-              <a:rPr lang="zh-CN" altLang="en-US" dirty="0" smtClean="0"/>
-              <a:t>进制数，分组，每组用私钥</a:t>
-            </a:r>
-            <a:r>
-              <a:rPr lang="en-US" altLang="zh-CN" dirty="0" smtClean="0"/>
-              <a:t>private_key.txt</a:t>
-            </a:r>
-            <a:r>
-              <a:rPr lang="zh-CN" altLang="en-US" dirty="0" smtClean="0"/>
-              <a:t>解密</a:t>
-            </a:r>
-            <a:r>
-              <a:rPr lang="en-US" altLang="zh-CN" dirty="0" smtClean="0"/>
-              <a:t>(</a:t>
-            </a:r>
-            <a:r>
-              <a:rPr lang="zh-CN" altLang="en-US" dirty="0" smtClean="0"/>
-              <a:t>快速幂取模</a:t>
-            </a:r>
-            <a:r>
-              <a:rPr lang="en-US" altLang="zh-CN" dirty="0" smtClean="0"/>
-              <a:t>)</a:t>
-            </a:r>
-            <a:r>
-              <a:rPr lang="zh-CN" altLang="en-US" dirty="0" smtClean="0"/>
-              <a:t>；将结果当作</a:t>
-            </a:r>
-            <a:r>
-              <a:rPr lang="en-US" altLang="zh-CN" dirty="0" smtClean="0"/>
-              <a:t>8</a:t>
-            </a:r>
-            <a:r>
-              <a:rPr lang="zh-CN" altLang="en-US" dirty="0" smtClean="0"/>
-              <a:t>进制数，再转换为</a:t>
-            </a:r>
-            <a:r>
-              <a:rPr lang="en-US" altLang="zh-CN" dirty="0" smtClean="0"/>
-              <a:t>2</a:t>
-            </a:r>
-            <a:r>
-              <a:rPr lang="zh-CN" altLang="en-US" dirty="0" smtClean="0"/>
-              <a:t>进制数（即每个数变为</a:t>
-            </a:r>
-            <a:r>
-              <a:rPr lang="en-US" altLang="zh-CN" dirty="0" smtClean="0"/>
-              <a:t>3bit</a:t>
-            </a:r>
-            <a:r>
-              <a:rPr lang="zh-CN" altLang="en-US" dirty="0" smtClean="0"/>
-              <a:t>），输出到文件</a:t>
-            </a:r>
-            <a:r>
-              <a:rPr lang="en-US" altLang="zh-CN" dirty="0" smtClean="0"/>
-              <a:t>plaintext.txt</a:t>
-            </a:r>
-            <a:r>
-              <a:rPr lang="zh-CN" altLang="en-US" dirty="0" smtClean="0"/>
-              <a:t>中。</a:t>
-            </a:r>
-            <a:endParaRPr lang="en-US" altLang="zh-CN" dirty="0" smtClean="0"/>
-          </a:p>
-          <a:p>
-            <a:r>
-              <a:rPr lang="zh-CN" altLang="en-US" dirty="0"/>
-              <a:t>联</a:t>
-            </a:r>
-            <a:r>
-              <a:rPr lang="zh-CN" altLang="en-US" dirty="0" smtClean="0"/>
-              <a:t>调</a:t>
-            </a:r>
-            <a:r>
-              <a:rPr lang="en-US" altLang="zh-CN" dirty="0" smtClean="0"/>
-              <a:t>:</a:t>
-            </a:r>
-            <a:r>
-              <a:rPr lang="zh-CN" altLang="en-US" dirty="0"/>
-              <a:t>待加密的</a:t>
-            </a:r>
-            <a:r>
-              <a:rPr lang="zh-CN" altLang="en-US" dirty="0" smtClean="0"/>
-              <a:t>数据送入</a:t>
-            </a:r>
-            <a:r>
-              <a:rPr lang="en-US" altLang="zh-CN" dirty="0" smtClean="0"/>
-              <a:t>data.txt</a:t>
-            </a:r>
-            <a:r>
-              <a:rPr lang="zh-CN" altLang="en-US" dirty="0" smtClean="0"/>
-              <a:t>，加密后的数据在</a:t>
-            </a:r>
-            <a:r>
-              <a:rPr lang="en-US" altLang="zh-CN" dirty="0" smtClean="0"/>
-              <a:t>ciphertext.txt</a:t>
-            </a:r>
-            <a:r>
-              <a:rPr lang="zh-CN" altLang="en-US" dirty="0" smtClean="0"/>
-              <a:t>中，将其经过整个通信系统（包括卷积编解码、调制、信道、解调等），再次写入</a:t>
-            </a:r>
-            <a:r>
-              <a:rPr lang="en-US" altLang="zh-CN" dirty="0" smtClean="0"/>
-              <a:t>ciphertext.txt</a:t>
-            </a:r>
-            <a:r>
-              <a:rPr lang="zh-CN" altLang="en-US" dirty="0" smtClean="0"/>
-              <a:t>，最后解密得到输出</a:t>
-            </a:r>
-            <a:r>
-              <a:rPr lang="en-US" altLang="zh-CN" dirty="0" smtClean="0"/>
-              <a:t>plaintext.txt</a:t>
-            </a:r>
-            <a:r>
-              <a:rPr lang="zh-CN" altLang="en-US" dirty="0" smtClean="0"/>
-              <a:t>。</a:t>
-            </a:r>
-            <a:endParaRPr lang="zh-CN" altLang="en-US" dirty="0"/>
           </a:p>
         </p:txBody>
       </p:sp>
@@ -12761,13 +12492,6 @@
   <p:clrMapOvr>
     <a:masterClrMapping/>
   </p:clrMapOvr>
-  <p:timing>
-    <p:tnLst>
-      <p:par>
-        <p:cTn id="1" dur="indefinite" restart="never" nodeType="tmRoot"/>
-      </p:par>
-    </p:tnLst>
-  </p:timing>
 </p:sld>
 </file>
 
@@ -12804,14 +12528,13 @@
           <a:lstStyle/>
           <a:p>
             <a:r>
-              <a:rPr lang="en-US" altLang="zh-CN" dirty="0" smtClean="0"/>
+              <a:rPr lang="en-US" altLang="zh-CN" dirty="0"/>
               <a:t>RSA</a:t>
             </a:r>
             <a:r>
-              <a:rPr lang="zh-CN" altLang="en-US" dirty="0" smtClean="0"/>
+              <a:rPr lang="zh-CN" altLang="en-US" dirty="0"/>
               <a:t>算法</a:t>
             </a:r>
-            <a:endParaRPr lang="zh-CN" altLang="en-US" dirty="0"/>
           </a:p>
         </p:txBody>
       </p:sp>
@@ -12837,218 +12560,205 @@
           <a:p>
             <a:r>
               <a:rPr lang="zh-CN" altLang="en-US" sz="2400" b="1" dirty="0"/>
-              <a:t>存在的</a:t>
-            </a:r>
-            <a:r>
-              <a:rPr lang="zh-CN" altLang="en-US" sz="2400" b="1" dirty="0" smtClean="0"/>
-              <a:t>问题</a:t>
-            </a:r>
-            <a:r>
-              <a:rPr lang="en-US" altLang="zh-CN" sz="2400" b="1" dirty="0" smtClean="0"/>
+              <a:t>存在的问题</a:t>
+            </a:r>
+            <a:r>
+              <a:rPr lang="en-US" altLang="zh-CN" sz="2400" b="1" dirty="0"/>
               <a:t>:</a:t>
             </a:r>
           </a:p>
           <a:p>
             <a:pPr lvl="1"/>
             <a:r>
-              <a:rPr lang="zh-CN" altLang="en-US" dirty="0" smtClean="0"/>
+              <a:rPr lang="zh-CN" altLang="en-US" dirty="0"/>
               <a:t>对于长度为</a:t>
             </a:r>
             <a:r>
-              <a:rPr lang="en-US" altLang="zh-CN" dirty="0" smtClean="0"/>
+              <a:rPr lang="en-US" altLang="zh-CN" dirty="0"/>
               <a:t>8192bit</a:t>
             </a:r>
             <a:r>
-              <a:rPr lang="zh-CN" altLang="en-US" dirty="0" smtClean="0"/>
+              <a:rPr lang="zh-CN" altLang="en-US" dirty="0"/>
               <a:t>的文件，最佳的加密方式是选取长度至少为</a:t>
             </a:r>
             <a:r>
-              <a:rPr lang="en-US" altLang="zh-CN" dirty="0" smtClean="0"/>
+              <a:rPr lang="en-US" altLang="zh-CN" dirty="0"/>
               <a:t>8192bit</a:t>
             </a:r>
             <a:r>
-              <a:rPr lang="zh-CN" altLang="en-US" dirty="0" smtClean="0"/>
+              <a:rPr lang="zh-CN" altLang="en-US" dirty="0"/>
               <a:t>的秘钥进行加密。受算力的限制，这样做的代价难以接受，因此使用了分组加密。</a:t>
             </a:r>
-            <a:endParaRPr lang="en-US" altLang="zh-CN" dirty="0" smtClean="0"/>
+            <a:endParaRPr lang="en-US" altLang="zh-CN" dirty="0"/>
           </a:p>
           <a:p>
             <a:pPr lvl="1"/>
             <a:r>
               <a:rPr lang="zh-CN" altLang="en-US" dirty="0"/>
-              <a:t>在</a:t>
-            </a:r>
-            <a:r>
-              <a:rPr lang="zh-CN" altLang="en-US" dirty="0" smtClean="0"/>
-              <a:t>实现高精度模板的时候，加减法复杂度为</a:t>
-            </a:r>
-            <a:r>
-              <a:rPr lang="en-US" altLang="zh-CN" dirty="0" smtClean="0"/>
+              <a:t>在实现高精度模板的时候，加减法复杂度为</a:t>
+            </a:r>
+            <a:r>
+              <a:rPr lang="en-US" altLang="zh-CN" dirty="0"/>
               <a:t>O(n)</a:t>
             </a:r>
             <a:r>
-              <a:rPr lang="zh-CN" altLang="en-US" dirty="0" smtClean="0"/>
+              <a:rPr lang="zh-CN" altLang="en-US" dirty="0"/>
               <a:t>，乘法的复杂度</a:t>
             </a:r>
             <a:r>
-              <a:rPr lang="en-US" altLang="zh-CN" dirty="0" smtClean="0"/>
+              <a:rPr lang="en-US" altLang="zh-CN" dirty="0"/>
               <a:t>O(n^2)</a:t>
             </a:r>
             <a:r>
-              <a:rPr lang="zh-CN" altLang="en-US" dirty="0" smtClean="0"/>
+              <a:rPr lang="zh-CN" altLang="en-US" dirty="0"/>
               <a:t>，除法的复杂度</a:t>
             </a:r>
             <a:r>
-              <a:rPr lang="en-US" altLang="zh-CN" dirty="0" smtClean="0"/>
+              <a:rPr lang="en-US" altLang="zh-CN" dirty="0"/>
               <a:t>O(n^2logn)</a:t>
             </a:r>
             <a:r>
-              <a:rPr lang="zh-CN" altLang="en-US" dirty="0" smtClean="0"/>
+              <a:rPr lang="zh-CN" altLang="en-US" dirty="0"/>
               <a:t>，取模运算的复杂度超过了</a:t>
             </a:r>
             <a:r>
-              <a:rPr lang="en-US" altLang="zh-CN" dirty="0" smtClean="0"/>
+              <a:rPr lang="en-US" altLang="zh-CN" dirty="0"/>
               <a:t>O(n^2)</a:t>
             </a:r>
             <a:r>
-              <a:rPr lang="zh-CN" altLang="en-US" dirty="0" smtClean="0"/>
+              <a:rPr lang="zh-CN" altLang="en-US" dirty="0"/>
               <a:t>，</a:t>
             </a:r>
             <a:r>
-              <a:rPr lang="en-US" altLang="zh-CN" dirty="0" smtClean="0"/>
+              <a:rPr lang="en-US" altLang="zh-CN" dirty="0"/>
               <a:t>n</a:t>
             </a:r>
             <a:r>
-              <a:rPr lang="zh-CN" altLang="en-US" dirty="0" smtClean="0"/>
+              <a:rPr lang="zh-CN" altLang="en-US" dirty="0"/>
               <a:t>为数的位数。因此，对于较大位数的秘钥的快速幂所消耗的时间是极大地，例如秘钥为</a:t>
             </a:r>
             <a:r>
-              <a:rPr lang="en-US" altLang="zh-CN" dirty="0" smtClean="0"/>
+              <a:rPr lang="en-US" altLang="zh-CN" dirty="0"/>
               <a:t>128bit</a:t>
             </a:r>
             <a:r>
-              <a:rPr lang="zh-CN" altLang="en-US" dirty="0" smtClean="0"/>
+              <a:rPr lang="zh-CN" altLang="en-US" dirty="0"/>
               <a:t>的时候，每次快速幂消耗的时间为</a:t>
             </a:r>
             <a:r>
-              <a:rPr lang="en-US" altLang="zh-CN" dirty="0" smtClean="0"/>
+              <a:rPr lang="en-US" altLang="zh-CN" dirty="0"/>
               <a:t>6s</a:t>
             </a:r>
             <a:r>
-              <a:rPr lang="zh-CN" altLang="en-US" dirty="0" smtClean="0"/>
+              <a:rPr lang="zh-CN" altLang="en-US" dirty="0"/>
               <a:t>。在已经使用了快速幂、拓展欧几里得等算法的基础上，如何再进行优化，是目前遇到的最大难题。测试时，在设定参数“秘钥长度</a:t>
             </a:r>
             <a:r>
-              <a:rPr lang="en-US" altLang="zh-CN" dirty="0" smtClean="0"/>
+              <a:rPr lang="en-US" altLang="zh-CN" dirty="0"/>
               <a:t>128bit</a:t>
             </a:r>
             <a:r>
-              <a:rPr lang="zh-CN" altLang="en-US" dirty="0" smtClean="0"/>
+              <a:rPr lang="zh-CN" altLang="en-US" dirty="0"/>
               <a:t>、</a:t>
             </a:r>
             <a:r>
-              <a:rPr lang="en-US" altLang="zh-CN" dirty="0" smtClean="0"/>
+              <a:rPr lang="en-US" altLang="zh-CN" dirty="0"/>
               <a:t>φ(n)</a:t>
             </a:r>
             <a:r>
-              <a:rPr lang="zh-CN" altLang="en-US" dirty="0" smtClean="0"/>
+              <a:rPr lang="zh-CN" altLang="en-US" dirty="0"/>
               <a:t>长度</a:t>
             </a:r>
             <a:r>
-              <a:rPr lang="en-US" altLang="zh-CN" dirty="0" smtClean="0"/>
+              <a:rPr lang="en-US" altLang="zh-CN" dirty="0"/>
               <a:t>256bit</a:t>
             </a:r>
             <a:r>
-              <a:rPr lang="zh-CN" altLang="en-US" dirty="0" smtClean="0"/>
+              <a:rPr lang="zh-CN" altLang="en-US" dirty="0"/>
               <a:t>、分组长度</a:t>
             </a:r>
             <a:r>
               <a:rPr lang="en-US" altLang="zh-CN" dirty="0"/>
-              <a:t>1</a:t>
-            </a:r>
-            <a:r>
-              <a:rPr lang="en-US" altLang="zh-CN" dirty="0" smtClean="0"/>
-              <a:t>0(</a:t>
-            </a:r>
-            <a:r>
-              <a:rPr lang="zh-CN" altLang="en-US" dirty="0" smtClean="0"/>
+              <a:t>10(</a:t>
+            </a:r>
+            <a:r>
+              <a:rPr lang="zh-CN" altLang="en-US" dirty="0"/>
               <a:t>压</a:t>
             </a:r>
             <a:r>
-              <a:rPr lang="en-US" altLang="zh-CN" dirty="0" smtClean="0"/>
+              <a:rPr lang="en-US" altLang="zh-CN" dirty="0"/>
               <a:t>4</a:t>
             </a:r>
             <a:r>
-              <a:rPr lang="zh-CN" altLang="en-US" dirty="0" smtClean="0"/>
+              <a:rPr lang="zh-CN" altLang="en-US" dirty="0"/>
               <a:t>位，所以每组实际上是</a:t>
             </a:r>
             <a:r>
-              <a:rPr lang="en-US" altLang="zh-CN" dirty="0" smtClean="0"/>
+              <a:rPr lang="en-US" altLang="zh-CN" dirty="0"/>
               <a:t>40</a:t>
             </a:r>
             <a:r>
-              <a:rPr lang="zh-CN" altLang="en-US" dirty="0" smtClean="0"/>
+              <a:rPr lang="zh-CN" altLang="en-US" dirty="0"/>
               <a:t>位</a:t>
             </a:r>
             <a:r>
-              <a:rPr lang="en-US" altLang="zh-CN" dirty="0" smtClean="0"/>
+              <a:rPr lang="en-US" altLang="zh-CN" dirty="0"/>
               <a:t>10</a:t>
             </a:r>
             <a:r>
-              <a:rPr lang="zh-CN" altLang="en-US" dirty="0" smtClean="0"/>
+              <a:rPr lang="zh-CN" altLang="en-US" dirty="0"/>
               <a:t>进制数</a:t>
             </a:r>
             <a:r>
-              <a:rPr lang="en-US" altLang="zh-CN" dirty="0" smtClean="0"/>
+              <a:rPr lang="en-US" altLang="zh-CN" dirty="0"/>
               <a:t>)</a:t>
             </a:r>
             <a:r>
-              <a:rPr lang="zh-CN" altLang="en-US" dirty="0" smtClean="0"/>
+              <a:rPr lang="zh-CN" altLang="en-US" dirty="0"/>
               <a:t>”的情况下，加密需要</a:t>
             </a:r>
             <a:r>
-              <a:rPr lang="en-US" altLang="zh-CN" dirty="0" smtClean="0"/>
+              <a:rPr lang="en-US" altLang="zh-CN" dirty="0"/>
               <a:t>1min</a:t>
             </a:r>
             <a:r>
-              <a:rPr lang="zh-CN" altLang="en-US" dirty="0" smtClean="0"/>
+              <a:rPr lang="zh-CN" altLang="en-US" dirty="0"/>
               <a:t>，解密需要</a:t>
             </a:r>
             <a:r>
-              <a:rPr lang="en-US" altLang="zh-CN" dirty="0" smtClean="0"/>
+              <a:rPr lang="en-US" altLang="zh-CN" dirty="0"/>
               <a:t>2min</a:t>
             </a:r>
             <a:r>
-              <a:rPr lang="zh-CN" altLang="en-US" dirty="0" smtClean="0"/>
+              <a:rPr lang="zh-CN" altLang="en-US" dirty="0"/>
               <a:t>。</a:t>
             </a:r>
-            <a:endParaRPr lang="en-US" altLang="zh-CN" dirty="0" smtClean="0"/>
-          </a:p>
-          <a:p>
-            <a:endParaRPr lang="en-US" altLang="zh-CN" dirty="0" smtClean="0"/>
-          </a:p>
-          <a:p>
-            <a:r>
-              <a:rPr lang="zh-CN" altLang="en-US" dirty="0" smtClean="0"/>
+            <a:endParaRPr lang="en-US" altLang="zh-CN" dirty="0"/>
+          </a:p>
+          <a:p>
+            <a:endParaRPr lang="en-US" altLang="zh-CN" dirty="0"/>
+          </a:p>
+          <a:p>
+            <a:r>
+              <a:rPr lang="zh-CN" altLang="en-US" dirty="0"/>
               <a:t>所以，我们认为，采用</a:t>
             </a:r>
             <a:r>
-              <a:rPr lang="en-US" altLang="zh-CN" dirty="0" smtClean="0"/>
+              <a:rPr lang="en-US" altLang="zh-CN" dirty="0"/>
               <a:t>RSA</a:t>
             </a:r>
             <a:r>
-              <a:rPr lang="zh-CN" altLang="en-US" dirty="0" smtClean="0"/>
+              <a:rPr lang="zh-CN" altLang="en-US" dirty="0"/>
               <a:t>对“对称加密算法</a:t>
             </a:r>
             <a:r>
-              <a:rPr lang="en-US" altLang="zh-CN" dirty="0" smtClean="0"/>
+              <a:rPr lang="en-US" altLang="zh-CN" dirty="0"/>
               <a:t>”</a:t>
             </a:r>
             <a:r>
-              <a:rPr lang="zh-CN" altLang="en-US" dirty="0" smtClean="0"/>
+              <a:rPr lang="zh-CN" altLang="en-US" dirty="0"/>
               <a:t>的“秘钥”进行加密才是合理的方式。</a:t>
             </a:r>
-            <a:endParaRPr lang="zh-CN" altLang="en-US" dirty="0"/>
           </a:p>
         </p:txBody>
       </p:sp>
@@ -13085,13 +12795,6 @@
   <p:clrMapOvr>
     <a:masterClrMapping/>
   </p:clrMapOvr>
-  <p:timing>
-    <p:tnLst>
-      <p:par>
-        <p:cTn id="1" dur="indefinite" restart="never" nodeType="tmRoot"/>
-      </p:par>
-    </p:tnLst>
-  </p:timing>
 </p:sld>
 </file>
 
@@ -13136,18 +12839,17 @@
           <a:p>
             <a:pPr algn="ctr"/>
             <a:r>
-              <a:rPr lang="zh-CN" altLang="en-US" sz="6000" dirty="0" smtClean="0"/>
+              <a:rPr lang="zh-CN" altLang="en-US" sz="6000" dirty="0"/>
               <a:t>三、</a:t>
             </a:r>
             <a:r>
-              <a:rPr lang="en-US" altLang="zh-CN" sz="6000" dirty="0" smtClean="0"/>
+              <a:rPr lang="en-US" altLang="zh-CN" sz="6000" dirty="0"/>
               <a:t>DES</a:t>
             </a:r>
             <a:r>
-              <a:rPr lang="zh-CN" altLang="en-US" sz="6000" dirty="0" smtClean="0"/>
+              <a:rPr lang="zh-CN" altLang="en-US" sz="6000" dirty="0"/>
               <a:t>算法实现</a:t>
             </a:r>
-            <a:endParaRPr lang="zh-CN" altLang="en-US" sz="6000" dirty="0"/>
           </a:p>
         </p:txBody>
       </p:sp>
@@ -13203,13 +12905,6 @@
   <p:clrMapOvr>
     <a:masterClrMapping/>
   </p:clrMapOvr>
-  <p:timing>
-    <p:tnLst>
-      <p:par>
-        <p:cTn id="1" dur="indefinite" restart="never" nodeType="tmRoot"/>
-      </p:par>
-    </p:tnLst>
-  </p:timing>
 </p:sld>
 </file>
 
@@ -13253,170 +12948,169 @@
           <a:lstStyle/>
           <a:p>
             <a:r>
-              <a:rPr lang="en-US" altLang="zh-CN" sz="3200" b="1" dirty="0" smtClean="0"/>
+              <a:rPr lang="en-US" altLang="zh-CN" sz="3200" b="1" dirty="0"/>
               <a:t>Data Encryption Standard (DES):</a:t>
             </a:r>
-            <a:endParaRPr lang="en-US" altLang="zh-CN" sz="3200" b="1" dirty="0"/>
-          </a:p>
-          <a:p>
-            <a:r>
-              <a:rPr lang="zh-CN" altLang="en-US" sz="2400" dirty="0" smtClean="0"/>
+          </a:p>
+          <a:p>
+            <a:r>
+              <a:rPr lang="zh-CN" altLang="en-US" sz="2400" dirty="0"/>
               <a:t>作为一种算法公开的对称加密算法，其安全性仅以加密密钥的保密为基础，由于其复杂度高，易扩散，密钥种类丰富等优点，目前已被广泛应用于</a:t>
             </a:r>
             <a:r>
-              <a:rPr lang="en-US" altLang="zh-CN" sz="2400" dirty="0" smtClean="0"/>
+              <a:rPr lang="en-US" altLang="zh-CN" sz="2400" dirty="0"/>
               <a:t>POS</a:t>
             </a:r>
             <a:r>
-              <a:rPr lang="zh-CN" altLang="en-US" sz="2400" dirty="0" smtClean="0"/>
+              <a:rPr lang="zh-CN" altLang="en-US" sz="2400" dirty="0"/>
               <a:t>，</a:t>
             </a:r>
             <a:r>
-              <a:rPr lang="en-US" altLang="zh-CN" sz="2400" dirty="0" smtClean="0"/>
+              <a:rPr lang="en-US" altLang="zh-CN" sz="2400" dirty="0"/>
               <a:t>ATM</a:t>
             </a:r>
             <a:r>
-              <a:rPr lang="zh-CN" altLang="en-US" sz="2400" dirty="0" smtClean="0"/>
+              <a:rPr lang="zh-CN" altLang="en-US" sz="2400" dirty="0"/>
               <a:t>，</a:t>
             </a:r>
             <a:r>
-              <a:rPr lang="en-US" altLang="zh-CN" sz="2400" dirty="0" smtClean="0"/>
+              <a:rPr lang="en-US" altLang="zh-CN" sz="2400" dirty="0"/>
               <a:t>IC</a:t>
             </a:r>
             <a:r>
-              <a:rPr lang="zh-CN" altLang="en-US" sz="2400" dirty="0" smtClean="0"/>
+              <a:rPr lang="zh-CN" altLang="en-US" sz="2400" dirty="0"/>
               <a:t>卡等加密传输中；</a:t>
             </a:r>
-            <a:endParaRPr lang="en-US" altLang="zh-CN" sz="2400" dirty="0" smtClean="0"/>
-          </a:p>
-          <a:p>
-            <a:endParaRPr lang="en-US" altLang="zh-CN" sz="2400" dirty="0" smtClean="0"/>
-          </a:p>
-          <a:p>
-            <a:r>
-              <a:rPr lang="zh-CN" altLang="en-US" sz="2400" dirty="0" smtClean="0"/>
+            <a:endParaRPr lang="en-US" altLang="zh-CN" sz="2400" dirty="0"/>
+          </a:p>
+          <a:p>
+            <a:endParaRPr lang="en-US" altLang="zh-CN" sz="2400" dirty="0"/>
+          </a:p>
+          <a:p>
+            <a:r>
+              <a:rPr lang="zh-CN" altLang="en-US" sz="2400" dirty="0"/>
               <a:t>密钥结构：</a:t>
             </a:r>
             <a:r>
-              <a:rPr lang="en-US" altLang="zh-CN" sz="2400" dirty="0" smtClean="0"/>
+              <a:rPr lang="en-US" altLang="zh-CN" sz="2400" dirty="0"/>
               <a:t>64</a:t>
             </a:r>
             <a:r>
-              <a:rPr lang="zh-CN" altLang="en-US" sz="2400" dirty="0" smtClean="0"/>
+              <a:rPr lang="zh-CN" altLang="en-US" sz="2400" dirty="0"/>
               <a:t>位数据（其中</a:t>
             </a:r>
             <a:r>
-              <a:rPr lang="en-US" altLang="zh-CN" sz="2400" dirty="0" smtClean="0"/>
+              <a:rPr lang="en-US" altLang="zh-CN" sz="2400" dirty="0"/>
               <a:t>56</a:t>
             </a:r>
             <a:r>
-              <a:rPr lang="zh-CN" altLang="en-US" sz="2400" dirty="0" smtClean="0"/>
+              <a:rPr lang="zh-CN" altLang="en-US" sz="2400" dirty="0"/>
               <a:t>位为有效位，第</a:t>
             </a:r>
             <a:r>
-              <a:rPr lang="en-US" altLang="zh-CN" sz="2400" dirty="0" smtClean="0"/>
+              <a:rPr lang="en-US" altLang="zh-CN" sz="2400" dirty="0"/>
               <a:t>8,16,24</a:t>
             </a:r>
             <a:r>
-              <a:rPr lang="zh-CN" altLang="en-US" sz="2400" dirty="0" smtClean="0"/>
+              <a:rPr lang="zh-CN" altLang="en-US" sz="2400" dirty="0"/>
               <a:t>，</a:t>
             </a:r>
             <a:r>
-              <a:rPr lang="en-US" altLang="zh-CN" sz="2400" dirty="0" smtClean="0"/>
+              <a:rPr lang="en-US" altLang="zh-CN" sz="2400" dirty="0"/>
               <a:t>…</a:t>
             </a:r>
             <a:r>
-              <a:rPr lang="zh-CN" altLang="en-US" sz="2400" dirty="0" smtClean="0"/>
+              <a:rPr lang="zh-CN" altLang="en-US" sz="2400" dirty="0"/>
               <a:t>，</a:t>
             </a:r>
             <a:r>
-              <a:rPr lang="en-US" altLang="zh-CN" sz="2400" dirty="0" smtClean="0"/>
+              <a:rPr lang="en-US" altLang="zh-CN" sz="2400" dirty="0"/>
               <a:t>64</a:t>
             </a:r>
             <a:r>
-              <a:rPr lang="zh-CN" altLang="en-US" sz="2400" dirty="0" smtClean="0"/>
+              <a:rPr lang="zh-CN" altLang="en-US" sz="2400" dirty="0"/>
               <a:t>位为奇偶校验位，用于密钥传输校验）</a:t>
             </a:r>
-            <a:endParaRPr lang="en-US" altLang="zh-CN" sz="2400" dirty="0" smtClean="0"/>
-          </a:p>
-          <a:p>
             <a:endParaRPr lang="en-US" altLang="zh-CN" sz="2400" dirty="0"/>
           </a:p>
           <a:p>
-            <a:r>
-              <a:rPr lang="zh-CN" altLang="en-US" sz="2400" dirty="0" smtClean="0"/>
+            <a:endParaRPr lang="en-US" altLang="zh-CN" sz="2400" dirty="0"/>
+          </a:p>
+          <a:p>
+            <a:r>
+              <a:rPr lang="zh-CN" altLang="en-US" sz="2400" dirty="0"/>
               <a:t>在</a:t>
             </a:r>
             <a:r>
-              <a:rPr lang="en-US" altLang="zh-CN" sz="2400" dirty="0" smtClean="0"/>
+              <a:rPr lang="en-US" altLang="zh-CN" sz="2400" dirty="0"/>
               <a:t>20</a:t>
             </a:r>
             <a:r>
-              <a:rPr lang="zh-CN" altLang="en-US" sz="2400" dirty="0" smtClean="0"/>
+              <a:rPr lang="zh-CN" altLang="en-US" sz="2400" dirty="0"/>
               <a:t>世纪末，美国</a:t>
             </a:r>
             <a:r>
-              <a:rPr lang="en-US" altLang="zh-CN" sz="2400" dirty="0" smtClean="0"/>
+              <a:rPr lang="en-US" altLang="zh-CN" sz="2400" dirty="0"/>
               <a:t>RSA</a:t>
             </a:r>
             <a:r>
-              <a:rPr lang="zh-CN" altLang="en-US" sz="2400" dirty="0" smtClean="0"/>
+              <a:rPr lang="zh-CN" altLang="en-US" sz="2400" dirty="0"/>
               <a:t>数据安全公司发布“密钥挑战”，悬赏攻破</a:t>
             </a:r>
             <a:r>
-              <a:rPr lang="en-US" altLang="zh-CN" sz="2400" dirty="0" smtClean="0"/>
+              <a:rPr lang="en-US" altLang="zh-CN" sz="2400" dirty="0"/>
               <a:t>56bits</a:t>
             </a:r>
             <a:r>
-              <a:rPr lang="zh-CN" altLang="en-US" sz="2400" dirty="0" smtClean="0"/>
+              <a:rPr lang="zh-CN" altLang="en-US" sz="2400" dirty="0"/>
               <a:t>的</a:t>
             </a:r>
             <a:r>
-              <a:rPr lang="en-US" altLang="zh-CN" sz="2400" dirty="0" smtClean="0"/>
+              <a:rPr lang="en-US" altLang="zh-CN" sz="2400" dirty="0"/>
               <a:t>DES</a:t>
             </a:r>
             <a:r>
-              <a:rPr lang="zh-CN" altLang="en-US" sz="2400" dirty="0" smtClean="0"/>
+              <a:rPr lang="zh-CN" altLang="en-US" sz="2400" dirty="0"/>
               <a:t>算法；由于</a:t>
             </a:r>
             <a:r>
-              <a:rPr lang="en-US" altLang="zh-CN" sz="2400" dirty="0" smtClean="0"/>
+              <a:rPr lang="en-US" altLang="zh-CN" sz="2400" dirty="0"/>
               <a:t>DES</a:t>
             </a:r>
             <a:r>
-              <a:rPr lang="zh-CN" altLang="en-US" sz="2400" dirty="0" smtClean="0"/>
+              <a:rPr lang="zh-CN" altLang="en-US" sz="2400" dirty="0"/>
               <a:t>的密钥空间包含</a:t>
             </a:r>
             <a:r>
-              <a:rPr lang="en-US" altLang="zh-CN" sz="2400" dirty="0" smtClean="0"/>
+              <a:rPr lang="en-US" altLang="zh-CN" sz="2400" dirty="0"/>
               <a:t>7.2e16</a:t>
             </a:r>
             <a:r>
-              <a:rPr lang="zh-CN" altLang="en-US" sz="2400" dirty="0" smtClean="0"/>
+              <a:rPr lang="zh-CN" altLang="en-US" sz="2400" dirty="0"/>
               <a:t>的可能解，最后历时</a:t>
             </a:r>
             <a:r>
-              <a:rPr lang="en-US" altLang="zh-CN" sz="2400" dirty="0" smtClean="0"/>
+              <a:rPr lang="en-US" altLang="zh-CN" sz="2400" dirty="0"/>
               <a:t>140</a:t>
             </a:r>
             <a:r>
-              <a:rPr lang="zh-CN" altLang="en-US" sz="2400" dirty="0" smtClean="0"/>
+              <a:rPr lang="zh-CN" altLang="en-US" sz="2400" dirty="0"/>
               <a:t>天攻破；</a:t>
             </a:r>
-            <a:endParaRPr lang="en-US" altLang="zh-CN" sz="2400" dirty="0" smtClean="0"/>
-          </a:p>
-          <a:p>
             <a:endParaRPr lang="en-US" altLang="zh-CN" sz="2400" dirty="0"/>
           </a:p>
           <a:p>
-            <a:r>
-              <a:rPr lang="zh-CN" altLang="en-US" sz="2400" dirty="0" smtClean="0"/>
+            <a:endParaRPr lang="en-US" altLang="zh-CN" sz="2400" dirty="0"/>
+          </a:p>
+          <a:p>
+            <a:r>
+              <a:rPr lang="zh-CN" altLang="en-US" sz="2400" dirty="0"/>
               <a:t>但还可以通过进一步增长密钥来提高保密性；</a:t>
             </a:r>
-            <a:endParaRPr lang="en-US" altLang="zh-CN" sz="2400" dirty="0" smtClean="0"/>
-          </a:p>
-          <a:p>
-            <a:endParaRPr lang="en-US" altLang="zh-CN" sz="2400" dirty="0" smtClean="0"/>
+            <a:endParaRPr lang="en-US" altLang="zh-CN" sz="2400" dirty="0"/>
+          </a:p>
+          <a:p>
+            <a:endParaRPr lang="en-US" altLang="zh-CN" sz="2400" dirty="0"/>
           </a:p>
         </p:txBody>
       </p:sp>
@@ -13453,13 +13147,6 @@
   <p:clrMapOvr>
     <a:masterClrMapping/>
   </p:clrMapOvr>
-  <p:timing>
-    <p:tnLst>
-      <p:par>
-        <p:cTn id="1" dur="indefinite" restart="never" nodeType="tmRoot"/>
-      </p:par>
-    </p:tnLst>
-  </p:timing>
 </p:sld>
 </file>
 
@@ -13505,167 +13192,167 @@
             <a:pPr marL="0" indent="0">
               <a:buNone/>
             </a:pPr>
-            <a:endParaRPr lang="en-US" altLang="zh-CN" sz="2400" dirty="0" smtClean="0"/>
-          </a:p>
-          <a:p>
-            <a:r>
-              <a:rPr lang="en-US" altLang="zh-CN" sz="2400" dirty="0" smtClean="0"/>
+            <a:endParaRPr lang="en-US" altLang="zh-CN" sz="2400" dirty="0"/>
+          </a:p>
+          <a:p>
+            <a:r>
+              <a:rPr lang="en-US" altLang="zh-CN" sz="2400" dirty="0"/>
               <a:t>16</a:t>
             </a:r>
             <a:r>
-              <a:rPr lang="zh-CN" altLang="en-US" sz="2400" dirty="0" smtClean="0"/>
+              <a:rPr lang="zh-CN" altLang="en-US" sz="2400" dirty="0"/>
               <a:t>个子密钥的产生：（详见</a:t>
             </a:r>
             <a:r>
-              <a:rPr lang="en-US" altLang="zh-CN" sz="2400" dirty="0" err="1" smtClean="0"/>
+              <a:rPr lang="en-US" altLang="zh-CN" sz="2400" dirty="0" err="1"/>
               <a:t>DESEncode.m</a:t>
             </a:r>
             <a:r>
-              <a:rPr lang="zh-CN" altLang="en-US" sz="2400" dirty="0" smtClean="0"/>
+              <a:rPr lang="zh-CN" altLang="en-US" sz="2400" dirty="0"/>
               <a:t>）</a:t>
             </a:r>
-            <a:endParaRPr lang="en-US" altLang="zh-CN" sz="2400" dirty="0" smtClean="0"/>
+            <a:endParaRPr lang="en-US" altLang="zh-CN" sz="2400" dirty="0"/>
           </a:p>
           <a:p>
             <a:pPr lvl="1"/>
             <a:r>
-              <a:rPr lang="zh-CN" altLang="en-US" sz="2200" dirty="0" smtClean="0"/>
+              <a:rPr lang="zh-CN" altLang="en-US" sz="2200" dirty="0"/>
               <a:t>初始置换：经过</a:t>
             </a:r>
             <a:r>
-              <a:rPr lang="en-US" altLang="zh-CN" sz="2200" dirty="0" smtClean="0"/>
+              <a:rPr lang="en-US" altLang="zh-CN" sz="2200" dirty="0"/>
               <a:t>PC1</a:t>
             </a:r>
             <a:r>
-              <a:rPr lang="zh-CN" altLang="en-US" sz="2200" dirty="0" smtClean="0"/>
+              <a:rPr lang="zh-CN" altLang="en-US" sz="2200" dirty="0"/>
               <a:t>得到两部分</a:t>
             </a:r>
             <a:r>
-              <a:rPr lang="en-US" altLang="zh-CN" sz="2200" dirty="0" smtClean="0"/>
+              <a:rPr lang="en-US" altLang="zh-CN" sz="2200" dirty="0"/>
               <a:t>C0</a:t>
             </a:r>
             <a:r>
-              <a:rPr lang="zh-CN" altLang="en-US" sz="2200" dirty="0" smtClean="0"/>
+              <a:rPr lang="zh-CN" altLang="en-US" sz="2200" dirty="0"/>
               <a:t>（前</a:t>
             </a:r>
             <a:r>
-              <a:rPr lang="en-US" altLang="zh-CN" sz="2200" dirty="0" smtClean="0"/>
+              <a:rPr lang="en-US" altLang="zh-CN" sz="2200" dirty="0"/>
               <a:t>28</a:t>
             </a:r>
             <a:r>
-              <a:rPr lang="zh-CN" altLang="en-US" sz="2200" dirty="0" smtClean="0"/>
+              <a:rPr lang="zh-CN" altLang="en-US" sz="2200" dirty="0"/>
               <a:t>位）和</a:t>
             </a:r>
             <a:r>
-              <a:rPr lang="en-US" altLang="zh-CN" sz="2200" dirty="0" smtClean="0"/>
+              <a:rPr lang="en-US" altLang="zh-CN" sz="2200" dirty="0"/>
               <a:t>D0</a:t>
             </a:r>
             <a:r>
-              <a:rPr lang="zh-CN" altLang="en-US" sz="2200" dirty="0" smtClean="0"/>
+              <a:rPr lang="zh-CN" altLang="en-US" sz="2200" dirty="0"/>
               <a:t>（后</a:t>
             </a:r>
             <a:r>
-              <a:rPr lang="en-US" altLang="zh-CN" sz="2200" dirty="0" smtClean="0"/>
+              <a:rPr lang="en-US" altLang="zh-CN" sz="2200" dirty="0"/>
               <a:t>28</a:t>
             </a:r>
             <a:r>
-              <a:rPr lang="zh-CN" altLang="en-US" sz="2200" dirty="0" smtClean="0"/>
+              <a:rPr lang="zh-CN" altLang="en-US" sz="2200" dirty="0"/>
               <a:t>位）；</a:t>
             </a:r>
-            <a:endParaRPr lang="en-US" altLang="zh-CN" sz="2200" dirty="0" smtClean="0"/>
+            <a:endParaRPr lang="en-US" altLang="zh-CN" sz="2200" dirty="0"/>
           </a:p>
           <a:p>
             <a:pPr lvl="1"/>
-            <a:endParaRPr lang="en-US" altLang="zh-CN" sz="2200" dirty="0" smtClean="0"/>
+            <a:endParaRPr lang="en-US" altLang="zh-CN" sz="2200" dirty="0"/>
           </a:p>
           <a:p>
             <a:pPr lvl="1"/>
             <a:r>
-              <a:rPr lang="zh-CN" altLang="en-US" sz="2200" dirty="0" smtClean="0"/>
+              <a:rPr lang="zh-CN" altLang="en-US" sz="2200" dirty="0"/>
               <a:t>循环移位：按照某个固定位数循环左移得到</a:t>
             </a:r>
             <a:r>
-              <a:rPr lang="en-US" altLang="zh-CN" sz="2200" dirty="0" smtClean="0"/>
+              <a:rPr lang="en-US" altLang="zh-CN" sz="2200" dirty="0"/>
               <a:t>16</a:t>
             </a:r>
             <a:r>
-              <a:rPr lang="zh-CN" altLang="en-US" sz="2200" dirty="0" smtClean="0"/>
+              <a:rPr lang="zh-CN" altLang="en-US" sz="2200" dirty="0"/>
               <a:t>组</a:t>
             </a:r>
             <a:r>
-              <a:rPr lang="en-US" altLang="zh-CN" sz="2200" dirty="0" smtClean="0"/>
+              <a:rPr lang="en-US" altLang="zh-CN" sz="2200" dirty="0"/>
               <a:t>Cn</a:t>
             </a:r>
             <a:r>
-              <a:rPr lang="zh-CN" altLang="en-US" sz="2200" dirty="0" smtClean="0"/>
+              <a:rPr lang="zh-CN" altLang="en-US" sz="2200" dirty="0"/>
               <a:t>，</a:t>
             </a:r>
             <a:r>
-              <a:rPr lang="en-US" altLang="zh-CN" sz="2200" dirty="0" err="1" smtClean="0"/>
+              <a:rPr lang="en-US" altLang="zh-CN" sz="2200" dirty="0" err="1"/>
               <a:t>Dn</a:t>
             </a:r>
             <a:r>
-              <a:rPr lang="zh-CN" altLang="en-US" sz="2200" dirty="0" smtClean="0"/>
+              <a:rPr lang="zh-CN" altLang="en-US" sz="2200" dirty="0"/>
               <a:t>；</a:t>
             </a:r>
-            <a:endParaRPr lang="en-US" altLang="zh-CN" sz="2200" dirty="0" smtClean="0"/>
+            <a:endParaRPr lang="en-US" altLang="zh-CN" sz="2200" dirty="0"/>
           </a:p>
           <a:p>
             <a:pPr lvl="1"/>
-            <a:endParaRPr lang="en-US" altLang="zh-CN" sz="2200" dirty="0" smtClean="0"/>
+            <a:endParaRPr lang="en-US" altLang="zh-CN" sz="2200" dirty="0"/>
           </a:p>
           <a:p>
             <a:pPr lvl="1"/>
             <a:r>
-              <a:rPr lang="zh-CN" altLang="en-US" sz="2200" dirty="0" smtClean="0"/>
+              <a:rPr lang="zh-CN" altLang="en-US" sz="2200" dirty="0"/>
               <a:t>置换选择：经过</a:t>
             </a:r>
             <a:r>
-              <a:rPr lang="en-US" altLang="zh-CN" sz="2200" dirty="0" smtClean="0"/>
+              <a:rPr lang="en-US" altLang="zh-CN" sz="2200" dirty="0"/>
               <a:t>PC2</a:t>
             </a:r>
             <a:r>
-              <a:rPr lang="zh-CN" altLang="en-US" sz="2200" dirty="0" smtClean="0"/>
+              <a:rPr lang="zh-CN" altLang="en-US" sz="2200" dirty="0"/>
               <a:t>将拼接起来的</a:t>
             </a:r>
             <a:r>
-              <a:rPr lang="en-US" altLang="zh-CN" sz="2200" dirty="0" smtClean="0"/>
+              <a:rPr lang="en-US" altLang="zh-CN" sz="2200" dirty="0"/>
               <a:t>Cn</a:t>
             </a:r>
             <a:r>
-              <a:rPr lang="zh-CN" altLang="en-US" sz="2200" dirty="0" smtClean="0"/>
+              <a:rPr lang="zh-CN" altLang="en-US" sz="2200" dirty="0"/>
               <a:t>，</a:t>
             </a:r>
             <a:r>
-              <a:rPr lang="en-US" altLang="zh-CN" sz="2200" dirty="0" err="1" smtClean="0"/>
+              <a:rPr lang="en-US" altLang="zh-CN" sz="2200" dirty="0" err="1"/>
               <a:t>Dn</a:t>
             </a:r>
             <a:r>
-              <a:rPr lang="zh-CN" altLang="en-US" sz="2200" dirty="0" smtClean="0"/>
+              <a:rPr lang="zh-CN" altLang="en-US" sz="2200" dirty="0"/>
               <a:t>压缩，得到</a:t>
             </a:r>
             <a:r>
-              <a:rPr lang="en-US" altLang="zh-CN" sz="2200" dirty="0" smtClean="0"/>
+              <a:rPr lang="en-US" altLang="zh-CN" sz="2200" dirty="0"/>
               <a:t>16</a:t>
             </a:r>
             <a:r>
-              <a:rPr lang="zh-CN" altLang="en-US" sz="2200" dirty="0" smtClean="0"/>
+              <a:rPr lang="zh-CN" altLang="en-US" sz="2200" dirty="0"/>
               <a:t>组</a:t>
             </a:r>
             <a:r>
-              <a:rPr lang="en-US" altLang="zh-CN" sz="2200" dirty="0" smtClean="0"/>
+              <a:rPr lang="en-US" altLang="zh-CN" sz="2200" dirty="0"/>
               <a:t>48</a:t>
             </a:r>
             <a:r>
-              <a:rPr lang="zh-CN" altLang="en-US" sz="2200" dirty="0" smtClean="0"/>
+              <a:rPr lang="zh-CN" altLang="en-US" sz="2200" dirty="0"/>
               <a:t>位的子密钥</a:t>
             </a:r>
             <a:r>
-              <a:rPr lang="en-US" altLang="zh-CN" sz="2200" dirty="0" err="1" smtClean="0"/>
+              <a:rPr lang="en-US" altLang="zh-CN" sz="2200" dirty="0" err="1"/>
               <a:t>KeyN</a:t>
             </a:r>
             <a:r>
-              <a:rPr lang="zh-CN" altLang="en-US" sz="2200" dirty="0" smtClean="0"/>
+              <a:rPr lang="zh-CN" altLang="en-US" sz="2200" dirty="0"/>
               <a:t>；</a:t>
             </a:r>
             <a:endParaRPr lang="zh-CN" altLang="en-US" dirty="0"/>
@@ -13729,13 +13416,6 @@
   <p:clrMapOvr>
     <a:masterClrMapping/>
   </p:clrMapOvr>
-  <p:timing>
-    <p:tnLst>
-      <p:par>
-        <p:cTn id="1" dur="indefinite" restart="never" nodeType="tmRoot"/>
-      </p:par>
-    </p:tnLst>
-  </p:timing>
 </p:sld>
 </file>
 
@@ -13802,7 +13482,7 @@
           <a:p>
             <a:pPr algn="ctr"/>
             <a:r>
-              <a:rPr lang="zh-CN" altLang="en-US" sz="8000" dirty="0" smtClean="0">
+              <a:rPr lang="zh-CN" altLang="en-US" sz="8000" dirty="0">
                 <a:ln w="0"/>
                 <a:solidFill>
                   <a:schemeClr val="accent1"/>
@@ -13817,7 +13497,7 @@
               </a:rPr>
               <a:t>目</a:t>
             </a:r>
-            <a:endParaRPr lang="en-US" altLang="zh-CN" sz="8000" dirty="0" smtClean="0">
+            <a:endParaRPr lang="en-US" altLang="zh-CN" sz="8000" dirty="0">
               <a:ln w="0"/>
               <a:solidFill>
                 <a:schemeClr val="accent1"/>
@@ -13834,7 +13514,7 @@
           <a:p>
             <a:pPr algn="ctr"/>
             <a:r>
-              <a:rPr lang="zh-CN" altLang="en-US" sz="8000" dirty="0" smtClean="0">
+              <a:rPr lang="zh-CN" altLang="en-US" sz="8000" dirty="0">
                 <a:ln w="0"/>
                 <a:solidFill>
                   <a:schemeClr val="accent1"/>
@@ -13849,19 +13529,6 @@
               </a:rPr>
               <a:t>录</a:t>
             </a:r>
-            <a:endParaRPr lang="zh-CN" altLang="en-US" sz="8000" dirty="0">
-              <a:ln w="0"/>
-              <a:solidFill>
-                <a:schemeClr val="accent1"/>
-              </a:solidFill>
-              <a:effectLst>
-                <a:outerShdw blurRad="38100" dist="25400" dir="5400000" algn="ctr" rotWithShape="0">
-                  <a:srgbClr val="6E747A">
-                    <a:alpha val="43000"/>
-                  </a:srgbClr>
-                </a:outerShdw>
-              </a:effectLst>
-            </a:endParaRPr>
           </a:p>
         </p:txBody>
       </p:sp>
@@ -13898,13 +13565,6 @@
   <p:clrMapOvr>
     <a:masterClrMapping/>
   </p:clrMapOvr>
-  <p:timing>
-    <p:tnLst>
-      <p:par>
-        <p:cTn id="1" dur="indefinite" restart="never" nodeType="tmRoot"/>
-      </p:par>
-    </p:tnLst>
-  </p:timing>
 </p:sld>
 </file>
 
@@ -13949,144 +13609,140 @@
           <a:p>
             <a:r>
               <a:rPr lang="zh-CN" altLang="en-US" sz="2400" dirty="0"/>
-              <a:t>详</a:t>
-            </a:r>
-            <a:r>
-              <a:rPr lang="zh-CN" altLang="en-US" sz="2400" dirty="0" smtClean="0"/>
-              <a:t>见</a:t>
-            </a:r>
-            <a:r>
-              <a:rPr lang="en-US" altLang="zh-CN" sz="2400" dirty="0" err="1" smtClean="0"/>
+              <a:t>详见</a:t>
+            </a:r>
+            <a:r>
+              <a:rPr lang="en-US" altLang="zh-CN" sz="2400" dirty="0" err="1"/>
               <a:t>DESCoding.m</a:t>
             </a:r>
-            <a:endParaRPr lang="en-US" altLang="zh-CN" sz="2400" dirty="0" smtClean="0"/>
-          </a:p>
-          <a:p>
-            <a:r>
-              <a:rPr lang="zh-CN" altLang="en-US" sz="2400" dirty="0" smtClean="0"/>
+            <a:endParaRPr lang="en-US" altLang="zh-CN" sz="2400" dirty="0"/>
+          </a:p>
+          <a:p>
+            <a:r>
+              <a:rPr lang="zh-CN" altLang="en-US" sz="2400" dirty="0"/>
               <a:t>数据块初始置换：利用</a:t>
             </a:r>
             <a:r>
-              <a:rPr lang="en-US" altLang="zh-CN" sz="2400" dirty="0" smtClean="0"/>
+              <a:rPr lang="en-US" altLang="zh-CN" sz="2400" dirty="0"/>
               <a:t>IP</a:t>
             </a:r>
             <a:r>
-              <a:rPr lang="zh-CN" altLang="en-US" sz="2400" dirty="0" smtClean="0"/>
+              <a:rPr lang="zh-CN" altLang="en-US" sz="2400" dirty="0"/>
               <a:t>置换得到</a:t>
             </a:r>
             <a:r>
-              <a:rPr lang="en-US" altLang="zh-CN" sz="2400" dirty="0" smtClean="0"/>
+              <a:rPr lang="en-US" altLang="zh-CN" sz="2400" dirty="0"/>
               <a:t>L0</a:t>
             </a:r>
             <a:r>
-              <a:rPr lang="zh-CN" altLang="en-US" sz="2400" dirty="0" smtClean="0"/>
+              <a:rPr lang="zh-CN" altLang="en-US" sz="2400" dirty="0"/>
               <a:t>（前</a:t>
             </a:r>
             <a:r>
-              <a:rPr lang="en-US" altLang="zh-CN" sz="2400" dirty="0" smtClean="0"/>
+              <a:rPr lang="en-US" altLang="zh-CN" sz="2400" dirty="0"/>
               <a:t>32</a:t>
             </a:r>
             <a:r>
-              <a:rPr lang="zh-CN" altLang="en-US" sz="2400" dirty="0" smtClean="0"/>
+              <a:rPr lang="zh-CN" altLang="en-US" sz="2400" dirty="0"/>
               <a:t>位）和</a:t>
             </a:r>
             <a:r>
-              <a:rPr lang="en-US" altLang="zh-CN" sz="2400" dirty="0" smtClean="0"/>
+              <a:rPr lang="en-US" altLang="zh-CN" sz="2400" dirty="0"/>
               <a:t>R0</a:t>
             </a:r>
             <a:r>
-              <a:rPr lang="zh-CN" altLang="en-US" sz="2400" dirty="0" smtClean="0"/>
+              <a:rPr lang="zh-CN" altLang="en-US" sz="2400" dirty="0"/>
               <a:t>（后</a:t>
             </a:r>
             <a:r>
-              <a:rPr lang="en-US" altLang="zh-CN" sz="2400" dirty="0" smtClean="0"/>
+              <a:rPr lang="en-US" altLang="zh-CN" sz="2400" dirty="0"/>
               <a:t>32</a:t>
             </a:r>
             <a:r>
-              <a:rPr lang="zh-CN" altLang="en-US" sz="2400" dirty="0" smtClean="0"/>
+              <a:rPr lang="zh-CN" altLang="en-US" sz="2400" dirty="0"/>
               <a:t>位）；</a:t>
             </a:r>
-            <a:endParaRPr lang="en-US" altLang="zh-CN" sz="2400" dirty="0" smtClean="0"/>
-          </a:p>
-          <a:p>
-            <a:endParaRPr lang="en-US" altLang="zh-CN" sz="2400" dirty="0" smtClean="0"/>
-          </a:p>
-          <a:p>
-            <a:r>
-              <a:rPr lang="en-US" altLang="zh-CN" sz="2400" dirty="0" smtClean="0"/>
+            <a:endParaRPr lang="en-US" altLang="zh-CN" sz="2400" dirty="0"/>
+          </a:p>
+          <a:p>
+            <a:endParaRPr lang="en-US" altLang="zh-CN" sz="2400" dirty="0"/>
+          </a:p>
+          <a:p>
+            <a:r>
+              <a:rPr lang="en-US" altLang="zh-CN" sz="2400" dirty="0"/>
               <a:t>E</a:t>
             </a:r>
             <a:r>
-              <a:rPr lang="zh-CN" altLang="en-US" sz="2400" dirty="0" smtClean="0"/>
+              <a:rPr lang="zh-CN" altLang="en-US" sz="2400" dirty="0"/>
               <a:t>盒拓展：利用某些位置重复出现（扩展置换</a:t>
             </a:r>
             <a:r>
-              <a:rPr lang="en-US" altLang="zh-CN" sz="2400" dirty="0" err="1" smtClean="0"/>
+              <a:rPr lang="en-US" altLang="zh-CN" sz="2400" dirty="0" err="1"/>
               <a:t>rept</a:t>
             </a:r>
             <a:r>
-              <a:rPr lang="zh-CN" altLang="en-US" sz="2400" dirty="0" smtClean="0"/>
+              <a:rPr lang="zh-CN" altLang="en-US" sz="2400" dirty="0"/>
               <a:t>），将</a:t>
             </a:r>
             <a:r>
-              <a:rPr lang="en-US" altLang="zh-CN" sz="2400" dirty="0" err="1" smtClean="0"/>
+              <a:rPr lang="en-US" altLang="zh-CN" sz="2400" dirty="0" err="1"/>
               <a:t>Ri</a:t>
             </a:r>
             <a:r>
-              <a:rPr lang="zh-CN" altLang="en-US" sz="2400" dirty="0" smtClean="0"/>
+              <a:rPr lang="zh-CN" altLang="en-US" sz="2400" dirty="0"/>
               <a:t>拓展为</a:t>
             </a:r>
             <a:r>
-              <a:rPr lang="en-US" altLang="zh-CN" sz="2400" dirty="0" smtClean="0"/>
+              <a:rPr lang="en-US" altLang="zh-CN" sz="2400" dirty="0"/>
               <a:t>48</a:t>
             </a:r>
             <a:r>
-              <a:rPr lang="zh-CN" altLang="en-US" sz="2400" dirty="0" smtClean="0"/>
+              <a:rPr lang="zh-CN" altLang="en-US" sz="2400" dirty="0"/>
               <a:t>位的数据，这一步骤加强了扩散效果；</a:t>
             </a:r>
-            <a:endParaRPr lang="en-US" altLang="zh-CN" sz="2400" dirty="0" smtClean="0"/>
-          </a:p>
-          <a:p>
-            <a:endParaRPr lang="en-US" altLang="zh-CN" sz="2400" dirty="0" smtClean="0"/>
-          </a:p>
-          <a:p>
-            <a:r>
-              <a:rPr lang="zh-CN" altLang="en-US" sz="2400" dirty="0" smtClean="0"/>
+            <a:endParaRPr lang="en-US" altLang="zh-CN" sz="2400" dirty="0"/>
+          </a:p>
+          <a:p>
+            <a:endParaRPr lang="en-US" altLang="zh-CN" sz="2400" dirty="0"/>
+          </a:p>
+          <a:p>
+            <a:r>
+              <a:rPr lang="zh-CN" altLang="en-US" sz="2400" dirty="0"/>
               <a:t>异或运算：将</a:t>
             </a:r>
             <a:r>
-              <a:rPr lang="en-US" altLang="zh-CN" sz="2400" dirty="0" smtClean="0"/>
+              <a:rPr lang="en-US" altLang="zh-CN" sz="2400" dirty="0"/>
               <a:t>E</a:t>
             </a:r>
             <a:r>
-              <a:rPr lang="zh-CN" altLang="en-US" sz="2400" dirty="0" smtClean="0"/>
+              <a:rPr lang="zh-CN" altLang="en-US" sz="2400" dirty="0"/>
               <a:t>盒拓展后的</a:t>
             </a:r>
             <a:r>
-              <a:rPr lang="en-US" altLang="zh-CN" sz="2400" dirty="0" smtClean="0"/>
+              <a:rPr lang="en-US" altLang="zh-CN" sz="2400" dirty="0"/>
               <a:t>R_E</a:t>
             </a:r>
             <a:r>
-              <a:rPr lang="zh-CN" altLang="en-US" sz="2400" dirty="0" smtClean="0"/>
+              <a:rPr lang="zh-CN" altLang="en-US" sz="2400" dirty="0"/>
               <a:t>与某个密钥</a:t>
             </a:r>
             <a:r>
-              <a:rPr lang="en-US" altLang="zh-CN" sz="2400" dirty="0" smtClean="0"/>
+              <a:rPr lang="en-US" altLang="zh-CN" sz="2400" dirty="0"/>
               <a:t>Key</a:t>
             </a:r>
             <a:r>
-              <a:rPr lang="zh-CN" altLang="en-US" sz="2400" dirty="0" smtClean="0"/>
+              <a:rPr lang="zh-CN" altLang="en-US" sz="2400" dirty="0"/>
               <a:t>进行异或运算，得到临时结果</a:t>
             </a:r>
             <a:r>
-              <a:rPr lang="en-US" altLang="zh-CN" sz="2400" dirty="0" smtClean="0"/>
+              <a:rPr lang="en-US" altLang="zh-CN" sz="2400" dirty="0"/>
               <a:t>RE_XOR</a:t>
             </a:r>
             <a:r>
-              <a:rPr lang="zh-CN" altLang="en-US" sz="2400" dirty="0" smtClean="0"/>
+              <a:rPr lang="zh-CN" altLang="en-US" sz="2400" dirty="0"/>
               <a:t>；</a:t>
             </a:r>
-            <a:endParaRPr lang="en-US" altLang="zh-CN" sz="2400" dirty="0" smtClean="0"/>
+            <a:endParaRPr lang="en-US" altLang="zh-CN" sz="2400" dirty="0"/>
           </a:p>
         </p:txBody>
       </p:sp>
@@ -14147,13 +13803,6 @@
   <p:clrMapOvr>
     <a:masterClrMapping/>
   </p:clrMapOvr>
-  <p:timing>
-    <p:tnLst>
-      <p:par>
-        <p:cTn id="1" dur="indefinite" restart="never" nodeType="tmRoot"/>
-      </p:par>
-    </p:tnLst>
-  </p:timing>
 </p:sld>
 </file>
 
@@ -14325,17 +13974,17 @@
               <a:t>R_S</a:t>
             </a:r>
             <a:r>
-              <a:rPr lang="zh-CN" altLang="en-US" sz="2400" dirty="0" smtClean="0"/>
+              <a:rPr lang="zh-CN" altLang="en-US" sz="2400" dirty="0"/>
               <a:t>；</a:t>
             </a:r>
-            <a:endParaRPr lang="en-US" altLang="zh-CN" sz="2400" dirty="0" smtClean="0"/>
-          </a:p>
-          <a:p>
             <a:endParaRPr lang="en-US" altLang="zh-CN" sz="2400" dirty="0"/>
           </a:p>
           <a:p>
-            <a:r>
-              <a:rPr lang="en-US" altLang="zh-CN" sz="2400" dirty="0" smtClean="0"/>
+            <a:endParaRPr lang="en-US" altLang="zh-CN" sz="2400" dirty="0"/>
+          </a:p>
+          <a:p>
+            <a:r>
+              <a:rPr lang="en-US" altLang="zh-CN" sz="2400" dirty="0"/>
               <a:t>P</a:t>
             </a:r>
             <a:r>
@@ -14372,16 +14021,12 @@
             </a:r>
           </a:p>
           <a:p>
-            <a:endParaRPr lang="en-US" altLang="zh-CN" sz="2400" dirty="0" smtClean="0"/>
-          </a:p>
-          <a:p>
-            <a:r>
-              <a:rPr lang="zh-CN" altLang="en-US" sz="2400" dirty="0" smtClean="0"/>
-              <a:t>异或运算</a:t>
-            </a:r>
+            <a:endParaRPr lang="en-US" altLang="zh-CN" sz="2400" dirty="0"/>
+          </a:p>
+          <a:p>
             <a:r>
               <a:rPr lang="zh-CN" altLang="en-US" sz="2400" dirty="0"/>
-              <a:t>：即</a:t>
+              <a:t>异或运算：即</a:t>
             </a:r>
             <a:r>
               <a:rPr lang="en-US" altLang="zh-CN" sz="2400" dirty="0"/>
@@ -14404,70 +14049,69 @@
               <a:t>(L0, R_P)</a:t>
             </a:r>
             <a:r>
-              <a:rPr lang="zh-CN" altLang="en-US" sz="2400" dirty="0" smtClean="0"/>
+              <a:rPr lang="zh-CN" altLang="en-US" sz="2400" dirty="0"/>
               <a:t>；</a:t>
             </a:r>
-            <a:endParaRPr lang="en-US" altLang="zh-CN" sz="2400" dirty="0" smtClean="0"/>
-          </a:p>
-          <a:p>
             <a:endParaRPr lang="en-US" altLang="zh-CN" sz="2400" dirty="0"/>
           </a:p>
           <a:p>
-            <a:r>
-              <a:rPr lang="zh-CN" altLang="en-US" sz="2400" dirty="0" smtClean="0"/>
+            <a:endParaRPr lang="en-US" altLang="zh-CN" sz="2400" dirty="0"/>
+          </a:p>
+          <a:p>
+            <a:r>
+              <a:rPr lang="zh-CN" altLang="en-US" sz="2400" dirty="0"/>
               <a:t>至此相当于完成了一次临时加密，总共循环</a:t>
             </a:r>
             <a:r>
-              <a:rPr lang="en-US" altLang="zh-CN" sz="2400" dirty="0" smtClean="0"/>
+              <a:rPr lang="en-US" altLang="zh-CN" sz="2400" dirty="0"/>
               <a:t>16</a:t>
             </a:r>
             <a:r>
-              <a:rPr lang="zh-CN" altLang="en-US" sz="2400" dirty="0" smtClean="0"/>
+              <a:rPr lang="zh-CN" altLang="en-US" sz="2400" dirty="0"/>
               <a:t>次即可得到</a:t>
             </a:r>
             <a:r>
-              <a:rPr lang="en-US" altLang="zh-CN" sz="2400" dirty="0" smtClean="0"/>
+              <a:rPr lang="en-US" altLang="zh-CN" sz="2400" dirty="0"/>
               <a:t>L16</a:t>
             </a:r>
             <a:r>
-              <a:rPr lang="zh-CN" altLang="en-US" sz="2400" dirty="0" smtClean="0"/>
+              <a:rPr lang="zh-CN" altLang="en-US" sz="2400" dirty="0"/>
               <a:t>和</a:t>
             </a:r>
             <a:r>
-              <a:rPr lang="en-US" altLang="zh-CN" sz="2400" dirty="0" smtClean="0"/>
+              <a:rPr lang="en-US" altLang="zh-CN" sz="2400" dirty="0"/>
               <a:t>R16</a:t>
             </a:r>
             <a:r>
-              <a:rPr lang="zh-CN" altLang="en-US" sz="2400" dirty="0" smtClean="0"/>
+              <a:rPr lang="zh-CN" altLang="en-US" sz="2400" dirty="0"/>
               <a:t>；</a:t>
             </a:r>
-            <a:endParaRPr lang="en-US" altLang="zh-CN" sz="2400" dirty="0" smtClean="0"/>
-          </a:p>
-          <a:p>
             <a:endParaRPr lang="en-US" altLang="zh-CN" sz="2400" dirty="0"/>
           </a:p>
           <a:p>
-            <a:r>
-              <a:rPr lang="zh-CN" altLang="en-US" sz="2400" dirty="0" smtClean="0"/>
+            <a:endParaRPr lang="en-US" altLang="zh-CN" sz="2400" dirty="0"/>
+          </a:p>
+          <a:p>
+            <a:r>
+              <a:rPr lang="zh-CN" altLang="en-US" sz="2400" dirty="0"/>
               <a:t>最终置换：</a:t>
             </a:r>
             <a:r>
-              <a:rPr lang="en-US" altLang="zh-CN" sz="2400" dirty="0" smtClean="0"/>
+              <a:rPr lang="en-US" altLang="zh-CN" sz="2400" dirty="0"/>
               <a:t>[L16;R16]</a:t>
             </a:r>
             <a:r>
-              <a:rPr lang="zh-CN" altLang="en-US" sz="2400" dirty="0" smtClean="0"/>
+              <a:rPr lang="zh-CN" altLang="en-US" sz="2400" dirty="0"/>
               <a:t>经过</a:t>
             </a:r>
             <a:r>
-              <a:rPr lang="en-US" altLang="zh-CN" sz="2400" dirty="0" err="1" smtClean="0"/>
+              <a:rPr lang="en-US" altLang="zh-CN" sz="2400" dirty="0" err="1"/>
               <a:t>IPEnd</a:t>
             </a:r>
             <a:r>
-              <a:rPr lang="zh-CN" altLang="en-US" sz="2400" dirty="0" smtClean="0"/>
+              <a:rPr lang="zh-CN" altLang="en-US" sz="2400" dirty="0"/>
               <a:t>置换即可得到最终加密结果</a:t>
             </a:r>
-            <a:endParaRPr lang="zh-CN" altLang="en-US" sz="2400" dirty="0"/>
           </a:p>
         </p:txBody>
       </p:sp>
@@ -14504,13 +14148,6 @@
   <p:clrMapOvr>
     <a:masterClrMapping/>
   </p:clrMapOvr>
-  <p:timing>
-    <p:tnLst>
-      <p:par>
-        <p:cTn id="1" dur="indefinite" restart="never" nodeType="tmRoot"/>
-      </p:par>
-    </p:tnLst>
-  </p:timing>
 </p:sld>
 </file>
 
@@ -14554,116 +14191,115 @@
           <a:lstStyle/>
           <a:p>
             <a:r>
-              <a:rPr lang="en-US" altLang="zh-CN" sz="3200" b="1" dirty="0" smtClean="0"/>
+              <a:rPr lang="en-US" altLang="zh-CN" sz="3200" b="1" dirty="0"/>
               <a:t>Data Encryption Standard (DES):</a:t>
             </a:r>
-            <a:endParaRPr lang="en-US" altLang="zh-CN" sz="3200" b="1" dirty="0"/>
-          </a:p>
-          <a:p>
-            <a:r>
-              <a:rPr lang="zh-CN" altLang="en-US" sz="2400" dirty="0" smtClean="0"/>
+          </a:p>
+          <a:p>
+            <a:r>
+              <a:rPr lang="zh-CN" altLang="en-US" sz="2400" dirty="0"/>
               <a:t>解密算法（详见</a:t>
             </a:r>
             <a:r>
-              <a:rPr lang="en-US" altLang="zh-CN" sz="2400" dirty="0" err="1" smtClean="0"/>
+              <a:rPr lang="en-US" altLang="zh-CN" sz="2400" dirty="0" err="1"/>
               <a:t>DESDecode.m</a:t>
             </a:r>
             <a:r>
-              <a:rPr lang="zh-CN" altLang="en-US" sz="2400" dirty="0" smtClean="0"/>
+              <a:rPr lang="zh-CN" altLang="en-US" sz="2400" dirty="0"/>
               <a:t>）：由于加密过程都是可逆线性运算（异或），只需要将子密钥的顺序调换，在进行一次“加密”算法即可解密；</a:t>
             </a:r>
-            <a:endParaRPr lang="en-US" altLang="zh-CN" sz="2400" dirty="0" smtClean="0"/>
-          </a:p>
-          <a:p>
             <a:endParaRPr lang="en-US" altLang="zh-CN" sz="2400" dirty="0"/>
           </a:p>
           <a:p>
-            <a:r>
-              <a:rPr lang="zh-CN" altLang="en-US" sz="2400" dirty="0" smtClean="0"/>
+            <a:endParaRPr lang="en-US" altLang="zh-CN" sz="2400" dirty="0"/>
+          </a:p>
+          <a:p>
+            <a:r>
+              <a:rPr lang="zh-CN" altLang="en-US" sz="2400" dirty="0"/>
               <a:t>加密效果分析：（详见</a:t>
             </a:r>
             <a:r>
-              <a:rPr lang="en-US" altLang="zh-CN" sz="2400" dirty="0" err="1" smtClean="0"/>
+              <a:rPr lang="en-US" altLang="zh-CN" sz="2400" dirty="0" err="1"/>
               <a:t>DESTest.m</a:t>
             </a:r>
             <a:r>
-              <a:rPr lang="zh-CN" altLang="en-US" sz="2400" dirty="0" smtClean="0"/>
+              <a:rPr lang="zh-CN" altLang="en-US" sz="2400" dirty="0"/>
               <a:t>）</a:t>
             </a:r>
-            <a:endParaRPr lang="en-US" altLang="zh-CN" sz="2400" dirty="0" smtClean="0"/>
-          </a:p>
-          <a:p>
-            <a:r>
-              <a:rPr lang="zh-CN" altLang="en-US" sz="2400" dirty="0" smtClean="0"/>
+            <a:endParaRPr lang="en-US" altLang="zh-CN" sz="2400" dirty="0"/>
+          </a:p>
+          <a:p>
+            <a:r>
+              <a:rPr lang="zh-CN" altLang="en-US" sz="2400" dirty="0"/>
               <a:t>从</a:t>
             </a:r>
             <a:r>
-              <a:rPr lang="en-US" altLang="zh-CN" sz="2400" dirty="0" smtClean="0"/>
+              <a:rPr lang="en-US" altLang="zh-CN" sz="2400" dirty="0"/>
               <a:t>56</a:t>
             </a:r>
             <a:r>
-              <a:rPr lang="zh-CN" altLang="en-US" sz="2400" dirty="0" smtClean="0"/>
+              <a:rPr lang="zh-CN" altLang="en-US" sz="2400" dirty="0"/>
               <a:t>位密钥中任取一位反转（不包含奇偶校验位），其结果会使得最终结果产生接近</a:t>
             </a:r>
             <a:r>
-              <a:rPr lang="en-US" altLang="zh-CN" sz="2400" dirty="0" smtClean="0"/>
+              <a:rPr lang="en-US" altLang="zh-CN" sz="2400" dirty="0"/>
               <a:t>50%</a:t>
             </a:r>
             <a:r>
-              <a:rPr lang="zh-CN" altLang="en-US" sz="2400" dirty="0" smtClean="0"/>
+              <a:rPr lang="zh-CN" altLang="en-US" sz="2400" dirty="0"/>
               <a:t>的误差，说明</a:t>
             </a:r>
             <a:r>
-              <a:rPr lang="en-US" altLang="zh-CN" sz="2400" dirty="0" smtClean="0"/>
+              <a:rPr lang="en-US" altLang="zh-CN" sz="2400" dirty="0"/>
               <a:t>DES</a:t>
             </a:r>
             <a:r>
-              <a:rPr lang="zh-CN" altLang="en-US" sz="2400" dirty="0" smtClean="0"/>
+              <a:rPr lang="zh-CN" altLang="en-US" sz="2400" dirty="0"/>
               <a:t>算法的保密效果较好；</a:t>
             </a:r>
-            <a:endParaRPr lang="en-US" altLang="zh-CN" sz="2400" dirty="0" smtClean="0"/>
-          </a:p>
-          <a:p>
-            <a:endParaRPr lang="en-US" altLang="zh-CN" sz="2400" dirty="0" smtClean="0"/>
-          </a:p>
-          <a:p>
-            <a:r>
-              <a:rPr lang="zh-CN" altLang="en-US" sz="2400" dirty="0" smtClean="0"/>
+            <a:endParaRPr lang="en-US" altLang="zh-CN" sz="2400" dirty="0"/>
+          </a:p>
+          <a:p>
+            <a:endParaRPr lang="en-US" altLang="zh-CN" sz="2400" dirty="0"/>
+          </a:p>
+          <a:p>
+            <a:r>
+              <a:rPr lang="zh-CN" altLang="en-US" sz="2400" dirty="0"/>
               <a:t>如果对</a:t>
             </a:r>
             <a:r>
-              <a:rPr lang="en-US" altLang="zh-CN" sz="2400" dirty="0" smtClean="0"/>
+              <a:rPr lang="en-US" altLang="zh-CN" sz="2400" dirty="0"/>
               <a:t>1kb</a:t>
             </a:r>
             <a:r>
-              <a:rPr lang="zh-CN" altLang="en-US" sz="2400" dirty="0" smtClean="0"/>
+              <a:rPr lang="zh-CN" altLang="en-US" sz="2400" dirty="0"/>
               <a:t>数据（</a:t>
             </a:r>
             <a:r>
-              <a:rPr lang="en-US" altLang="zh-CN" sz="2400" dirty="0" smtClean="0"/>
+              <a:rPr lang="en-US" altLang="zh-CN" sz="2400" dirty="0"/>
               <a:t>8192bit</a:t>
             </a:r>
             <a:r>
-              <a:rPr lang="zh-CN" altLang="en-US" sz="2400" dirty="0" smtClean="0"/>
+              <a:rPr lang="zh-CN" altLang="en-US" sz="2400" dirty="0"/>
               <a:t>）进行加解密，其运行时间能稳定在</a:t>
             </a:r>
             <a:r>
-              <a:rPr lang="en-US" altLang="zh-CN" sz="2400" dirty="0" smtClean="0"/>
+              <a:rPr lang="en-US" altLang="zh-CN" sz="2400" dirty="0"/>
               <a:t>2s</a:t>
             </a:r>
             <a:r>
-              <a:rPr lang="zh-CN" altLang="en-US" sz="2400" dirty="0" smtClean="0"/>
+              <a:rPr lang="zh-CN" altLang="en-US" sz="2400" dirty="0"/>
               <a:t>以内，说明</a:t>
             </a:r>
             <a:r>
-              <a:rPr lang="en-US" altLang="zh-CN" sz="2400" dirty="0" smtClean="0"/>
+              <a:rPr lang="en-US" altLang="zh-CN" sz="2400" dirty="0"/>
               <a:t>DES</a:t>
             </a:r>
             <a:r>
-              <a:rPr lang="zh-CN" altLang="en-US" sz="2400" dirty="0" smtClean="0"/>
+              <a:rPr lang="zh-CN" altLang="en-US" sz="2400" dirty="0"/>
               <a:t>算法的运行效率也较高；</a:t>
             </a:r>
-            <a:endParaRPr lang="en-US" altLang="zh-CN" sz="2400" dirty="0" smtClean="0"/>
+            <a:endParaRPr lang="en-US" altLang="zh-CN" sz="2400" dirty="0"/>
           </a:p>
           <a:p>
             <a:endParaRPr lang="en-US" altLang="zh-CN" sz="2400" dirty="0"/>
@@ -14706,13 +14342,6 @@
   <p:clrMapOvr>
     <a:masterClrMapping/>
   </p:clrMapOvr>
-  <p:timing>
-    <p:tnLst>
-      <p:par>
-        <p:cTn id="1" dur="indefinite" restart="never" nodeType="tmRoot"/>
-      </p:par>
-    </p:tnLst>
-  </p:timing>
 </p:sld>
 </file>
 
@@ -14757,18 +14386,17 @@
           <a:p>
             <a:pPr algn="ctr"/>
             <a:r>
-              <a:rPr lang="zh-CN" altLang="en-US" sz="6000" dirty="0" smtClean="0"/>
+              <a:rPr lang="zh-CN" altLang="en-US" sz="6000" dirty="0"/>
               <a:t>四、</a:t>
             </a:r>
             <a:r>
-              <a:rPr lang="en-US" altLang="zh-CN" sz="6000" dirty="0" smtClean="0"/>
+              <a:rPr lang="en-US" altLang="zh-CN" sz="6000" dirty="0"/>
               <a:t>AES</a:t>
             </a:r>
             <a:r>
-              <a:rPr lang="zh-CN" altLang="en-US" sz="6000" dirty="0" smtClean="0"/>
+              <a:rPr lang="zh-CN" altLang="en-US" sz="6000" dirty="0"/>
               <a:t>算法实现</a:t>
             </a:r>
-            <a:endParaRPr lang="zh-CN" altLang="en-US" sz="6000" dirty="0"/>
           </a:p>
         </p:txBody>
       </p:sp>
@@ -14787,7 +14415,7 @@
           <a:bodyPr/>
           <a:lstStyle/>
           <a:p>
-            <a:endParaRPr lang="zh-CN" altLang="en-US"/>
+            <a:endParaRPr lang="zh-CN" altLang="en-US" dirty="0"/>
           </a:p>
         </p:txBody>
       </p:sp>
@@ -14814,23 +14442,58 @@
           </a:p>
         </p:txBody>
       </p:sp>
+      <p:sp>
+        <p:nvSpPr>
+          <p:cNvPr id="3" name="文本框 2">
+            <a:extLst>
+              <a:ext uri="{FF2B5EF4-FFF2-40B4-BE49-F238E27FC236}">
+                <a16:creationId xmlns:a16="http://schemas.microsoft.com/office/drawing/2014/main" id="{7BCD5298-3903-41C2-ABFF-D60B3A448EA0}"/>
+              </a:ext>
+            </a:extLst>
+          </p:cNvPr>
+          <p:cNvSpPr txBox="1"/>
+          <p:nvPr/>
+        </p:nvSpPr>
+        <p:spPr>
+          <a:xfrm>
+            <a:off x="821317" y="6296766"/>
+            <a:ext cx="5806398" cy="307777"/>
+          </a:xfrm>
+          <a:prstGeom prst="rect">
+            <a:avLst/>
+          </a:prstGeom>
+          <a:noFill/>
+        </p:spPr>
+        <p:txBody>
+          <a:bodyPr wrap="none" rtlCol="0">
+            <a:spAutoFit/>
+          </a:bodyPr>
+          <a:lstStyle/>
+          <a:p>
+            <a:r>
+              <a:rPr lang="zh-CN" altLang="en-US" sz="1400" dirty="0"/>
+              <a:t>参考资料：</a:t>
+            </a:r>
+            <a:r>
+              <a:rPr lang="en-US" altLang="zh-CN" sz="1400" dirty="0">
+                <a:hlinkClick r:id="rId2"/>
+              </a:rPr>
+              <a:t> https://blog.csdn.net/gulang03/article/details/81175854</a:t>
+            </a:r>
+            <a:endParaRPr lang="zh-CN" altLang="en-US" sz="1400" dirty="0"/>
+          </a:p>
+        </p:txBody>
+      </p:sp>
     </p:spTree>
     <p:extLst>
       <p:ext uri="{BB962C8B-B14F-4D97-AF65-F5344CB8AC3E}">
-        <p14:creationId xmlns:p14="http://schemas.microsoft.com/office/powerpoint/2010/main" val="1193826542"/>
+        <p14:creationId xmlns:p14="http://schemas.microsoft.com/office/powerpoint/2010/main" val="263688887"/>
       </p:ext>
     </p:extLst>
   </p:cSld>
   <p:clrMapOvr>
     <a:masterClrMapping/>
   </p:clrMapOvr>
-  <p:timing>
-    <p:tnLst>
-      <p:par>
-        <p:cTn id="1" dur="indefinite" restart="never" nodeType="tmRoot"/>
-      </p:par>
-    </p:tnLst>
-  </p:timing>
 </p:sld>
 </file>
 
@@ -14866,7 +14529,14 @@
           <a:bodyPr/>
           <a:lstStyle/>
           <a:p>
-            <a:endParaRPr lang="zh-CN" altLang="en-US"/>
+            <a:r>
+              <a:rPr lang="en-US" altLang="zh-CN" dirty="0"/>
+              <a:t>AES</a:t>
+            </a:r>
+            <a:r>
+              <a:rPr lang="zh-CN" altLang="en-US" dirty="0"/>
+              <a:t>简介</a:t>
+            </a:r>
           </a:p>
         </p:txBody>
       </p:sp>
@@ -14885,7 +14555,119 @@
           <a:bodyPr/>
           <a:lstStyle/>
           <a:p>
-            <a:endParaRPr lang="zh-CN" altLang="en-US"/>
+            <a:r>
+              <a:rPr lang="zh-CN" altLang="en-US" dirty="0"/>
+              <a:t>高级加密标准（</a:t>
+            </a:r>
+            <a:r>
+              <a:rPr lang="en-US" altLang="zh-CN" dirty="0"/>
+              <a:t>Advanced Encryption Standard</a:t>
+            </a:r>
+            <a:r>
+              <a:rPr lang="zh-CN" altLang="en-US" dirty="0"/>
+              <a:t>，</a:t>
+            </a:r>
+            <a:r>
+              <a:rPr lang="en-US" altLang="zh-CN" dirty="0"/>
+              <a:t>AES</a:t>
+            </a:r>
+            <a:r>
+              <a:rPr lang="zh-CN" altLang="en-US" dirty="0"/>
+              <a:t>），是美国联邦政府采取的一种区块加密标准，用来代替原先的</a:t>
+            </a:r>
+            <a:r>
+              <a:rPr lang="en-US" altLang="zh-CN" dirty="0"/>
+              <a:t>DES</a:t>
+            </a:r>
+            <a:r>
+              <a:rPr lang="zh-CN" altLang="en-US" dirty="0"/>
+              <a:t>，已被多方分析并被全世界广泛使用。</a:t>
+            </a:r>
+            <a:endParaRPr lang="en-US" altLang="zh-CN" dirty="0"/>
+          </a:p>
+          <a:p>
+            <a:r>
+              <a:rPr lang="zh-CN" altLang="en-US" dirty="0"/>
+              <a:t>不同于</a:t>
+            </a:r>
+            <a:r>
+              <a:rPr lang="en-US" altLang="zh-CN" dirty="0"/>
+              <a:t>DES</a:t>
+            </a:r>
+            <a:r>
+              <a:rPr lang="zh-CN" altLang="en-US" dirty="0"/>
+              <a:t>，</a:t>
+            </a:r>
+            <a:r>
+              <a:rPr lang="en-US" altLang="zh-CN" dirty="0"/>
+              <a:t>AES</a:t>
+            </a:r>
+            <a:r>
+              <a:rPr lang="zh-CN" altLang="en-US" dirty="0"/>
+              <a:t>采用的是置换组合架构，在软件及硬件上都能快速加解密，相对来说容易实现，而且只需要很少的存储器。</a:t>
+            </a:r>
+            <a:endParaRPr lang="en-US" altLang="zh-CN" dirty="0"/>
+          </a:p>
+          <a:p>
+            <a:r>
+              <a:rPr lang="zh-CN" altLang="en-US" dirty="0"/>
+              <a:t>密钥长度：</a:t>
+            </a:r>
+            <a:r>
+              <a:rPr lang="en-US" altLang="zh-CN" dirty="0"/>
+              <a:t>128</a:t>
+            </a:r>
+            <a:r>
+              <a:rPr lang="zh-CN" altLang="en-US" dirty="0"/>
+              <a:t>，</a:t>
+            </a:r>
+            <a:r>
+              <a:rPr lang="en-US" altLang="zh-CN" dirty="0"/>
+              <a:t>192</a:t>
+            </a:r>
+            <a:r>
+              <a:rPr lang="zh-CN" altLang="en-US" dirty="0"/>
+              <a:t>或者</a:t>
+            </a:r>
+            <a:r>
+              <a:rPr lang="en-US" altLang="zh-CN" dirty="0"/>
+              <a:t>256</a:t>
+            </a:r>
+            <a:r>
+              <a:rPr lang="zh-CN" altLang="en-US" dirty="0"/>
+              <a:t>位（本次实验中为了简单采取的是</a:t>
+            </a:r>
+            <a:r>
+              <a:rPr lang="en-US" altLang="zh-CN" dirty="0"/>
+              <a:t>128</a:t>
+            </a:r>
+            <a:r>
+              <a:rPr lang="zh-CN" altLang="en-US" dirty="0"/>
+              <a:t>位），密钥的选取任意，由于密钥长度比</a:t>
+            </a:r>
+            <a:r>
+              <a:rPr lang="en-US" altLang="zh-CN" dirty="0"/>
+              <a:t>DES</a:t>
+            </a:r>
+            <a:r>
+              <a:rPr lang="zh-CN" altLang="en-US" dirty="0"/>
+              <a:t>更长，因此</a:t>
+            </a:r>
+            <a:r>
+              <a:rPr lang="en-US" altLang="zh-CN" dirty="0"/>
+              <a:t>AES</a:t>
+            </a:r>
+            <a:r>
+              <a:rPr lang="zh-CN" altLang="en-US" dirty="0"/>
+              <a:t>的安全性更高。</a:t>
+            </a:r>
+            <a:endParaRPr lang="en-US" altLang="zh-CN" dirty="0"/>
+          </a:p>
+          <a:p>
+            <a:endParaRPr lang="en-US" altLang="zh-CN" dirty="0"/>
+          </a:p>
+          <a:p>
+            <a:endParaRPr lang="zh-CN" altLang="en-US" dirty="0"/>
           </a:p>
         </p:txBody>
       </p:sp>
@@ -14915,20 +14697,13 @@
     </p:spTree>
     <p:extLst>
       <p:ext uri="{BB962C8B-B14F-4D97-AF65-F5344CB8AC3E}">
-        <p14:creationId xmlns:p14="http://schemas.microsoft.com/office/powerpoint/2010/main" val="2047542299"/>
+        <p14:creationId xmlns:p14="http://schemas.microsoft.com/office/powerpoint/2010/main" val="1376970523"/>
       </p:ext>
     </p:extLst>
   </p:cSld>
   <p:clrMapOvr>
     <a:masterClrMapping/>
   </p:clrMapOvr>
-  <p:timing>
-    <p:tnLst>
-      <p:par>
-        <p:cTn id="1" dur="indefinite" restart="never" nodeType="tmRoot"/>
-      </p:par>
-    </p:tnLst>
-  </p:timing>
 </p:sld>
 </file>
 
@@ -14951,7 +14726,7 @@
       </p:grpSpPr>
       <p:sp>
         <p:nvSpPr>
-          <p:cNvPr id="4" name="标题 3"/>
+          <p:cNvPr id="2" name="标题 1"/>
           <p:cNvSpPr>
             <a:spLocks noGrp="1"/>
           </p:cNvSpPr>
@@ -14959,35 +14734,30 @@
             <p:ph type="title"/>
           </p:nvPr>
         </p:nvSpPr>
-        <p:spPr>
-          <a:xfrm>
-            <a:off x="677335" y="1960203"/>
-            <a:ext cx="8596668" cy="1826581"/>
-          </a:xfrm>
-        </p:spPr>
-        <p:txBody>
-          <a:bodyPr>
-            <a:normAutofit/>
-          </a:bodyPr>
+        <p:spPr/>
+        <p:txBody>
+          <a:bodyPr/>
           <a:lstStyle/>
           <a:p>
-            <a:pPr algn="ctr"/>
-            <a:r>
-              <a:rPr lang="zh-CN" altLang="en-US" sz="6000" dirty="0" smtClean="0"/>
-              <a:t>五、联调与分析</a:t>
-            </a:r>
-            <a:endParaRPr lang="zh-CN" altLang="en-US" sz="6000" dirty="0"/>
-          </a:p>
-        </p:txBody>
-      </p:sp>
-      <p:sp>
-        <p:nvSpPr>
-          <p:cNvPr id="5" name="文本占位符 4"/>
+            <a:r>
+              <a:rPr lang="en-US" altLang="zh-CN" dirty="0"/>
+              <a:t>AES</a:t>
+            </a:r>
+            <a:r>
+              <a:rPr lang="zh-CN" altLang="en-US" dirty="0"/>
+              <a:t>基本结构</a:t>
+            </a:r>
+          </a:p>
+        </p:txBody>
+      </p:sp>
+      <p:sp>
+        <p:nvSpPr>
+          <p:cNvPr id="3" name="内容占位符 2"/>
           <p:cNvSpPr>
             <a:spLocks noGrp="1"/>
           </p:cNvSpPr>
           <p:nvPr>
-            <p:ph type="body" idx="1"/>
+            <p:ph idx="1"/>
           </p:nvPr>
         </p:nvSpPr>
         <p:spPr/>
@@ -14995,13 +14765,115 @@
           <a:bodyPr/>
           <a:lstStyle/>
           <a:p>
-            <a:endParaRPr lang="zh-CN" altLang="en-US"/>
-          </a:p>
-        </p:txBody>
-      </p:sp>
-      <p:sp>
-        <p:nvSpPr>
-          <p:cNvPr id="2" name="灯片编号占位符 1"/>
+            <a:r>
+              <a:rPr lang="en-US" altLang="zh-CN" dirty="0"/>
+              <a:t>AES</a:t>
+            </a:r>
+            <a:r>
+              <a:rPr lang="zh-CN" altLang="en-US" dirty="0"/>
+              <a:t>为分组密码，把密码每</a:t>
+            </a:r>
+            <a:r>
+              <a:rPr lang="en-US" altLang="zh-CN" dirty="0"/>
+              <a:t>128</a:t>
+            </a:r>
+            <a:r>
+              <a:rPr lang="zh-CN" altLang="en-US" dirty="0"/>
+              <a:t>位分成一组，一组一组进行加密，输出的密文也是</a:t>
+            </a:r>
+            <a:r>
+              <a:rPr lang="en-US" altLang="zh-CN" dirty="0"/>
+              <a:t>128</a:t>
+            </a:r>
+            <a:r>
+              <a:rPr lang="zh-CN" altLang="en-US" dirty="0"/>
+              <a:t>位的分组结构。</a:t>
+            </a:r>
+            <a:endParaRPr lang="en-US" altLang="zh-CN" dirty="0"/>
+          </a:p>
+          <a:p>
+            <a:r>
+              <a:rPr lang="en-US" altLang="zh-CN" dirty="0"/>
+              <a:t>AES</a:t>
+            </a:r>
+            <a:r>
+              <a:rPr lang="zh-CN" altLang="en-US" dirty="0"/>
+              <a:t>的基本处理单位是字节，即把</a:t>
+            </a:r>
+            <a:r>
+              <a:rPr lang="en-US" altLang="zh-CN" dirty="0"/>
+              <a:t>128</a:t>
+            </a:r>
+            <a:r>
+              <a:rPr lang="zh-CN" altLang="en-US" dirty="0"/>
+              <a:t>位的比特每</a:t>
+            </a:r>
+            <a:r>
+              <a:rPr lang="en-US" altLang="zh-CN" dirty="0"/>
+              <a:t>8</a:t>
+            </a:r>
+            <a:r>
+              <a:rPr lang="zh-CN" altLang="en-US" dirty="0"/>
+              <a:t>位分成一个字节，共</a:t>
+            </a:r>
+            <a:r>
+              <a:rPr lang="en-US" altLang="zh-CN" dirty="0"/>
+              <a:t>16</a:t>
+            </a:r>
+            <a:r>
+              <a:rPr lang="zh-CN" altLang="en-US" dirty="0"/>
+              <a:t>字节（也可以认为是</a:t>
+            </a:r>
+            <a:r>
+              <a:rPr lang="en-US" altLang="zh-CN" dirty="0"/>
+              <a:t>16</a:t>
+            </a:r>
+            <a:r>
+              <a:rPr lang="zh-CN" altLang="en-US" dirty="0"/>
+              <a:t>个</a:t>
+            </a:r>
+            <a:r>
+              <a:rPr lang="en-US" altLang="zh-CN" dirty="0"/>
+              <a:t>GF(2^8)</a:t>
+            </a:r>
+            <a:r>
+              <a:rPr lang="zh-CN" altLang="en-US" dirty="0"/>
+              <a:t>上的数），把字节排列成如下的明文矩阵，类似的，</a:t>
+            </a:r>
+            <a:r>
+              <a:rPr lang="en-US" altLang="zh-CN" dirty="0"/>
+              <a:t>128</a:t>
+            </a:r>
+            <a:r>
+              <a:rPr lang="zh-CN" altLang="en-US" dirty="0"/>
+              <a:t>位密钥和输出的</a:t>
+            </a:r>
+            <a:r>
+              <a:rPr lang="en-US" altLang="zh-CN" dirty="0"/>
+              <a:t>128</a:t>
+            </a:r>
+            <a:r>
+              <a:rPr lang="zh-CN" altLang="en-US" dirty="0"/>
+              <a:t>位密文也按字节分为</a:t>
+            </a:r>
+            <a:r>
+              <a:rPr lang="en-US" altLang="zh-CN" dirty="0"/>
+              <a:t>4×4</a:t>
+            </a:r>
+            <a:r>
+              <a:rPr lang="zh-CN" altLang="en-US" dirty="0"/>
+              <a:t>的矩阵</a:t>
+            </a:r>
+            <a:endParaRPr lang="en-US" altLang="zh-CN" dirty="0"/>
+          </a:p>
+          <a:p>
+            <a:endParaRPr lang="zh-CN" altLang="en-US" dirty="0"/>
+          </a:p>
+        </p:txBody>
+      </p:sp>
+      <p:sp>
+        <p:nvSpPr>
+          <p:cNvPr id="4" name="灯片编号占位符 3"/>
           <p:cNvSpPr>
             <a:spLocks noGrp="1"/>
           </p:cNvSpPr>
@@ -15022,23 +14894,46 @@
           </a:p>
         </p:txBody>
       </p:sp>
+      <p:pic>
+        <p:nvPicPr>
+          <p:cNvPr id="5" name="图片 4">
+            <a:extLst>
+              <a:ext uri="{FF2B5EF4-FFF2-40B4-BE49-F238E27FC236}">
+                <a16:creationId xmlns:a16="http://schemas.microsoft.com/office/drawing/2014/main" id="{845F938B-58A2-49D8-9F1A-0500C2034A9B}"/>
+              </a:ext>
+            </a:extLst>
+          </p:cNvPr>
+          <p:cNvPicPr>
+            <a:picLocks noChangeAspect="1"/>
+          </p:cNvPicPr>
+          <p:nvPr/>
+        </p:nvPicPr>
+        <p:blipFill>
+          <a:blip r:embed="rId2"/>
+          <a:stretch>
+            <a:fillRect/>
+          </a:stretch>
+        </p:blipFill>
+        <p:spPr>
+          <a:xfrm>
+            <a:off x="1303157" y="3761220"/>
+            <a:ext cx="1723411" cy="1960495"/>
+          </a:xfrm>
+          <a:prstGeom prst="rect">
+            <a:avLst/>
+          </a:prstGeom>
+        </p:spPr>
+      </p:pic>
     </p:spTree>
     <p:extLst>
       <p:ext uri="{BB962C8B-B14F-4D97-AF65-F5344CB8AC3E}">
-        <p14:creationId xmlns:p14="http://schemas.microsoft.com/office/powerpoint/2010/main" val="3932603939"/>
+        <p14:creationId xmlns:p14="http://schemas.microsoft.com/office/powerpoint/2010/main" val="2832963300"/>
       </p:ext>
     </p:extLst>
   </p:cSld>
   <p:clrMapOvr>
     <a:masterClrMapping/>
   </p:clrMapOvr>
-  <p:timing>
-    <p:tnLst>
-      <p:par>
-        <p:cTn id="1" dur="indefinite" restart="never" nodeType="tmRoot"/>
-      </p:par>
-    </p:tnLst>
-  </p:timing>
 </p:sld>
 </file>
 
@@ -15074,7 +14969,14 @@
           <a:bodyPr/>
           <a:lstStyle/>
           <a:p>
-            <a:endParaRPr lang="zh-CN" altLang="en-US" dirty="0"/>
+            <a:r>
+              <a:rPr lang="en-US" altLang="zh-CN" dirty="0"/>
+              <a:t>AES</a:t>
+            </a:r>
+            <a:r>
+              <a:rPr lang="zh-CN" altLang="en-US" dirty="0"/>
+              <a:t>的轮函数</a:t>
+            </a:r>
           </a:p>
         </p:txBody>
       </p:sp>
@@ -15090,10 +14992,194 @@
         </p:nvSpPr>
         <p:spPr/>
         <p:txBody>
-          <a:bodyPr/>
+          <a:bodyPr>
+            <a:normAutofit lnSpcReduction="10000"/>
+          </a:bodyPr>
           <a:lstStyle/>
           <a:p>
-            <a:endParaRPr lang="zh-CN" altLang="en-US"/>
+            <a:r>
+              <a:rPr lang="en-US" altLang="zh-CN" dirty="0"/>
+              <a:t>AES</a:t>
+            </a:r>
+            <a:r>
+              <a:rPr lang="zh-CN" altLang="en-US" dirty="0"/>
+              <a:t>中，每组明文要经过</a:t>
+            </a:r>
+            <a:r>
+              <a:rPr lang="en-US" altLang="zh-CN" dirty="0"/>
+              <a:t>10</a:t>
+            </a:r>
+            <a:r>
+              <a:rPr lang="zh-CN" altLang="en-US" dirty="0"/>
+              <a:t>次轮函数的处理，轮函数又由四个基本操作过程，分别是字节代换、行移位、列混合、轮密相加，前</a:t>
+            </a:r>
+            <a:r>
+              <a:rPr lang="en-US" altLang="zh-CN" dirty="0"/>
+              <a:t>9</a:t>
+            </a:r>
+            <a:r>
+              <a:rPr lang="zh-CN" altLang="en-US" dirty="0"/>
+              <a:t>次轮函数结构相同，为由上述基本单元顺序构成，最后一次轮函数没有列混合操作。此外，第一次轮函数之前有一次轮密相加的操作。</a:t>
+            </a:r>
+            <a:endParaRPr lang="en-US" altLang="zh-CN" dirty="0"/>
+          </a:p>
+          <a:p>
+            <a:r>
+              <a:rPr lang="zh-CN" altLang="en-US" dirty="0"/>
+              <a:t>字节代换：</a:t>
+            </a:r>
+            <a:r>
+              <a:rPr lang="en-US" altLang="zh-CN" dirty="0"/>
+              <a:t>AES</a:t>
+            </a:r>
+            <a:r>
+              <a:rPr lang="zh-CN" altLang="en-US" dirty="0"/>
+              <a:t>定义了一个</a:t>
+            </a:r>
+            <a:r>
+              <a:rPr lang="en-US" altLang="zh-CN" dirty="0"/>
+              <a:t>S</a:t>
+            </a:r>
+            <a:r>
+              <a:rPr lang="zh-CN" altLang="en-US" dirty="0"/>
+              <a:t>盒，</a:t>
+            </a:r>
+            <a:r>
+              <a:rPr lang="en-US" altLang="zh-CN" dirty="0"/>
+              <a:t>S</a:t>
+            </a:r>
+            <a:r>
+              <a:rPr lang="zh-CN" altLang="en-US" dirty="0"/>
+              <a:t>盒为字节到字节的映射，字节代换操作就是矩阵中的字节直接换成</a:t>
+            </a:r>
+            <a:r>
+              <a:rPr lang="en-US" altLang="zh-CN" dirty="0"/>
+              <a:t>S</a:t>
+            </a:r>
+            <a:r>
+              <a:rPr lang="zh-CN" altLang="en-US" dirty="0"/>
+              <a:t>盒中对应字节即可。</a:t>
+            </a:r>
+            <a:endParaRPr lang="en-US" altLang="zh-CN" dirty="0"/>
+          </a:p>
+          <a:p>
+            <a:r>
+              <a:rPr lang="zh-CN" altLang="en-US" dirty="0"/>
+              <a:t>行移位：对矩阵进行一个简单的循环移位操作，矩阵第</a:t>
+            </a:r>
+            <a:r>
+              <a:rPr lang="en-US" altLang="zh-CN" dirty="0"/>
+              <a:t>1</a:t>
+            </a:r>
+            <a:r>
+              <a:rPr lang="zh-CN" altLang="en-US" dirty="0"/>
+              <a:t>、</a:t>
+            </a:r>
+            <a:r>
+              <a:rPr lang="en-US" altLang="zh-CN" dirty="0"/>
+              <a:t>2</a:t>
+            </a:r>
+            <a:r>
+              <a:rPr lang="zh-CN" altLang="en-US" dirty="0"/>
+              <a:t>、</a:t>
+            </a:r>
+            <a:r>
+              <a:rPr lang="en-US" altLang="zh-CN" dirty="0"/>
+              <a:t>3</a:t>
+            </a:r>
+            <a:r>
+              <a:rPr lang="zh-CN" altLang="en-US" dirty="0"/>
+              <a:t>、</a:t>
+            </a:r>
+            <a:r>
+              <a:rPr lang="en-US" altLang="zh-CN" dirty="0"/>
+              <a:t>4</a:t>
+            </a:r>
+            <a:r>
+              <a:rPr lang="zh-CN" altLang="en-US" dirty="0"/>
+              <a:t>列分别向左循环移位</a:t>
+            </a:r>
+            <a:r>
+              <a:rPr lang="en-US" altLang="zh-CN" dirty="0"/>
+              <a:t>0</a:t>
+            </a:r>
+            <a:r>
+              <a:rPr lang="zh-CN" altLang="en-US" dirty="0"/>
+              <a:t>、</a:t>
+            </a:r>
+            <a:r>
+              <a:rPr lang="en-US" altLang="zh-CN" dirty="0"/>
+              <a:t>1</a:t>
+            </a:r>
+            <a:r>
+              <a:rPr lang="zh-CN" altLang="en-US" dirty="0"/>
+              <a:t>、</a:t>
+            </a:r>
+            <a:r>
+              <a:rPr lang="en-US" altLang="zh-CN" dirty="0"/>
+              <a:t>2</a:t>
+            </a:r>
+            <a:r>
+              <a:rPr lang="zh-CN" altLang="en-US" dirty="0"/>
+              <a:t>、</a:t>
+            </a:r>
+            <a:r>
+              <a:rPr lang="en-US" altLang="zh-CN" dirty="0"/>
+              <a:t>3</a:t>
+            </a:r>
+            <a:r>
+              <a:rPr lang="zh-CN" altLang="en-US" dirty="0"/>
+              <a:t>字节。</a:t>
+            </a:r>
+            <a:endParaRPr lang="en-US" altLang="zh-CN" dirty="0"/>
+          </a:p>
+          <a:p>
+            <a:r>
+              <a:rPr lang="zh-CN" altLang="en-US" dirty="0"/>
+              <a:t>列混合：将矩阵左乘一个</a:t>
+            </a:r>
+            <a:r>
+              <a:rPr lang="en-US" altLang="zh-CN" dirty="0"/>
+              <a:t>4×4</a:t>
+            </a:r>
+            <a:r>
+              <a:rPr lang="zh-CN" altLang="en-US" dirty="0"/>
+              <a:t>的矩阵（在</a:t>
+            </a:r>
+            <a:r>
+              <a:rPr lang="en-US" altLang="zh-CN" dirty="0"/>
+              <a:t>GF(2^8)</a:t>
+            </a:r>
+            <a:r>
+              <a:rPr lang="zh-CN" altLang="en-US" dirty="0"/>
+              <a:t>上）</a:t>
+            </a:r>
+            <a:endParaRPr lang="en-US" altLang="zh-CN" dirty="0"/>
+          </a:p>
+          <a:p>
+            <a:r>
+              <a:rPr lang="zh-CN" altLang="en-US" dirty="0"/>
+              <a:t>轮密相加：由原密钥根据轮数构造状态矩阵，再进行</a:t>
+            </a:r>
+            <a:r>
+              <a:rPr lang="en-US" altLang="zh-CN" dirty="0"/>
+              <a:t>GF(2^8)</a:t>
+            </a:r>
+            <a:r>
+              <a:rPr lang="zh-CN" altLang="en-US" dirty="0"/>
+              <a:t>上的加法（即按位异或）</a:t>
+            </a:r>
+            <a:endParaRPr lang="en-US" altLang="zh-CN" dirty="0"/>
+          </a:p>
+          <a:p>
+            <a:r>
+              <a:rPr lang="en-US" altLang="zh-CN" dirty="0"/>
+              <a:t>AES</a:t>
+            </a:r>
+            <a:r>
+              <a:rPr lang="zh-CN" altLang="en-US" dirty="0"/>
+              <a:t>解密过程是加密的逆操作，与加密过程完全类似</a:t>
+            </a:r>
           </a:p>
         </p:txBody>
       </p:sp>
@@ -15123,20 +15209,732 @@
     </p:spTree>
     <p:extLst>
       <p:ext uri="{BB962C8B-B14F-4D97-AF65-F5344CB8AC3E}">
-        <p14:creationId xmlns:p14="http://schemas.microsoft.com/office/powerpoint/2010/main" val="1654349788"/>
+        <p14:creationId xmlns:p14="http://schemas.microsoft.com/office/powerpoint/2010/main" val="4246979771"/>
       </p:ext>
     </p:extLst>
   </p:cSld>
   <p:clrMapOvr>
     <a:masterClrMapping/>
   </p:clrMapOvr>
-  <p:timing>
-    <p:tnLst>
-      <p:par>
-        <p:cTn id="1" dur="indefinite" restart="never" nodeType="tmRoot"/>
-      </p:par>
-    </p:tnLst>
-  </p:timing>
+</p:sld>
+</file>
+
+<file path=ppt/slides/slide27.xml><?xml version="1.0" encoding="utf-8"?>
+<p:sld xmlns:a="http://schemas.openxmlformats.org/drawingml/2006/main" xmlns:r="http://schemas.openxmlformats.org/officeDocument/2006/relationships" xmlns:p="http://schemas.openxmlformats.org/presentationml/2006/main">
+  <p:cSld>
+    <p:spTree>
+      <p:nvGrpSpPr>
+        <p:cNvPr id="1" name=""/>
+        <p:cNvGrpSpPr/>
+        <p:nvPr/>
+      </p:nvGrpSpPr>
+      <p:grpSpPr>
+        <a:xfrm>
+          <a:off x="0" y="0"/>
+          <a:ext cx="0" cy="0"/>
+          <a:chOff x="0" y="0"/>
+          <a:chExt cx="0" cy="0"/>
+        </a:xfrm>
+      </p:grpSpPr>
+      <p:sp>
+        <p:nvSpPr>
+          <p:cNvPr id="2" name="标题 1"/>
+          <p:cNvSpPr>
+            <a:spLocks noGrp="1"/>
+          </p:cNvSpPr>
+          <p:nvPr>
+            <p:ph type="title"/>
+          </p:nvPr>
+        </p:nvSpPr>
+        <p:spPr/>
+        <p:txBody>
+          <a:bodyPr/>
+          <a:lstStyle/>
+          <a:p>
+            <a:r>
+              <a:rPr lang="en-US" altLang="zh-CN" dirty="0"/>
+              <a:t>GF(2^8)</a:t>
+            </a:r>
+            <a:r>
+              <a:rPr lang="zh-CN" altLang="en-US" dirty="0"/>
+              <a:t>上运算实现</a:t>
+            </a:r>
+          </a:p>
+        </p:txBody>
+      </p:sp>
+      <p:sp>
+        <p:nvSpPr>
+          <p:cNvPr id="3" name="内容占位符 2"/>
+          <p:cNvSpPr>
+            <a:spLocks noGrp="1"/>
+          </p:cNvSpPr>
+          <p:nvPr>
+            <p:ph idx="1"/>
+          </p:nvPr>
+        </p:nvSpPr>
+        <p:spPr/>
+        <p:txBody>
+          <a:bodyPr/>
+          <a:lstStyle/>
+          <a:p>
+            <a:r>
+              <a:rPr lang="en-US" altLang="zh-CN" dirty="0"/>
+              <a:t>2</a:t>
+            </a:r>
+            <a:r>
+              <a:rPr lang="zh-CN" altLang="en-US" dirty="0"/>
+              <a:t>的</a:t>
+            </a:r>
+            <a:r>
+              <a:rPr lang="en-US" altLang="zh-CN" dirty="0"/>
+              <a:t>8</a:t>
+            </a:r>
+            <a:r>
+              <a:rPr lang="zh-CN" altLang="en-US" dirty="0"/>
+              <a:t>次扩域中的数可以看作是一个长度为</a:t>
+            </a:r>
+            <a:r>
+              <a:rPr lang="en-US" altLang="zh-CN" dirty="0"/>
+              <a:t>8</a:t>
+            </a:r>
+            <a:r>
+              <a:rPr lang="zh-CN" altLang="en-US" dirty="0"/>
+              <a:t>的二元域上的向量</a:t>
+            </a:r>
+            <a:endParaRPr lang="en-US" altLang="zh-CN" dirty="0"/>
+          </a:p>
+          <a:p>
+            <a:r>
+              <a:rPr lang="zh-CN" altLang="en-US" dirty="0"/>
+              <a:t>加法实现很简单，</a:t>
+            </a:r>
+            <a:r>
+              <a:rPr lang="en-US" altLang="zh-CN" dirty="0" err="1"/>
+              <a:t>matlab</a:t>
+            </a:r>
+            <a:r>
+              <a:rPr lang="zh-CN" altLang="en-US" dirty="0"/>
+              <a:t>中直接两个向量按位异或即可</a:t>
+            </a:r>
+            <a:endParaRPr lang="en-US" altLang="zh-CN" dirty="0"/>
+          </a:p>
+          <a:p>
+            <a:r>
+              <a:rPr lang="zh-CN" altLang="en-US" dirty="0"/>
+              <a:t>扩域中乘法则是将两个向量写成多项式的形式，再模扩域上的生成多项式取余式即可，本次实验用的生成多项式为</a:t>
+            </a:r>
+            <a:r>
+              <a:rPr lang="en-US" altLang="zh-CN" dirty="0"/>
+              <a:t>x8+x4+x3+x+1,</a:t>
+            </a:r>
+            <a:r>
+              <a:rPr lang="zh-CN" altLang="en-US" dirty="0"/>
+              <a:t>即</a:t>
+            </a:r>
+            <a:r>
+              <a:rPr lang="en-US" altLang="zh-CN" dirty="0"/>
+              <a:t>100011011</a:t>
+            </a:r>
+          </a:p>
+          <a:p>
+            <a:r>
+              <a:rPr lang="en-US" altLang="zh-CN" dirty="0" err="1"/>
+              <a:t>matlab</a:t>
+            </a:r>
+            <a:r>
+              <a:rPr lang="zh-CN" altLang="en-US" dirty="0"/>
+              <a:t>中扩域乘法的实现我采用了查找对数表的方式，由于扩域中所有元素都可以与本原元的</a:t>
+            </a:r>
+            <a:r>
+              <a:rPr lang="en-US" altLang="zh-CN" dirty="0"/>
+              <a:t>n</a:t>
+            </a:r>
+            <a:r>
+              <a:rPr lang="zh-CN" altLang="en-US" dirty="0"/>
+              <a:t>次幂一一对应，因此实现乘法时就可以看做本原元的两个幂次相乘，即指数部分相加，因此只需要先构造一张本原元的对数表和指数表，在实现乘法时直接查表就可以简单地实现扩域乘法了。</a:t>
+            </a:r>
+          </a:p>
+        </p:txBody>
+      </p:sp>
+      <p:sp>
+        <p:nvSpPr>
+          <p:cNvPr id="4" name="灯片编号占位符 3"/>
+          <p:cNvSpPr>
+            <a:spLocks noGrp="1"/>
+          </p:cNvSpPr>
+          <p:nvPr>
+            <p:ph type="sldNum" sz="quarter" idx="12"/>
+          </p:nvPr>
+        </p:nvSpPr>
+        <p:spPr/>
+        <p:txBody>
+          <a:bodyPr/>
+          <a:lstStyle/>
+          <a:p>
+            <a:fld id="{61CF7123-22A5-4567-A5E1-BBA0CB862768}" type="slidenum">
+              <a:rPr lang="zh-CN" altLang="en-US" smtClean="0"/>
+              <a:t>27</a:t>
+            </a:fld>
+            <a:endParaRPr lang="zh-CN" altLang="en-US"/>
+          </a:p>
+        </p:txBody>
+      </p:sp>
+    </p:spTree>
+    <p:extLst>
+      <p:ext uri="{BB962C8B-B14F-4D97-AF65-F5344CB8AC3E}">
+        <p14:creationId xmlns:p14="http://schemas.microsoft.com/office/powerpoint/2010/main" val="3577252376"/>
+      </p:ext>
+    </p:extLst>
+  </p:cSld>
+  <p:clrMapOvr>
+    <a:masterClrMapping/>
+  </p:clrMapOvr>
+</p:sld>
+</file>
+
+<file path=ppt/slides/slide28.xml><?xml version="1.0" encoding="utf-8"?>
+<p:sld xmlns:a="http://schemas.openxmlformats.org/drawingml/2006/main" xmlns:r="http://schemas.openxmlformats.org/officeDocument/2006/relationships" xmlns:p="http://schemas.openxmlformats.org/presentationml/2006/main">
+  <p:cSld>
+    <p:spTree>
+      <p:nvGrpSpPr>
+        <p:cNvPr id="1" name=""/>
+        <p:cNvGrpSpPr/>
+        <p:nvPr/>
+      </p:nvGrpSpPr>
+      <p:grpSpPr>
+        <a:xfrm>
+          <a:off x="0" y="0"/>
+          <a:ext cx="0" cy="0"/>
+          <a:chOff x="0" y="0"/>
+          <a:chExt cx="0" cy="0"/>
+        </a:xfrm>
+      </p:grpSpPr>
+      <p:sp>
+        <p:nvSpPr>
+          <p:cNvPr id="2" name="标题 1"/>
+          <p:cNvSpPr>
+            <a:spLocks noGrp="1"/>
+          </p:cNvSpPr>
+          <p:nvPr>
+            <p:ph type="title"/>
+          </p:nvPr>
+        </p:nvSpPr>
+        <p:spPr/>
+        <p:txBody>
+          <a:bodyPr/>
+          <a:lstStyle/>
+          <a:p>
+            <a:r>
+              <a:rPr lang="en-US" altLang="zh-CN" dirty="0"/>
+              <a:t>S</a:t>
+            </a:r>
+            <a:r>
+              <a:rPr lang="zh-CN" altLang="en-US" dirty="0"/>
+              <a:t>盒构造</a:t>
+            </a:r>
+          </a:p>
+        </p:txBody>
+      </p:sp>
+      <p:sp>
+        <p:nvSpPr>
+          <p:cNvPr id="3" name="内容占位符 2"/>
+          <p:cNvSpPr>
+            <a:spLocks noGrp="1"/>
+          </p:cNvSpPr>
+          <p:nvPr>
+            <p:ph idx="1"/>
+          </p:nvPr>
+        </p:nvSpPr>
+        <p:spPr/>
+        <p:txBody>
+          <a:bodyPr/>
+          <a:lstStyle/>
+          <a:p>
+            <a:r>
+              <a:rPr lang="en-US" altLang="zh-CN" dirty="0"/>
+              <a:t>S</a:t>
+            </a:r>
+            <a:r>
+              <a:rPr lang="zh-CN" altLang="en-US" dirty="0"/>
+              <a:t>盒为字节代换中的映射表</a:t>
+            </a:r>
+            <a:endParaRPr lang="en-US" altLang="zh-CN" dirty="0"/>
+          </a:p>
+          <a:p>
+            <a:r>
+              <a:rPr lang="en-US" altLang="zh-CN" dirty="0"/>
+              <a:t>S</a:t>
+            </a:r>
+            <a:r>
+              <a:rPr lang="zh-CN" altLang="en-US" dirty="0"/>
+              <a:t>盒构造方法如下：先按照升序排列将</a:t>
+            </a:r>
+            <a:r>
+              <a:rPr lang="en-US" altLang="zh-CN" dirty="0"/>
+              <a:t>0</a:t>
+            </a:r>
+            <a:r>
+              <a:rPr lang="zh-CN" altLang="en-US" dirty="0"/>
+              <a:t>到</a:t>
+            </a:r>
+            <a:r>
+              <a:rPr lang="en-US" altLang="zh-CN" dirty="0"/>
+              <a:t>255</a:t>
+            </a:r>
+            <a:r>
+              <a:rPr lang="zh-CN" altLang="en-US" dirty="0"/>
+              <a:t>写入</a:t>
+            </a:r>
+            <a:r>
+              <a:rPr lang="en-US" altLang="zh-CN" dirty="0"/>
+              <a:t>S</a:t>
+            </a:r>
+            <a:r>
+              <a:rPr lang="zh-CN" altLang="en-US" dirty="0"/>
+              <a:t>盒，再将它们映射为</a:t>
+            </a:r>
+            <a:r>
+              <a:rPr lang="en-US" altLang="zh-CN" dirty="0"/>
+              <a:t>GF(2^8)</a:t>
+            </a:r>
+            <a:r>
+              <a:rPr lang="zh-CN" altLang="en-US" dirty="0"/>
+              <a:t>上的逆，再对每个字节进行如下所示的仿射变换：</a:t>
+            </a:r>
+            <a:endParaRPr lang="en-US" altLang="zh-CN" dirty="0"/>
+          </a:p>
+          <a:p>
+            <a:endParaRPr lang="en-US" altLang="zh-CN" dirty="0"/>
+          </a:p>
+        </p:txBody>
+      </p:sp>
+      <p:sp>
+        <p:nvSpPr>
+          <p:cNvPr id="4" name="灯片编号占位符 3"/>
+          <p:cNvSpPr>
+            <a:spLocks noGrp="1"/>
+          </p:cNvSpPr>
+          <p:nvPr>
+            <p:ph type="sldNum" sz="quarter" idx="12"/>
+          </p:nvPr>
+        </p:nvSpPr>
+        <p:spPr/>
+        <p:txBody>
+          <a:bodyPr/>
+          <a:lstStyle/>
+          <a:p>
+            <a:fld id="{61CF7123-22A5-4567-A5E1-BBA0CB862768}" type="slidenum">
+              <a:rPr lang="zh-CN" altLang="en-US" smtClean="0"/>
+              <a:t>28</a:t>
+            </a:fld>
+            <a:endParaRPr lang="zh-CN" altLang="en-US"/>
+          </a:p>
+        </p:txBody>
+      </p:sp>
+      <p:pic>
+        <p:nvPicPr>
+          <p:cNvPr id="5" name="图片 4">
+            <a:extLst>
+              <a:ext uri="{FF2B5EF4-FFF2-40B4-BE49-F238E27FC236}">
+                <a16:creationId xmlns:a16="http://schemas.microsoft.com/office/drawing/2014/main" id="{FEA99F51-A2DF-48A1-A50D-31B30BE95646}"/>
+              </a:ext>
+            </a:extLst>
+          </p:cNvPr>
+          <p:cNvPicPr>
+            <a:picLocks noChangeAspect="1"/>
+          </p:cNvPicPr>
+          <p:nvPr/>
+        </p:nvPicPr>
+        <p:blipFill>
+          <a:blip r:embed="rId2"/>
+          <a:stretch>
+            <a:fillRect/>
+          </a:stretch>
+        </p:blipFill>
+        <p:spPr>
+          <a:xfrm>
+            <a:off x="2233987" y="3199031"/>
+            <a:ext cx="3862013" cy="2730880"/>
+          </a:xfrm>
+          <a:prstGeom prst="rect">
+            <a:avLst/>
+          </a:prstGeom>
+        </p:spPr>
+      </p:pic>
+    </p:spTree>
+    <p:extLst>
+      <p:ext uri="{BB962C8B-B14F-4D97-AF65-F5344CB8AC3E}">
+        <p14:creationId xmlns:p14="http://schemas.microsoft.com/office/powerpoint/2010/main" val="2635038581"/>
+      </p:ext>
+    </p:extLst>
+  </p:cSld>
+  <p:clrMapOvr>
+    <a:masterClrMapping/>
+  </p:clrMapOvr>
+</p:sld>
+</file>
+
+<file path=ppt/slides/slide29.xml><?xml version="1.0" encoding="utf-8"?>
+<p:sld xmlns:a="http://schemas.openxmlformats.org/drawingml/2006/main" xmlns:r="http://schemas.openxmlformats.org/officeDocument/2006/relationships" xmlns:p="http://schemas.openxmlformats.org/presentationml/2006/main">
+  <p:cSld>
+    <p:spTree>
+      <p:nvGrpSpPr>
+        <p:cNvPr id="1" name=""/>
+        <p:cNvGrpSpPr/>
+        <p:nvPr/>
+      </p:nvGrpSpPr>
+      <p:grpSpPr>
+        <a:xfrm>
+          <a:off x="0" y="0"/>
+          <a:ext cx="0" cy="0"/>
+          <a:chOff x="0" y="0"/>
+          <a:chExt cx="0" cy="0"/>
+        </a:xfrm>
+      </p:grpSpPr>
+      <p:sp>
+        <p:nvSpPr>
+          <p:cNvPr id="2" name="标题 1">
+            <a:extLst>
+              <a:ext uri="{FF2B5EF4-FFF2-40B4-BE49-F238E27FC236}">
+                <a16:creationId xmlns:a16="http://schemas.microsoft.com/office/drawing/2014/main" id="{ED67E9CD-1DC7-415E-9E9B-3512B93E57C9}"/>
+              </a:ext>
+            </a:extLst>
+          </p:cNvPr>
+          <p:cNvSpPr>
+            <a:spLocks noGrp="1"/>
+          </p:cNvSpPr>
+          <p:nvPr>
+            <p:ph type="title"/>
+          </p:nvPr>
+        </p:nvSpPr>
+        <p:spPr/>
+        <p:txBody>
+          <a:bodyPr/>
+          <a:lstStyle/>
+          <a:p>
+            <a:r>
+              <a:rPr lang="zh-CN" altLang="en-US" dirty="0"/>
+              <a:t>扩展密钥构造</a:t>
+            </a:r>
+          </a:p>
+        </p:txBody>
+      </p:sp>
+      <p:sp>
+        <p:nvSpPr>
+          <p:cNvPr id="3" name="内容占位符 2">
+            <a:extLst>
+              <a:ext uri="{FF2B5EF4-FFF2-40B4-BE49-F238E27FC236}">
+                <a16:creationId xmlns:a16="http://schemas.microsoft.com/office/drawing/2014/main" id="{C1CBD84D-B15A-4B0A-89D0-4F25D41BCF05}"/>
+              </a:ext>
+            </a:extLst>
+          </p:cNvPr>
+          <p:cNvSpPr>
+            <a:spLocks noGrp="1"/>
+          </p:cNvSpPr>
+          <p:nvPr>
+            <p:ph idx="1"/>
+          </p:nvPr>
+        </p:nvSpPr>
+        <p:spPr/>
+        <p:txBody>
+          <a:bodyPr/>
+          <a:lstStyle/>
+          <a:p>
+            <a:r>
+              <a:rPr lang="zh-CN" altLang="en-US" dirty="0"/>
+              <a:t>扩展密钥是在原来</a:t>
+            </a:r>
+            <a:r>
+              <a:rPr lang="en-US" altLang="zh-CN" dirty="0"/>
+              <a:t>16</a:t>
+            </a:r>
+            <a:r>
+              <a:rPr lang="zh-CN" altLang="en-US" dirty="0"/>
+              <a:t>字节密钥的基础上新生成的密钥，用于轮函数中轮密相加操作中和待加密明文进行异或</a:t>
+            </a:r>
+            <a:endParaRPr lang="en-US" altLang="zh-CN" dirty="0"/>
+          </a:p>
+          <a:p>
+            <a:r>
+              <a:rPr lang="zh-CN" altLang="en-US" dirty="0"/>
+              <a:t>先将</a:t>
+            </a:r>
+            <a:r>
+              <a:rPr lang="en-US" altLang="zh-CN" dirty="0"/>
+              <a:t>16</a:t>
+            </a:r>
+            <a:r>
+              <a:rPr lang="zh-CN" altLang="en-US" dirty="0"/>
+              <a:t>字节的密钥写成</a:t>
+            </a:r>
+            <a:r>
+              <a:rPr lang="en-US" altLang="zh-CN" dirty="0"/>
+              <a:t>4×4</a:t>
+            </a:r>
+            <a:r>
+              <a:rPr lang="zh-CN" altLang="en-US" dirty="0"/>
+              <a:t>的矩阵形式，再分为</a:t>
+            </a:r>
+            <a:r>
+              <a:rPr lang="en-US" altLang="zh-CN" dirty="0"/>
+              <a:t>4</a:t>
+            </a:r>
+            <a:r>
+              <a:rPr lang="zh-CN" altLang="en-US" dirty="0"/>
+              <a:t>列：</a:t>
+            </a:r>
+            <a:r>
+              <a:rPr lang="en-US" altLang="zh-CN" dirty="0"/>
+              <a:t>W[0]</a:t>
+            </a:r>
+            <a:r>
+              <a:rPr lang="zh-CN" altLang="en-US" dirty="0"/>
+              <a:t>、</a:t>
+            </a:r>
+            <a:r>
+              <a:rPr lang="en-US" altLang="zh-CN" dirty="0"/>
+              <a:t>W[1]</a:t>
+            </a:r>
+            <a:r>
+              <a:rPr lang="zh-CN" altLang="en-US" dirty="0"/>
+              <a:t>、</a:t>
+            </a:r>
+            <a:r>
+              <a:rPr lang="en-US" altLang="zh-CN" dirty="0"/>
+              <a:t>W[2]</a:t>
+            </a:r>
+            <a:r>
+              <a:rPr lang="zh-CN" altLang="en-US" dirty="0"/>
+              <a:t>、</a:t>
+            </a:r>
+            <a:r>
+              <a:rPr lang="en-US" altLang="zh-CN" dirty="0"/>
+              <a:t>W[3]</a:t>
+            </a:r>
+          </a:p>
+          <a:p>
+            <a:r>
+              <a:rPr lang="zh-CN" altLang="en-US" dirty="0"/>
+              <a:t>再构造新的扩展密钥，递推公式如下：若</a:t>
+            </a:r>
+            <a:r>
+              <a:rPr lang="en-US" altLang="zh-CN" dirty="0" err="1"/>
+              <a:t>i</a:t>
+            </a:r>
+            <a:r>
+              <a:rPr lang="zh-CN" altLang="en-US" dirty="0"/>
+              <a:t>不为</a:t>
+            </a:r>
+            <a:r>
+              <a:rPr lang="en-US" altLang="zh-CN" dirty="0"/>
+              <a:t>4</a:t>
+            </a:r>
+            <a:r>
+              <a:rPr lang="zh-CN" altLang="en-US" dirty="0"/>
+              <a:t>的倍数，则</a:t>
+            </a:r>
+            <a:r>
+              <a:rPr lang="pl-PL" altLang="zh-CN" dirty="0"/>
+              <a:t>W[i]=W[i-4]⨁W[i-1]</a:t>
+            </a:r>
+            <a:r>
+              <a:rPr lang="zh-CN" altLang="en-US" dirty="0"/>
+              <a:t>否则，</a:t>
+            </a:r>
+            <a:r>
+              <a:rPr lang="pl-PL" altLang="zh-CN" dirty="0"/>
+              <a:t> W[i]=W[i-4]⨁T(W[i-1]) </a:t>
+            </a:r>
+            <a:r>
+              <a:rPr lang="zh-CN" altLang="en-US" dirty="0"/>
+              <a:t>，一直构造到</a:t>
+            </a:r>
+            <a:r>
+              <a:rPr lang="en-US" altLang="zh-CN" dirty="0"/>
+              <a:t>W[43]</a:t>
+            </a:r>
+          </a:p>
+          <a:p>
+            <a:r>
+              <a:rPr lang="zh-CN" altLang="en-US" dirty="0"/>
+              <a:t>上式中</a:t>
+            </a:r>
+            <a:r>
+              <a:rPr lang="en-US" altLang="zh-CN" dirty="0"/>
+              <a:t>T</a:t>
+            </a:r>
+            <a:r>
+              <a:rPr lang="zh-CN" altLang="en-US" dirty="0"/>
+              <a:t>函数也由三部分组成，首先循环左移</a:t>
+            </a:r>
+            <a:r>
+              <a:rPr lang="en-US" altLang="zh-CN" dirty="0"/>
+              <a:t>1</a:t>
+            </a:r>
+            <a:r>
+              <a:rPr lang="zh-CN" altLang="en-US" dirty="0"/>
+              <a:t>个字节，再用之前提到的</a:t>
+            </a:r>
+            <a:r>
+              <a:rPr lang="en-US" altLang="zh-CN" dirty="0"/>
+              <a:t>S</a:t>
+            </a:r>
+            <a:r>
+              <a:rPr lang="zh-CN" altLang="en-US" dirty="0"/>
+              <a:t>盒进行字节代换，最后同轮常量</a:t>
+            </a:r>
+            <a:r>
+              <a:rPr lang="en-US" altLang="zh-CN" dirty="0"/>
+              <a:t>R[j]</a:t>
+            </a:r>
+            <a:r>
+              <a:rPr lang="zh-CN" altLang="en-US" dirty="0"/>
+              <a:t>进行异或，</a:t>
+            </a:r>
+            <a:r>
+              <a:rPr lang="en-US" altLang="zh-CN" dirty="0"/>
+              <a:t>j</a:t>
+            </a:r>
+            <a:r>
+              <a:rPr lang="zh-CN" altLang="en-US" dirty="0"/>
+              <a:t>表示轮数，从</a:t>
+            </a:r>
+            <a:r>
+              <a:rPr lang="en-US" altLang="zh-CN" dirty="0"/>
+              <a:t>1</a:t>
+            </a:r>
+            <a:r>
+              <a:rPr lang="zh-CN" altLang="en-US" dirty="0"/>
+              <a:t>取到</a:t>
+            </a:r>
+            <a:r>
+              <a:rPr lang="en-US" altLang="zh-CN" dirty="0"/>
+              <a:t>10</a:t>
+            </a:r>
+            <a:r>
+              <a:rPr lang="zh-CN" altLang="en-US" dirty="0"/>
+              <a:t>，</a:t>
+            </a:r>
+            <a:r>
+              <a:rPr lang="en-US" altLang="zh-CN" dirty="0"/>
+              <a:t>R[j]</a:t>
+            </a:r>
+            <a:r>
+              <a:rPr lang="zh-CN" altLang="en-US" dirty="0"/>
+              <a:t>为常量，具体取值见</a:t>
+            </a:r>
+            <a:r>
+              <a:rPr lang="en-US" altLang="zh-CN" dirty="0" err="1"/>
+              <a:t>AESCoding.m</a:t>
+            </a:r>
+            <a:r>
+              <a:rPr lang="zh-CN" altLang="en-US" dirty="0"/>
+              <a:t>中的</a:t>
+            </a:r>
+            <a:r>
+              <a:rPr lang="en-US" altLang="zh-CN" dirty="0" err="1"/>
+              <a:t>keyextend</a:t>
+            </a:r>
+            <a:r>
+              <a:rPr lang="zh-CN" altLang="en-US" dirty="0"/>
+              <a:t>函数</a:t>
+            </a:r>
+            <a:endParaRPr lang="en-US" altLang="zh-CN" dirty="0"/>
+          </a:p>
+          <a:p>
+            <a:r>
+              <a:rPr lang="zh-CN" altLang="en-US" dirty="0"/>
+              <a:t>一共得到</a:t>
+            </a:r>
+            <a:r>
+              <a:rPr lang="en-US" altLang="zh-CN" dirty="0"/>
+              <a:t>44</a:t>
+            </a:r>
+            <a:r>
+              <a:rPr lang="zh-CN" altLang="en-US" dirty="0"/>
+              <a:t>列扩展密钥，每</a:t>
+            </a:r>
+            <a:r>
+              <a:rPr lang="en-US" altLang="zh-CN" dirty="0"/>
+              <a:t>4</a:t>
+            </a:r>
+            <a:r>
+              <a:rPr lang="zh-CN" altLang="en-US" dirty="0"/>
+              <a:t>列划分成一个</a:t>
+            </a:r>
+            <a:r>
+              <a:rPr lang="en-US" altLang="zh-CN" dirty="0"/>
+              <a:t>4×4</a:t>
+            </a:r>
+            <a:r>
+              <a:rPr lang="zh-CN" altLang="en-US" dirty="0"/>
+              <a:t>的</a:t>
+            </a:r>
+            <a:r>
+              <a:rPr lang="en-US" altLang="zh-CN" dirty="0"/>
+              <a:t>16</a:t>
+            </a:r>
+            <a:r>
+              <a:rPr lang="zh-CN" altLang="en-US" dirty="0"/>
+              <a:t>字节的密钥矩阵，一共</a:t>
+            </a:r>
+            <a:r>
+              <a:rPr lang="en-US" altLang="zh-CN" dirty="0"/>
+              <a:t>11</a:t>
+            </a:r>
+            <a:r>
+              <a:rPr lang="zh-CN" altLang="en-US" dirty="0"/>
+              <a:t>组，按照轮函数的轮数在轮密相加环节中取对应的密钥矩阵</a:t>
+            </a:r>
+            <a:endParaRPr lang="en-US" altLang="zh-CN" dirty="0"/>
+          </a:p>
+          <a:p>
+            <a:endParaRPr lang="en-US" altLang="zh-CN" dirty="0"/>
+          </a:p>
+          <a:p>
+            <a:endParaRPr lang="zh-CN" altLang="en-US" dirty="0"/>
+          </a:p>
+        </p:txBody>
+      </p:sp>
+      <p:sp>
+        <p:nvSpPr>
+          <p:cNvPr id="4" name="灯片编号占位符 3">
+            <a:extLst>
+              <a:ext uri="{FF2B5EF4-FFF2-40B4-BE49-F238E27FC236}">
+                <a16:creationId xmlns:a16="http://schemas.microsoft.com/office/drawing/2014/main" id="{B40113F5-68E0-4589-9146-5737CA83193A}"/>
+              </a:ext>
+            </a:extLst>
+          </p:cNvPr>
+          <p:cNvSpPr>
+            <a:spLocks noGrp="1"/>
+          </p:cNvSpPr>
+          <p:nvPr>
+            <p:ph type="sldNum" sz="quarter" idx="12"/>
+          </p:nvPr>
+        </p:nvSpPr>
+        <p:spPr/>
+        <p:txBody>
+          <a:bodyPr/>
+          <a:lstStyle/>
+          <a:p>
+            <a:fld id="{61CF7123-22A5-4567-A5E1-BBA0CB862768}" type="slidenum">
+              <a:rPr lang="zh-CN" altLang="en-US" smtClean="0"/>
+              <a:t>29</a:t>
+            </a:fld>
+            <a:endParaRPr lang="zh-CN" altLang="en-US"/>
+          </a:p>
+        </p:txBody>
+      </p:sp>
+    </p:spTree>
+    <p:extLst>
+      <p:ext uri="{BB962C8B-B14F-4D97-AF65-F5344CB8AC3E}">
+        <p14:creationId xmlns:p14="http://schemas.microsoft.com/office/powerpoint/2010/main" val="4268260439"/>
+      </p:ext>
+    </p:extLst>
+  </p:cSld>
+  <p:clrMapOvr>
+    <a:masterClrMapping/>
+  </p:clrMapOvr>
 </p:sld>
 </file>
 
@@ -15173,10 +15971,9 @@
           <a:lstStyle/>
           <a:p>
             <a:r>
-              <a:rPr lang="zh-CN" altLang="en-US" dirty="0" smtClean="0"/>
+              <a:rPr lang="zh-CN" altLang="en-US" dirty="0"/>
               <a:t>总体流程图</a:t>
             </a:r>
-            <a:endParaRPr lang="zh-CN" altLang="en-US" dirty="0"/>
           </a:p>
         </p:txBody>
       </p:sp>
@@ -15230,10 +16027,9 @@
             <a:p>
               <a:pPr algn="ctr"/>
               <a:r>
-                <a:rPr lang="zh-CN" altLang="en-US" dirty="0" smtClean="0"/>
+                <a:rPr lang="zh-CN" altLang="en-US" dirty="0"/>
                 <a:t>加密</a:t>
               </a:r>
-              <a:endParaRPr lang="zh-CN" altLang="en-US" dirty="0"/>
             </a:p>
           </p:txBody>
         </p:sp>
@@ -15273,10 +16069,9 @@
             <a:p>
               <a:pPr algn="ctr"/>
               <a:r>
-                <a:rPr lang="zh-CN" altLang="en-US" dirty="0" smtClean="0"/>
+                <a:rPr lang="zh-CN" altLang="en-US" dirty="0"/>
                 <a:t>卷积编码</a:t>
               </a:r>
-              <a:endParaRPr lang="zh-CN" altLang="en-US" dirty="0"/>
             </a:p>
           </p:txBody>
         </p:sp>
@@ -15316,10 +16111,9 @@
             <a:p>
               <a:pPr algn="ctr"/>
               <a:r>
-                <a:rPr lang="zh-CN" altLang="en-US" dirty="0" smtClean="0"/>
+                <a:rPr lang="zh-CN" altLang="en-US" dirty="0"/>
                 <a:t>基带成型</a:t>
               </a:r>
-              <a:endParaRPr lang="zh-CN" altLang="en-US" dirty="0"/>
             </a:p>
           </p:txBody>
         </p:sp>
@@ -15359,10 +16153,9 @@
             <a:p>
               <a:pPr algn="ctr"/>
               <a:r>
-                <a:rPr lang="zh-CN" altLang="en-US" dirty="0" smtClean="0"/>
+                <a:rPr lang="zh-CN" altLang="en-US" dirty="0"/>
                 <a:t>载波调制</a:t>
               </a:r>
-              <a:endParaRPr lang="zh-CN" altLang="en-US" dirty="0"/>
             </a:p>
           </p:txBody>
         </p:sp>
@@ -15402,10 +16195,9 @@
             <a:p>
               <a:pPr algn="ctr"/>
               <a:r>
-                <a:rPr lang="zh-CN" altLang="en-US" dirty="0" smtClean="0"/>
+                <a:rPr lang="zh-CN" altLang="en-US" dirty="0"/>
                 <a:t>信道</a:t>
               </a:r>
-              <a:endParaRPr lang="zh-CN" altLang="en-US" dirty="0"/>
             </a:p>
           </p:txBody>
         </p:sp>
@@ -15445,10 +16237,9 @@
             <a:p>
               <a:pPr algn="ctr"/>
               <a:r>
-                <a:rPr lang="zh-CN" altLang="en-US" dirty="0" smtClean="0"/>
+                <a:rPr lang="zh-CN" altLang="en-US" dirty="0"/>
                 <a:t>载波解调</a:t>
               </a:r>
-              <a:endParaRPr lang="zh-CN" altLang="en-US" dirty="0"/>
             </a:p>
           </p:txBody>
         </p:sp>
@@ -15488,10 +16279,9 @@
             <a:p>
               <a:pPr algn="ctr"/>
               <a:r>
-                <a:rPr lang="zh-CN" altLang="en-US" dirty="0" smtClean="0"/>
+                <a:rPr lang="zh-CN" altLang="en-US" dirty="0"/>
                 <a:t>电平映射</a:t>
               </a:r>
-              <a:endParaRPr lang="zh-CN" altLang="en-US" dirty="0"/>
             </a:p>
           </p:txBody>
         </p:sp>
@@ -15531,10 +16321,9 @@
             <a:p>
               <a:pPr algn="ctr"/>
               <a:r>
-                <a:rPr lang="zh-CN" altLang="en-US" dirty="0" smtClean="0"/>
+                <a:rPr lang="zh-CN" altLang="en-US" dirty="0"/>
                 <a:t>采样判决</a:t>
               </a:r>
-              <a:endParaRPr lang="zh-CN" altLang="en-US" dirty="0"/>
             </a:p>
           </p:txBody>
         </p:sp>
@@ -15574,34 +16363,29 @@
             <a:p>
               <a:pPr algn="ctr"/>
               <a:r>
-                <a:rPr lang="en-US" altLang="zh-CN" dirty="0" smtClean="0"/>
+                <a:rPr lang="en-US" altLang="zh-CN" dirty="0"/>
                 <a:t>Viterbi</a:t>
               </a:r>
               <a:r>
-                <a:rPr lang="zh-CN" altLang="en-US" dirty="0" smtClean="0"/>
+                <a:rPr lang="zh-CN" altLang="en-US" dirty="0"/>
                 <a:t>译码</a:t>
               </a:r>
-              <a:endParaRPr lang="en-US" altLang="zh-CN" dirty="0" smtClean="0"/>
+              <a:endParaRPr lang="en-US" altLang="zh-CN" dirty="0"/>
             </a:p>
             <a:p>
               <a:pPr algn="ctr"/>
               <a:r>
                 <a:rPr lang="zh-CN" altLang="en-US" dirty="0"/>
-                <a:t>硬</a:t>
+                <a:t>硬判决</a:t>
               </a:r>
               <a:r>
-                <a:rPr lang="zh-CN" altLang="en-US" dirty="0" smtClean="0"/>
-                <a:t>判决</a:t>
-              </a:r>
-              <a:r>
-                <a:rPr lang="en-US" altLang="zh-CN" dirty="0" smtClean="0"/>
+                <a:rPr lang="en-US" altLang="zh-CN" dirty="0"/>
                 <a:t>/</a:t>
               </a:r>
               <a:r>
-                <a:rPr lang="zh-CN" altLang="en-US" dirty="0" smtClean="0"/>
+                <a:rPr lang="zh-CN" altLang="en-US" dirty="0"/>
                 <a:t>软判决</a:t>
               </a:r>
-              <a:endParaRPr lang="zh-CN" altLang="en-US" dirty="0"/>
             </a:p>
           </p:txBody>
         </p:sp>
@@ -15641,10 +16425,9 @@
             <a:p>
               <a:pPr algn="ctr"/>
               <a:r>
-                <a:rPr lang="zh-CN" altLang="en-US" dirty="0" smtClean="0"/>
+                <a:rPr lang="zh-CN" altLang="en-US" dirty="0"/>
                 <a:t>解密</a:t>
               </a:r>
-              <a:endParaRPr lang="zh-CN" altLang="en-US" dirty="0"/>
             </a:p>
           </p:txBody>
         </p:sp>
@@ -16070,13 +16853,199 @@
   <p:clrMapOvr>
     <a:masterClrMapping/>
   </p:clrMapOvr>
-  <p:timing>
-    <p:tnLst>
-      <p:par>
-        <p:cTn id="1" dur="indefinite" restart="never" nodeType="tmRoot"/>
-      </p:par>
-    </p:tnLst>
-  </p:timing>
+</p:sld>
+</file>
+
+<file path=ppt/slides/slide30.xml><?xml version="1.0" encoding="utf-8"?>
+<p:sld xmlns:a="http://schemas.openxmlformats.org/drawingml/2006/main" xmlns:r="http://schemas.openxmlformats.org/officeDocument/2006/relationships" xmlns:p="http://schemas.openxmlformats.org/presentationml/2006/main">
+  <p:cSld>
+    <p:spTree>
+      <p:nvGrpSpPr>
+        <p:cNvPr id="1" name=""/>
+        <p:cNvGrpSpPr/>
+        <p:nvPr/>
+      </p:nvGrpSpPr>
+      <p:grpSpPr>
+        <a:xfrm>
+          <a:off x="0" y="0"/>
+          <a:ext cx="0" cy="0"/>
+          <a:chOff x="0" y="0"/>
+          <a:chExt cx="0" cy="0"/>
+        </a:xfrm>
+      </p:grpSpPr>
+      <p:sp>
+        <p:nvSpPr>
+          <p:cNvPr id="4" name="标题 3"/>
+          <p:cNvSpPr>
+            <a:spLocks noGrp="1"/>
+          </p:cNvSpPr>
+          <p:nvPr>
+            <p:ph type="title"/>
+          </p:nvPr>
+        </p:nvSpPr>
+        <p:spPr>
+          <a:xfrm>
+            <a:off x="677335" y="1960203"/>
+            <a:ext cx="8596668" cy="1826581"/>
+          </a:xfrm>
+        </p:spPr>
+        <p:txBody>
+          <a:bodyPr>
+            <a:normAutofit/>
+          </a:bodyPr>
+          <a:lstStyle/>
+          <a:p>
+            <a:pPr algn="ctr"/>
+            <a:r>
+              <a:rPr lang="zh-CN" altLang="en-US" sz="6000" dirty="0"/>
+              <a:t>五、联调与分析</a:t>
+            </a:r>
+          </a:p>
+        </p:txBody>
+      </p:sp>
+      <p:sp>
+        <p:nvSpPr>
+          <p:cNvPr id="5" name="文本占位符 4"/>
+          <p:cNvSpPr>
+            <a:spLocks noGrp="1"/>
+          </p:cNvSpPr>
+          <p:nvPr>
+            <p:ph type="body" idx="1"/>
+          </p:nvPr>
+        </p:nvSpPr>
+        <p:spPr/>
+        <p:txBody>
+          <a:bodyPr/>
+          <a:lstStyle/>
+          <a:p>
+            <a:endParaRPr lang="zh-CN" altLang="en-US"/>
+          </a:p>
+        </p:txBody>
+      </p:sp>
+      <p:sp>
+        <p:nvSpPr>
+          <p:cNvPr id="2" name="灯片编号占位符 1"/>
+          <p:cNvSpPr>
+            <a:spLocks noGrp="1"/>
+          </p:cNvSpPr>
+          <p:nvPr>
+            <p:ph type="sldNum" sz="quarter" idx="12"/>
+          </p:nvPr>
+        </p:nvSpPr>
+        <p:spPr/>
+        <p:txBody>
+          <a:bodyPr/>
+          <a:lstStyle/>
+          <a:p>
+            <a:fld id="{61CF7123-22A5-4567-A5E1-BBA0CB862768}" type="slidenum">
+              <a:rPr lang="zh-CN" altLang="en-US" smtClean="0"/>
+              <a:t>30</a:t>
+            </a:fld>
+            <a:endParaRPr lang="zh-CN" altLang="en-US"/>
+          </a:p>
+        </p:txBody>
+      </p:sp>
+    </p:spTree>
+    <p:extLst>
+      <p:ext uri="{BB962C8B-B14F-4D97-AF65-F5344CB8AC3E}">
+        <p14:creationId xmlns:p14="http://schemas.microsoft.com/office/powerpoint/2010/main" val="3932603939"/>
+      </p:ext>
+    </p:extLst>
+  </p:cSld>
+  <p:clrMapOvr>
+    <a:masterClrMapping/>
+  </p:clrMapOvr>
+</p:sld>
+</file>
+
+<file path=ppt/slides/slide31.xml><?xml version="1.0" encoding="utf-8"?>
+<p:sld xmlns:a="http://schemas.openxmlformats.org/drawingml/2006/main" xmlns:r="http://schemas.openxmlformats.org/officeDocument/2006/relationships" xmlns:p="http://schemas.openxmlformats.org/presentationml/2006/main">
+  <p:cSld>
+    <p:spTree>
+      <p:nvGrpSpPr>
+        <p:cNvPr id="1" name=""/>
+        <p:cNvGrpSpPr/>
+        <p:nvPr/>
+      </p:nvGrpSpPr>
+      <p:grpSpPr>
+        <a:xfrm>
+          <a:off x="0" y="0"/>
+          <a:ext cx="0" cy="0"/>
+          <a:chOff x="0" y="0"/>
+          <a:chExt cx="0" cy="0"/>
+        </a:xfrm>
+      </p:grpSpPr>
+      <p:sp>
+        <p:nvSpPr>
+          <p:cNvPr id="2" name="标题 1"/>
+          <p:cNvSpPr>
+            <a:spLocks noGrp="1"/>
+          </p:cNvSpPr>
+          <p:nvPr>
+            <p:ph type="title"/>
+          </p:nvPr>
+        </p:nvSpPr>
+        <p:spPr/>
+        <p:txBody>
+          <a:bodyPr/>
+          <a:lstStyle/>
+          <a:p>
+            <a:endParaRPr lang="zh-CN" altLang="en-US" dirty="0"/>
+          </a:p>
+        </p:txBody>
+      </p:sp>
+      <p:sp>
+        <p:nvSpPr>
+          <p:cNvPr id="3" name="内容占位符 2"/>
+          <p:cNvSpPr>
+            <a:spLocks noGrp="1"/>
+          </p:cNvSpPr>
+          <p:nvPr>
+            <p:ph idx="1"/>
+          </p:nvPr>
+        </p:nvSpPr>
+        <p:spPr/>
+        <p:txBody>
+          <a:bodyPr/>
+          <a:lstStyle/>
+          <a:p>
+            <a:endParaRPr lang="zh-CN" altLang="en-US"/>
+          </a:p>
+        </p:txBody>
+      </p:sp>
+      <p:sp>
+        <p:nvSpPr>
+          <p:cNvPr id="4" name="灯片编号占位符 3"/>
+          <p:cNvSpPr>
+            <a:spLocks noGrp="1"/>
+          </p:cNvSpPr>
+          <p:nvPr>
+            <p:ph type="sldNum" sz="quarter" idx="12"/>
+          </p:nvPr>
+        </p:nvSpPr>
+        <p:spPr/>
+        <p:txBody>
+          <a:bodyPr/>
+          <a:lstStyle/>
+          <a:p>
+            <a:fld id="{61CF7123-22A5-4567-A5E1-BBA0CB862768}" type="slidenum">
+              <a:rPr lang="zh-CN" altLang="en-US" smtClean="0"/>
+              <a:t>31</a:t>
+            </a:fld>
+            <a:endParaRPr lang="zh-CN" altLang="en-US"/>
+          </a:p>
+        </p:txBody>
+      </p:sp>
+    </p:spTree>
+    <p:extLst>
+      <p:ext uri="{BB962C8B-B14F-4D97-AF65-F5344CB8AC3E}">
+        <p14:creationId xmlns:p14="http://schemas.microsoft.com/office/powerpoint/2010/main" val="1654349788"/>
+      </p:ext>
+    </p:extLst>
+  </p:cSld>
+  <p:clrMapOvr>
+    <a:masterClrMapping/>
+  </p:clrMapOvr>
 </p:sld>
 </file>
 
@@ -16121,10 +17090,9 @@
           <a:p>
             <a:pPr algn="ctr"/>
             <a:r>
-              <a:rPr lang="zh-CN" altLang="en-US" sz="6000" dirty="0" smtClean="0"/>
+              <a:rPr lang="zh-CN" altLang="en-US" sz="6000" dirty="0"/>
               <a:t>一、调制与信道传输</a:t>
             </a:r>
-            <a:endParaRPr lang="zh-CN" altLang="en-US" sz="6000" dirty="0"/>
           </a:p>
         </p:txBody>
       </p:sp>
@@ -16180,13 +17148,6 @@
   <p:clrMapOvr>
     <a:masterClrMapping/>
   </p:clrMapOvr>
-  <p:timing>
-    <p:tnLst>
-      <p:par>
-        <p:cTn id="1" dur="indefinite" restart="never" nodeType="tmRoot"/>
-      </p:par>
-    </p:tnLst>
-  </p:timing>
 </p:sld>
 </file>
 
@@ -16278,13 +17239,6 @@
   <p:clrMapOvr>
     <a:masterClrMapping/>
   </p:clrMapOvr>
-  <p:timing>
-    <p:tnLst>
-      <p:par>
-        <p:cTn id="1" dur="indefinite" restart="never" nodeType="tmRoot"/>
-      </p:par>
-    </p:tnLst>
-  </p:timing>
 </p:sld>
 </file>
 
@@ -16329,18 +17283,17 @@
           <a:p>
             <a:pPr algn="ctr"/>
             <a:r>
-              <a:rPr lang="zh-CN" altLang="en-US" sz="6000" dirty="0" smtClean="0"/>
+              <a:rPr lang="zh-CN" altLang="en-US" sz="6000" dirty="0"/>
               <a:t>二、</a:t>
             </a:r>
             <a:r>
-              <a:rPr lang="en-US" altLang="zh-CN" sz="6000" dirty="0" smtClean="0"/>
+              <a:rPr lang="en-US" altLang="zh-CN" sz="6000" dirty="0"/>
               <a:t>RSA</a:t>
             </a:r>
             <a:r>
-              <a:rPr lang="zh-CN" altLang="en-US" sz="6000" dirty="0" smtClean="0"/>
+              <a:rPr lang="zh-CN" altLang="en-US" sz="6000" dirty="0"/>
               <a:t>算法实现</a:t>
             </a:r>
-            <a:endParaRPr lang="zh-CN" altLang="en-US" sz="6000" dirty="0"/>
           </a:p>
         </p:txBody>
       </p:sp>
@@ -16396,13 +17349,6 @@
   <p:clrMapOvr>
     <a:masterClrMapping/>
   </p:clrMapOvr>
-  <p:timing>
-    <p:tnLst>
-      <p:par>
-        <p:cTn id="1" dur="indefinite" restart="never" nodeType="tmRoot"/>
-      </p:par>
-    </p:tnLst>
-  </p:timing>
 </p:sld>
 </file>
 
@@ -16439,14 +17385,13 @@
           <a:lstStyle/>
           <a:p>
             <a:r>
-              <a:rPr lang="en-US" altLang="zh-CN" dirty="0" smtClean="0"/>
+              <a:rPr lang="en-US" altLang="zh-CN" dirty="0"/>
               <a:t>RSA</a:t>
             </a:r>
             <a:r>
-              <a:rPr lang="zh-CN" altLang="en-US" dirty="0" smtClean="0"/>
+              <a:rPr lang="zh-CN" altLang="en-US" dirty="0"/>
               <a:t>算法</a:t>
             </a:r>
-            <a:endParaRPr lang="zh-CN" altLang="en-US" dirty="0"/>
           </a:p>
         </p:txBody>
       </p:sp>
@@ -16499,34 +17444,33 @@
           <a:lstStyle/>
           <a:p>
             <a:r>
-              <a:rPr lang="zh-CN" altLang="en-US" dirty="0" smtClean="0"/>
+              <a:rPr lang="zh-CN" altLang="en-US" dirty="0"/>
               <a:t>回忆</a:t>
             </a:r>
             <a:r>
-              <a:rPr lang="en-US" altLang="zh-CN" dirty="0" smtClean="0"/>
+              <a:rPr lang="en-US" altLang="zh-CN" dirty="0"/>
               <a:t>PPT</a:t>
             </a:r>
             <a:r>
-              <a:rPr lang="zh-CN" altLang="en-US" dirty="0" smtClean="0"/>
+              <a:rPr lang="zh-CN" altLang="en-US" dirty="0"/>
               <a:t>第</a:t>
             </a:r>
             <a:r>
-              <a:rPr lang="en-US" altLang="zh-CN" dirty="0" smtClean="0"/>
+              <a:rPr lang="en-US" altLang="zh-CN" dirty="0"/>
               <a:t>7</a:t>
             </a:r>
             <a:r>
-              <a:rPr lang="zh-CN" altLang="en-US" dirty="0" smtClean="0"/>
+              <a:rPr lang="zh-CN" altLang="en-US" dirty="0"/>
               <a:t>讲</a:t>
             </a:r>
             <a:r>
-              <a:rPr lang="en-US" altLang="zh-CN" dirty="0" smtClean="0"/>
+              <a:rPr lang="en-US" altLang="zh-CN" dirty="0"/>
               <a:t>36</a:t>
             </a:r>
             <a:r>
-              <a:rPr lang="zh-CN" altLang="en-US" dirty="0" smtClean="0"/>
+              <a:rPr lang="zh-CN" altLang="en-US" dirty="0"/>
               <a:t>页</a:t>
             </a:r>
-            <a:endParaRPr lang="zh-CN" altLang="en-US" dirty="0"/>
           </a:p>
         </p:txBody>
       </p:sp>
@@ -16563,13 +17507,6 @@
   <p:clrMapOvr>
     <a:masterClrMapping/>
   </p:clrMapOvr>
-  <p:timing>
-    <p:tnLst>
-      <p:par>
-        <p:cTn id="1" dur="indefinite" restart="never" nodeType="tmRoot"/>
-      </p:par>
-    </p:tnLst>
-  </p:timing>
 </p:sld>
 </file>
 
@@ -16634,82 +17571,74 @@
           <a:lstStyle/>
           <a:p>
             <a:r>
-              <a:rPr lang="zh-CN" altLang="en-US" sz="2800" dirty="0" smtClean="0"/>
+              <a:rPr lang="zh-CN" altLang="en-US" sz="2800" dirty="0"/>
               <a:t>核心任务</a:t>
             </a:r>
             <a:r>
-              <a:rPr lang="en-US" altLang="zh-CN" sz="2800" dirty="0" smtClean="0"/>
+              <a:rPr lang="en-US" altLang="zh-CN" sz="2800" dirty="0"/>
               <a:t>:</a:t>
             </a:r>
           </a:p>
           <a:p>
             <a:pPr lvl="1"/>
             <a:r>
-              <a:rPr lang="en-US" altLang="zh-CN" sz="2400" dirty="0" smtClean="0"/>
+              <a:rPr lang="en-US" altLang="zh-CN" sz="2400" dirty="0"/>
               <a:t>1.</a:t>
             </a:r>
             <a:r>
-              <a:rPr lang="zh-CN" altLang="en-US" sz="2400" dirty="0" smtClean="0"/>
+              <a:rPr lang="zh-CN" altLang="en-US" sz="2400" dirty="0"/>
               <a:t>寻找两个大质数</a:t>
             </a:r>
-            <a:endParaRPr lang="en-US" altLang="zh-CN" sz="2400" dirty="0" smtClean="0"/>
+            <a:endParaRPr lang="en-US" altLang="zh-CN" sz="2400" dirty="0"/>
           </a:p>
           <a:p>
             <a:pPr lvl="1"/>
             <a:r>
-              <a:rPr lang="en-US" altLang="zh-CN" sz="2400" dirty="0" smtClean="0"/>
+              <a:rPr lang="en-US" altLang="zh-CN" sz="2400" dirty="0"/>
               <a:t>2.</a:t>
             </a:r>
             <a:r>
-              <a:rPr lang="zh-CN" altLang="en-US" sz="2400" dirty="0" smtClean="0"/>
+              <a:rPr lang="zh-CN" altLang="en-US" sz="2400" dirty="0"/>
               <a:t>大数（高精度）运算</a:t>
             </a:r>
-            <a:endParaRPr lang="en-US" altLang="zh-CN" sz="2400" dirty="0" smtClean="0"/>
+            <a:endParaRPr lang="en-US" altLang="zh-CN" sz="2400" dirty="0"/>
           </a:p>
           <a:p>
             <a:pPr lvl="1"/>
             <a:r>
               <a:rPr lang="en-US" altLang="zh-CN" sz="2400" dirty="0"/>
-              <a:t>3</a:t>
-            </a:r>
-            <a:r>
-              <a:rPr lang="en-US" altLang="zh-CN" sz="2400" dirty="0" smtClean="0"/>
-              <a:t>.</a:t>
-            </a:r>
-            <a:r>
-              <a:rPr lang="zh-CN" altLang="en-US" sz="2400" dirty="0" smtClean="0"/>
-              <a:t>寻找</a:t>
+              <a:t>3.</a:t>
             </a:r>
             <a:r>
               <a:rPr lang="zh-CN" altLang="en-US" sz="2400" dirty="0"/>
-              <a:t>模</a:t>
-            </a:r>
-            <a:r>
-              <a:rPr lang="en-US" altLang="zh-CN" sz="2400" dirty="0" smtClean="0"/>
+              <a:t>寻找模</a:t>
+            </a:r>
+            <a:r>
+              <a:rPr lang="en-US" altLang="zh-CN" sz="2400" dirty="0"/>
               <a:t>φ</a:t>
             </a:r>
             <a:r>
-              <a:rPr lang="zh-CN" altLang="en-US" sz="2400" dirty="0" smtClean="0"/>
+              <a:rPr lang="zh-CN" altLang="en-US" sz="2400" dirty="0"/>
               <a:t>（</a:t>
             </a:r>
             <a:r>
-              <a:rPr lang="en-US" altLang="zh-CN" sz="2400" dirty="0" smtClean="0"/>
+              <a:rPr lang="en-US" altLang="zh-CN" sz="2400" dirty="0"/>
               <a:t>n</a:t>
             </a:r>
             <a:r>
-              <a:rPr lang="zh-CN" altLang="en-US" sz="2400" dirty="0" smtClean="0"/>
+              <a:rPr lang="zh-CN" altLang="en-US" sz="2400" dirty="0"/>
               <a:t>）下的</a:t>
             </a:r>
             <a:r>
-              <a:rPr lang="en-US" altLang="zh-CN" sz="2400" dirty="0" smtClean="0"/>
+              <a:rPr lang="en-US" altLang="zh-CN" sz="2400" dirty="0"/>
               <a:t>d</a:t>
             </a:r>
             <a:r>
-              <a:rPr lang="zh-CN" altLang="en-US" sz="2400" dirty="0" smtClean="0"/>
+              <a:rPr lang="zh-CN" altLang="en-US" sz="2400" dirty="0"/>
               <a:t>及其逆元</a:t>
             </a:r>
             <a:r>
-              <a:rPr lang="en-US" altLang="zh-CN" sz="2400" dirty="0" smtClean="0"/>
+              <a:rPr lang="en-US" altLang="zh-CN" sz="2400" dirty="0"/>
               <a:t>e</a:t>
             </a:r>
           </a:p>
@@ -16719,23 +17648,23 @@
           </a:p>
           <a:p>
             <a:r>
-              <a:rPr lang="zh-CN" altLang="en-US" sz="2600" dirty="0" smtClean="0"/>
+              <a:rPr lang="zh-CN" altLang="en-US" sz="2600" dirty="0"/>
               <a:t>实现</a:t>
             </a:r>
             <a:r>
-              <a:rPr lang="en-US" altLang="zh-CN" sz="2600" dirty="0" smtClean="0"/>
+              <a:rPr lang="en-US" altLang="zh-CN" sz="2600" dirty="0"/>
               <a:t>:</a:t>
             </a:r>
             <a:r>
-              <a:rPr lang="en-US" altLang="zh-CN" sz="2600" dirty="0" err="1" smtClean="0"/>
+              <a:rPr lang="en-US" altLang="zh-CN" sz="2600" dirty="0" err="1"/>
               <a:t>c++</a:t>
             </a:r>
             <a:r>
-              <a:rPr lang="zh-CN" altLang="en-US" sz="2600" dirty="0" smtClean="0"/>
+              <a:rPr lang="zh-CN" altLang="en-US" sz="2600" dirty="0"/>
               <a:t>和</a:t>
             </a:r>
             <a:r>
-              <a:rPr lang="en-US" altLang="zh-CN" sz="2600" dirty="0" smtClean="0"/>
+              <a:rPr lang="en-US" altLang="zh-CN" sz="2600" dirty="0"/>
               <a:t>Java</a:t>
             </a:r>
           </a:p>
@@ -16778,13 +17707,6 @@
   <p:clrMapOvr>
     <a:masterClrMapping/>
   </p:clrMapOvr>
-  <p:timing>
-    <p:tnLst>
-      <p:par>
-        <p:cTn id="1" dur="indefinite" restart="never" nodeType="tmRoot"/>
-      </p:par>
-    </p:tnLst>
-  </p:timing>
 </p:sld>
 </file>
 
@@ -16821,14 +17743,13 @@
           <a:lstStyle/>
           <a:p>
             <a:r>
-              <a:rPr lang="en-US" altLang="zh-CN" dirty="0" smtClean="0"/>
+              <a:rPr lang="en-US" altLang="zh-CN" dirty="0"/>
               <a:t>RSA</a:t>
             </a:r>
             <a:r>
-              <a:rPr lang="zh-CN" altLang="en-US" dirty="0" smtClean="0"/>
+              <a:rPr lang="zh-CN" altLang="en-US" dirty="0"/>
               <a:t>算法</a:t>
             </a:r>
-            <a:endParaRPr lang="zh-CN" altLang="en-US" dirty="0"/>
           </a:p>
         </p:txBody>
       </p:sp>
@@ -16855,189 +17776,189 @@
           <a:lstStyle/>
           <a:p>
             <a:r>
-              <a:rPr lang="zh-CN" altLang="en-US" sz="3200" b="1" dirty="0" smtClean="0"/>
+              <a:rPr lang="zh-CN" altLang="en-US" sz="3200" b="1" dirty="0"/>
               <a:t>寻找两个大质数</a:t>
             </a:r>
             <a:r>
-              <a:rPr lang="en-US" altLang="zh-CN" sz="3200" b="1" dirty="0" smtClean="0"/>
+              <a:rPr lang="en-US" altLang="zh-CN" sz="3200" b="1" dirty="0"/>
               <a:t>:</a:t>
             </a:r>
           </a:p>
           <a:p>
             <a:r>
-              <a:rPr lang="zh-CN" altLang="en-US" dirty="0" smtClean="0"/>
+              <a:rPr lang="zh-CN" altLang="en-US" dirty="0"/>
               <a:t>基本思想如下</a:t>
             </a:r>
             <a:r>
-              <a:rPr lang="en-US" altLang="zh-CN" dirty="0" smtClean="0"/>
+              <a:rPr lang="en-US" altLang="zh-CN" dirty="0"/>
               <a:t>:</a:t>
             </a:r>
           </a:p>
           <a:p>
             <a:pPr lvl="1"/>
             <a:r>
-              <a:rPr lang="en-US" altLang="zh-CN" dirty="0" smtClean="0"/>
+              <a:rPr lang="en-US" altLang="zh-CN" dirty="0"/>
               <a:t>1.</a:t>
             </a:r>
             <a:r>
-              <a:rPr lang="zh-CN" altLang="en-US" dirty="0" smtClean="0"/>
+              <a:rPr lang="zh-CN" altLang="en-US" dirty="0"/>
               <a:t>指定质数的</a:t>
             </a:r>
             <a:r>
-              <a:rPr lang="en-US" altLang="zh-CN" dirty="0" smtClean="0"/>
+              <a:rPr lang="en-US" altLang="zh-CN" dirty="0"/>
               <a:t>bit</a:t>
             </a:r>
             <a:r>
-              <a:rPr lang="zh-CN" altLang="en-US" dirty="0" smtClean="0"/>
+              <a:rPr lang="zh-CN" altLang="en-US" dirty="0"/>
               <a:t>位数</a:t>
             </a:r>
             <a:r>
-              <a:rPr lang="en-US" altLang="zh-CN" dirty="0" smtClean="0"/>
+              <a:rPr lang="en-US" altLang="zh-CN" dirty="0"/>
               <a:t>n</a:t>
             </a:r>
           </a:p>
           <a:p>
             <a:pPr lvl="1"/>
             <a:r>
-              <a:rPr lang="en-US" altLang="zh-CN" dirty="0" smtClean="0"/>
+              <a:rPr lang="en-US" altLang="zh-CN" dirty="0"/>
               <a:t>2.</a:t>
             </a:r>
             <a:r>
-              <a:rPr lang="zh-CN" altLang="en-US" dirty="0" smtClean="0"/>
+              <a:rPr lang="zh-CN" altLang="en-US" dirty="0"/>
               <a:t>随机生成长度为</a:t>
             </a:r>
             <a:r>
-              <a:rPr lang="en-US" altLang="zh-CN" dirty="0" smtClean="0"/>
+              <a:rPr lang="en-US" altLang="zh-CN" dirty="0"/>
               <a:t>n</a:t>
             </a:r>
             <a:r>
-              <a:rPr lang="zh-CN" altLang="en-US" dirty="0" smtClean="0"/>
+              <a:rPr lang="zh-CN" altLang="en-US" dirty="0"/>
               <a:t>的</a:t>
             </a:r>
             <a:r>
-              <a:rPr lang="en-US" altLang="zh-CN" dirty="0" smtClean="0"/>
+              <a:rPr lang="en-US" altLang="zh-CN" dirty="0"/>
               <a:t>01bit</a:t>
             </a:r>
             <a:r>
-              <a:rPr lang="zh-CN" altLang="en-US" dirty="0" smtClean="0"/>
+              <a:rPr lang="zh-CN" altLang="en-US" dirty="0"/>
               <a:t>序列，并转化为十进制数</a:t>
             </a:r>
             <a:r>
-              <a:rPr lang="en-US" altLang="zh-CN" dirty="0" smtClean="0"/>
+              <a:rPr lang="en-US" altLang="zh-CN" dirty="0"/>
               <a:t>m</a:t>
             </a:r>
           </a:p>
           <a:p>
             <a:pPr lvl="1"/>
             <a:r>
-              <a:rPr lang="en-US" altLang="zh-CN" dirty="0" smtClean="0"/>
+              <a:rPr lang="en-US" altLang="zh-CN" dirty="0"/>
               <a:t>3.</a:t>
             </a:r>
             <a:r>
-              <a:rPr lang="zh-CN" altLang="en-US" dirty="0" smtClean="0"/>
+              <a:rPr lang="zh-CN" altLang="en-US" dirty="0"/>
               <a:t>通过线性筛素数的方法求出小于</a:t>
             </a:r>
             <a:r>
-              <a:rPr lang="en-US" altLang="zh-CN" dirty="0" smtClean="0"/>
+              <a:rPr lang="en-US" altLang="zh-CN" dirty="0"/>
               <a:t>m</a:t>
             </a:r>
             <a:r>
-              <a:rPr lang="zh-CN" altLang="en-US" dirty="0" smtClean="0"/>
+              <a:rPr lang="zh-CN" altLang="en-US" dirty="0"/>
               <a:t>的质数表（不用完全接近</a:t>
             </a:r>
             <a:r>
-              <a:rPr lang="en-US" altLang="zh-CN" dirty="0" smtClean="0"/>
+              <a:rPr lang="en-US" altLang="zh-CN" dirty="0"/>
               <a:t>m</a:t>
             </a:r>
             <a:r>
-              <a:rPr lang="zh-CN" altLang="en-US" dirty="0" smtClean="0"/>
+              <a:rPr lang="zh-CN" altLang="en-US" dirty="0"/>
               <a:t>，可以仅小于</a:t>
             </a:r>
             <a:r>
-              <a:rPr lang="en-US" altLang="zh-CN" dirty="0" smtClean="0"/>
+              <a:rPr lang="en-US" altLang="zh-CN" dirty="0"/>
               <a:t>m/2</a:t>
             </a:r>
             <a:r>
-              <a:rPr lang="zh-CN" altLang="en-US" dirty="0" smtClean="0"/>
+              <a:rPr lang="zh-CN" altLang="en-US" dirty="0"/>
               <a:t>）</a:t>
             </a:r>
-            <a:endParaRPr lang="en-US" altLang="zh-CN" dirty="0" smtClean="0"/>
+            <a:endParaRPr lang="en-US" altLang="zh-CN" dirty="0"/>
           </a:p>
           <a:p>
             <a:pPr lvl="1"/>
             <a:r>
-              <a:rPr lang="en-US" altLang="zh-CN" dirty="0" smtClean="0"/>
+              <a:rPr lang="en-US" altLang="zh-CN" dirty="0"/>
               <a:t>4.</a:t>
             </a:r>
             <a:r>
-              <a:rPr lang="zh-CN" altLang="en-US" dirty="0" smtClean="0"/>
+              <a:rPr lang="zh-CN" altLang="en-US" dirty="0"/>
               <a:t>用蒙特卡洛算法，随机选取质数</a:t>
             </a:r>
             <a:r>
-              <a:rPr lang="en-US" altLang="zh-CN" dirty="0" smtClean="0"/>
+              <a:rPr lang="en-US" altLang="zh-CN" dirty="0"/>
               <a:t>q</a:t>
             </a:r>
             <a:r>
-              <a:rPr lang="zh-CN" altLang="en-US" dirty="0" smtClean="0"/>
+              <a:rPr lang="zh-CN" altLang="en-US" dirty="0"/>
               <a:t>，检测是否满足</a:t>
             </a:r>
             <a:r>
-              <a:rPr lang="en-US" altLang="zh-CN" dirty="0" err="1" smtClean="0"/>
+              <a:rPr lang="en-US" altLang="zh-CN" dirty="0" err="1"/>
               <a:t>q|m</a:t>
             </a:r>
             <a:r>
-              <a:rPr lang="zh-CN" altLang="en-US" dirty="0" smtClean="0"/>
+              <a:rPr lang="zh-CN" altLang="en-US" dirty="0"/>
               <a:t>。若满足，则</a:t>
             </a:r>
             <a:r>
-              <a:rPr lang="en-US" altLang="zh-CN" dirty="0" smtClean="0"/>
+              <a:rPr lang="en-US" altLang="zh-CN" dirty="0"/>
               <a:t>m</a:t>
             </a:r>
             <a:r>
-              <a:rPr lang="zh-CN" altLang="en-US" dirty="0" smtClean="0"/>
+              <a:rPr lang="zh-CN" altLang="en-US" dirty="0"/>
               <a:t>不是质数，需要重新生成。重复多次检测都不满足</a:t>
             </a:r>
             <a:r>
-              <a:rPr lang="en-US" altLang="zh-CN" dirty="0" err="1" smtClean="0"/>
+              <a:rPr lang="en-US" altLang="zh-CN" dirty="0" err="1"/>
               <a:t>q|m</a:t>
             </a:r>
             <a:r>
-              <a:rPr lang="zh-CN" altLang="en-US" dirty="0" smtClean="0"/>
+              <a:rPr lang="zh-CN" altLang="en-US" dirty="0"/>
               <a:t>时，在一定概率下可以认定</a:t>
             </a:r>
             <a:r>
-              <a:rPr lang="en-US" altLang="zh-CN" dirty="0" smtClean="0"/>
+              <a:rPr lang="en-US" altLang="zh-CN" dirty="0"/>
               <a:t>m</a:t>
             </a:r>
             <a:r>
-              <a:rPr lang="zh-CN" altLang="en-US" dirty="0" smtClean="0"/>
+              <a:rPr lang="zh-CN" altLang="en-US" dirty="0"/>
               <a:t>为质数。</a:t>
             </a:r>
-            <a:endParaRPr lang="en-US" altLang="zh-CN" dirty="0" smtClean="0"/>
+            <a:endParaRPr lang="en-US" altLang="zh-CN" dirty="0"/>
           </a:p>
           <a:p>
             <a:pPr lvl="1"/>
-            <a:endParaRPr lang="en-US" altLang="zh-CN" dirty="0" smtClean="0"/>
-          </a:p>
-          <a:p>
-            <a:r>
-              <a:rPr lang="zh-CN" altLang="en-US" dirty="0" smtClean="0"/>
+            <a:endParaRPr lang="en-US" altLang="zh-CN" dirty="0"/>
+          </a:p>
+          <a:p>
+            <a:r>
+              <a:rPr lang="zh-CN" altLang="en-US" dirty="0"/>
               <a:t>但是，当位数</a:t>
             </a:r>
             <a:r>
-              <a:rPr lang="en-US" altLang="zh-CN" dirty="0" smtClean="0"/>
+              <a:rPr lang="en-US" altLang="zh-CN" dirty="0"/>
               <a:t>n</a:t>
             </a:r>
             <a:r>
-              <a:rPr lang="zh-CN" altLang="en-US" dirty="0" smtClean="0"/>
+              <a:rPr lang="zh-CN" altLang="en-US" dirty="0"/>
               <a:t>较大时，这样生成的效率较低。因此，我们采用了</a:t>
             </a:r>
             <a:r>
-              <a:rPr lang="en-US" altLang="zh-CN" dirty="0" smtClean="0"/>
+              <a:rPr lang="en-US" altLang="zh-CN" dirty="0"/>
               <a:t>Java</a:t>
             </a:r>
             <a:r>
-              <a:rPr lang="zh-CN" altLang="en-US" dirty="0" smtClean="0"/>
+              <a:rPr lang="zh-CN" altLang="en-US" dirty="0"/>
               <a:t>中的库函数</a:t>
             </a:r>
             <a:r>
@@ -17061,30 +17982,29 @@
               <a:t>rnd</a:t>
             </a:r>
             <a:r>
-              <a:rPr lang="en-US" altLang="zh-CN" dirty="0" smtClean="0"/>
+              <a:rPr lang="en-US" altLang="zh-CN" dirty="0"/>
               <a:t>)</a:t>
             </a:r>
             <a:r>
-              <a:rPr lang="zh-CN" altLang="en-US" dirty="0" smtClean="0"/>
+              <a:rPr lang="zh-CN" altLang="en-US" dirty="0"/>
               <a:t>，生成了</a:t>
             </a:r>
             <a:r>
-              <a:rPr lang="en-US" altLang="zh-CN" dirty="0" smtClean="0"/>
+              <a:rPr lang="en-US" altLang="zh-CN" dirty="0"/>
               <a:t>100</a:t>
             </a:r>
             <a:r>
-              <a:rPr lang="zh-CN" altLang="en-US" dirty="0" smtClean="0"/>
+              <a:rPr lang="zh-CN" altLang="en-US" dirty="0"/>
               <a:t>个质数并保存在文件</a:t>
             </a:r>
             <a:r>
-              <a:rPr lang="en-US" altLang="zh-CN" dirty="0" smtClean="0"/>
+              <a:rPr lang="en-US" altLang="zh-CN" dirty="0"/>
               <a:t>prime.txt</a:t>
             </a:r>
             <a:r>
-              <a:rPr lang="zh-CN" altLang="en-US" dirty="0" smtClean="0"/>
+              <a:rPr lang="zh-CN" altLang="en-US" dirty="0"/>
               <a:t>中。</a:t>
             </a:r>
-            <a:endParaRPr lang="zh-CN" altLang="en-US" dirty="0"/>
           </a:p>
         </p:txBody>
       </p:sp>
@@ -17121,13 +18041,6 @@
   <p:clrMapOvr>
     <a:masterClrMapping/>
   </p:clrMapOvr>
-  <p:timing>
-    <p:tnLst>
-      <p:par>
-        <p:cTn id="1" dur="indefinite" restart="never" nodeType="tmRoot"/>
-      </p:par>
-    </p:tnLst>
-  </p:timing>
 </p:sld>
 </file>
 

--- a/展示报告.pptx
+++ b/展示报告.pptx
@@ -16361,10 +16361,10 @@
         </p:nvGrpSpPr>
         <p:grpSpPr>
           <a:xfrm>
-            <a:off x="615488" y="2168704"/>
-            <a:ext cx="8816747" cy="3299042"/>
+            <a:off x="452612" y="2103190"/>
+            <a:ext cx="8816747" cy="3267438"/>
             <a:chOff x="615488" y="2168704"/>
-            <a:chExt cx="8816747" cy="3299042"/>
+            <a:chExt cx="8816747" cy="3267438"/>
           </a:xfrm>
         </p:grpSpPr>
         <p:sp>
@@ -16585,7 +16585,7 @@
           </p:nvSpPr>
           <p:spPr>
             <a:xfrm>
-              <a:off x="8304473" y="4722544"/>
+              <a:off x="8288901" y="4731492"/>
               <a:ext cx="1127761" cy="496298"/>
             </a:xfrm>
             <a:prstGeom prst="rect">
@@ -16669,7 +16669,7 @@
           </p:nvSpPr>
           <p:spPr>
             <a:xfrm>
-              <a:off x="6337669" y="4722544"/>
+              <a:off x="4975482" y="4706073"/>
               <a:ext cx="1127761" cy="496298"/>
             </a:xfrm>
             <a:prstGeom prst="rect">
@@ -16711,8 +16711,8 @@
           </p:nvSpPr>
           <p:spPr>
             <a:xfrm>
-              <a:off x="3473416" y="4473640"/>
-              <a:ext cx="1748971" cy="994106"/>
+              <a:off x="2740685" y="4472302"/>
+              <a:ext cx="1748971" cy="963840"/>
             </a:xfrm>
             <a:prstGeom prst="rect">
               <a:avLst/>
@@ -16991,45 +16991,9 @@
             <p:nvPr/>
           </p:nvCxnSpPr>
           <p:spPr>
-            <a:xfrm>
-              <a:off x="8868354" y="3987972"/>
-              <a:ext cx="0" cy="734572"/>
-            </a:xfrm>
-            <a:prstGeom prst="straightConnector1">
-              <a:avLst/>
-            </a:prstGeom>
-            <a:ln w="76200">
-              <a:tailEnd type="triangle"/>
-            </a:ln>
-          </p:spPr>
-          <p:style>
-            <a:lnRef idx="1">
-              <a:schemeClr val="accent1"/>
-            </a:lnRef>
-            <a:fillRef idx="0">
-              <a:schemeClr val="accent1"/>
-            </a:fillRef>
-            <a:effectRef idx="0">
-              <a:schemeClr val="accent1"/>
-            </a:effectRef>
-            <a:fontRef idx="minor">
-              <a:schemeClr val="tx1"/>
-            </a:fontRef>
-          </p:style>
-        </p:cxnSp>
-        <p:cxnSp>
-          <p:nvCxnSpPr>
-            <p:cNvPr id="33" name="直接箭头连接符 32"/>
-            <p:cNvCxnSpPr>
-              <a:stCxn id="14" idx="1"/>
-              <a:endCxn id="16" idx="3"/>
-            </p:cNvCxnSpPr>
-            <p:nvPr/>
-          </p:nvCxnSpPr>
-          <p:spPr>
             <a:xfrm flipH="1">
-              <a:off x="7465430" y="4970693"/>
-              <a:ext cx="839043" cy="0"/>
+              <a:off x="8852782" y="3987972"/>
+              <a:ext cx="15572" cy="743520"/>
             </a:xfrm>
             <a:prstGeom prst="straightConnector1">
               <a:avLst/>
@@ -17064,8 +17028,8 @@
           </p:nvCxnSpPr>
           <p:spPr>
             <a:xfrm flipH="1">
-              <a:off x="5222387" y="4970693"/>
-              <a:ext cx="1115282" cy="0"/>
+              <a:off x="4489656" y="4954222"/>
+              <a:ext cx="485826" cy="0"/>
             </a:xfrm>
             <a:prstGeom prst="straightConnector1">
               <a:avLst/>
@@ -17100,8 +17064,8 @@
           </p:nvCxnSpPr>
           <p:spPr>
             <a:xfrm flipH="1">
-              <a:off x="2345655" y="4970693"/>
-              <a:ext cx="1127761" cy="0"/>
+              <a:off x="2345655" y="4954222"/>
+              <a:ext cx="395030" cy="16471"/>
             </a:xfrm>
             <a:prstGeom prst="straightConnector1">
               <a:avLst/>
@@ -17219,6 +17183,115 @@
           </a:p>
         </p:txBody>
       </p:sp>
+      <p:sp>
+        <p:nvSpPr>
+          <p:cNvPr id="38" name="矩形 37"/>
+          <p:cNvSpPr/>
+          <p:nvPr/>
+        </p:nvSpPr>
+        <p:spPr>
+          <a:xfrm>
+            <a:off x="6419213" y="4648794"/>
+            <a:ext cx="1127761" cy="496298"/>
+          </a:xfrm>
+          <a:prstGeom prst="rect">
+            <a:avLst/>
+          </a:prstGeom>
+          <a:ln w="76200"/>
+        </p:spPr>
+        <p:style>
+          <a:lnRef idx="2">
+            <a:schemeClr val="accent1"/>
+          </a:lnRef>
+          <a:fillRef idx="1">
+            <a:schemeClr val="lt1"/>
+          </a:fillRef>
+          <a:effectRef idx="0">
+            <a:schemeClr val="accent1"/>
+          </a:effectRef>
+          <a:fontRef idx="minor">
+            <a:schemeClr val="dk1"/>
+          </a:fontRef>
+        </p:style>
+        <p:txBody>
+          <a:bodyPr rtlCol="0" anchor="ctr"/>
+          <a:lstStyle/>
+          <a:p>
+            <a:pPr algn="ctr"/>
+            <a:r>
+              <a:rPr lang="zh-CN" altLang="en-US" dirty="0" smtClean="0"/>
+              <a:t>匹配滤波</a:t>
+            </a:r>
+            <a:endParaRPr lang="zh-CN" altLang="en-US" dirty="0"/>
+          </a:p>
+        </p:txBody>
+      </p:sp>
+      <p:cxnSp>
+        <p:nvCxnSpPr>
+          <p:cNvPr id="39" name="直接箭头连接符 38"/>
+          <p:cNvCxnSpPr/>
+          <p:nvPr/>
+        </p:nvCxnSpPr>
+        <p:spPr>
+          <a:xfrm flipH="1">
+            <a:off x="5914532" y="4896943"/>
+            <a:ext cx="504681" cy="0"/>
+          </a:xfrm>
+          <a:prstGeom prst="straightConnector1">
+            <a:avLst/>
+          </a:prstGeom>
+          <a:ln w="76200">
+            <a:tailEnd type="triangle"/>
+          </a:ln>
+        </p:spPr>
+        <p:style>
+          <a:lnRef idx="1">
+            <a:schemeClr val="accent1"/>
+          </a:lnRef>
+          <a:fillRef idx="0">
+            <a:schemeClr val="accent1"/>
+          </a:fillRef>
+          <a:effectRef idx="0">
+            <a:schemeClr val="accent1"/>
+          </a:effectRef>
+          <a:fontRef idx="minor">
+            <a:schemeClr val="tx1"/>
+          </a:fontRef>
+        </p:style>
+      </p:cxnSp>
+      <p:cxnSp>
+        <p:nvCxnSpPr>
+          <p:cNvPr id="40" name="直接箭头连接符 39"/>
+          <p:cNvCxnSpPr/>
+          <p:nvPr/>
+        </p:nvCxnSpPr>
+        <p:spPr>
+          <a:xfrm flipH="1">
+            <a:off x="7546974" y="4896943"/>
+            <a:ext cx="504681" cy="0"/>
+          </a:xfrm>
+          <a:prstGeom prst="straightConnector1">
+            <a:avLst/>
+          </a:prstGeom>
+          <a:ln w="76200">
+            <a:tailEnd type="triangle"/>
+          </a:ln>
+        </p:spPr>
+        <p:style>
+          <a:lnRef idx="1">
+            <a:schemeClr val="accent1"/>
+          </a:lnRef>
+          <a:fillRef idx="0">
+            <a:schemeClr val="accent1"/>
+          </a:fillRef>
+          <a:effectRef idx="0">
+            <a:schemeClr val="accent1"/>
+          </a:effectRef>
+          <a:fontRef idx="minor">
+            <a:schemeClr val="tx1"/>
+          </a:fontRef>
+        </p:style>
+      </p:cxnSp>
     </p:spTree>
     <p:extLst>
       <p:ext uri="{BB962C8B-B14F-4D97-AF65-F5344CB8AC3E}">

--- a/展示报告.pptx
+++ b/展示报告.pptx
@@ -4483,7 +4483,7 @@
           <a:p>
             <a:fld id="{EB4C4659-B966-4F45-8722-BE2A40971674}" type="datetimeFigureOut">
               <a:rPr lang="zh-CN" altLang="en-US" smtClean="0"/>
-              <a:t>2019/12/1</a:t>
+              <a:t>2019/12/2</a:t>
             </a:fld>
             <a:endParaRPr lang="zh-CN" altLang="en-US"/>
           </a:p>
@@ -5472,7 +5472,7 @@
           <a:p>
             <a:fld id="{0B5262A1-BBB0-4C1D-B24B-A17475E309D3}" type="datetime1">
               <a:rPr lang="zh-CN" altLang="en-US" smtClean="0"/>
-              <a:t>2019/12/1</a:t>
+              <a:t>2019/12/2</a:t>
             </a:fld>
             <a:endParaRPr lang="zh-CN" altLang="en-US"/>
           </a:p>
@@ -5728,7 +5728,7 @@
           <a:p>
             <a:fld id="{F300D25C-9E56-4815-B126-F477E348A84B}" type="datetime1">
               <a:rPr lang="zh-CN" altLang="en-US" smtClean="0"/>
-              <a:t>2019/12/1</a:t>
+              <a:t>2019/12/2</a:t>
             </a:fld>
             <a:endParaRPr lang="zh-CN" altLang="en-US"/>
           </a:p>
@@ -6042,7 +6042,7 @@
           <a:p>
             <a:fld id="{E9808EBE-6BC3-4175-B4A0-4F64C25A476C}" type="datetime1">
               <a:rPr lang="zh-CN" altLang="en-US" smtClean="0"/>
-              <a:t>2019/12/1</a:t>
+              <a:t>2019/12/2</a:t>
             </a:fld>
             <a:endParaRPr lang="zh-CN" altLang="en-US"/>
           </a:p>
@@ -6383,7 +6383,7 @@
           <a:p>
             <a:fld id="{781EF140-0B3F-4DC7-A9A3-B2C679E00E0F}" type="datetime1">
               <a:rPr lang="zh-CN" altLang="en-US" smtClean="0"/>
-              <a:t>2019/12/1</a:t>
+              <a:t>2019/12/2</a:t>
             </a:fld>
             <a:endParaRPr lang="zh-CN" altLang="en-US"/>
           </a:p>
@@ -6697,7 +6697,7 @@
           <a:p>
             <a:fld id="{6981BB5D-EA9A-4860-8DD5-58A6633404BC}" type="datetime1">
               <a:rPr lang="zh-CN" altLang="en-US" smtClean="0"/>
-              <a:t>2019/12/1</a:t>
+              <a:t>2019/12/2</a:t>
             </a:fld>
             <a:endParaRPr lang="zh-CN" altLang="en-US"/>
           </a:p>
@@ -7090,7 +7090,7 @@
           <a:p>
             <a:fld id="{E0FF85C0-1095-4FFB-94C1-70CB4D918814}" type="datetime1">
               <a:rPr lang="zh-CN" altLang="en-US" smtClean="0"/>
-              <a:t>2019/12/1</a:t>
+              <a:t>2019/12/2</a:t>
             </a:fld>
             <a:endParaRPr lang="zh-CN" altLang="en-US"/>
           </a:p>
@@ -7260,7 +7260,7 @@
           <a:p>
             <a:fld id="{C173D7E1-5BB8-483A-B4B0-7EAE6B224F58}" type="datetime1">
               <a:rPr lang="zh-CN" altLang="en-US" smtClean="0"/>
-              <a:t>2019/12/1</a:t>
+              <a:t>2019/12/2</a:t>
             </a:fld>
             <a:endParaRPr lang="zh-CN" altLang="en-US"/>
           </a:p>
@@ -7440,7 +7440,7 @@
           <a:p>
             <a:fld id="{0B590B97-A056-4C81-A650-204F13DD8936}" type="datetime1">
               <a:rPr lang="zh-CN" altLang="en-US" smtClean="0"/>
-              <a:t>2019/12/1</a:t>
+              <a:t>2019/12/2</a:t>
             </a:fld>
             <a:endParaRPr lang="zh-CN" altLang="en-US"/>
           </a:p>
@@ -7616,7 +7616,7 @@
           <a:p>
             <a:fld id="{1F54B4F3-0B95-4222-9471-0346F240745B}" type="datetime1">
               <a:rPr lang="zh-CN" altLang="en-US" smtClean="0"/>
-              <a:t>2019/12/1</a:t>
+              <a:t>2019/12/2</a:t>
             </a:fld>
             <a:endParaRPr lang="zh-CN" altLang="en-US"/>
           </a:p>
@@ -7863,7 +7863,7 @@
           <a:p>
             <a:fld id="{8E6BFC4D-5D8D-4D3A-B941-C3E03EA0944D}" type="datetime1">
               <a:rPr lang="zh-CN" altLang="en-US" smtClean="0"/>
-              <a:t>2019/12/1</a:t>
+              <a:t>2019/12/2</a:t>
             </a:fld>
             <a:endParaRPr lang="zh-CN" altLang="en-US"/>
           </a:p>
@@ -8095,7 +8095,7 @@
           <a:p>
             <a:fld id="{BE5FBBB9-FE26-42A6-AE19-2140D520C355}" type="datetime1">
               <a:rPr lang="zh-CN" altLang="en-US" smtClean="0"/>
-              <a:t>2019/12/1</a:t>
+              <a:t>2019/12/2</a:t>
             </a:fld>
             <a:endParaRPr lang="zh-CN" altLang="en-US"/>
           </a:p>
@@ -8469,7 +8469,7 @@
           <a:p>
             <a:fld id="{9BC04FB6-A8B7-4B0B-AF43-DD1F5B5A0DF8}" type="datetime1">
               <a:rPr lang="zh-CN" altLang="en-US" smtClean="0"/>
-              <a:t>2019/12/1</a:t>
+              <a:t>2019/12/2</a:t>
             </a:fld>
             <a:endParaRPr lang="zh-CN" altLang="en-US"/>
           </a:p>
@@ -8592,7 +8592,7 @@
           <a:p>
             <a:fld id="{68D44B26-A9FC-4B6E-8859-401E2686118C}" type="datetime1">
               <a:rPr lang="zh-CN" altLang="en-US" smtClean="0"/>
-              <a:t>2019/12/1</a:t>
+              <a:t>2019/12/2</a:t>
             </a:fld>
             <a:endParaRPr lang="zh-CN" altLang="en-US"/>
           </a:p>
@@ -8687,7 +8687,7 @@
           <a:p>
             <a:fld id="{71FA1586-AFD4-4E60-811A-0CD4D64DFA4D}" type="datetime1">
               <a:rPr lang="zh-CN" altLang="en-US" smtClean="0"/>
-              <a:t>2019/12/1</a:t>
+              <a:t>2019/12/2</a:t>
             </a:fld>
             <a:endParaRPr lang="zh-CN" altLang="en-US"/>
           </a:p>
@@ -8942,7 +8942,7 @@
           <a:p>
             <a:fld id="{887C002E-9D7B-4926-843A-570DF38F1B50}" type="datetime1">
               <a:rPr lang="zh-CN" altLang="en-US" smtClean="0"/>
-              <a:t>2019/12/1</a:t>
+              <a:t>2019/12/2</a:t>
             </a:fld>
             <a:endParaRPr lang="zh-CN" altLang="en-US"/>
           </a:p>
@@ -9205,7 +9205,7 @@
           <a:p>
             <a:fld id="{1BD3EA07-5512-4129-815F-E1C87F26EDA3}" type="datetime1">
               <a:rPr lang="zh-CN" altLang="en-US" smtClean="0"/>
-              <a:t>2019/12/1</a:t>
+              <a:t>2019/12/2</a:t>
             </a:fld>
             <a:endParaRPr lang="zh-CN" altLang="en-US"/>
           </a:p>
@@ -9948,7 +9948,7 @@
           <a:p>
             <a:fld id="{B5E79416-FAB2-4A2D-9FE1-1756C2E7CD30}" type="datetime1">
               <a:rPr lang="zh-CN" altLang="en-US" smtClean="0"/>
-              <a:t>2019/12/1</a:t>
+              <a:t>2019/12/2</a:t>
             </a:fld>
             <a:endParaRPr lang="zh-CN" altLang="en-US"/>
           </a:p>
@@ -12302,44 +12302,47 @@
           </a:lstStyle>
           <a:p>
             <a:pPr marL="0" indent="0">
-              <a:buFont typeface="Wingdings 3" charset="2"/>
               <a:buNone/>
             </a:pPr>
             <a:r>
+              <a:rPr lang="zh-CN" altLang="en-US" dirty="0"/>
+              <a:t>比较</a:t>
+            </a:r>
+            <a:r>
               <a:rPr lang="zh-CN" altLang="en-US" dirty="0" smtClean="0"/>
-              <a:t>问题</a:t>
+              <a:t>无</a:t>
+            </a:r>
+            <a:r>
+              <a:rPr lang="zh-CN" altLang="en-US" dirty="0" smtClean="0"/>
+              <a:t>编码（黄线</a:t>
+            </a:r>
+            <a:r>
+              <a:rPr lang="zh-CN" altLang="en-US" dirty="0" smtClean="0"/>
+              <a:t>）、</a:t>
             </a:r>
             <a:r>
               <a:rPr lang="en-US" altLang="zh-CN" dirty="0" smtClean="0"/>
-              <a:t>1</a:t>
+              <a:t>1/2</a:t>
             </a:r>
             <a:r>
               <a:rPr lang="zh-CN" altLang="en-US" dirty="0" smtClean="0"/>
-              <a:t>：</a:t>
-            </a:r>
-            <a:r>
-              <a:rPr lang="en-US" altLang="zh-CN" dirty="0" smtClean="0"/>
-              <a:t>sigma</a:t>
+              <a:t>效率卷积码的硬判决（蓝线）和软判决（红线</a:t>
             </a:r>
             <a:r>
               <a:rPr lang="zh-CN" altLang="en-US" dirty="0" smtClean="0"/>
-              <a:t>和</a:t>
-            </a:r>
-            <a:r>
-              <a:rPr lang="en-US" altLang="zh-CN" dirty="0" smtClean="0"/>
-              <a:t>n0</a:t>
+              <a:t>）三种情况的误比特率与</a:t>
+            </a:r>
+            <a:r>
+              <a:rPr lang="en-US" altLang="zh-CN" dirty="0" err="1"/>
+              <a:t>Eb</a:t>
+            </a:r>
+            <a:r>
+              <a:rPr lang="en-US" altLang="zh-CN" dirty="0"/>
+              <a:t>/n0</a:t>
             </a:r>
             <a:r>
               <a:rPr lang="zh-CN" altLang="en-US" dirty="0" smtClean="0"/>
-              <a:t>的关系，此图是</a:t>
-            </a:r>
-            <a:r>
-              <a:rPr lang="en-US" altLang="zh-CN" dirty="0" smtClean="0"/>
-              <a:t>A^2/sigma^2</a:t>
-            </a:r>
-            <a:r>
-              <a:rPr lang="zh-CN" altLang="en-US" dirty="0" smtClean="0"/>
-              <a:t>图，但要求</a:t>
+              <a:t>关系曲线，可以发现在相同的</a:t>
             </a:r>
             <a:r>
               <a:rPr lang="en-US" altLang="zh-CN" dirty="0" err="1" smtClean="0"/>
@@ -12347,30 +12350,15 @@
             </a:r>
             <a:r>
               <a:rPr lang="en-US" altLang="zh-CN" dirty="0" smtClean="0"/>
-              <a:t>/no</a:t>
+              <a:t>/n0</a:t>
             </a:r>
             <a:r>
               <a:rPr lang="zh-CN" altLang="en-US" dirty="0" smtClean="0"/>
-              <a:t>图</a:t>
-            </a:r>
-            <a:endParaRPr lang="en-US" altLang="zh-CN" dirty="0" smtClean="0"/>
-          </a:p>
-          <a:p>
-            <a:pPr marL="0" indent="0">
-              <a:buFont typeface="Wingdings 3" charset="2"/>
-              <a:buNone/>
-            </a:pPr>
-            <a:r>
-              <a:rPr lang="zh-CN" altLang="en-US" dirty="0" smtClean="0"/>
-              <a:t>无编码（黄线）</a:t>
-            </a:r>
-            <a:r>
-              <a:rPr lang="en-US" altLang="zh-CN" dirty="0" smtClean="0"/>
-              <a:t>1/2</a:t>
-            </a:r>
-            <a:r>
-              <a:rPr lang="zh-CN" altLang="en-US" dirty="0" smtClean="0"/>
-              <a:t>效率卷积码的硬判决（蓝线）和软判决（红线）</a:t>
+              <a:t>的情况下，引入卷积码比无编码的误比特率低</a:t>
+            </a:r>
+            <a:r>
+              <a:rPr lang="zh-CN" altLang="en-US" smtClean="0"/>
+              <a:t>很多，对卷积码进行软判决相比硬判决误比特率要低很多。</a:t>
             </a:r>
             <a:endParaRPr lang="zh-CN" altLang="en-US" dirty="0"/>
           </a:p>
@@ -12378,7 +12366,7 @@
       </p:sp>
       <p:pic>
         <p:nvPicPr>
-          <p:cNvPr id="9" name="内容占位符 8"/>
+          <p:cNvPr id="5" name="内容占位符 4"/>
           <p:cNvPicPr>
             <a:picLocks noGrp="1" noChangeAspect="1"/>
           </p:cNvPicPr>
@@ -12394,8 +12382,8 @@
         </p:blipFill>
         <p:spPr>
           <a:xfrm>
-            <a:off x="2530296" y="2332935"/>
-            <a:ext cx="5226872" cy="3907566"/>
+            <a:off x="2238465" y="2101174"/>
+            <a:ext cx="6024553" cy="4503906"/>
           </a:xfrm>
           <a:prstGeom prst="rect">
             <a:avLst/>

--- a/展示报告.pptx
+++ b/展示报告.pptx
@@ -11700,9 +11700,10 @@
               <a:t>，则</a:t>
             </a:r>
             <a:r>
-              <a:rPr lang="en-US" altLang="zh-CN" dirty="0"/>
-              <a:t>fs=10Rs=16000Hz</a:t>
-            </a:r>
+              <a:rPr lang="en-US" altLang="zh-CN" smtClean="0"/>
+              <a:t>fs=10Rs=20000Hz</a:t>
+            </a:r>
+            <a:endParaRPr lang="en-US" altLang="zh-CN" dirty="0"/>
           </a:p>
           <a:p>
             <a:pPr marL="0" indent="0">
@@ -20058,7 +20059,7 @@
         </p:blipFill>
         <p:spPr>
           <a:xfrm>
-            <a:off x="2412820" y="2869792"/>
+            <a:off x="2412820" y="2878936"/>
             <a:ext cx="4873197" cy="3610249"/>
           </a:xfrm>
           <a:prstGeom prst="rect">
@@ -20412,7 +20413,7 @@
         </p:blipFill>
         <p:spPr>
           <a:xfrm>
-            <a:off x="677334" y="2598604"/>
+            <a:off x="677334" y="2609362"/>
             <a:ext cx="8160076" cy="3881437"/>
           </a:xfrm>
         </p:spPr>
@@ -21286,8 +21287,9 @@
             </a:r>
             <a:r>
               <a:rPr lang="en-US" altLang="zh-CN" dirty="0" smtClean="0"/>
-              <a:t>fs=10Rs=16000Hz</a:t>
-            </a:r>
+              <a:t>fs=10Rs=20000Hz</a:t>
+            </a:r>
+            <a:endParaRPr lang="en-US" altLang="zh-CN" dirty="0" smtClean="0"/>
           </a:p>
           <a:p>
             <a:pPr marL="0" indent="0">

--- a/展示报告.pptx
+++ b/展示报告.pptx
@@ -5,7 +5,7 @@
     <p:sldMasterId id="2147483678" r:id="rId1"/>
   </p:sldMasterIdLst>
   <p:notesMasterIdLst>
-    <p:notesMasterId r:id="rId43"/>
+    <p:notesMasterId r:id="rId50"/>
   </p:notesMasterIdLst>
   <p:sldIdLst>
     <p:sldId id="256" r:id="rId2"/>
@@ -49,6 +49,13 @@
     <p:sldId id="288" r:id="rId40"/>
     <p:sldId id="277" r:id="rId41"/>
     <p:sldId id="276" r:id="rId42"/>
+    <p:sldId id="301" r:id="rId43"/>
+    <p:sldId id="306" r:id="rId44"/>
+    <p:sldId id="302" r:id="rId45"/>
+    <p:sldId id="303" r:id="rId46"/>
+    <p:sldId id="307" r:id="rId47"/>
+    <p:sldId id="305" r:id="rId48"/>
+    <p:sldId id="304" r:id="rId49"/>
   </p:sldIdLst>
   <p:sldSz cx="12192000" cy="6858000"/>
   <p:notesSz cx="6858000" cy="9144000"/>
@@ -4750,6 +4757,102 @@
 </p:notesMaster>
 </file>
 
+<file path=ppt/notesSlides/notesSlide1.xml><?xml version="1.0" encoding="utf-8"?>
+<p:notes xmlns:a="http://schemas.openxmlformats.org/drawingml/2006/main" xmlns:r="http://schemas.openxmlformats.org/officeDocument/2006/relationships" xmlns:p="http://schemas.openxmlformats.org/presentationml/2006/main">
+  <p:cSld>
+    <p:spTree>
+      <p:nvGrpSpPr>
+        <p:cNvPr id="1" name=""/>
+        <p:cNvGrpSpPr/>
+        <p:nvPr/>
+      </p:nvGrpSpPr>
+      <p:grpSpPr>
+        <a:xfrm>
+          <a:off x="0" y="0"/>
+          <a:ext cx="0" cy="0"/>
+          <a:chOff x="0" y="0"/>
+          <a:chExt cx="0" cy="0"/>
+        </a:xfrm>
+      </p:grpSpPr>
+      <p:sp>
+        <p:nvSpPr>
+          <p:cNvPr id="2" name="幻灯片图像占位符 1"/>
+          <p:cNvSpPr>
+            <a:spLocks noGrp="1" noRot="1" noChangeAspect="1"/>
+          </p:cNvSpPr>
+          <p:nvPr>
+            <p:ph type="sldImg"/>
+          </p:nvPr>
+        </p:nvSpPr>
+        <p:spPr/>
+      </p:sp>
+      <p:sp>
+        <p:nvSpPr>
+          <p:cNvPr id="3" name="备注占位符 2"/>
+          <p:cNvSpPr>
+            <a:spLocks noGrp="1"/>
+          </p:cNvSpPr>
+          <p:nvPr>
+            <p:ph type="body" idx="1"/>
+          </p:nvPr>
+        </p:nvSpPr>
+        <p:spPr/>
+        <p:txBody>
+          <a:bodyPr/>
+          <a:lstStyle/>
+          <a:p>
+            <a:r>
+              <a:rPr lang="zh-CN" altLang="en-US" dirty="0" smtClean="0"/>
+              <a:t>我们选取传输长度是</a:t>
+            </a:r>
+            <a:r>
+              <a:rPr lang="en-US" altLang="zh-CN" dirty="0" smtClean="0"/>
+              <a:t>384</a:t>
+            </a:r>
+            <a:r>
+              <a:rPr lang="zh-CN" altLang="en-US" dirty="0" smtClean="0"/>
+              <a:t>位的数据。</a:t>
+            </a:r>
+            <a:endParaRPr lang="zh-CN" altLang="en-US" dirty="0"/>
+          </a:p>
+        </p:txBody>
+      </p:sp>
+      <p:sp>
+        <p:nvSpPr>
+          <p:cNvPr id="4" name="灯片编号占位符 3"/>
+          <p:cNvSpPr>
+            <a:spLocks noGrp="1"/>
+          </p:cNvSpPr>
+          <p:nvPr>
+            <p:ph type="sldNum" sz="quarter" idx="10"/>
+          </p:nvPr>
+        </p:nvSpPr>
+        <p:spPr/>
+        <p:txBody>
+          <a:bodyPr/>
+          <a:lstStyle/>
+          <a:p>
+            <a:fld id="{75A66BFF-1F29-435A-9A5D-68C69CF8FD9F}" type="slidenum">
+              <a:rPr lang="zh-CN" altLang="en-US" smtClean="0"/>
+              <a:t>41</a:t>
+            </a:fld>
+            <a:endParaRPr lang="zh-CN" altLang="en-US"/>
+          </a:p>
+        </p:txBody>
+      </p:sp>
+    </p:spTree>
+    <p:extLst>
+      <p:ext uri="{BB962C8B-B14F-4D97-AF65-F5344CB8AC3E}">
+        <p14:creationId xmlns:p14="http://schemas.microsoft.com/office/powerpoint/2010/main" val="3492745113"/>
+      </p:ext>
+    </p:extLst>
+  </p:cSld>
+  <p:clrMapOvr>
+    <a:masterClrMapping/>
+  </p:clrMapOvr>
+</p:notes>
+</file>
+
 <file path=ppt/slideLayouts/slideLayout1.xml><?xml version="1.0" encoding="utf-8"?>
 <p:sldLayout xmlns:a="http://schemas.openxmlformats.org/drawingml/2006/main" xmlns:r="http://schemas.openxmlformats.org/officeDocument/2006/relationships" xmlns:p="http://schemas.openxmlformats.org/presentationml/2006/main" showMasterSp="0" type="title" preserve="1">
   <p:cSld name="标题幻灯片">
@@ -11795,7 +11898,11 @@
             </a:r>
             <a:r>
               <a:rPr lang="zh-CN" altLang="en-US" dirty="0" smtClean="0"/>
-              <a:t>接收波形和功率谱密度</a:t>
+              <a:t>接收波形和</a:t>
+            </a:r>
+            <a:r>
+              <a:rPr lang="zh-CN" altLang="en-US" dirty="0" smtClean="0"/>
+              <a:t>功率谱</a:t>
             </a:r>
             <a:endParaRPr lang="zh-CN" altLang="en-US" dirty="0"/>
           </a:p>
@@ -12310,15 +12417,7 @@
             </a:r>
             <a:r>
               <a:rPr lang="zh-CN" altLang="en-US" dirty="0" smtClean="0"/>
-              <a:t>无</a:t>
-            </a:r>
-            <a:r>
-              <a:rPr lang="zh-CN" altLang="en-US" dirty="0" smtClean="0"/>
-              <a:t>编码（黄线</a:t>
-            </a:r>
-            <a:r>
-              <a:rPr lang="zh-CN" altLang="en-US" dirty="0" smtClean="0"/>
-              <a:t>）、</a:t>
+              <a:t>无编码（黄线）、</a:t>
             </a:r>
             <a:r>
               <a:rPr lang="en-US" altLang="zh-CN" dirty="0" smtClean="0"/>
@@ -12326,11 +12425,7 @@
             </a:r>
             <a:r>
               <a:rPr lang="zh-CN" altLang="en-US" dirty="0" smtClean="0"/>
-              <a:t>效率卷积码的硬判决（蓝线）和软判决（红线</a:t>
-            </a:r>
-            <a:r>
-              <a:rPr lang="zh-CN" altLang="en-US" dirty="0" smtClean="0"/>
-              <a:t>）三种情况的误比特率与</a:t>
+              <a:t>效率卷积码的硬判决（蓝线）和软判决（红线）三种情况的误比特率与</a:t>
             </a:r>
             <a:r>
               <a:rPr lang="en-US" altLang="zh-CN" dirty="0" err="1"/>
@@ -19810,6 +19905,13 @@
   <p:clrMapOvr>
     <a:masterClrMapping/>
   </p:clrMapOvr>
+  <p:timing>
+    <p:tnLst>
+      <p:par>
+        <p:cTn id="1" dur="indefinite" restart="never" nodeType="tmRoot"/>
+      </p:par>
+    </p:tnLst>
+  </p:timing>
 </p:sld>
 </file>
 
@@ -19845,6 +19947,10 @@
           <a:bodyPr/>
           <a:lstStyle/>
           <a:p>
+            <a:r>
+              <a:rPr lang="zh-CN" altLang="en-US" dirty="0" smtClean="0"/>
+              <a:t>安全、信道编码联调</a:t>
+            </a:r>
             <a:endParaRPr lang="zh-CN" altLang="en-US" dirty="0"/>
           </a:p>
         </p:txBody>
@@ -19859,12 +19965,52 @@
             <p:ph idx="1"/>
           </p:nvPr>
         </p:nvSpPr>
-        <p:spPr/>
+        <p:spPr>
+          <a:xfrm>
+            <a:off x="677334" y="1261873"/>
+            <a:ext cx="8596668" cy="4779490"/>
+          </a:xfrm>
+        </p:spPr>
         <p:txBody>
           <a:bodyPr/>
           <a:lstStyle/>
           <a:p>
-            <a:endParaRPr lang="zh-CN" altLang="en-US"/>
+            <a:r>
+              <a:rPr lang="zh-CN" altLang="en-US" dirty="0" smtClean="0"/>
+              <a:t>无卷积编码</a:t>
+            </a:r>
+            <a:r>
+              <a:rPr lang="en-US" altLang="zh-CN" dirty="0" smtClean="0"/>
+              <a:t>σ=0.2</a:t>
+            </a:r>
+            <a:r>
+              <a:rPr lang="zh-CN" altLang="en-US" dirty="0" smtClean="0"/>
+              <a:t>，从上到下依次是不加密、</a:t>
+            </a:r>
+            <a:r>
+              <a:rPr lang="en-US" altLang="zh-CN" dirty="0" smtClean="0"/>
+              <a:t>RSA</a:t>
+            </a:r>
+            <a:r>
+              <a:rPr lang="zh-CN" altLang="en-US" dirty="0" smtClean="0"/>
+              <a:t>、</a:t>
+            </a:r>
+            <a:r>
+              <a:rPr lang="en-US" altLang="zh-CN" dirty="0" smtClean="0"/>
+              <a:t>DES</a:t>
+            </a:r>
+            <a:r>
+              <a:rPr lang="zh-CN" altLang="en-US" dirty="0" smtClean="0"/>
+              <a:t>、</a:t>
+            </a:r>
+            <a:r>
+              <a:rPr lang="en-US" altLang="zh-CN" dirty="0" smtClean="0"/>
+              <a:t>AES</a:t>
+            </a:r>
+            <a:endParaRPr lang="en-US" altLang="zh-CN" dirty="0" smtClean="0"/>
+          </a:p>
+          <a:p>
+            <a:endParaRPr lang="zh-CN" altLang="en-US" dirty="0"/>
           </a:p>
         </p:txBody>
       </p:sp>
@@ -19891,10 +20037,1199 @@
           </a:p>
         </p:txBody>
       </p:sp>
+      <p:pic>
+        <p:nvPicPr>
+          <p:cNvPr id="5" name="图片 4"/>
+          <p:cNvPicPr>
+            <a:picLocks noChangeAspect="1"/>
+          </p:cNvPicPr>
+          <p:nvPr/>
+        </p:nvPicPr>
+        <p:blipFill>
+          <a:blip r:embed="rId3"/>
+          <a:stretch>
+            <a:fillRect/>
+          </a:stretch>
+        </p:blipFill>
+        <p:spPr>
+          <a:xfrm>
+            <a:off x="-653785" y="1442760"/>
+            <a:ext cx="11562577" cy="5778363"/>
+          </a:xfrm>
+          <a:prstGeom prst="rect">
+            <a:avLst/>
+          </a:prstGeom>
+        </p:spPr>
+      </p:pic>
     </p:spTree>
     <p:extLst>
       <p:ext uri="{BB962C8B-B14F-4D97-AF65-F5344CB8AC3E}">
         <p14:creationId xmlns:p14="http://schemas.microsoft.com/office/powerpoint/2010/main" val="1654349788"/>
+      </p:ext>
+    </p:extLst>
+  </p:cSld>
+  <p:clrMapOvr>
+    <a:masterClrMapping/>
+  </p:clrMapOvr>
+  <p:timing>
+    <p:tnLst>
+      <p:par>
+        <p:cTn id="1" dur="indefinite" restart="never" nodeType="tmRoot"/>
+      </p:par>
+    </p:tnLst>
+  </p:timing>
+</p:sld>
+</file>
+
+<file path=ppt/slides/slide42.xml><?xml version="1.0" encoding="utf-8"?>
+<p:sld xmlns:a="http://schemas.openxmlformats.org/drawingml/2006/main" xmlns:r="http://schemas.openxmlformats.org/officeDocument/2006/relationships" xmlns:p="http://schemas.openxmlformats.org/presentationml/2006/main">
+  <p:cSld>
+    <p:spTree>
+      <p:nvGrpSpPr>
+        <p:cNvPr id="1" name=""/>
+        <p:cNvGrpSpPr/>
+        <p:nvPr/>
+      </p:nvGrpSpPr>
+      <p:grpSpPr>
+        <a:xfrm>
+          <a:off x="0" y="0"/>
+          <a:ext cx="0" cy="0"/>
+          <a:chOff x="0" y="0"/>
+          <a:chExt cx="0" cy="0"/>
+        </a:xfrm>
+      </p:grpSpPr>
+      <p:sp>
+        <p:nvSpPr>
+          <p:cNvPr id="2" name="标题 1"/>
+          <p:cNvSpPr>
+            <a:spLocks noGrp="1"/>
+          </p:cNvSpPr>
+          <p:nvPr>
+            <p:ph type="title"/>
+          </p:nvPr>
+        </p:nvSpPr>
+        <p:spPr/>
+        <p:txBody>
+          <a:bodyPr/>
+          <a:lstStyle/>
+          <a:p>
+            <a:r>
+              <a:rPr lang="zh-CN" altLang="en-US" dirty="0" smtClean="0"/>
+              <a:t>安全、信道编码联调</a:t>
+            </a:r>
+            <a:endParaRPr lang="zh-CN" altLang="en-US" dirty="0"/>
+          </a:p>
+        </p:txBody>
+      </p:sp>
+      <p:sp>
+        <p:nvSpPr>
+          <p:cNvPr id="3" name="内容占位符 2"/>
+          <p:cNvSpPr>
+            <a:spLocks noGrp="1"/>
+          </p:cNvSpPr>
+          <p:nvPr>
+            <p:ph idx="1"/>
+          </p:nvPr>
+        </p:nvSpPr>
+        <p:spPr>
+          <a:xfrm>
+            <a:off x="677334" y="1261873"/>
+            <a:ext cx="8596668" cy="4779490"/>
+          </a:xfrm>
+        </p:spPr>
+        <p:txBody>
+          <a:bodyPr/>
+          <a:lstStyle/>
+          <a:p>
+            <a:r>
+              <a:rPr lang="zh-CN" altLang="en-US" dirty="0" smtClean="0"/>
+              <a:t>无卷积编码</a:t>
+            </a:r>
+            <a:r>
+              <a:rPr lang="en-US" altLang="zh-CN" dirty="0" smtClean="0"/>
+              <a:t>σ=0.4,</a:t>
+            </a:r>
+            <a:r>
+              <a:rPr lang="zh-CN" altLang="en-US" dirty="0"/>
+              <a:t>从上到下依次</a:t>
+            </a:r>
+            <a:r>
+              <a:rPr lang="zh-CN" altLang="en-US" dirty="0" smtClean="0"/>
+              <a:t>是不加密、</a:t>
+            </a:r>
+            <a:r>
+              <a:rPr lang="en-US" altLang="zh-CN" dirty="0" smtClean="0"/>
+              <a:t>RSA</a:t>
+            </a:r>
+            <a:r>
+              <a:rPr lang="zh-CN" altLang="en-US" dirty="0"/>
+              <a:t>、</a:t>
+            </a:r>
+            <a:r>
+              <a:rPr lang="en-US" altLang="zh-CN" dirty="0"/>
+              <a:t>DES</a:t>
+            </a:r>
+            <a:r>
+              <a:rPr lang="zh-CN" altLang="en-US" dirty="0"/>
+              <a:t>、</a:t>
+            </a:r>
+            <a:r>
+              <a:rPr lang="en-US" altLang="zh-CN" dirty="0"/>
+              <a:t>AES</a:t>
+            </a:r>
+          </a:p>
+          <a:p>
+            <a:endParaRPr lang="en-US" altLang="zh-CN" dirty="0" smtClean="0"/>
+          </a:p>
+          <a:p>
+            <a:endParaRPr lang="zh-CN" altLang="en-US" dirty="0"/>
+          </a:p>
+        </p:txBody>
+      </p:sp>
+      <p:sp>
+        <p:nvSpPr>
+          <p:cNvPr id="4" name="灯片编号占位符 3"/>
+          <p:cNvSpPr>
+            <a:spLocks noGrp="1"/>
+          </p:cNvSpPr>
+          <p:nvPr>
+            <p:ph type="sldNum" sz="quarter" idx="12"/>
+          </p:nvPr>
+        </p:nvSpPr>
+        <p:spPr/>
+        <p:txBody>
+          <a:bodyPr/>
+          <a:lstStyle/>
+          <a:p>
+            <a:fld id="{61CF7123-22A5-4567-A5E1-BBA0CB862768}" type="slidenum">
+              <a:rPr lang="zh-CN" altLang="en-US" smtClean="0"/>
+              <a:t>42</a:t>
+            </a:fld>
+            <a:endParaRPr lang="zh-CN" altLang="en-US"/>
+          </a:p>
+        </p:txBody>
+      </p:sp>
+      <p:pic>
+        <p:nvPicPr>
+          <p:cNvPr id="6" name="图片 5"/>
+          <p:cNvPicPr>
+            <a:picLocks noChangeAspect="1"/>
+          </p:cNvPicPr>
+          <p:nvPr/>
+        </p:nvPicPr>
+        <p:blipFill>
+          <a:blip r:embed="rId2"/>
+          <a:stretch>
+            <a:fillRect/>
+          </a:stretch>
+        </p:blipFill>
+        <p:spPr>
+          <a:xfrm>
+            <a:off x="-800089" y="1338739"/>
+            <a:ext cx="12028921" cy="6011417"/>
+          </a:xfrm>
+          <a:prstGeom prst="rect">
+            <a:avLst/>
+          </a:prstGeom>
+        </p:spPr>
+      </p:pic>
+    </p:spTree>
+    <p:extLst>
+      <p:ext uri="{BB962C8B-B14F-4D97-AF65-F5344CB8AC3E}">
+        <p14:creationId xmlns:p14="http://schemas.microsoft.com/office/powerpoint/2010/main" val="2485668956"/>
+      </p:ext>
+    </p:extLst>
+  </p:cSld>
+  <p:clrMapOvr>
+    <a:masterClrMapping/>
+  </p:clrMapOvr>
+  <p:timing>
+    <p:tnLst>
+      <p:par>
+        <p:cTn id="1" dur="indefinite" restart="never" nodeType="tmRoot"/>
+      </p:par>
+    </p:tnLst>
+  </p:timing>
+</p:sld>
+</file>
+
+<file path=ppt/slides/slide43.xml><?xml version="1.0" encoding="utf-8"?>
+<p:sld xmlns:a="http://schemas.openxmlformats.org/drawingml/2006/main" xmlns:r="http://schemas.openxmlformats.org/officeDocument/2006/relationships" xmlns:p="http://schemas.openxmlformats.org/presentationml/2006/main">
+  <p:cSld>
+    <p:spTree>
+      <p:nvGrpSpPr>
+        <p:cNvPr id="1" name=""/>
+        <p:cNvGrpSpPr/>
+        <p:nvPr/>
+      </p:nvGrpSpPr>
+      <p:grpSpPr>
+        <a:xfrm>
+          <a:off x="0" y="0"/>
+          <a:ext cx="0" cy="0"/>
+          <a:chOff x="0" y="0"/>
+          <a:chExt cx="0" cy="0"/>
+        </a:xfrm>
+      </p:grpSpPr>
+      <p:sp>
+        <p:nvSpPr>
+          <p:cNvPr id="2" name="标题 1"/>
+          <p:cNvSpPr>
+            <a:spLocks noGrp="1"/>
+          </p:cNvSpPr>
+          <p:nvPr>
+            <p:ph type="title"/>
+          </p:nvPr>
+        </p:nvSpPr>
+        <p:spPr/>
+        <p:txBody>
+          <a:bodyPr/>
+          <a:lstStyle/>
+          <a:p>
+            <a:r>
+              <a:rPr lang="zh-CN" altLang="en-US" dirty="0" smtClean="0"/>
+              <a:t>安全、信道编码联调</a:t>
+            </a:r>
+            <a:endParaRPr lang="zh-CN" altLang="en-US" dirty="0"/>
+          </a:p>
+        </p:txBody>
+      </p:sp>
+      <p:sp>
+        <p:nvSpPr>
+          <p:cNvPr id="3" name="内容占位符 2"/>
+          <p:cNvSpPr>
+            <a:spLocks noGrp="1"/>
+          </p:cNvSpPr>
+          <p:nvPr>
+            <p:ph idx="1"/>
+          </p:nvPr>
+        </p:nvSpPr>
+        <p:spPr>
+          <a:xfrm>
+            <a:off x="677334" y="1261873"/>
+            <a:ext cx="8596668" cy="4779490"/>
+          </a:xfrm>
+        </p:spPr>
+        <p:txBody>
+          <a:bodyPr/>
+          <a:lstStyle/>
+          <a:p>
+            <a:r>
+              <a:rPr lang="zh-CN" altLang="en-US" dirty="0" smtClean="0"/>
+              <a:t>无卷积编码</a:t>
+            </a:r>
+            <a:r>
+              <a:rPr lang="en-US" altLang="zh-CN" dirty="0" smtClean="0"/>
+              <a:t>σ=0.8,</a:t>
+            </a:r>
+            <a:r>
+              <a:rPr lang="zh-CN" altLang="en-US" dirty="0"/>
+              <a:t>从上到下依次</a:t>
+            </a:r>
+            <a:r>
+              <a:rPr lang="zh-CN" altLang="en-US" dirty="0" smtClean="0"/>
+              <a:t>是不加密、</a:t>
+            </a:r>
+            <a:r>
+              <a:rPr lang="en-US" altLang="zh-CN" dirty="0" smtClean="0"/>
+              <a:t>RSA</a:t>
+            </a:r>
+            <a:r>
+              <a:rPr lang="zh-CN" altLang="en-US" dirty="0"/>
+              <a:t>、</a:t>
+            </a:r>
+            <a:r>
+              <a:rPr lang="en-US" altLang="zh-CN" dirty="0"/>
+              <a:t>DES</a:t>
+            </a:r>
+            <a:r>
+              <a:rPr lang="zh-CN" altLang="en-US" dirty="0"/>
+              <a:t>、</a:t>
+            </a:r>
+            <a:r>
+              <a:rPr lang="en-US" altLang="zh-CN" dirty="0"/>
+              <a:t>AES</a:t>
+            </a:r>
+          </a:p>
+          <a:p>
+            <a:endParaRPr lang="en-US" altLang="zh-CN" dirty="0" smtClean="0"/>
+          </a:p>
+          <a:p>
+            <a:endParaRPr lang="zh-CN" altLang="en-US" dirty="0"/>
+          </a:p>
+        </p:txBody>
+      </p:sp>
+      <p:sp>
+        <p:nvSpPr>
+          <p:cNvPr id="4" name="灯片编号占位符 3"/>
+          <p:cNvSpPr>
+            <a:spLocks noGrp="1"/>
+          </p:cNvSpPr>
+          <p:nvPr>
+            <p:ph type="sldNum" sz="quarter" idx="12"/>
+          </p:nvPr>
+        </p:nvSpPr>
+        <p:spPr/>
+        <p:txBody>
+          <a:bodyPr/>
+          <a:lstStyle/>
+          <a:p>
+            <a:fld id="{61CF7123-22A5-4567-A5E1-BBA0CB862768}" type="slidenum">
+              <a:rPr lang="zh-CN" altLang="en-US" smtClean="0"/>
+              <a:t>43</a:t>
+            </a:fld>
+            <a:endParaRPr lang="zh-CN" altLang="en-US"/>
+          </a:p>
+        </p:txBody>
+      </p:sp>
+      <p:pic>
+        <p:nvPicPr>
+          <p:cNvPr id="7" name="图片 6"/>
+          <p:cNvPicPr>
+            <a:picLocks noChangeAspect="1"/>
+          </p:cNvPicPr>
+          <p:nvPr/>
+        </p:nvPicPr>
+        <p:blipFill>
+          <a:blip r:embed="rId2"/>
+          <a:stretch>
+            <a:fillRect/>
+          </a:stretch>
+        </p:blipFill>
+        <p:spPr>
+          <a:xfrm>
+            <a:off x="-827521" y="1270000"/>
+            <a:ext cx="12166081" cy="6079962"/>
+          </a:xfrm>
+          <a:prstGeom prst="rect">
+            <a:avLst/>
+          </a:prstGeom>
+        </p:spPr>
+      </p:pic>
+    </p:spTree>
+    <p:extLst>
+      <p:ext uri="{BB962C8B-B14F-4D97-AF65-F5344CB8AC3E}">
+        <p14:creationId xmlns:p14="http://schemas.microsoft.com/office/powerpoint/2010/main" val="2377189679"/>
+      </p:ext>
+    </p:extLst>
+  </p:cSld>
+  <p:clrMapOvr>
+    <a:masterClrMapping/>
+  </p:clrMapOvr>
+  <p:timing>
+    <p:tnLst>
+      <p:par>
+        <p:cTn id="1" dur="indefinite" restart="never" nodeType="tmRoot"/>
+      </p:par>
+    </p:tnLst>
+  </p:timing>
+</p:sld>
+</file>
+
+<file path=ppt/slides/slide44.xml><?xml version="1.0" encoding="utf-8"?>
+<p:sld xmlns:a="http://schemas.openxmlformats.org/drawingml/2006/main" xmlns:r="http://schemas.openxmlformats.org/officeDocument/2006/relationships" xmlns:p="http://schemas.openxmlformats.org/presentationml/2006/main">
+  <p:cSld>
+    <p:spTree>
+      <p:nvGrpSpPr>
+        <p:cNvPr id="1" name=""/>
+        <p:cNvGrpSpPr/>
+        <p:nvPr/>
+      </p:nvGrpSpPr>
+      <p:grpSpPr>
+        <a:xfrm>
+          <a:off x="0" y="0"/>
+          <a:ext cx="0" cy="0"/>
+          <a:chOff x="0" y="0"/>
+          <a:chExt cx="0" cy="0"/>
+        </a:xfrm>
+      </p:grpSpPr>
+      <p:sp>
+        <p:nvSpPr>
+          <p:cNvPr id="2" name="标题 1"/>
+          <p:cNvSpPr>
+            <a:spLocks noGrp="1"/>
+          </p:cNvSpPr>
+          <p:nvPr>
+            <p:ph type="title"/>
+          </p:nvPr>
+        </p:nvSpPr>
+        <p:spPr/>
+        <p:txBody>
+          <a:bodyPr/>
+          <a:lstStyle/>
+          <a:p>
+            <a:r>
+              <a:rPr lang="zh-CN" altLang="en-US" dirty="0" smtClean="0"/>
+              <a:t>安全、信道编码联调</a:t>
+            </a:r>
+            <a:endParaRPr lang="zh-CN" altLang="en-US" dirty="0"/>
+          </a:p>
+        </p:txBody>
+      </p:sp>
+      <p:sp>
+        <p:nvSpPr>
+          <p:cNvPr id="3" name="内容占位符 2"/>
+          <p:cNvSpPr>
+            <a:spLocks noGrp="1"/>
+          </p:cNvSpPr>
+          <p:nvPr>
+            <p:ph idx="1"/>
+          </p:nvPr>
+        </p:nvSpPr>
+        <p:spPr>
+          <a:xfrm>
+            <a:off x="677334" y="1261873"/>
+            <a:ext cx="8596668" cy="4779490"/>
+          </a:xfrm>
+        </p:spPr>
+        <p:txBody>
+          <a:bodyPr/>
+          <a:lstStyle/>
+          <a:p>
+            <a:r>
+              <a:rPr lang="zh-CN" altLang="en-US" dirty="0" smtClean="0"/>
+              <a:t>卷积编码</a:t>
+            </a:r>
+            <a:r>
+              <a:rPr lang="en-US" altLang="zh-CN" dirty="0" smtClean="0"/>
+              <a:t>σ=0.2,</a:t>
+            </a:r>
+            <a:r>
+              <a:rPr lang="zh-CN" altLang="en-US" dirty="0"/>
+              <a:t>从上到下依次</a:t>
+            </a:r>
+            <a:r>
+              <a:rPr lang="zh-CN" altLang="en-US" dirty="0" smtClean="0"/>
+              <a:t>是不加密、</a:t>
+            </a:r>
+            <a:r>
+              <a:rPr lang="en-US" altLang="zh-CN" dirty="0" smtClean="0"/>
+              <a:t>RSA</a:t>
+            </a:r>
+            <a:r>
+              <a:rPr lang="zh-CN" altLang="en-US" dirty="0"/>
+              <a:t>、</a:t>
+            </a:r>
+            <a:r>
+              <a:rPr lang="en-US" altLang="zh-CN" dirty="0"/>
+              <a:t>DES</a:t>
+            </a:r>
+            <a:r>
+              <a:rPr lang="zh-CN" altLang="en-US" dirty="0"/>
+              <a:t>、</a:t>
+            </a:r>
+            <a:r>
+              <a:rPr lang="en-US" altLang="zh-CN" dirty="0"/>
+              <a:t>AES</a:t>
+            </a:r>
+          </a:p>
+          <a:p>
+            <a:endParaRPr lang="en-US" altLang="zh-CN" dirty="0" smtClean="0"/>
+          </a:p>
+          <a:p>
+            <a:endParaRPr lang="zh-CN" altLang="en-US" dirty="0"/>
+          </a:p>
+        </p:txBody>
+      </p:sp>
+      <p:sp>
+        <p:nvSpPr>
+          <p:cNvPr id="4" name="灯片编号占位符 3"/>
+          <p:cNvSpPr>
+            <a:spLocks noGrp="1"/>
+          </p:cNvSpPr>
+          <p:nvPr>
+            <p:ph type="sldNum" sz="quarter" idx="12"/>
+          </p:nvPr>
+        </p:nvSpPr>
+        <p:spPr/>
+        <p:txBody>
+          <a:bodyPr/>
+          <a:lstStyle/>
+          <a:p>
+            <a:fld id="{61CF7123-22A5-4567-A5E1-BBA0CB862768}" type="slidenum">
+              <a:rPr lang="zh-CN" altLang="en-US" smtClean="0"/>
+              <a:t>44</a:t>
+            </a:fld>
+            <a:endParaRPr lang="zh-CN" altLang="en-US"/>
+          </a:p>
+        </p:txBody>
+      </p:sp>
+      <p:pic>
+        <p:nvPicPr>
+          <p:cNvPr id="6" name="图片 5"/>
+          <p:cNvPicPr>
+            <a:picLocks noChangeAspect="1"/>
+          </p:cNvPicPr>
+          <p:nvPr/>
+        </p:nvPicPr>
+        <p:blipFill>
+          <a:blip r:embed="rId2"/>
+          <a:stretch>
+            <a:fillRect/>
+          </a:stretch>
+        </p:blipFill>
+        <p:spPr>
+          <a:xfrm>
+            <a:off x="-745225" y="1270000"/>
+            <a:ext cx="12138649" cy="6066253"/>
+          </a:xfrm>
+          <a:prstGeom prst="rect">
+            <a:avLst/>
+          </a:prstGeom>
+        </p:spPr>
+      </p:pic>
+    </p:spTree>
+    <p:extLst>
+      <p:ext uri="{BB962C8B-B14F-4D97-AF65-F5344CB8AC3E}">
+        <p14:creationId xmlns:p14="http://schemas.microsoft.com/office/powerpoint/2010/main" val="589536909"/>
+      </p:ext>
+    </p:extLst>
+  </p:cSld>
+  <p:clrMapOvr>
+    <a:masterClrMapping/>
+  </p:clrMapOvr>
+  <p:timing>
+    <p:tnLst>
+      <p:par>
+        <p:cTn id="1" dur="indefinite" restart="never" nodeType="tmRoot"/>
+      </p:par>
+    </p:tnLst>
+  </p:timing>
+</p:sld>
+</file>
+
+<file path=ppt/slides/slide45.xml><?xml version="1.0" encoding="utf-8"?>
+<p:sld xmlns:a="http://schemas.openxmlformats.org/drawingml/2006/main" xmlns:r="http://schemas.openxmlformats.org/officeDocument/2006/relationships" xmlns:p="http://schemas.openxmlformats.org/presentationml/2006/main">
+  <p:cSld>
+    <p:spTree>
+      <p:nvGrpSpPr>
+        <p:cNvPr id="1" name=""/>
+        <p:cNvGrpSpPr/>
+        <p:nvPr/>
+      </p:nvGrpSpPr>
+      <p:grpSpPr>
+        <a:xfrm>
+          <a:off x="0" y="0"/>
+          <a:ext cx="0" cy="0"/>
+          <a:chOff x="0" y="0"/>
+          <a:chExt cx="0" cy="0"/>
+        </a:xfrm>
+      </p:grpSpPr>
+      <p:sp>
+        <p:nvSpPr>
+          <p:cNvPr id="2" name="标题 1"/>
+          <p:cNvSpPr>
+            <a:spLocks noGrp="1"/>
+          </p:cNvSpPr>
+          <p:nvPr>
+            <p:ph type="title"/>
+          </p:nvPr>
+        </p:nvSpPr>
+        <p:spPr/>
+        <p:txBody>
+          <a:bodyPr/>
+          <a:lstStyle/>
+          <a:p>
+            <a:r>
+              <a:rPr lang="zh-CN" altLang="en-US" dirty="0" smtClean="0"/>
+              <a:t>安全、信道编码联调</a:t>
+            </a:r>
+            <a:endParaRPr lang="zh-CN" altLang="en-US" dirty="0"/>
+          </a:p>
+        </p:txBody>
+      </p:sp>
+      <p:sp>
+        <p:nvSpPr>
+          <p:cNvPr id="3" name="内容占位符 2"/>
+          <p:cNvSpPr>
+            <a:spLocks noGrp="1"/>
+          </p:cNvSpPr>
+          <p:nvPr>
+            <p:ph idx="1"/>
+          </p:nvPr>
+        </p:nvSpPr>
+        <p:spPr>
+          <a:xfrm>
+            <a:off x="677334" y="1261873"/>
+            <a:ext cx="8596668" cy="4779490"/>
+          </a:xfrm>
+        </p:spPr>
+        <p:txBody>
+          <a:bodyPr/>
+          <a:lstStyle/>
+          <a:p>
+            <a:r>
+              <a:rPr lang="zh-CN" altLang="en-US" dirty="0" smtClean="0"/>
+              <a:t>卷积编码</a:t>
+            </a:r>
+            <a:r>
+              <a:rPr lang="en-US" altLang="zh-CN" dirty="0" smtClean="0"/>
+              <a:t>σ=0.4,</a:t>
+            </a:r>
+            <a:r>
+              <a:rPr lang="zh-CN" altLang="en-US" dirty="0"/>
+              <a:t>从上到下依次</a:t>
+            </a:r>
+            <a:r>
+              <a:rPr lang="zh-CN" altLang="en-US" dirty="0" smtClean="0"/>
+              <a:t>是不加密、</a:t>
+            </a:r>
+            <a:r>
+              <a:rPr lang="en-US" altLang="zh-CN" dirty="0" smtClean="0"/>
+              <a:t>RSA</a:t>
+            </a:r>
+            <a:r>
+              <a:rPr lang="zh-CN" altLang="en-US" dirty="0"/>
+              <a:t>、</a:t>
+            </a:r>
+            <a:r>
+              <a:rPr lang="en-US" altLang="zh-CN" dirty="0"/>
+              <a:t>DES</a:t>
+            </a:r>
+            <a:r>
+              <a:rPr lang="zh-CN" altLang="en-US" dirty="0"/>
+              <a:t>、</a:t>
+            </a:r>
+            <a:r>
+              <a:rPr lang="en-US" altLang="zh-CN" dirty="0"/>
+              <a:t>AES</a:t>
+            </a:r>
+          </a:p>
+          <a:p>
+            <a:endParaRPr lang="en-US" altLang="zh-CN" dirty="0" smtClean="0"/>
+          </a:p>
+          <a:p>
+            <a:endParaRPr lang="zh-CN" altLang="en-US" dirty="0"/>
+          </a:p>
+        </p:txBody>
+      </p:sp>
+      <p:sp>
+        <p:nvSpPr>
+          <p:cNvPr id="4" name="灯片编号占位符 3"/>
+          <p:cNvSpPr>
+            <a:spLocks noGrp="1"/>
+          </p:cNvSpPr>
+          <p:nvPr>
+            <p:ph type="sldNum" sz="quarter" idx="12"/>
+          </p:nvPr>
+        </p:nvSpPr>
+        <p:spPr/>
+        <p:txBody>
+          <a:bodyPr/>
+          <a:lstStyle/>
+          <a:p>
+            <a:fld id="{61CF7123-22A5-4567-A5E1-BBA0CB862768}" type="slidenum">
+              <a:rPr lang="zh-CN" altLang="en-US" smtClean="0"/>
+              <a:t>45</a:t>
+            </a:fld>
+            <a:endParaRPr lang="zh-CN" altLang="en-US"/>
+          </a:p>
+        </p:txBody>
+      </p:sp>
+      <p:pic>
+        <p:nvPicPr>
+          <p:cNvPr id="6" name="图片 5"/>
+          <p:cNvPicPr>
+            <a:picLocks noChangeAspect="1"/>
+          </p:cNvPicPr>
+          <p:nvPr/>
+        </p:nvPicPr>
+        <p:blipFill>
+          <a:blip r:embed="rId2"/>
+          <a:stretch>
+            <a:fillRect/>
+          </a:stretch>
+        </p:blipFill>
+        <p:spPr>
+          <a:xfrm>
+            <a:off x="-708649" y="1270000"/>
+            <a:ext cx="12065497" cy="6029695"/>
+          </a:xfrm>
+          <a:prstGeom prst="rect">
+            <a:avLst/>
+          </a:prstGeom>
+        </p:spPr>
+      </p:pic>
+    </p:spTree>
+    <p:extLst>
+      <p:ext uri="{BB962C8B-B14F-4D97-AF65-F5344CB8AC3E}">
+        <p14:creationId xmlns:p14="http://schemas.microsoft.com/office/powerpoint/2010/main" val="1893837965"/>
+      </p:ext>
+    </p:extLst>
+  </p:cSld>
+  <p:clrMapOvr>
+    <a:masterClrMapping/>
+  </p:clrMapOvr>
+  <p:timing>
+    <p:tnLst>
+      <p:par>
+        <p:cTn id="1" dur="indefinite" restart="never" nodeType="tmRoot"/>
+      </p:par>
+    </p:tnLst>
+  </p:timing>
+</p:sld>
+</file>
+
+<file path=ppt/slides/slide46.xml><?xml version="1.0" encoding="utf-8"?>
+<p:sld xmlns:a="http://schemas.openxmlformats.org/drawingml/2006/main" xmlns:r="http://schemas.openxmlformats.org/officeDocument/2006/relationships" xmlns:p="http://schemas.openxmlformats.org/presentationml/2006/main">
+  <p:cSld>
+    <p:spTree>
+      <p:nvGrpSpPr>
+        <p:cNvPr id="1" name=""/>
+        <p:cNvGrpSpPr/>
+        <p:nvPr/>
+      </p:nvGrpSpPr>
+      <p:grpSpPr>
+        <a:xfrm>
+          <a:off x="0" y="0"/>
+          <a:ext cx="0" cy="0"/>
+          <a:chOff x="0" y="0"/>
+          <a:chExt cx="0" cy="0"/>
+        </a:xfrm>
+      </p:grpSpPr>
+      <p:sp>
+        <p:nvSpPr>
+          <p:cNvPr id="2" name="标题 1"/>
+          <p:cNvSpPr>
+            <a:spLocks noGrp="1"/>
+          </p:cNvSpPr>
+          <p:nvPr>
+            <p:ph type="title"/>
+          </p:nvPr>
+        </p:nvSpPr>
+        <p:spPr/>
+        <p:txBody>
+          <a:bodyPr/>
+          <a:lstStyle/>
+          <a:p>
+            <a:r>
+              <a:rPr lang="zh-CN" altLang="en-US" dirty="0" smtClean="0"/>
+              <a:t>安全、信道编码联调</a:t>
+            </a:r>
+            <a:endParaRPr lang="zh-CN" altLang="en-US" dirty="0"/>
+          </a:p>
+        </p:txBody>
+      </p:sp>
+      <p:sp>
+        <p:nvSpPr>
+          <p:cNvPr id="3" name="内容占位符 2"/>
+          <p:cNvSpPr>
+            <a:spLocks noGrp="1"/>
+          </p:cNvSpPr>
+          <p:nvPr>
+            <p:ph idx="1"/>
+          </p:nvPr>
+        </p:nvSpPr>
+        <p:spPr>
+          <a:xfrm>
+            <a:off x="677334" y="1261873"/>
+            <a:ext cx="8596668" cy="4779490"/>
+          </a:xfrm>
+        </p:spPr>
+        <p:txBody>
+          <a:bodyPr/>
+          <a:lstStyle/>
+          <a:p>
+            <a:r>
+              <a:rPr lang="zh-CN" altLang="en-US" dirty="0" smtClean="0"/>
+              <a:t>卷积编码</a:t>
+            </a:r>
+            <a:r>
+              <a:rPr lang="en-US" altLang="zh-CN" dirty="0" smtClean="0"/>
+              <a:t>σ=0.8,</a:t>
+            </a:r>
+            <a:r>
+              <a:rPr lang="zh-CN" altLang="en-US" dirty="0"/>
+              <a:t>从上到下依次</a:t>
+            </a:r>
+            <a:r>
+              <a:rPr lang="zh-CN" altLang="en-US" dirty="0" smtClean="0"/>
+              <a:t>是不加密、</a:t>
+            </a:r>
+            <a:r>
+              <a:rPr lang="en-US" altLang="zh-CN" dirty="0" smtClean="0"/>
+              <a:t>RSA</a:t>
+            </a:r>
+            <a:r>
+              <a:rPr lang="zh-CN" altLang="en-US" dirty="0"/>
+              <a:t>、</a:t>
+            </a:r>
+            <a:r>
+              <a:rPr lang="en-US" altLang="zh-CN" dirty="0"/>
+              <a:t>DES</a:t>
+            </a:r>
+            <a:r>
+              <a:rPr lang="zh-CN" altLang="en-US" dirty="0"/>
+              <a:t>、</a:t>
+            </a:r>
+            <a:r>
+              <a:rPr lang="en-US" altLang="zh-CN" dirty="0"/>
+              <a:t>AES</a:t>
+            </a:r>
+          </a:p>
+          <a:p>
+            <a:endParaRPr lang="en-US" altLang="zh-CN" dirty="0" smtClean="0"/>
+          </a:p>
+          <a:p>
+            <a:endParaRPr lang="zh-CN" altLang="en-US" dirty="0"/>
+          </a:p>
+        </p:txBody>
+      </p:sp>
+      <p:sp>
+        <p:nvSpPr>
+          <p:cNvPr id="4" name="灯片编号占位符 3"/>
+          <p:cNvSpPr>
+            <a:spLocks noGrp="1"/>
+          </p:cNvSpPr>
+          <p:nvPr>
+            <p:ph type="sldNum" sz="quarter" idx="12"/>
+          </p:nvPr>
+        </p:nvSpPr>
+        <p:spPr/>
+        <p:txBody>
+          <a:bodyPr/>
+          <a:lstStyle/>
+          <a:p>
+            <a:fld id="{61CF7123-22A5-4567-A5E1-BBA0CB862768}" type="slidenum">
+              <a:rPr lang="zh-CN" altLang="en-US" smtClean="0"/>
+              <a:t>46</a:t>
+            </a:fld>
+            <a:endParaRPr lang="zh-CN" altLang="en-US"/>
+          </a:p>
+        </p:txBody>
+      </p:sp>
+      <p:pic>
+        <p:nvPicPr>
+          <p:cNvPr id="7" name="图片 6"/>
+          <p:cNvPicPr>
+            <a:picLocks noChangeAspect="1"/>
+          </p:cNvPicPr>
+          <p:nvPr/>
+        </p:nvPicPr>
+        <p:blipFill>
+          <a:blip r:embed="rId2"/>
+          <a:stretch>
+            <a:fillRect/>
+          </a:stretch>
+        </p:blipFill>
+        <p:spPr>
+          <a:xfrm>
+            <a:off x="-763513" y="1333148"/>
+            <a:ext cx="12019777" cy="6006847"/>
+          </a:xfrm>
+          <a:prstGeom prst="rect">
+            <a:avLst/>
+          </a:prstGeom>
+        </p:spPr>
+      </p:pic>
+    </p:spTree>
+    <p:extLst>
+      <p:ext uri="{BB962C8B-B14F-4D97-AF65-F5344CB8AC3E}">
+        <p14:creationId xmlns:p14="http://schemas.microsoft.com/office/powerpoint/2010/main" val="3074613043"/>
+      </p:ext>
+    </p:extLst>
+  </p:cSld>
+  <p:clrMapOvr>
+    <a:masterClrMapping/>
+  </p:clrMapOvr>
+  <p:timing>
+    <p:tnLst>
+      <p:par>
+        <p:cTn id="1" dur="indefinite" restart="never" nodeType="tmRoot"/>
+      </p:par>
+    </p:tnLst>
+  </p:timing>
+</p:sld>
+</file>
+
+<file path=ppt/slides/slide47.xml><?xml version="1.0" encoding="utf-8"?>
+<p:sld xmlns:a="http://schemas.openxmlformats.org/drawingml/2006/main" xmlns:r="http://schemas.openxmlformats.org/officeDocument/2006/relationships" xmlns:p="http://schemas.openxmlformats.org/presentationml/2006/main">
+  <p:cSld>
+    <p:spTree>
+      <p:nvGrpSpPr>
+        <p:cNvPr id="1" name=""/>
+        <p:cNvGrpSpPr/>
+        <p:nvPr/>
+      </p:nvGrpSpPr>
+      <p:grpSpPr>
+        <a:xfrm>
+          <a:off x="0" y="0"/>
+          <a:ext cx="0" cy="0"/>
+          <a:chOff x="0" y="0"/>
+          <a:chExt cx="0" cy="0"/>
+        </a:xfrm>
+      </p:grpSpPr>
+      <p:sp>
+        <p:nvSpPr>
+          <p:cNvPr id="2" name="标题 1"/>
+          <p:cNvSpPr>
+            <a:spLocks noGrp="1"/>
+          </p:cNvSpPr>
+          <p:nvPr>
+            <p:ph type="title"/>
+          </p:nvPr>
+        </p:nvSpPr>
+        <p:spPr/>
+        <p:txBody>
+          <a:bodyPr/>
+          <a:lstStyle/>
+          <a:p>
+            <a:r>
+              <a:rPr lang="zh-CN" altLang="en-US" dirty="0"/>
+              <a:t>安全、信道编码联调</a:t>
+            </a:r>
+          </a:p>
+        </p:txBody>
+      </p:sp>
+      <p:sp>
+        <p:nvSpPr>
+          <p:cNvPr id="3" name="内容占位符 2"/>
+          <p:cNvSpPr>
+            <a:spLocks noGrp="1"/>
+          </p:cNvSpPr>
+          <p:nvPr>
+            <p:ph idx="1"/>
+          </p:nvPr>
+        </p:nvSpPr>
+        <p:spPr/>
+        <p:txBody>
+          <a:bodyPr/>
+          <a:lstStyle/>
+          <a:p>
+            <a:r>
+              <a:rPr lang="zh-CN" altLang="en-US" dirty="0" smtClean="0"/>
+              <a:t>综合前面的结果，我们大致可以得出这些结论</a:t>
+            </a:r>
+            <a:r>
+              <a:rPr lang="en-US" altLang="zh-CN" dirty="0" smtClean="0"/>
+              <a:t>:</a:t>
+            </a:r>
+          </a:p>
+          <a:p>
+            <a:pPr lvl="1"/>
+            <a:r>
+              <a:rPr lang="zh-CN" altLang="en-US" dirty="0" smtClean="0"/>
+              <a:t>噪声功率越大，误码图案越多</a:t>
+            </a:r>
+            <a:endParaRPr lang="en-US" altLang="zh-CN" dirty="0" smtClean="0"/>
+          </a:p>
+          <a:p>
+            <a:pPr lvl="1"/>
+            <a:r>
+              <a:rPr lang="zh-CN" altLang="en-US" dirty="0" smtClean="0"/>
+              <a:t>在高信噪比（低</a:t>
+            </a:r>
+            <a:r>
+              <a:rPr lang="en-US" altLang="zh-CN" dirty="0" smtClean="0"/>
+              <a:t>σ</a:t>
+            </a:r>
+            <a:r>
+              <a:rPr lang="zh-CN" altLang="en-US" dirty="0" smtClean="0"/>
+              <a:t>）情况下，卷积编码得到的误码图案更稀疏。这可能是因为卷积码有冗余，所以在</a:t>
+            </a:r>
+            <a:r>
+              <a:rPr lang="en-US" altLang="zh-CN" dirty="0" err="1" smtClean="0"/>
+              <a:t>viterbi</a:t>
+            </a:r>
+            <a:r>
+              <a:rPr lang="zh-CN" altLang="en-US" dirty="0" smtClean="0"/>
+              <a:t>译码时能够纠一定错。</a:t>
+            </a:r>
+            <a:endParaRPr lang="en-US" altLang="zh-CN" dirty="0" smtClean="0"/>
+          </a:p>
+          <a:p>
+            <a:pPr lvl="1"/>
+            <a:r>
+              <a:rPr lang="zh-CN" altLang="en-US" dirty="0"/>
+              <a:t>在低</a:t>
+            </a:r>
+            <a:r>
+              <a:rPr lang="zh-CN" altLang="en-US" dirty="0" smtClean="0"/>
+              <a:t>信噪比（高</a:t>
+            </a:r>
+            <a:r>
+              <a:rPr lang="en-US" altLang="zh-CN" dirty="0" smtClean="0"/>
+              <a:t>σ</a:t>
+            </a:r>
+            <a:r>
+              <a:rPr lang="zh-CN" altLang="en-US" dirty="0" smtClean="0"/>
+              <a:t>）情况下，卷积编码得到的误码图案更密集。这是因为，低信噪比情况下，卷积编码传输过程中</a:t>
+            </a:r>
+            <a:r>
+              <a:rPr lang="en-US" altLang="zh-CN" dirty="0" smtClean="0"/>
+              <a:t>bit</a:t>
+            </a:r>
+            <a:r>
+              <a:rPr lang="zh-CN" altLang="en-US" dirty="0" smtClean="0"/>
+              <a:t>序列错的可能性更大。</a:t>
+            </a:r>
+            <a:endParaRPr lang="en-US" altLang="zh-CN" dirty="0" smtClean="0"/>
+          </a:p>
+          <a:p>
+            <a:pPr lvl="1"/>
+            <a:r>
+              <a:rPr lang="zh-CN" altLang="en-US" dirty="0" smtClean="0"/>
+              <a:t>无加密情况下，误码图案比</a:t>
+            </a:r>
+            <a:r>
+              <a:rPr lang="zh-CN" altLang="en-US" dirty="0"/>
+              <a:t>有</a:t>
+            </a:r>
+            <a:r>
+              <a:rPr lang="zh-CN" altLang="en-US" dirty="0" smtClean="0"/>
+              <a:t>加密情况下更稀疏。这是因为，加密后，一个</a:t>
+            </a:r>
+            <a:r>
+              <a:rPr lang="en-US" altLang="zh-CN" dirty="0" smtClean="0"/>
+              <a:t>bit</a:t>
+            </a:r>
+            <a:r>
+              <a:rPr lang="zh-CN" altLang="en-US" dirty="0" smtClean="0"/>
+              <a:t>的错误可能会影响多个</a:t>
+            </a:r>
+            <a:r>
+              <a:rPr lang="en-US" altLang="zh-CN" dirty="0" smtClean="0"/>
+              <a:t>bit</a:t>
+            </a:r>
+            <a:r>
+              <a:rPr lang="zh-CN" altLang="en-US" smtClean="0"/>
+              <a:t>。</a:t>
+            </a:r>
+            <a:endParaRPr lang="en-US" altLang="zh-CN" dirty="0" smtClean="0"/>
+          </a:p>
+          <a:p>
+            <a:pPr lvl="1"/>
+            <a:endParaRPr lang="zh-CN" altLang="en-US" dirty="0"/>
+          </a:p>
+        </p:txBody>
+      </p:sp>
+      <p:sp>
+        <p:nvSpPr>
+          <p:cNvPr id="4" name="灯片编号占位符 3"/>
+          <p:cNvSpPr>
+            <a:spLocks noGrp="1"/>
+          </p:cNvSpPr>
+          <p:nvPr>
+            <p:ph type="sldNum" sz="quarter" idx="12"/>
+          </p:nvPr>
+        </p:nvSpPr>
+        <p:spPr/>
+        <p:txBody>
+          <a:bodyPr/>
+          <a:lstStyle/>
+          <a:p>
+            <a:fld id="{61CF7123-22A5-4567-A5E1-BBA0CB862768}" type="slidenum">
+              <a:rPr lang="zh-CN" altLang="en-US" smtClean="0"/>
+              <a:t>47</a:t>
+            </a:fld>
+            <a:endParaRPr lang="zh-CN" altLang="en-US"/>
+          </a:p>
+        </p:txBody>
+      </p:sp>
+    </p:spTree>
+    <p:extLst>
+      <p:ext uri="{BB962C8B-B14F-4D97-AF65-F5344CB8AC3E}">
+        <p14:creationId xmlns:p14="http://schemas.microsoft.com/office/powerpoint/2010/main" val="1387692371"/>
+      </p:ext>
+    </p:extLst>
+  </p:cSld>
+  <p:clrMapOvr>
+    <a:masterClrMapping/>
+  </p:clrMapOvr>
+</p:sld>
+</file>
+
+<file path=ppt/slides/slide48.xml><?xml version="1.0" encoding="utf-8"?>
+<p:sld xmlns:a="http://schemas.openxmlformats.org/drawingml/2006/main" xmlns:r="http://schemas.openxmlformats.org/officeDocument/2006/relationships" xmlns:p="http://schemas.openxmlformats.org/presentationml/2006/main">
+  <p:cSld>
+    <p:spTree>
+      <p:nvGrpSpPr>
+        <p:cNvPr id="1" name=""/>
+        <p:cNvGrpSpPr/>
+        <p:nvPr/>
+      </p:nvGrpSpPr>
+      <p:grpSpPr>
+        <a:xfrm>
+          <a:off x="0" y="0"/>
+          <a:ext cx="0" cy="0"/>
+          <a:chOff x="0" y="0"/>
+          <a:chExt cx="0" cy="0"/>
+        </a:xfrm>
+      </p:grpSpPr>
+      <p:sp>
+        <p:nvSpPr>
+          <p:cNvPr id="5" name="标题 4"/>
+          <p:cNvSpPr>
+            <a:spLocks noGrp="1"/>
+          </p:cNvSpPr>
+          <p:nvPr>
+            <p:ph type="title"/>
+          </p:nvPr>
+        </p:nvSpPr>
+        <p:spPr>
+          <a:xfrm>
+            <a:off x="672691" y="1593981"/>
+            <a:ext cx="8596668" cy="3403600"/>
+          </a:xfrm>
+        </p:spPr>
+        <p:txBody>
+          <a:bodyPr/>
+          <a:lstStyle/>
+          <a:p>
+            <a:pPr algn="ctr"/>
+            <a:r>
+              <a:rPr lang="zh-CN" altLang="en-US" dirty="0" smtClean="0"/>
+              <a:t>感谢聆听！</a:t>
+            </a:r>
+            <a:endParaRPr lang="zh-CN" altLang="en-US" dirty="0"/>
+          </a:p>
+        </p:txBody>
+      </p:sp>
+      <p:sp>
+        <p:nvSpPr>
+          <p:cNvPr id="6" name="文本占位符 5"/>
+          <p:cNvSpPr>
+            <a:spLocks noGrp="1"/>
+          </p:cNvSpPr>
+          <p:nvPr>
+            <p:ph type="body" idx="1"/>
+          </p:nvPr>
+        </p:nvSpPr>
+        <p:spPr/>
+        <p:txBody>
+          <a:bodyPr/>
+          <a:lstStyle/>
+          <a:p>
+            <a:endParaRPr lang="zh-CN" altLang="en-US"/>
+          </a:p>
+        </p:txBody>
+      </p:sp>
+      <p:sp>
+        <p:nvSpPr>
+          <p:cNvPr id="4" name="灯片编号占位符 3"/>
+          <p:cNvSpPr>
+            <a:spLocks noGrp="1"/>
+          </p:cNvSpPr>
+          <p:nvPr>
+            <p:ph type="sldNum" sz="quarter" idx="12"/>
+          </p:nvPr>
+        </p:nvSpPr>
+        <p:spPr/>
+        <p:txBody>
+          <a:bodyPr/>
+          <a:lstStyle/>
+          <a:p>
+            <a:fld id="{61CF7123-22A5-4567-A5E1-BBA0CB862768}" type="slidenum">
+              <a:rPr lang="zh-CN" altLang="en-US" smtClean="0"/>
+              <a:t>48</a:t>
+            </a:fld>
+            <a:endParaRPr lang="zh-CN" altLang="en-US"/>
+          </a:p>
+        </p:txBody>
+      </p:sp>
+    </p:spTree>
+    <p:extLst>
+      <p:ext uri="{BB962C8B-B14F-4D97-AF65-F5344CB8AC3E}">
+        <p14:creationId xmlns:p14="http://schemas.microsoft.com/office/powerpoint/2010/main" val="329907619"/>
       </p:ext>
     </p:extLst>
   </p:cSld>
